--- a/RealtimeDashboards.pptx
+++ b/RealtimeDashboards.pptx
@@ -5,10 +5,10 @@
     <p:sldMasterId id="2147483648" r:id="rId5"/>
   </p:sldMasterIdLst>
   <p:notesMasterIdLst>
-    <p:notesMasterId r:id="rId46"/>
+    <p:notesMasterId r:id="rId38"/>
   </p:notesMasterIdLst>
   <p:handoutMasterIdLst>
-    <p:handoutMasterId r:id="rId47"/>
+    <p:handoutMasterId r:id="rId39"/>
   </p:handoutMasterIdLst>
   <p:sldIdLst>
     <p:sldId id="279" r:id="rId6"/>
@@ -25,32 +25,24 @@
     <p:sldId id="286" r:id="rId17"/>
     <p:sldId id="287" r:id="rId18"/>
     <p:sldId id="288" r:id="rId19"/>
-    <p:sldId id="318" r:id="rId20"/>
-    <p:sldId id="309" r:id="rId21"/>
-    <p:sldId id="301" r:id="rId22"/>
-    <p:sldId id="302" r:id="rId23"/>
-    <p:sldId id="303" r:id="rId24"/>
+    <p:sldId id="323" r:id="rId20"/>
+    <p:sldId id="318" r:id="rId21"/>
+    <p:sldId id="309" r:id="rId22"/>
+    <p:sldId id="301" r:id="rId23"/>
+    <p:sldId id="302" r:id="rId24"/>
     <p:sldId id="304" r:id="rId25"/>
     <p:sldId id="305" r:id="rId26"/>
     <p:sldId id="306" r:id="rId27"/>
     <p:sldId id="307" r:id="rId28"/>
-    <p:sldId id="319" r:id="rId29"/>
-    <p:sldId id="320" r:id="rId30"/>
-    <p:sldId id="321" r:id="rId31"/>
-    <p:sldId id="308" r:id="rId32"/>
-    <p:sldId id="295" r:id="rId33"/>
-    <p:sldId id="280" r:id="rId34"/>
-    <p:sldId id="298" r:id="rId35"/>
-    <p:sldId id="291" r:id="rId36"/>
-    <p:sldId id="289" r:id="rId37"/>
-    <p:sldId id="281" r:id="rId38"/>
-    <p:sldId id="282" r:id="rId39"/>
-    <p:sldId id="296" r:id="rId40"/>
-    <p:sldId id="283" r:id="rId41"/>
-    <p:sldId id="292" r:id="rId42"/>
-    <p:sldId id="297" r:id="rId43"/>
-    <p:sldId id="314" r:id="rId44"/>
-    <p:sldId id="315" r:id="rId45"/>
+    <p:sldId id="308" r:id="rId29"/>
+    <p:sldId id="319" r:id="rId30"/>
+    <p:sldId id="280" r:id="rId31"/>
+    <p:sldId id="298" r:id="rId32"/>
+    <p:sldId id="282" r:id="rId33"/>
+    <p:sldId id="291" r:id="rId34"/>
+    <p:sldId id="320" r:id="rId35"/>
+    <p:sldId id="283" r:id="rId36"/>
+    <p:sldId id="321" r:id="rId37"/>
   </p:sldIdLst>
   <p:sldSz cx="9144000" cy="6858000" type="screen4x3"/>
   <p:notesSz cx="7315200" cy="9601200"/>
@@ -180,6 +172,10 @@
     </p:ext>
   </p:extLst>
 </p:presentation>
+</file>
+
+<file path=ppt/revisionInfo.xml><?xml version="1.0" encoding="utf-8"?>
+<p1510:revInfo xmlns:a="http://schemas.openxmlformats.org/drawingml/2006/main" xmlns:r="http://schemas.openxmlformats.org/officeDocument/2006/relationships" xmlns:p1510="http://schemas.microsoft.com/office/powerpoint/2015/10/main"/>
 </file>
 
 <file path=ppt/handoutMasters/handoutMaster1.xml><?xml version="1.0" encoding="utf-8"?>
@@ -640,67 +636,6 @@
 </p:notes>
 </file>
 
-<file path=ppt/notesSlides/notesSlide10.xml><?xml version="1.0" encoding="utf-8"?>
-<p:notes xmlns:a="http://schemas.openxmlformats.org/drawingml/2006/main" xmlns:r="http://schemas.openxmlformats.org/officeDocument/2006/relationships" xmlns:p="http://schemas.openxmlformats.org/presentationml/2006/main">
-  <p:cSld>
-    <p:spTree>
-      <p:nvGrpSpPr>
-        <p:cNvPr id="1" name=""/>
-        <p:cNvGrpSpPr/>
-        <p:nvPr/>
-      </p:nvGrpSpPr>
-      <p:grpSpPr>
-        <a:xfrm>
-          <a:off x="0" y="0"/>
-          <a:ext cx="0" cy="0"/>
-          <a:chOff x="0" y="0"/>
-          <a:chExt cx="0" cy="0"/>
-        </a:xfrm>
-      </p:grpSpPr>
-      <p:sp>
-        <p:nvSpPr>
-          <p:cNvPr id="2" name="Slide Image Placeholder 1"/>
-          <p:cNvSpPr>
-            <a:spLocks noGrp="1" noRot="1" noChangeAspect="1"/>
-          </p:cNvSpPr>
-          <p:nvPr>
-            <p:ph type="sldImg"/>
-          </p:nvPr>
-        </p:nvSpPr>
-        <p:spPr/>
-      </p:sp>
-      <p:sp>
-        <p:nvSpPr>
-          <p:cNvPr id="3" name="Notes Placeholder 2"/>
-          <p:cNvSpPr>
-            <a:spLocks noGrp="1"/>
-          </p:cNvSpPr>
-          <p:nvPr>
-            <p:ph type="body" idx="1"/>
-          </p:nvPr>
-        </p:nvSpPr>
-        <p:spPr/>
-        <p:txBody>
-          <a:bodyPr/>
-          <a:lstStyle/>
-          <a:p>
-            <a:endParaRPr lang="en-US" dirty="0"/>
-          </a:p>
-        </p:txBody>
-      </p:sp>
-    </p:spTree>
-    <p:extLst>
-      <p:ext uri="{BB962C8B-B14F-4D97-AF65-F5344CB8AC3E}">
-        <p14:creationId xmlns:p14="http://schemas.microsoft.com/office/powerpoint/2010/main" val="4179602332"/>
-      </p:ext>
-    </p:extLst>
-  </p:cSld>
-  <p:clrMapOvr>
-    <a:masterClrMapping/>
-  </p:clrMapOvr>
-</p:notes>
-</file>
-
 <file path=ppt/notesSlides/notesSlide2.xml><?xml version="1.0" encoding="utf-8"?>
 <p:notes xmlns:a="http://schemas.openxmlformats.org/drawingml/2006/main" xmlns:r="http://schemas.openxmlformats.org/officeDocument/2006/relationships" xmlns:p="http://schemas.openxmlformats.org/presentationml/2006/main">
   <p:cSld>
@@ -1058,128 +993,6 @@
     <p:extLst>
       <p:ext uri="{BB962C8B-B14F-4D97-AF65-F5344CB8AC3E}">
         <p14:creationId xmlns:p14="http://schemas.microsoft.com/office/powerpoint/2010/main" val="3765201761"/>
-      </p:ext>
-    </p:extLst>
-  </p:cSld>
-  <p:clrMapOvr>
-    <a:masterClrMapping/>
-  </p:clrMapOvr>
-</p:notes>
-</file>
-
-<file path=ppt/notesSlides/notesSlide8.xml><?xml version="1.0" encoding="utf-8"?>
-<p:notes xmlns:a="http://schemas.openxmlformats.org/drawingml/2006/main" xmlns:r="http://schemas.openxmlformats.org/officeDocument/2006/relationships" xmlns:p="http://schemas.openxmlformats.org/presentationml/2006/main">
-  <p:cSld>
-    <p:spTree>
-      <p:nvGrpSpPr>
-        <p:cNvPr id="1" name=""/>
-        <p:cNvGrpSpPr/>
-        <p:nvPr/>
-      </p:nvGrpSpPr>
-      <p:grpSpPr>
-        <a:xfrm>
-          <a:off x="0" y="0"/>
-          <a:ext cx="0" cy="0"/>
-          <a:chOff x="0" y="0"/>
-          <a:chExt cx="0" cy="0"/>
-        </a:xfrm>
-      </p:grpSpPr>
-      <p:sp>
-        <p:nvSpPr>
-          <p:cNvPr id="2" name="Slide Image Placeholder 1"/>
-          <p:cNvSpPr>
-            <a:spLocks noGrp="1" noRot="1" noChangeAspect="1"/>
-          </p:cNvSpPr>
-          <p:nvPr>
-            <p:ph type="sldImg"/>
-          </p:nvPr>
-        </p:nvSpPr>
-        <p:spPr/>
-      </p:sp>
-      <p:sp>
-        <p:nvSpPr>
-          <p:cNvPr id="3" name="Notes Placeholder 2"/>
-          <p:cNvSpPr>
-            <a:spLocks noGrp="1"/>
-          </p:cNvSpPr>
-          <p:nvPr>
-            <p:ph type="body" idx="1"/>
-          </p:nvPr>
-        </p:nvSpPr>
-        <p:spPr/>
-        <p:txBody>
-          <a:bodyPr/>
-          <a:lstStyle/>
-          <a:p>
-            <a:endParaRPr lang="en-US" dirty="0"/>
-          </a:p>
-        </p:txBody>
-      </p:sp>
-    </p:spTree>
-    <p:extLst>
-      <p:ext uri="{BB962C8B-B14F-4D97-AF65-F5344CB8AC3E}">
-        <p14:creationId xmlns:p14="http://schemas.microsoft.com/office/powerpoint/2010/main" val="3243942909"/>
-      </p:ext>
-    </p:extLst>
-  </p:cSld>
-  <p:clrMapOvr>
-    <a:masterClrMapping/>
-  </p:clrMapOvr>
-</p:notes>
-</file>
-
-<file path=ppt/notesSlides/notesSlide9.xml><?xml version="1.0" encoding="utf-8"?>
-<p:notes xmlns:a="http://schemas.openxmlformats.org/drawingml/2006/main" xmlns:r="http://schemas.openxmlformats.org/officeDocument/2006/relationships" xmlns:p="http://schemas.openxmlformats.org/presentationml/2006/main">
-  <p:cSld>
-    <p:spTree>
-      <p:nvGrpSpPr>
-        <p:cNvPr id="1" name=""/>
-        <p:cNvGrpSpPr/>
-        <p:nvPr/>
-      </p:nvGrpSpPr>
-      <p:grpSpPr>
-        <a:xfrm>
-          <a:off x="0" y="0"/>
-          <a:ext cx="0" cy="0"/>
-          <a:chOff x="0" y="0"/>
-          <a:chExt cx="0" cy="0"/>
-        </a:xfrm>
-      </p:grpSpPr>
-      <p:sp>
-        <p:nvSpPr>
-          <p:cNvPr id="2" name="Slide Image Placeholder 1"/>
-          <p:cNvSpPr>
-            <a:spLocks noGrp="1" noRot="1" noChangeAspect="1"/>
-          </p:cNvSpPr>
-          <p:nvPr>
-            <p:ph type="sldImg"/>
-          </p:nvPr>
-        </p:nvSpPr>
-        <p:spPr/>
-      </p:sp>
-      <p:sp>
-        <p:nvSpPr>
-          <p:cNvPr id="3" name="Notes Placeholder 2"/>
-          <p:cNvSpPr>
-            <a:spLocks noGrp="1"/>
-          </p:cNvSpPr>
-          <p:nvPr>
-            <p:ph type="body" idx="1"/>
-          </p:nvPr>
-        </p:nvSpPr>
-        <p:spPr/>
-        <p:txBody>
-          <a:bodyPr/>
-          <a:lstStyle/>
-          <a:p>
-            <a:endParaRPr lang="en-US" dirty="0"/>
-          </a:p>
-        </p:txBody>
-      </p:sp>
-    </p:spTree>
-    <p:extLst>
-      <p:ext uri="{BB962C8B-B14F-4D97-AF65-F5344CB8AC3E}">
-        <p14:creationId xmlns:p14="http://schemas.microsoft.com/office/powerpoint/2010/main" val="2546059458"/>
       </p:ext>
     </p:extLst>
   </p:cSld>
@@ -6182,90 +5995,111 @@
           </a:ln>
         </p:spPr>
       </p:pic>
-      <p:pic>
-        <p:nvPicPr>
-          <p:cNvPr id="8" name="Picture 7">
+      <p:grpSp>
+        <p:nvGrpSpPr>
+          <p:cNvPr id="2" name="Group 1">
             <a:extLst>
               <a:ext uri="{FF2B5EF4-FFF2-40B4-BE49-F238E27FC236}">
-                <a16:creationId xmlns:a16="http://schemas.microsoft.com/office/drawing/2014/main" id="{9C35A315-2A01-4703-9F4C-A96DFCC96F39}"/>
+                <a16:creationId xmlns:a16="http://schemas.microsoft.com/office/drawing/2014/main" id="{54B90C63-1EAF-46A7-8A7A-F38640A6F2BF}"/>
               </a:ext>
             </a:extLst>
           </p:cNvPr>
-          <p:cNvPicPr>
-            <a:picLocks noChangeAspect="1"/>
-          </p:cNvPicPr>
+          <p:cNvGrpSpPr/>
           <p:nvPr/>
-        </p:nvPicPr>
-        <p:blipFill>
-          <a:blip r:embed="rId4"/>
-          <a:stretch>
-            <a:fillRect/>
-          </a:stretch>
-        </p:blipFill>
-        <p:spPr>
+        </p:nvGrpSpPr>
+        <p:grpSpPr>
           <a:xfrm>
-            <a:off x="4476173" y="4186381"/>
-            <a:ext cx="3322288" cy="2436345"/>
+            <a:off x="3810000" y="4186381"/>
+            <a:ext cx="3988461" cy="2436345"/>
+            <a:chOff x="3810000" y="4186381"/>
+            <a:chExt cx="3988461" cy="2436345"/>
           </a:xfrm>
-          <a:prstGeom prst="rect">
-            <a:avLst/>
-          </a:prstGeom>
-          <a:ln>
-            <a:solidFill>
-              <a:schemeClr val="tx1">
-                <a:lumMod val="50000"/>
-                <a:lumOff val="50000"/>
+        </p:grpSpPr>
+        <p:pic>
+          <p:nvPicPr>
+            <p:cNvPr id="8" name="Picture 7">
+              <a:extLst>
+                <a:ext uri="{FF2B5EF4-FFF2-40B4-BE49-F238E27FC236}">
+                  <a16:creationId xmlns:a16="http://schemas.microsoft.com/office/drawing/2014/main" id="{9C35A315-2A01-4703-9F4C-A96DFCC96F39}"/>
+                </a:ext>
+              </a:extLst>
+            </p:cNvPr>
+            <p:cNvPicPr>
+              <a:picLocks noChangeAspect="1"/>
+            </p:cNvPicPr>
+            <p:nvPr/>
+          </p:nvPicPr>
+          <p:blipFill>
+            <a:blip r:embed="rId4"/>
+            <a:stretch>
+              <a:fillRect/>
+            </a:stretch>
+          </p:blipFill>
+          <p:spPr>
+            <a:xfrm>
+              <a:off x="4476173" y="4186381"/>
+              <a:ext cx="3322288" cy="2436345"/>
+            </a:xfrm>
+            <a:prstGeom prst="rect">
+              <a:avLst/>
+            </a:prstGeom>
+            <a:ln>
+              <a:solidFill>
+                <a:schemeClr val="tx1">
+                  <a:lumMod val="50000"/>
+                  <a:lumOff val="50000"/>
+                </a:schemeClr>
+              </a:solidFill>
+            </a:ln>
+          </p:spPr>
+        </p:pic>
+        <p:sp>
+          <p:nvSpPr>
+            <p:cNvPr id="4" name="Arrow: Right 3">
+              <a:extLst>
+                <a:ext uri="{FF2B5EF4-FFF2-40B4-BE49-F238E27FC236}">
+                  <a16:creationId xmlns:a16="http://schemas.microsoft.com/office/drawing/2014/main" id="{55F05A59-B346-4B19-AD02-459250E5857A}"/>
+                </a:ext>
+              </a:extLst>
+            </p:cNvPr>
+            <p:cNvSpPr/>
+            <p:nvPr/>
+          </p:nvSpPr>
+          <p:spPr>
+            <a:xfrm>
+              <a:off x="3810000" y="5105400"/>
+              <a:ext cx="533400" cy="304800"/>
+            </a:xfrm>
+            <a:prstGeom prst="rightArrow">
+              <a:avLst/>
+            </a:prstGeom>
+          </p:spPr>
+          <p:style>
+            <a:lnRef idx="2">
+              <a:schemeClr val="accent1">
+                <a:shade val="50000"/>
               </a:schemeClr>
-            </a:solidFill>
-          </a:ln>
-        </p:spPr>
-      </p:pic>
-      <p:sp>
-        <p:nvSpPr>
-          <p:cNvPr id="4" name="Arrow: Right 3">
-            <a:extLst>
-              <a:ext uri="{FF2B5EF4-FFF2-40B4-BE49-F238E27FC236}">
-                <a16:creationId xmlns:a16="http://schemas.microsoft.com/office/drawing/2014/main" id="{55F05A59-B346-4B19-AD02-459250E5857A}"/>
-              </a:ext>
-            </a:extLst>
-          </p:cNvPr>
-          <p:cNvSpPr/>
-          <p:nvPr/>
-        </p:nvSpPr>
-        <p:spPr>
-          <a:xfrm>
-            <a:off x="3810000" y="5105400"/>
-            <a:ext cx="533400" cy="304800"/>
-          </a:xfrm>
-          <a:prstGeom prst="rightArrow">
-            <a:avLst/>
-          </a:prstGeom>
-        </p:spPr>
-        <p:style>
-          <a:lnRef idx="2">
-            <a:schemeClr val="accent1">
-              <a:shade val="50000"/>
-            </a:schemeClr>
-          </a:lnRef>
-          <a:fillRef idx="1">
-            <a:schemeClr val="accent1"/>
-          </a:fillRef>
-          <a:effectRef idx="0">
-            <a:schemeClr val="accent1"/>
-          </a:effectRef>
-          <a:fontRef idx="minor">
-            <a:schemeClr val="lt1"/>
-          </a:fontRef>
-        </p:style>
-        <p:txBody>
-          <a:bodyPr rtlCol="0" anchor="ctr"/>
-          <a:lstStyle/>
-          <a:p>
-            <a:pPr algn="ctr"/>
-            <a:endParaRPr lang="en-US"/>
-          </a:p>
-        </p:txBody>
-      </p:sp>
+            </a:lnRef>
+            <a:fillRef idx="1">
+              <a:schemeClr val="accent1"/>
+            </a:fillRef>
+            <a:effectRef idx="0">
+              <a:schemeClr val="accent1"/>
+            </a:effectRef>
+            <a:fontRef idx="minor">
+              <a:schemeClr val="lt1"/>
+            </a:fontRef>
+          </p:style>
+          <p:txBody>
+            <a:bodyPr rtlCol="0" anchor="ctr"/>
+            <a:lstStyle/>
+            <a:p>
+              <a:pPr algn="ctr"/>
+              <a:endParaRPr lang="en-US"/>
+            </a:p>
+          </p:txBody>
+        </p:sp>
+      </p:grpSp>
     </p:spTree>
     <p:extLst>
       <p:ext uri="{BB962C8B-B14F-4D97-AF65-F5344CB8AC3E}">
@@ -6276,10 +6110,188 @@
   <p:clrMapOvr>
     <a:masterClrMapping/>
   </p:clrMapOvr>
+  <p:timing>
+    <p:tnLst>
+      <p:par>
+        <p:cTn id="1" dur="indefinite" restart="never" nodeType="tmRoot">
+          <p:childTnLst>
+            <p:seq concurrent="1" nextAc="seek">
+              <p:cTn id="2" dur="indefinite" nodeType="mainSeq">
+                <p:childTnLst>
+                  <p:par>
+                    <p:cTn id="3" fill="hold">
+                      <p:stCondLst>
+                        <p:cond delay="indefinite"/>
+                      </p:stCondLst>
+                      <p:childTnLst>
+                        <p:par>
+                          <p:cTn id="4" fill="hold">
+                            <p:stCondLst>
+                              <p:cond delay="0"/>
+                            </p:stCondLst>
+                            <p:childTnLst>
+                              <p:par>
+                                <p:cTn id="5" presetID="1" presetClass="entr" presetSubtype="0" fill="hold" nodeType="clickEffect">
+                                  <p:stCondLst>
+                                    <p:cond delay="0"/>
+                                  </p:stCondLst>
+                                  <p:childTnLst>
+                                    <p:set>
+                                      <p:cBhvr>
+                                        <p:cTn id="6" dur="1" fill="hold">
+                                          <p:stCondLst>
+                                            <p:cond delay="0"/>
+                                          </p:stCondLst>
+                                        </p:cTn>
+                                        <p:tgtEl>
+                                          <p:spTgt spid="5"/>
+                                        </p:tgtEl>
+                                        <p:attrNameLst>
+                                          <p:attrName>style.visibility</p:attrName>
+                                        </p:attrNameLst>
+                                      </p:cBhvr>
+                                      <p:to>
+                                        <p:strVal val="visible"/>
+                                      </p:to>
+                                    </p:set>
+                                  </p:childTnLst>
+                                </p:cTn>
+                              </p:par>
+                            </p:childTnLst>
+                          </p:cTn>
+                        </p:par>
+                      </p:childTnLst>
+                    </p:cTn>
+                  </p:par>
+                  <p:par>
+                    <p:cTn id="7" fill="hold">
+                      <p:stCondLst>
+                        <p:cond delay="indefinite"/>
+                      </p:stCondLst>
+                      <p:childTnLst>
+                        <p:par>
+                          <p:cTn id="8" fill="hold">
+                            <p:stCondLst>
+                              <p:cond delay="0"/>
+                            </p:stCondLst>
+                            <p:childTnLst>
+                              <p:par>
+                                <p:cTn id="9" presetID="1" presetClass="entr" presetSubtype="0" fill="hold" nodeType="clickEffect">
+                                  <p:stCondLst>
+                                    <p:cond delay="0"/>
+                                  </p:stCondLst>
+                                  <p:childTnLst>
+                                    <p:set>
+                                      <p:cBhvr>
+                                        <p:cTn id="10" dur="1" fill="hold">
+                                          <p:stCondLst>
+                                            <p:cond delay="0"/>
+                                          </p:stCondLst>
+                                        </p:cTn>
+                                        <p:tgtEl>
+                                          <p:spTgt spid="2"/>
+                                        </p:tgtEl>
+                                        <p:attrNameLst>
+                                          <p:attrName>style.visibility</p:attrName>
+                                        </p:attrNameLst>
+                                      </p:cBhvr>
+                                      <p:to>
+                                        <p:strVal val="visible"/>
+                                      </p:to>
+                                    </p:set>
+                                  </p:childTnLst>
+                                </p:cTn>
+                              </p:par>
+                            </p:childTnLst>
+                          </p:cTn>
+                        </p:par>
+                      </p:childTnLst>
+                    </p:cTn>
+                  </p:par>
+                </p:childTnLst>
+              </p:cTn>
+              <p:prevCondLst>
+                <p:cond evt="onPrev" delay="0">
+                  <p:tgtEl>
+                    <p:sldTgt/>
+                  </p:tgtEl>
+                </p:cond>
+              </p:prevCondLst>
+              <p:nextCondLst>
+                <p:cond evt="onNext" delay="0">
+                  <p:tgtEl>
+                    <p:sldTgt/>
+                  </p:tgtEl>
+                </p:cond>
+              </p:nextCondLst>
+            </p:seq>
+          </p:childTnLst>
+        </p:cTn>
+      </p:par>
+    </p:tnLst>
+  </p:timing>
 </p:sld>
 </file>
 
 <file path=ppt/slides/slide15.xml><?xml version="1.0" encoding="utf-8"?>
+<p:sld xmlns:a="http://schemas.openxmlformats.org/drawingml/2006/main" xmlns:r="http://schemas.openxmlformats.org/officeDocument/2006/relationships" xmlns:p="http://schemas.openxmlformats.org/presentationml/2006/main">
+  <p:cSld>
+    <p:spTree>
+      <p:nvGrpSpPr>
+        <p:cNvPr id="1" name=""/>
+        <p:cNvGrpSpPr/>
+        <p:nvPr/>
+      </p:nvGrpSpPr>
+      <p:grpSpPr>
+        <a:xfrm>
+          <a:off x="0" y="0"/>
+          <a:ext cx="0" cy="0"/>
+          <a:chOff x="0" y="0"/>
+          <a:chExt cx="0" cy="0"/>
+        </a:xfrm>
+      </p:grpSpPr>
+      <p:sp>
+        <p:nvSpPr>
+          <p:cNvPr id="2" name="Title 1">
+            <a:extLst>
+              <a:ext uri="{FF2B5EF4-FFF2-40B4-BE49-F238E27FC236}">
+                <a16:creationId xmlns:a16="http://schemas.microsoft.com/office/drawing/2014/main" id="{6AC94A86-C332-49E1-A508-58A353CA9DA3}"/>
+              </a:ext>
+            </a:extLst>
+          </p:cNvPr>
+          <p:cNvSpPr>
+            <a:spLocks noGrp="1"/>
+          </p:cNvSpPr>
+          <p:nvPr>
+            <p:ph type="title"/>
+          </p:nvPr>
+        </p:nvSpPr>
+        <p:spPr/>
+        <p:txBody>
+          <a:bodyPr/>
+          <a:lstStyle/>
+          <a:p>
+            <a:r>
+              <a:rPr lang="en-US" dirty="0"/>
+              <a:t>Creating a Streaming Dataset using the Power BI Service API</a:t>
+            </a:r>
+          </a:p>
+        </p:txBody>
+      </p:sp>
+    </p:spTree>
+    <p:extLst>
+      <p:ext uri="{BB962C8B-B14F-4D97-AF65-F5344CB8AC3E}">
+        <p14:creationId xmlns:p14="http://schemas.microsoft.com/office/powerpoint/2010/main" val="3893493836"/>
+      </p:ext>
+    </p:extLst>
+  </p:cSld>
+  <p:clrMapOvr>
+    <a:masterClrMapping/>
+  </p:clrMapOvr>
+</p:sld>
+</file>
+
+<file path=ppt/slides/slide16.xml><?xml version="1.0" encoding="utf-8"?>
 <p:sld xmlns:a="http://schemas.openxmlformats.org/drawingml/2006/main" xmlns:r="http://schemas.openxmlformats.org/officeDocument/2006/relationships" xmlns:p="http://schemas.openxmlformats.org/presentationml/2006/main">
   <p:cSld>
     <p:spTree>
@@ -6399,7 +6411,7 @@
 </p:sld>
 </file>
 
-<file path=ppt/slides/slide16.xml><?xml version="1.0" encoding="utf-8"?>
+<file path=ppt/slides/slide17.xml><?xml version="1.0" encoding="utf-8"?>
 <p:sld xmlns:a="http://schemas.openxmlformats.org/drawingml/2006/main" xmlns:r="http://schemas.openxmlformats.org/officeDocument/2006/relationships" xmlns:p="http://schemas.openxmlformats.org/presentationml/2006/main">
   <p:cSld>
     <p:spTree>
@@ -6487,6 +6499,10 @@
             </a:r>
           </a:p>
           <a:p>
+            <a:pPr lvl="1"/>
+            <a:endParaRPr lang="en-US" sz="2000" dirty="0"/>
+          </a:p>
+          <a:p>
             <a:r>
               <a:rPr lang="en-US" sz="2400" dirty="0"/>
               <a:t>Available set of streaming titles as of today</a:t>
@@ -6554,14 +6570,68 @@
         </p:blipFill>
         <p:spPr>
           <a:xfrm>
-            <a:off x="4267200" y="3352800"/>
+            <a:off x="4267200" y="3721455"/>
             <a:ext cx="4191000" cy="2907945"/>
           </a:xfrm>
           <a:prstGeom prst="rect">
             <a:avLst/>
           </a:prstGeom>
+          <a:ln>
+            <a:solidFill>
+              <a:schemeClr val="tx1">
+                <a:lumMod val="50000"/>
+                <a:lumOff val="50000"/>
+              </a:schemeClr>
+            </a:solidFill>
+          </a:ln>
         </p:spPr>
       </p:pic>
+      <p:sp>
+        <p:nvSpPr>
+          <p:cNvPr id="5" name="Arrow: Right 4">
+            <a:extLst>
+              <a:ext uri="{FF2B5EF4-FFF2-40B4-BE49-F238E27FC236}">
+                <a16:creationId xmlns:a16="http://schemas.microsoft.com/office/drawing/2014/main" id="{4412F825-45F7-47E1-B623-4B91F29FD6D1}"/>
+              </a:ext>
+            </a:extLst>
+          </p:cNvPr>
+          <p:cNvSpPr/>
+          <p:nvPr/>
+        </p:nvSpPr>
+        <p:spPr>
+          <a:xfrm>
+            <a:off x="4010891" y="3806891"/>
+            <a:ext cx="304800" cy="228600"/>
+          </a:xfrm>
+          <a:prstGeom prst="rightArrow">
+            <a:avLst/>
+          </a:prstGeom>
+        </p:spPr>
+        <p:style>
+          <a:lnRef idx="2">
+            <a:schemeClr val="accent1">
+              <a:shade val="50000"/>
+            </a:schemeClr>
+          </a:lnRef>
+          <a:fillRef idx="1">
+            <a:schemeClr val="accent1"/>
+          </a:fillRef>
+          <a:effectRef idx="0">
+            <a:schemeClr val="accent1"/>
+          </a:effectRef>
+          <a:fontRef idx="minor">
+            <a:schemeClr val="lt1"/>
+          </a:fontRef>
+        </p:style>
+        <p:txBody>
+          <a:bodyPr rtlCol="0" anchor="ctr"/>
+          <a:lstStyle/>
+          <a:p>
+            <a:pPr algn="ctr"/>
+            <a:endParaRPr lang="en-US"/>
+          </a:p>
+        </p:txBody>
+      </p:sp>
     </p:spTree>
     <p:extLst>
       <p:ext uri="{BB962C8B-B14F-4D97-AF65-F5344CB8AC3E}">
@@ -6572,10 +6642,427 @@
   <p:clrMapOvr>
     <a:masterClrMapping/>
   </p:clrMapOvr>
+  <p:timing>
+    <p:tnLst>
+      <p:par>
+        <p:cTn id="1" dur="indefinite" restart="never" nodeType="tmRoot">
+          <p:childTnLst>
+            <p:seq concurrent="1" nextAc="seek">
+              <p:cTn id="2" dur="indefinite" nodeType="mainSeq">
+                <p:childTnLst>
+                  <p:par>
+                    <p:cTn id="3" fill="hold">
+                      <p:stCondLst>
+                        <p:cond delay="indefinite"/>
+                      </p:stCondLst>
+                      <p:childTnLst>
+                        <p:par>
+                          <p:cTn id="4" fill="hold">
+                            <p:stCondLst>
+                              <p:cond delay="0"/>
+                            </p:stCondLst>
+                            <p:childTnLst>
+                              <p:par>
+                                <p:cTn id="5" presetID="1" presetClass="entr" presetSubtype="0" fill="hold" nodeType="clickEffect">
+                                  <p:stCondLst>
+                                    <p:cond delay="0"/>
+                                  </p:stCondLst>
+                                  <p:childTnLst>
+                                    <p:set>
+                                      <p:cBhvr>
+                                        <p:cTn id="6" dur="1" fill="hold">
+                                          <p:stCondLst>
+                                            <p:cond delay="0"/>
+                                          </p:stCondLst>
+                                        </p:cTn>
+                                        <p:tgtEl>
+                                          <p:spTgt spid="3">
+                                            <p:txEl>
+                                              <p:pRg st="4" end="4"/>
+                                            </p:txEl>
+                                          </p:spTgt>
+                                        </p:tgtEl>
+                                        <p:attrNameLst>
+                                          <p:attrName>style.visibility</p:attrName>
+                                        </p:attrNameLst>
+                                      </p:cBhvr>
+                                      <p:to>
+                                        <p:strVal val="visible"/>
+                                      </p:to>
+                                    </p:set>
+                                  </p:childTnLst>
+                                </p:cTn>
+                              </p:par>
+                            </p:childTnLst>
+                          </p:cTn>
+                        </p:par>
+                      </p:childTnLst>
+                    </p:cTn>
+                  </p:par>
+                  <p:par>
+                    <p:cTn id="7" fill="hold">
+                      <p:stCondLst>
+                        <p:cond delay="indefinite"/>
+                      </p:stCondLst>
+                      <p:childTnLst>
+                        <p:par>
+                          <p:cTn id="8" fill="hold">
+                            <p:stCondLst>
+                              <p:cond delay="0"/>
+                            </p:stCondLst>
+                            <p:childTnLst>
+                              <p:par>
+                                <p:cTn id="9" presetID="1" presetClass="entr" presetSubtype="0" fill="hold" nodeType="clickEffect">
+                                  <p:stCondLst>
+                                    <p:cond delay="0"/>
+                                  </p:stCondLst>
+                                  <p:childTnLst>
+                                    <p:set>
+                                      <p:cBhvr>
+                                        <p:cTn id="10" dur="1" fill="hold">
+                                          <p:stCondLst>
+                                            <p:cond delay="0"/>
+                                          </p:stCondLst>
+                                        </p:cTn>
+                                        <p:tgtEl>
+                                          <p:spTgt spid="3">
+                                            <p:txEl>
+                                              <p:pRg st="5" end="5"/>
+                                            </p:txEl>
+                                          </p:spTgt>
+                                        </p:tgtEl>
+                                        <p:attrNameLst>
+                                          <p:attrName>style.visibility</p:attrName>
+                                        </p:attrNameLst>
+                                      </p:cBhvr>
+                                      <p:to>
+                                        <p:strVal val="visible"/>
+                                      </p:to>
+                                    </p:set>
+                                  </p:childTnLst>
+                                </p:cTn>
+                              </p:par>
+                            </p:childTnLst>
+                          </p:cTn>
+                        </p:par>
+                      </p:childTnLst>
+                    </p:cTn>
+                  </p:par>
+                  <p:par>
+                    <p:cTn id="11" fill="hold">
+                      <p:stCondLst>
+                        <p:cond delay="indefinite"/>
+                      </p:stCondLst>
+                      <p:childTnLst>
+                        <p:par>
+                          <p:cTn id="12" fill="hold">
+                            <p:stCondLst>
+                              <p:cond delay="0"/>
+                            </p:stCondLst>
+                            <p:childTnLst>
+                              <p:par>
+                                <p:cTn id="13" presetID="1" presetClass="entr" presetSubtype="0" fill="hold" nodeType="clickEffect">
+                                  <p:stCondLst>
+                                    <p:cond delay="0"/>
+                                  </p:stCondLst>
+                                  <p:childTnLst>
+                                    <p:set>
+                                      <p:cBhvr>
+                                        <p:cTn id="14" dur="1" fill="hold">
+                                          <p:stCondLst>
+                                            <p:cond delay="0"/>
+                                          </p:stCondLst>
+                                        </p:cTn>
+                                        <p:tgtEl>
+                                          <p:spTgt spid="3">
+                                            <p:txEl>
+                                              <p:pRg st="6" end="6"/>
+                                            </p:txEl>
+                                          </p:spTgt>
+                                        </p:tgtEl>
+                                        <p:attrNameLst>
+                                          <p:attrName>style.visibility</p:attrName>
+                                        </p:attrNameLst>
+                                      </p:cBhvr>
+                                      <p:to>
+                                        <p:strVal val="visible"/>
+                                      </p:to>
+                                    </p:set>
+                                  </p:childTnLst>
+                                </p:cTn>
+                              </p:par>
+                            </p:childTnLst>
+                          </p:cTn>
+                        </p:par>
+                      </p:childTnLst>
+                    </p:cTn>
+                  </p:par>
+                  <p:par>
+                    <p:cTn id="15" fill="hold">
+                      <p:stCondLst>
+                        <p:cond delay="indefinite"/>
+                      </p:stCondLst>
+                      <p:childTnLst>
+                        <p:par>
+                          <p:cTn id="16" fill="hold">
+                            <p:stCondLst>
+                              <p:cond delay="0"/>
+                            </p:stCondLst>
+                            <p:childTnLst>
+                              <p:par>
+                                <p:cTn id="17" presetID="1" presetClass="entr" presetSubtype="0" fill="hold" nodeType="clickEffect">
+                                  <p:stCondLst>
+                                    <p:cond delay="0"/>
+                                  </p:stCondLst>
+                                  <p:childTnLst>
+                                    <p:set>
+                                      <p:cBhvr>
+                                        <p:cTn id="18" dur="1" fill="hold">
+                                          <p:stCondLst>
+                                            <p:cond delay="0"/>
+                                          </p:stCondLst>
+                                        </p:cTn>
+                                        <p:tgtEl>
+                                          <p:spTgt spid="3">
+                                            <p:txEl>
+                                              <p:pRg st="7" end="7"/>
+                                            </p:txEl>
+                                          </p:spTgt>
+                                        </p:tgtEl>
+                                        <p:attrNameLst>
+                                          <p:attrName>style.visibility</p:attrName>
+                                        </p:attrNameLst>
+                                      </p:cBhvr>
+                                      <p:to>
+                                        <p:strVal val="visible"/>
+                                      </p:to>
+                                    </p:set>
+                                  </p:childTnLst>
+                                </p:cTn>
+                              </p:par>
+                            </p:childTnLst>
+                          </p:cTn>
+                        </p:par>
+                      </p:childTnLst>
+                    </p:cTn>
+                  </p:par>
+                  <p:par>
+                    <p:cTn id="19" fill="hold">
+                      <p:stCondLst>
+                        <p:cond delay="indefinite"/>
+                      </p:stCondLst>
+                      <p:childTnLst>
+                        <p:par>
+                          <p:cTn id="20" fill="hold">
+                            <p:stCondLst>
+                              <p:cond delay="0"/>
+                            </p:stCondLst>
+                            <p:childTnLst>
+                              <p:par>
+                                <p:cTn id="21" presetID="1" presetClass="entr" presetSubtype="0" fill="hold" nodeType="clickEffect">
+                                  <p:stCondLst>
+                                    <p:cond delay="0"/>
+                                  </p:stCondLst>
+                                  <p:childTnLst>
+                                    <p:set>
+                                      <p:cBhvr>
+                                        <p:cTn id="22" dur="1" fill="hold">
+                                          <p:stCondLst>
+                                            <p:cond delay="0"/>
+                                          </p:stCondLst>
+                                        </p:cTn>
+                                        <p:tgtEl>
+                                          <p:spTgt spid="3">
+                                            <p:txEl>
+                                              <p:pRg st="8" end="8"/>
+                                            </p:txEl>
+                                          </p:spTgt>
+                                        </p:tgtEl>
+                                        <p:attrNameLst>
+                                          <p:attrName>style.visibility</p:attrName>
+                                        </p:attrNameLst>
+                                      </p:cBhvr>
+                                      <p:to>
+                                        <p:strVal val="visible"/>
+                                      </p:to>
+                                    </p:set>
+                                  </p:childTnLst>
+                                </p:cTn>
+                              </p:par>
+                            </p:childTnLst>
+                          </p:cTn>
+                        </p:par>
+                      </p:childTnLst>
+                    </p:cTn>
+                  </p:par>
+                  <p:par>
+                    <p:cTn id="23" fill="hold">
+                      <p:stCondLst>
+                        <p:cond delay="indefinite"/>
+                      </p:stCondLst>
+                      <p:childTnLst>
+                        <p:par>
+                          <p:cTn id="24" fill="hold">
+                            <p:stCondLst>
+                              <p:cond delay="0"/>
+                            </p:stCondLst>
+                            <p:childTnLst>
+                              <p:par>
+                                <p:cTn id="25" presetID="1" presetClass="entr" presetSubtype="0" fill="hold" nodeType="clickEffect">
+                                  <p:stCondLst>
+                                    <p:cond delay="0"/>
+                                  </p:stCondLst>
+                                  <p:childTnLst>
+                                    <p:set>
+                                      <p:cBhvr>
+                                        <p:cTn id="26" dur="1" fill="hold">
+                                          <p:stCondLst>
+                                            <p:cond delay="0"/>
+                                          </p:stCondLst>
+                                        </p:cTn>
+                                        <p:tgtEl>
+                                          <p:spTgt spid="3">
+                                            <p:txEl>
+                                              <p:pRg st="9" end="9"/>
+                                            </p:txEl>
+                                          </p:spTgt>
+                                        </p:tgtEl>
+                                        <p:attrNameLst>
+                                          <p:attrName>style.visibility</p:attrName>
+                                        </p:attrNameLst>
+                                      </p:cBhvr>
+                                      <p:to>
+                                        <p:strVal val="visible"/>
+                                      </p:to>
+                                    </p:set>
+                                  </p:childTnLst>
+                                </p:cTn>
+                              </p:par>
+                            </p:childTnLst>
+                          </p:cTn>
+                        </p:par>
+                      </p:childTnLst>
+                    </p:cTn>
+                  </p:par>
+                  <p:par>
+                    <p:cTn id="27" fill="hold">
+                      <p:stCondLst>
+                        <p:cond delay="indefinite"/>
+                      </p:stCondLst>
+                      <p:childTnLst>
+                        <p:par>
+                          <p:cTn id="28" fill="hold">
+                            <p:stCondLst>
+                              <p:cond delay="0"/>
+                            </p:stCondLst>
+                            <p:childTnLst>
+                              <p:par>
+                                <p:cTn id="29" presetID="1" presetClass="entr" presetSubtype="0" fill="hold" nodeType="clickEffect">
+                                  <p:stCondLst>
+                                    <p:cond delay="0"/>
+                                  </p:stCondLst>
+                                  <p:childTnLst>
+                                    <p:set>
+                                      <p:cBhvr>
+                                        <p:cTn id="30" dur="1" fill="hold">
+                                          <p:stCondLst>
+                                            <p:cond delay="0"/>
+                                          </p:stCondLst>
+                                        </p:cTn>
+                                        <p:tgtEl>
+                                          <p:spTgt spid="4"/>
+                                        </p:tgtEl>
+                                        <p:attrNameLst>
+                                          <p:attrName>style.visibility</p:attrName>
+                                        </p:attrNameLst>
+                                      </p:cBhvr>
+                                      <p:to>
+                                        <p:strVal val="visible"/>
+                                      </p:to>
+                                    </p:set>
+                                  </p:childTnLst>
+                                </p:cTn>
+                              </p:par>
+                            </p:childTnLst>
+                          </p:cTn>
+                        </p:par>
+                      </p:childTnLst>
+                    </p:cTn>
+                  </p:par>
+                  <p:par>
+                    <p:cTn id="31" fill="hold">
+                      <p:stCondLst>
+                        <p:cond delay="indefinite"/>
+                      </p:stCondLst>
+                      <p:childTnLst>
+                        <p:par>
+                          <p:cTn id="32" fill="hold">
+                            <p:stCondLst>
+                              <p:cond delay="0"/>
+                            </p:stCondLst>
+                            <p:childTnLst>
+                              <p:par>
+                                <p:cTn id="33" presetID="1" presetClass="entr" presetSubtype="0" fill="hold" grpId="0" nodeType="clickEffect">
+                                  <p:stCondLst>
+                                    <p:cond delay="0"/>
+                                  </p:stCondLst>
+                                  <p:childTnLst>
+                                    <p:set>
+                                      <p:cBhvr>
+                                        <p:cTn id="34" dur="1" fill="hold">
+                                          <p:stCondLst>
+                                            <p:cond delay="0"/>
+                                          </p:stCondLst>
+                                        </p:cTn>
+                                        <p:tgtEl>
+                                          <p:spTgt spid="5"/>
+                                        </p:tgtEl>
+                                        <p:attrNameLst>
+                                          <p:attrName>style.visibility</p:attrName>
+                                        </p:attrNameLst>
+                                      </p:cBhvr>
+                                      <p:to>
+                                        <p:strVal val="visible"/>
+                                      </p:to>
+                                    </p:set>
+                                  </p:childTnLst>
+                                </p:cTn>
+                              </p:par>
+                            </p:childTnLst>
+                          </p:cTn>
+                        </p:par>
+                      </p:childTnLst>
+                    </p:cTn>
+                  </p:par>
+                </p:childTnLst>
+              </p:cTn>
+              <p:prevCondLst>
+                <p:cond evt="onPrev" delay="0">
+                  <p:tgtEl>
+                    <p:sldTgt/>
+                  </p:tgtEl>
+                </p:cond>
+              </p:prevCondLst>
+              <p:nextCondLst>
+                <p:cond evt="onNext" delay="0">
+                  <p:tgtEl>
+                    <p:sldTgt/>
+                  </p:tgtEl>
+                </p:cond>
+              </p:nextCondLst>
+            </p:seq>
+          </p:childTnLst>
+        </p:cTn>
+      </p:par>
+    </p:tnLst>
+    <p:bldLst>
+      <p:bldP spid="5" grpId="0" animBg="1"/>
+    </p:bldLst>
+  </p:timing>
 </p:sld>
 </file>
 
-<file path=ppt/slides/slide17.xml><?xml version="1.0" encoding="utf-8"?>
+<file path=ppt/slides/slide18.xml><?xml version="1.0" encoding="utf-8"?>
 <p:sld xmlns:a="http://schemas.openxmlformats.org/drawingml/2006/main" xmlns:r="http://schemas.openxmlformats.org/officeDocument/2006/relationships" xmlns:p="http://schemas.openxmlformats.org/presentationml/2006/main">
   <p:cSld>
     <p:spTree>
@@ -6926,7 +7413,7 @@
 </p:sld>
 </file>
 
-<file path=ppt/slides/slide18.xml><?xml version="1.0" encoding="utf-8"?>
+<file path=ppt/slides/slide19.xml><?xml version="1.0" encoding="utf-8"?>
 <p:sld xmlns:a="http://schemas.openxmlformats.org/drawingml/2006/main" xmlns:r="http://schemas.openxmlformats.org/officeDocument/2006/relationships" xmlns:p="http://schemas.openxmlformats.org/presentationml/2006/main">
   <p:cSld>
     <p:spTree>
@@ -6966,7 +7453,7 @@
           <a:p>
             <a:r>
               <a:rPr lang="en-US" dirty="0"/>
-              <a:t>Selecting a Streaming Dataset</a:t>
+              <a:t>Creating a New Streaming Data Tile</a:t>
             </a:r>
           </a:p>
         </p:txBody>
@@ -6996,22 +7483,26 @@
           <a:p>
             <a:r>
               <a:rPr lang="en-US" sz="2400" dirty="0"/>
-              <a:t>When creating a real-time data tile…</a:t>
+              <a:t>When creating a streaming data tile…</a:t>
             </a:r>
           </a:p>
           <a:p>
             <a:pPr lvl="1"/>
             <a:r>
               <a:rPr lang="en-US" sz="2000" dirty="0"/>
-              <a:t>You must select a dataset</a:t>
+              <a:t>Select dataset that is a streaming dataset or a hybrid dataset</a:t>
             </a:r>
           </a:p>
           <a:p>
             <a:pPr lvl="1"/>
             <a:r>
               <a:rPr lang="en-US" sz="2000" dirty="0"/>
-              <a:t>Dataset must be streaming dataset or hybrid dataset</a:t>
+              <a:t>Choose the type of data streaming tile</a:t>
             </a:r>
+          </a:p>
+          <a:p>
+            <a:pPr lvl="1"/>
+            <a:endParaRPr lang="en-US" sz="2000" dirty="0"/>
           </a:p>
           <a:p>
             <a:pPr lvl="1"/>
@@ -7063,70 +7554,12 @@
           </a:ln>
         </p:spPr>
       </p:pic>
-    </p:spTree>
-    <p:extLst>
-      <p:ext uri="{BB962C8B-B14F-4D97-AF65-F5344CB8AC3E}">
-        <p14:creationId xmlns:p14="http://schemas.microsoft.com/office/powerpoint/2010/main" val="1460172810"/>
-      </p:ext>
-    </p:extLst>
-  </p:cSld>
-  <p:clrMapOvr>
-    <a:masterClrMapping/>
-  </p:clrMapOvr>
-</p:sld>
-</file>
-
-<file path=ppt/slides/slide19.xml><?xml version="1.0" encoding="utf-8"?>
-<p:sld xmlns:a="http://schemas.openxmlformats.org/drawingml/2006/main" xmlns:r="http://schemas.openxmlformats.org/officeDocument/2006/relationships" xmlns:p="http://schemas.openxmlformats.org/presentationml/2006/main">
-  <p:cSld>
-    <p:spTree>
-      <p:nvGrpSpPr>
-        <p:cNvPr id="1" name=""/>
-        <p:cNvGrpSpPr/>
-        <p:nvPr/>
-      </p:nvGrpSpPr>
-      <p:grpSpPr>
-        <a:xfrm>
-          <a:off x="0" y="0"/>
-          <a:ext cx="0" cy="0"/>
-          <a:chOff x="0" y="0"/>
-          <a:chExt cx="0" cy="0"/>
-        </a:xfrm>
-      </p:grpSpPr>
-      <p:sp>
-        <p:nvSpPr>
-          <p:cNvPr id="2" name="Title 1">
+      <p:pic>
+        <p:nvPicPr>
+          <p:cNvPr id="6" name="Picture 5">
             <a:extLst>
               <a:ext uri="{FF2B5EF4-FFF2-40B4-BE49-F238E27FC236}">
-                <a16:creationId xmlns:a16="http://schemas.microsoft.com/office/drawing/2014/main" id="{1958B4AF-BF78-4322-8BC8-60C5E77A648D}"/>
-              </a:ext>
-            </a:extLst>
-          </p:cNvPr>
-          <p:cNvSpPr>
-            <a:spLocks noGrp="1"/>
-          </p:cNvSpPr>
-          <p:nvPr>
-            <p:ph type="title"/>
-          </p:nvPr>
-        </p:nvSpPr>
-        <p:spPr/>
-        <p:txBody>
-          <a:bodyPr/>
-          <a:lstStyle/>
-          <a:p>
-            <a:r>
-              <a:rPr lang="en-US" dirty="0"/>
-              <a:t>Select the Type of Streaming Data Tile</a:t>
-            </a:r>
-          </a:p>
-        </p:txBody>
-      </p:sp>
-      <p:pic>
-        <p:nvPicPr>
-          <p:cNvPr id="3" name="Picture 2">
-            <a:extLst>
-              <a:ext uri="{FF2B5EF4-FFF2-40B4-BE49-F238E27FC236}">
-                <a16:creationId xmlns:a16="http://schemas.microsoft.com/office/drawing/2014/main" id="{99212EB1-2172-4888-8778-8D1C8718A4CB}"/>
+                <a16:creationId xmlns:a16="http://schemas.microsoft.com/office/drawing/2014/main" id="{43105634-8F0B-46F5-85D8-EA03D8B13317}"/>
               </a:ext>
             </a:extLst>
           </p:cNvPr>
@@ -7136,15 +7569,15 @@
           <p:nvPr/>
         </p:nvPicPr>
         <p:blipFill>
-          <a:blip r:embed="rId2"/>
+          <a:blip r:embed="rId3"/>
           <a:stretch>
             <a:fillRect/>
           </a:stretch>
         </p:blipFill>
         <p:spPr>
           <a:xfrm>
-            <a:off x="2971800" y="1600200"/>
-            <a:ext cx="3701238" cy="4724400"/>
+            <a:off x="4267200" y="2819400"/>
+            <a:ext cx="2810748" cy="3587743"/>
           </a:xfrm>
           <a:prstGeom prst="rect">
             <a:avLst/>
@@ -7162,13 +7595,195 @@
     </p:spTree>
     <p:extLst>
       <p:ext uri="{BB962C8B-B14F-4D97-AF65-F5344CB8AC3E}">
-        <p14:creationId xmlns:p14="http://schemas.microsoft.com/office/powerpoint/2010/main" val="545679018"/>
+        <p14:creationId xmlns:p14="http://schemas.microsoft.com/office/powerpoint/2010/main" val="1460172810"/>
       </p:ext>
     </p:extLst>
   </p:cSld>
   <p:clrMapOvr>
     <a:masterClrMapping/>
   </p:clrMapOvr>
+  <p:timing>
+    <p:tnLst>
+      <p:par>
+        <p:cTn id="1" dur="indefinite" restart="never" nodeType="tmRoot">
+          <p:childTnLst>
+            <p:seq concurrent="1" nextAc="seek">
+              <p:cTn id="2" dur="indefinite" nodeType="mainSeq">
+                <p:childTnLst>
+                  <p:par>
+                    <p:cTn id="3" fill="hold">
+                      <p:stCondLst>
+                        <p:cond delay="indefinite"/>
+                      </p:stCondLst>
+                      <p:childTnLst>
+                        <p:par>
+                          <p:cTn id="4" fill="hold">
+                            <p:stCondLst>
+                              <p:cond delay="0"/>
+                            </p:stCondLst>
+                            <p:childTnLst>
+                              <p:par>
+                                <p:cTn id="5" presetID="1" presetClass="entr" presetSubtype="0" fill="hold" nodeType="clickEffect">
+                                  <p:stCondLst>
+                                    <p:cond delay="0"/>
+                                  </p:stCondLst>
+                                  <p:childTnLst>
+                                    <p:set>
+                                      <p:cBhvr>
+                                        <p:cTn id="6" dur="1" fill="hold">
+                                          <p:stCondLst>
+                                            <p:cond delay="0"/>
+                                          </p:stCondLst>
+                                        </p:cTn>
+                                        <p:tgtEl>
+                                          <p:spTgt spid="4">
+                                            <p:txEl>
+                                              <p:pRg st="1" end="1"/>
+                                            </p:txEl>
+                                          </p:spTgt>
+                                        </p:tgtEl>
+                                        <p:attrNameLst>
+                                          <p:attrName>style.visibility</p:attrName>
+                                        </p:attrNameLst>
+                                      </p:cBhvr>
+                                      <p:to>
+                                        <p:strVal val="visible"/>
+                                      </p:to>
+                                    </p:set>
+                                  </p:childTnLst>
+                                </p:cTn>
+                              </p:par>
+                              <p:par>
+                                <p:cTn id="7" presetID="1" presetClass="entr" presetSubtype="0" fill="hold" nodeType="withEffect">
+                                  <p:stCondLst>
+                                    <p:cond delay="0"/>
+                                  </p:stCondLst>
+                                  <p:childTnLst>
+                                    <p:set>
+                                      <p:cBhvr>
+                                        <p:cTn id="8" dur="1" fill="hold">
+                                          <p:stCondLst>
+                                            <p:cond delay="0"/>
+                                          </p:stCondLst>
+                                        </p:cTn>
+                                        <p:tgtEl>
+                                          <p:spTgt spid="3"/>
+                                        </p:tgtEl>
+                                        <p:attrNameLst>
+                                          <p:attrName>style.visibility</p:attrName>
+                                        </p:attrNameLst>
+                                      </p:cBhvr>
+                                      <p:to>
+                                        <p:strVal val="visible"/>
+                                      </p:to>
+                                    </p:set>
+                                  </p:childTnLst>
+                                </p:cTn>
+                              </p:par>
+                            </p:childTnLst>
+                          </p:cTn>
+                        </p:par>
+                      </p:childTnLst>
+                    </p:cTn>
+                  </p:par>
+                  <p:par>
+                    <p:cTn id="9" fill="hold">
+                      <p:stCondLst>
+                        <p:cond delay="indefinite"/>
+                      </p:stCondLst>
+                      <p:childTnLst>
+                        <p:par>
+                          <p:cTn id="10" fill="hold">
+                            <p:stCondLst>
+                              <p:cond delay="0"/>
+                            </p:stCondLst>
+                            <p:childTnLst>
+                              <p:par>
+                                <p:cTn id="11" presetID="1" presetClass="entr" presetSubtype="0" fill="hold" nodeType="clickEffect">
+                                  <p:stCondLst>
+                                    <p:cond delay="0"/>
+                                  </p:stCondLst>
+                                  <p:childTnLst>
+                                    <p:set>
+                                      <p:cBhvr>
+                                        <p:cTn id="12" dur="1" fill="hold">
+                                          <p:stCondLst>
+                                            <p:cond delay="0"/>
+                                          </p:stCondLst>
+                                        </p:cTn>
+                                        <p:tgtEl>
+                                          <p:spTgt spid="4">
+                                            <p:txEl>
+                                              <p:pRg st="2" end="2"/>
+                                            </p:txEl>
+                                          </p:spTgt>
+                                        </p:tgtEl>
+                                        <p:attrNameLst>
+                                          <p:attrName>style.visibility</p:attrName>
+                                        </p:attrNameLst>
+                                      </p:cBhvr>
+                                      <p:to>
+                                        <p:strVal val="visible"/>
+                                      </p:to>
+                                    </p:set>
+                                  </p:childTnLst>
+                                </p:cTn>
+                              </p:par>
+                              <p:par>
+                                <p:cTn id="13" presetID="1" presetClass="entr" presetSubtype="0" fill="hold" nodeType="withEffect">
+                                  <p:stCondLst>
+                                    <p:cond delay="0"/>
+                                  </p:stCondLst>
+                                  <p:childTnLst>
+                                    <p:set>
+                                      <p:cBhvr>
+                                        <p:cTn id="14" dur="1" fill="hold">
+                                          <p:stCondLst>
+                                            <p:cond delay="0"/>
+                                          </p:stCondLst>
+                                        </p:cTn>
+                                        <p:tgtEl>
+                                          <p:spTgt spid="6"/>
+                                        </p:tgtEl>
+                                        <p:attrNameLst>
+                                          <p:attrName>style.visibility</p:attrName>
+                                        </p:attrNameLst>
+                                      </p:cBhvr>
+                                      <p:to>
+                                        <p:strVal val="visible"/>
+                                      </p:to>
+                                    </p:set>
+                                  </p:childTnLst>
+                                </p:cTn>
+                              </p:par>
+                            </p:childTnLst>
+                          </p:cTn>
+                        </p:par>
+                      </p:childTnLst>
+                    </p:cTn>
+                  </p:par>
+                </p:childTnLst>
+              </p:cTn>
+              <p:prevCondLst>
+                <p:cond evt="onPrev" delay="0">
+                  <p:tgtEl>
+                    <p:sldTgt/>
+                  </p:tgtEl>
+                </p:cond>
+              </p:prevCondLst>
+              <p:nextCondLst>
+                <p:cond evt="onNext" delay="0">
+                  <p:tgtEl>
+                    <p:sldTgt/>
+                  </p:tgtEl>
+                </p:cond>
+              </p:nextCondLst>
+            </p:seq>
+          </p:childTnLst>
+        </p:cTn>
+      </p:par>
+    </p:tnLst>
+  </p:timing>
 </p:sld>
 </file>
 
@@ -7378,8 +7993,8 @@
         </p:nvSpPr>
         <p:spPr>
           <a:xfrm>
-            <a:off x="4488426" y="3067665"/>
-            <a:ext cx="381000" cy="152400"/>
+            <a:off x="4267200" y="2895600"/>
+            <a:ext cx="616974" cy="437535"/>
           </a:xfrm>
           <a:prstGeom prst="rightArrow">
             <a:avLst/>
@@ -7420,6 +8035,84 @@
   <p:clrMapOvr>
     <a:masterClrMapping/>
   </p:clrMapOvr>
+  <p:timing>
+    <p:tnLst>
+      <p:par>
+        <p:cTn id="1" dur="indefinite" restart="never" nodeType="tmRoot">
+          <p:childTnLst>
+            <p:seq concurrent="1" nextAc="seek">
+              <p:cTn id="2" dur="indefinite" nodeType="mainSeq">
+                <p:childTnLst>
+                  <p:par>
+                    <p:cTn id="3" fill="hold">
+                      <p:stCondLst>
+                        <p:cond delay="indefinite"/>
+                      </p:stCondLst>
+                      <p:childTnLst>
+                        <p:par>
+                          <p:cTn id="4" fill="hold">
+                            <p:stCondLst>
+                              <p:cond delay="0"/>
+                            </p:stCondLst>
+                            <p:childTnLst>
+                              <p:par>
+                                <p:cTn id="5" presetID="1" presetClass="entr" presetSubtype="0" fill="hold" grpId="0" nodeType="clickEffect">
+                                  <p:stCondLst>
+                                    <p:cond delay="0"/>
+                                  </p:stCondLst>
+                                  <p:childTnLst>
+                                    <p:set>
+                                      <p:cBhvr>
+                                        <p:cTn id="6" dur="1" fill="hold">
+                                          <p:stCondLst>
+                                            <p:cond delay="0"/>
+                                          </p:stCondLst>
+                                        </p:cTn>
+                                        <p:tgtEl>
+                                          <p:spTgt spid="5"/>
+                                        </p:tgtEl>
+                                        <p:attrNameLst>
+                                          <p:attrName>style.visibility</p:attrName>
+                                        </p:attrNameLst>
+                                      </p:cBhvr>
+                                      <p:to>
+                                        <p:strVal val="visible"/>
+                                      </p:to>
+                                    </p:set>
+                                  </p:childTnLst>
+                                </p:cTn>
+                              </p:par>
+                            </p:childTnLst>
+                          </p:cTn>
+                        </p:par>
+                      </p:childTnLst>
+                    </p:cTn>
+                  </p:par>
+                </p:childTnLst>
+              </p:cTn>
+              <p:prevCondLst>
+                <p:cond evt="onPrev" delay="0">
+                  <p:tgtEl>
+                    <p:sldTgt/>
+                  </p:tgtEl>
+                </p:cond>
+              </p:prevCondLst>
+              <p:nextCondLst>
+                <p:cond evt="onNext" delay="0">
+                  <p:tgtEl>
+                    <p:sldTgt/>
+                  </p:tgtEl>
+                </p:cond>
+              </p:nextCondLst>
+            </p:seq>
+          </p:childTnLst>
+        </p:cTn>
+      </p:par>
+    </p:tnLst>
+    <p:bldLst>
+      <p:bldP spid="5" grpId="0" animBg="1"/>
+    </p:bldLst>
+  </p:timing>
 </p:sld>
 </file>
 
@@ -7505,10 +8198,10 @@
       </p:pic>
       <p:sp>
         <p:nvSpPr>
-          <p:cNvPr id="5" name="Arrow: Right 4">
+          <p:cNvPr id="6" name="Arrow: Right 5">
             <a:extLst>
               <a:ext uri="{FF2B5EF4-FFF2-40B4-BE49-F238E27FC236}">
-                <a16:creationId xmlns:a16="http://schemas.microsoft.com/office/drawing/2014/main" id="{28528BAA-E01B-4DAB-86F1-8F4ED6628432}"/>
+                <a16:creationId xmlns:a16="http://schemas.microsoft.com/office/drawing/2014/main" id="{DA226335-0328-42BC-AE31-285AD8190DDD}"/>
               </a:ext>
             </a:extLst>
           </p:cNvPr>
@@ -7517,8 +8210,8 @@
         </p:nvSpPr>
         <p:spPr>
           <a:xfrm>
-            <a:off x="6477000" y="3067665"/>
-            <a:ext cx="381000" cy="152400"/>
+            <a:off x="6262255" y="2941781"/>
+            <a:ext cx="616974" cy="437535"/>
           </a:xfrm>
           <a:prstGeom prst="rightArrow">
             <a:avLst/>
@@ -7559,6 +8252,84 @@
   <p:clrMapOvr>
     <a:masterClrMapping/>
   </p:clrMapOvr>
+  <p:timing>
+    <p:tnLst>
+      <p:par>
+        <p:cTn id="1" dur="indefinite" restart="never" nodeType="tmRoot">
+          <p:childTnLst>
+            <p:seq concurrent="1" nextAc="seek">
+              <p:cTn id="2" dur="indefinite" nodeType="mainSeq">
+                <p:childTnLst>
+                  <p:par>
+                    <p:cTn id="3" fill="hold">
+                      <p:stCondLst>
+                        <p:cond delay="indefinite"/>
+                      </p:stCondLst>
+                      <p:childTnLst>
+                        <p:par>
+                          <p:cTn id="4" fill="hold">
+                            <p:stCondLst>
+                              <p:cond delay="0"/>
+                            </p:stCondLst>
+                            <p:childTnLst>
+                              <p:par>
+                                <p:cTn id="5" presetID="1" presetClass="entr" presetSubtype="0" fill="hold" grpId="0" nodeType="clickEffect">
+                                  <p:stCondLst>
+                                    <p:cond delay="0"/>
+                                  </p:stCondLst>
+                                  <p:childTnLst>
+                                    <p:set>
+                                      <p:cBhvr>
+                                        <p:cTn id="6" dur="1" fill="hold">
+                                          <p:stCondLst>
+                                            <p:cond delay="0"/>
+                                          </p:stCondLst>
+                                        </p:cTn>
+                                        <p:tgtEl>
+                                          <p:spTgt spid="6"/>
+                                        </p:tgtEl>
+                                        <p:attrNameLst>
+                                          <p:attrName>style.visibility</p:attrName>
+                                        </p:attrNameLst>
+                                      </p:cBhvr>
+                                      <p:to>
+                                        <p:strVal val="visible"/>
+                                      </p:to>
+                                    </p:set>
+                                  </p:childTnLst>
+                                </p:cTn>
+                              </p:par>
+                            </p:childTnLst>
+                          </p:cTn>
+                        </p:par>
+                      </p:childTnLst>
+                    </p:cTn>
+                  </p:par>
+                </p:childTnLst>
+              </p:cTn>
+              <p:prevCondLst>
+                <p:cond evt="onPrev" delay="0">
+                  <p:tgtEl>
+                    <p:sldTgt/>
+                  </p:tgtEl>
+                </p:cond>
+              </p:prevCondLst>
+              <p:nextCondLst>
+                <p:cond evt="onNext" delay="0">
+                  <p:tgtEl>
+                    <p:sldTgt/>
+                  </p:tgtEl>
+                </p:cond>
+              </p:nextCondLst>
+            </p:seq>
+          </p:childTnLst>
+        </p:cTn>
+      </p:par>
+    </p:tnLst>
+    <p:bldLst>
+      <p:bldP spid="6" grpId="0" animBg="1"/>
+    </p:bldLst>
+  </p:timing>
 </p:sld>
 </file>
 
@@ -7600,7 +8371,10 @@
           <a:bodyPr/>
           <a:lstStyle/>
           <a:p>
-            <a:endParaRPr lang="en-US"/>
+            <a:r>
+              <a:rPr lang="en-US" dirty="0"/>
+              <a:t>Streaming Gauge Tile</a:t>
+            </a:r>
           </a:p>
         </p:txBody>
       </p:sp>
@@ -7626,12 +8400,20 @@
         </p:blipFill>
         <p:spPr>
           <a:xfrm>
-            <a:off x="914400" y="1371600"/>
+            <a:off x="990600" y="1295400"/>
             <a:ext cx="6832803" cy="5331710"/>
           </a:xfrm>
           <a:prstGeom prst="rect">
             <a:avLst/>
           </a:prstGeom>
+          <a:ln>
+            <a:solidFill>
+              <a:schemeClr val="tx1">
+                <a:lumMod val="50000"/>
+                <a:lumOff val="50000"/>
+              </a:schemeClr>
+            </a:solidFill>
+          </a:ln>
         </p:spPr>
       </p:pic>
     </p:spTree>
@@ -7685,7 +8467,10 @@
           <a:bodyPr/>
           <a:lstStyle/>
           <a:p>
-            <a:endParaRPr lang="en-US"/>
+            <a:r>
+              <a:rPr lang="en-US" dirty="0"/>
+              <a:t>Streaming Line Chart Tile</a:t>
+            </a:r>
           </a:p>
         </p:txBody>
       </p:sp>
@@ -7717,6 +8502,14 @@
           <a:prstGeom prst="rect">
             <a:avLst/>
           </a:prstGeom>
+          <a:ln>
+            <a:solidFill>
+              <a:schemeClr val="tx1">
+                <a:lumMod val="50000"/>
+                <a:lumOff val="50000"/>
+              </a:schemeClr>
+            </a:solidFill>
+          </a:ln>
         </p:spPr>
       </p:pic>
     </p:spTree>
@@ -7751,7 +8544,13 @@
       </p:grpSpPr>
       <p:sp>
         <p:nvSpPr>
-          <p:cNvPr id="2" name="Title 1"/>
+          <p:cNvPr id="2" name="Title 1">
+            <a:extLst>
+              <a:ext uri="{FF2B5EF4-FFF2-40B4-BE49-F238E27FC236}">
+                <a16:creationId xmlns:a16="http://schemas.microsoft.com/office/drawing/2014/main" id="{3580679A-22D2-464B-B1DA-4DA3D4B133F5}"/>
+              </a:ext>
+            </a:extLst>
+          </p:cNvPr>
           <p:cNvSpPr>
             <a:spLocks noGrp="1"/>
           </p:cNvSpPr>
@@ -7766,87 +8565,53 @@
           <a:p>
             <a:r>
               <a:rPr lang="en-US" dirty="0"/>
-              <a:t>Agenda</a:t>
+              <a:t>Streaming Clustered Bar Chart Tile</a:t>
             </a:r>
           </a:p>
         </p:txBody>
       </p:sp>
-      <p:sp>
-        <p:nvSpPr>
-          <p:cNvPr id="3" name="Content Placeholder 2"/>
-          <p:cNvSpPr>
-            <a:spLocks noGrp="1"/>
-          </p:cNvSpPr>
-          <p:nvPr>
-            <p:ph idx="1"/>
-          </p:nvPr>
-        </p:nvSpPr>
+      <p:pic>
+        <p:nvPicPr>
+          <p:cNvPr id="3" name="Picture 2">
+            <a:extLst>
+              <a:ext uri="{FF2B5EF4-FFF2-40B4-BE49-F238E27FC236}">
+                <a16:creationId xmlns:a16="http://schemas.microsoft.com/office/drawing/2014/main" id="{265FF1F6-0BBC-46E8-8605-CF944D5E27BB}"/>
+              </a:ext>
+            </a:extLst>
+          </p:cNvPr>
+          <p:cNvPicPr>
+            <a:picLocks noChangeAspect="1"/>
+          </p:cNvPicPr>
+          <p:nvPr/>
+        </p:nvPicPr>
+        <p:blipFill>
+          <a:blip r:embed="rId2"/>
+          <a:stretch>
+            <a:fillRect/>
+          </a:stretch>
+        </p:blipFill>
         <p:spPr>
           <a:xfrm>
-            <a:off x="381000" y="1371600"/>
-            <a:ext cx="8382000" cy="5181600"/>
+            <a:off x="332266" y="1600200"/>
+            <a:ext cx="8250867" cy="4114800"/>
           </a:xfrm>
+          <a:prstGeom prst="rect">
+            <a:avLst/>
+          </a:prstGeom>
+          <a:ln>
+            <a:solidFill>
+              <a:schemeClr val="tx1">
+                <a:lumMod val="50000"/>
+                <a:lumOff val="50000"/>
+              </a:schemeClr>
+            </a:solidFill>
+          </a:ln>
         </p:spPr>
-        <p:txBody>
-          <a:bodyPr>
-            <a:normAutofit/>
-          </a:bodyPr>
-          <a:lstStyle/>
-          <a:p>
-            <a:pPr>
-              <a:buFont typeface="Wingdings" panose="05000000000000000000" pitchFamily="2" charset="2"/>
-              <a:buChar char="ü"/>
-            </a:pPr>
-            <a:r>
-              <a:rPr lang="en-US" dirty="0"/>
-              <a:t>Introduction to Real-time Datasets</a:t>
-            </a:r>
-          </a:p>
-          <a:p>
-            <a:pPr>
-              <a:buFont typeface="Wingdings" panose="05000000000000000000" pitchFamily="2" charset="2"/>
-              <a:buChar char="ü"/>
-            </a:pPr>
-            <a:r>
-              <a:rPr lang="en-US" dirty="0"/>
-              <a:t>Creating a Streaming Dataset with the API</a:t>
-            </a:r>
-          </a:p>
-          <a:p>
-            <a:pPr>
-              <a:buFont typeface="Wingdings" panose="05000000000000000000" pitchFamily="2" charset="2"/>
-              <a:buChar char="ü"/>
-            </a:pPr>
-            <a:r>
-              <a:rPr lang="en-US" dirty="0"/>
-              <a:t>Designing Dashboards with Streaming Data Tiles</a:t>
-            </a:r>
-          </a:p>
-          <a:p>
-            <a:pPr>
-              <a:buFont typeface="Wingdings" panose="05000000000000000000" pitchFamily="2" charset="2"/>
-              <a:buChar char="Ø"/>
-            </a:pPr>
-            <a:r>
-              <a:rPr lang="en-US" dirty="0"/>
-              <a:t>Creating a Push Dataset with Real-time Data</a:t>
-            </a:r>
-          </a:p>
-          <a:p>
-            <a:r>
-              <a:rPr lang="en-US" dirty="0"/>
-              <a:t>Integrating Azure Streaming Analytics Jobs</a:t>
-            </a:r>
-          </a:p>
-          <a:p>
-            <a:endParaRPr lang="en-US" dirty="0"/>
-          </a:p>
-        </p:txBody>
-      </p:sp>
+      </p:pic>
     </p:spTree>
     <p:extLst>
       <p:ext uri="{BB962C8B-B14F-4D97-AF65-F5344CB8AC3E}">
-        <p14:creationId xmlns:p14="http://schemas.microsoft.com/office/powerpoint/2010/main" val="2946262170"/>
+        <p14:creationId xmlns:p14="http://schemas.microsoft.com/office/powerpoint/2010/main" val="2204164201"/>
       </p:ext>
     </p:extLst>
   </p:cSld>
@@ -7949,7 +8714,7 @@
           <a:p>
             <a:pPr>
               <a:buFont typeface="Wingdings" panose="05000000000000000000" pitchFamily="2" charset="2"/>
-              <a:buChar char="ü"/>
+              <a:buChar char="Ø"/>
             </a:pPr>
             <a:r>
               <a:rPr lang="en-US" dirty="0"/>
@@ -7957,10 +8722,6 @@
             </a:r>
           </a:p>
           <a:p>
-            <a:pPr>
-              <a:buFont typeface="Wingdings" panose="05000000000000000000" pitchFamily="2" charset="2"/>
-              <a:buChar char="Ø"/>
-            </a:pPr>
             <a:r>
               <a:rPr lang="en-US" dirty="0"/>
               <a:t>Integrating Azure Streaming Analytics Jobs</a:t>
@@ -7974,7 +8735,7 @@
     </p:spTree>
     <p:extLst>
       <p:ext uri="{BB962C8B-B14F-4D97-AF65-F5344CB8AC3E}">
-        <p14:creationId xmlns:p14="http://schemas.microsoft.com/office/powerpoint/2010/main" val="847146049"/>
+        <p14:creationId xmlns:p14="http://schemas.microsoft.com/office/powerpoint/2010/main" val="2946262170"/>
       </p:ext>
     </p:extLst>
   </p:cSld>
@@ -7985,330 +8746,6 @@
 </file>
 
 <file path=ppt/slides/slide26.xml><?xml version="1.0" encoding="utf-8"?>
-<p:sld xmlns:a="http://schemas.openxmlformats.org/drawingml/2006/main" xmlns:r="http://schemas.openxmlformats.org/officeDocument/2006/relationships" xmlns:p="http://schemas.openxmlformats.org/presentationml/2006/main">
-  <p:cSld>
-    <p:spTree>
-      <p:nvGrpSpPr>
-        <p:cNvPr id="1" name=""/>
-        <p:cNvGrpSpPr/>
-        <p:nvPr/>
-      </p:nvGrpSpPr>
-      <p:grpSpPr>
-        <a:xfrm>
-          <a:off x="0" y="0"/>
-          <a:ext cx="0" cy="0"/>
-          <a:chOff x="0" y="0"/>
-          <a:chExt cx="0" cy="0"/>
-        </a:xfrm>
-      </p:grpSpPr>
-      <p:sp>
-        <p:nvSpPr>
-          <p:cNvPr id="2" name="Title 1"/>
-          <p:cNvSpPr>
-            <a:spLocks noGrp="1"/>
-          </p:cNvSpPr>
-          <p:nvPr>
-            <p:ph type="title"/>
-          </p:nvPr>
-        </p:nvSpPr>
-        <p:spPr/>
-        <p:txBody>
-          <a:bodyPr/>
-          <a:lstStyle/>
-          <a:p>
-            <a:r>
-              <a:rPr lang="en-US" dirty="0"/>
-              <a:t>Summary</a:t>
-            </a:r>
-          </a:p>
-        </p:txBody>
-      </p:sp>
-      <p:sp>
-        <p:nvSpPr>
-          <p:cNvPr id="3" name="Content Placeholder 2"/>
-          <p:cNvSpPr>
-            <a:spLocks noGrp="1"/>
-          </p:cNvSpPr>
-          <p:nvPr>
-            <p:ph idx="1"/>
-          </p:nvPr>
-        </p:nvSpPr>
-        <p:spPr>
-          <a:xfrm>
-            <a:off x="381000" y="1371600"/>
-            <a:ext cx="8382000" cy="5181600"/>
-          </a:xfrm>
-        </p:spPr>
-        <p:txBody>
-          <a:bodyPr>
-            <a:normAutofit/>
-          </a:bodyPr>
-          <a:lstStyle/>
-          <a:p>
-            <a:pPr>
-              <a:buFont typeface="Wingdings" panose="05000000000000000000" pitchFamily="2" charset="2"/>
-              <a:buChar char="ü"/>
-            </a:pPr>
-            <a:r>
-              <a:rPr lang="en-US" dirty="0"/>
-              <a:t>Introduction to Real-time Datasets</a:t>
-            </a:r>
-          </a:p>
-          <a:p>
-            <a:pPr>
-              <a:buFont typeface="Wingdings" panose="05000000000000000000" pitchFamily="2" charset="2"/>
-              <a:buChar char="ü"/>
-            </a:pPr>
-            <a:r>
-              <a:rPr lang="en-US" dirty="0"/>
-              <a:t>Creating a Streaming Dataset with the API</a:t>
-            </a:r>
-          </a:p>
-          <a:p>
-            <a:pPr>
-              <a:buFont typeface="Wingdings" panose="05000000000000000000" pitchFamily="2" charset="2"/>
-              <a:buChar char="ü"/>
-            </a:pPr>
-            <a:r>
-              <a:rPr lang="en-US" dirty="0"/>
-              <a:t>Designing Dashboards with Streaming Data Tiles</a:t>
-            </a:r>
-          </a:p>
-          <a:p>
-            <a:pPr>
-              <a:buFont typeface="Wingdings" panose="05000000000000000000" pitchFamily="2" charset="2"/>
-              <a:buChar char="ü"/>
-            </a:pPr>
-            <a:r>
-              <a:rPr lang="en-US" dirty="0"/>
-              <a:t>Creating a Push Dataset with Real-time Data</a:t>
-            </a:r>
-          </a:p>
-          <a:p>
-            <a:pPr>
-              <a:buFont typeface="Wingdings" panose="05000000000000000000" pitchFamily="2" charset="2"/>
-              <a:buChar char="ü"/>
-            </a:pPr>
-            <a:r>
-              <a:rPr lang="en-US" dirty="0"/>
-              <a:t>Integrating Azure Streaming Analytics Jobs</a:t>
-            </a:r>
-          </a:p>
-        </p:txBody>
-      </p:sp>
-    </p:spTree>
-    <p:extLst>
-      <p:ext uri="{BB962C8B-B14F-4D97-AF65-F5344CB8AC3E}">
-        <p14:creationId xmlns:p14="http://schemas.microsoft.com/office/powerpoint/2010/main" val="748311392"/>
-      </p:ext>
-    </p:extLst>
-  </p:cSld>
-  <p:clrMapOvr>
-    <a:masterClrMapping/>
-  </p:clrMapOvr>
-</p:sld>
-</file>
-
-<file path=ppt/slides/slide27.xml><?xml version="1.0" encoding="utf-8"?>
-<p:sld xmlns:a="http://schemas.openxmlformats.org/drawingml/2006/main" xmlns:r="http://schemas.openxmlformats.org/officeDocument/2006/relationships" xmlns:p="http://schemas.openxmlformats.org/presentationml/2006/main">
-  <p:cSld>
-    <p:spTree>
-      <p:nvGrpSpPr>
-        <p:cNvPr id="1" name=""/>
-        <p:cNvGrpSpPr/>
-        <p:nvPr/>
-      </p:nvGrpSpPr>
-      <p:grpSpPr>
-        <a:xfrm>
-          <a:off x="0" y="0"/>
-          <a:ext cx="0" cy="0"/>
-          <a:chOff x="0" y="0"/>
-          <a:chExt cx="0" cy="0"/>
-        </a:xfrm>
-      </p:grpSpPr>
-      <p:sp>
-        <p:nvSpPr>
-          <p:cNvPr id="2" name="Title 1">
-            <a:extLst>
-              <a:ext uri="{FF2B5EF4-FFF2-40B4-BE49-F238E27FC236}">
-                <a16:creationId xmlns:a16="http://schemas.microsoft.com/office/drawing/2014/main" id="{3580679A-22D2-464B-B1DA-4DA3D4B133F5}"/>
-              </a:ext>
-            </a:extLst>
-          </p:cNvPr>
-          <p:cNvSpPr>
-            <a:spLocks noGrp="1"/>
-          </p:cNvSpPr>
-          <p:nvPr>
-            <p:ph type="title"/>
-          </p:nvPr>
-        </p:nvSpPr>
-        <p:spPr/>
-        <p:txBody>
-          <a:bodyPr/>
-          <a:lstStyle/>
-          <a:p>
-            <a:endParaRPr lang="en-US"/>
-          </a:p>
-        </p:txBody>
-      </p:sp>
-      <p:pic>
-        <p:nvPicPr>
-          <p:cNvPr id="3" name="Picture 2">
-            <a:extLst>
-              <a:ext uri="{FF2B5EF4-FFF2-40B4-BE49-F238E27FC236}">
-                <a16:creationId xmlns:a16="http://schemas.microsoft.com/office/drawing/2014/main" id="{265FF1F6-0BBC-46E8-8605-CF944D5E27BB}"/>
-              </a:ext>
-            </a:extLst>
-          </p:cNvPr>
-          <p:cNvPicPr>
-            <a:picLocks noChangeAspect="1"/>
-          </p:cNvPicPr>
-          <p:nvPr/>
-        </p:nvPicPr>
-        <p:blipFill>
-          <a:blip r:embed="rId2"/>
-          <a:stretch>
-            <a:fillRect/>
-          </a:stretch>
-        </p:blipFill>
-        <p:spPr>
-          <a:xfrm>
-            <a:off x="533400" y="1828800"/>
-            <a:ext cx="7467600" cy="3724176"/>
-          </a:xfrm>
-          <a:prstGeom prst="rect">
-            <a:avLst/>
-          </a:prstGeom>
-        </p:spPr>
-      </p:pic>
-    </p:spTree>
-    <p:extLst>
-      <p:ext uri="{BB962C8B-B14F-4D97-AF65-F5344CB8AC3E}">
-        <p14:creationId xmlns:p14="http://schemas.microsoft.com/office/powerpoint/2010/main" val="2204164201"/>
-      </p:ext>
-    </p:extLst>
-  </p:cSld>
-  <p:clrMapOvr>
-    <a:masterClrMapping/>
-  </p:clrMapOvr>
-</p:sld>
-</file>
-
-<file path=ppt/slides/slide28.xml><?xml version="1.0" encoding="utf-8"?>
-<p:sld xmlns:a="http://schemas.openxmlformats.org/drawingml/2006/main" xmlns:r="http://schemas.openxmlformats.org/officeDocument/2006/relationships" xmlns:p="http://schemas.openxmlformats.org/presentationml/2006/main">
-  <p:cSld>
-    <p:spTree>
-      <p:nvGrpSpPr>
-        <p:cNvPr id="1" name=""/>
-        <p:cNvGrpSpPr/>
-        <p:nvPr/>
-      </p:nvGrpSpPr>
-      <p:grpSpPr>
-        <a:xfrm>
-          <a:off x="0" y="0"/>
-          <a:ext cx="0" cy="0"/>
-          <a:chOff x="0" y="0"/>
-          <a:chExt cx="0" cy="0"/>
-        </a:xfrm>
-      </p:grpSpPr>
-      <p:sp>
-        <p:nvSpPr>
-          <p:cNvPr id="2" name="Title 1"/>
-          <p:cNvSpPr>
-            <a:spLocks noGrp="1"/>
-          </p:cNvSpPr>
-          <p:nvPr>
-            <p:ph type="title"/>
-          </p:nvPr>
-        </p:nvSpPr>
-        <p:spPr/>
-        <p:txBody>
-          <a:bodyPr/>
-          <a:lstStyle/>
-          <a:p>
-            <a:r>
-              <a:rPr lang="en-US" dirty="0"/>
-              <a:t>Agenda</a:t>
-            </a:r>
-          </a:p>
-        </p:txBody>
-      </p:sp>
-      <p:sp>
-        <p:nvSpPr>
-          <p:cNvPr id="3" name="Content Placeholder 2"/>
-          <p:cNvSpPr>
-            <a:spLocks noGrp="1"/>
-          </p:cNvSpPr>
-          <p:nvPr>
-            <p:ph idx="1"/>
-          </p:nvPr>
-        </p:nvSpPr>
-        <p:spPr>
-          <a:xfrm>
-            <a:off x="381000" y="1371600"/>
-            <a:ext cx="8382000" cy="5181600"/>
-          </a:xfrm>
-        </p:spPr>
-        <p:txBody>
-          <a:bodyPr>
-            <a:normAutofit/>
-          </a:bodyPr>
-          <a:lstStyle/>
-          <a:p>
-            <a:pPr>
-              <a:buFont typeface="Wingdings" panose="05000000000000000000" pitchFamily="2" charset="2"/>
-              <a:buChar char="ü"/>
-            </a:pPr>
-            <a:r>
-              <a:rPr lang="en-US" dirty="0"/>
-              <a:t>Introduction to Real-time Datasets</a:t>
-            </a:r>
-          </a:p>
-          <a:p>
-            <a:pPr>
-              <a:buFont typeface="Wingdings" panose="05000000000000000000" pitchFamily="2" charset="2"/>
-              <a:buChar char="ü"/>
-            </a:pPr>
-            <a:r>
-              <a:rPr lang="en-US" dirty="0"/>
-              <a:t>Creating a Streaming Dataset</a:t>
-            </a:r>
-          </a:p>
-          <a:p>
-            <a:pPr>
-              <a:buFont typeface="Wingdings" panose="05000000000000000000" pitchFamily="2" charset="2"/>
-              <a:buChar char="Ø"/>
-            </a:pPr>
-            <a:r>
-              <a:rPr lang="en-US" dirty="0"/>
-              <a:t>Creating a Push Datasets</a:t>
-            </a:r>
-          </a:p>
-          <a:p>
-            <a:r>
-              <a:rPr lang="en-US" dirty="0"/>
-              <a:t>Working with Azure Streaming Analytics Jobs</a:t>
-            </a:r>
-          </a:p>
-          <a:p>
-            <a:endParaRPr lang="en-US" dirty="0"/>
-          </a:p>
-        </p:txBody>
-      </p:sp>
-    </p:spTree>
-    <p:extLst>
-      <p:ext uri="{BB962C8B-B14F-4D97-AF65-F5344CB8AC3E}">
-        <p14:creationId xmlns:p14="http://schemas.microsoft.com/office/powerpoint/2010/main" val="1713226772"/>
-      </p:ext>
-    </p:extLst>
-  </p:cSld>
-  <p:clrMapOvr>
-    <a:masterClrMapping/>
-  </p:clrMapOvr>
-</p:sld>
-</file>
-
-<file path=ppt/slides/slide29.xml><?xml version="1.0" encoding="utf-8"?>
 <p:sld xmlns:a="http://schemas.openxmlformats.org/drawingml/2006/main" xmlns:r="http://schemas.openxmlformats.org/officeDocument/2006/relationships" xmlns:p="http://schemas.openxmlformats.org/presentationml/2006/main">
   <p:cSld>
     <p:spTree>
@@ -9506,6 +9943,1791 @@
       <p:bldP spid="3" grpId="0" animBg="1"/>
     </p:bldLst>
   </p:timing>
+</p:sld>
+</file>
+
+<file path=ppt/slides/slide27.xml><?xml version="1.0" encoding="utf-8"?>
+<p:sld xmlns:a="http://schemas.openxmlformats.org/drawingml/2006/main" xmlns:r="http://schemas.openxmlformats.org/officeDocument/2006/relationships" xmlns:p="http://schemas.openxmlformats.org/presentationml/2006/main">
+  <p:cSld>
+    <p:spTree>
+      <p:nvGrpSpPr>
+        <p:cNvPr id="1" name=""/>
+        <p:cNvGrpSpPr/>
+        <p:nvPr/>
+      </p:nvGrpSpPr>
+      <p:grpSpPr>
+        <a:xfrm>
+          <a:off x="0" y="0"/>
+          <a:ext cx="0" cy="0"/>
+          <a:chOff x="0" y="0"/>
+          <a:chExt cx="0" cy="0"/>
+        </a:xfrm>
+      </p:grpSpPr>
+      <p:sp>
+        <p:nvSpPr>
+          <p:cNvPr id="26626" name="Title 1"/>
+          <p:cNvSpPr>
+            <a:spLocks noGrp="1"/>
+          </p:cNvSpPr>
+          <p:nvPr>
+            <p:ph type="title"/>
+          </p:nvPr>
+        </p:nvSpPr>
+        <p:spPr/>
+        <p:txBody>
+          <a:bodyPr/>
+          <a:lstStyle/>
+          <a:p>
+            <a:r>
+              <a:rPr lang="en-US" altLang="en-US" dirty="0"/>
+              <a:t>Creating a Push Dataset</a:t>
+            </a:r>
+          </a:p>
+        </p:txBody>
+      </p:sp>
+      <p:sp>
+        <p:nvSpPr>
+          <p:cNvPr id="26627" name="Content Placeholder 11"/>
+          <p:cNvSpPr>
+            <a:spLocks noGrp="1"/>
+          </p:cNvSpPr>
+          <p:nvPr>
+            <p:ph idx="1"/>
+          </p:nvPr>
+        </p:nvSpPr>
+        <p:spPr/>
+        <p:txBody>
+          <a:bodyPr>
+            <a:normAutofit/>
+          </a:bodyPr>
+          <a:lstStyle/>
+          <a:p>
+            <a:r>
+              <a:rPr lang="en-US" altLang="en-US" sz="2000" dirty="0"/>
+              <a:t>Push dataset created using JSON schema definition</a:t>
+            </a:r>
+          </a:p>
+          <a:p>
+            <a:pPr lvl="1"/>
+            <a:r>
+              <a:rPr lang="en-US" altLang="en-US" sz="1800" dirty="0"/>
+              <a:t>Push dataset can contain multiple tables and table relationships</a:t>
+            </a:r>
+          </a:p>
+          <a:p>
+            <a:pPr lvl="1"/>
+            <a:r>
+              <a:rPr lang="en-US" altLang="en-US" sz="1800" dirty="0"/>
+              <a:t>Tables can contains measures as well as columns</a:t>
+            </a:r>
+          </a:p>
+          <a:p>
+            <a:pPr lvl="1"/>
+            <a:r>
+              <a:rPr lang="en-US" altLang="en-US" sz="1800" dirty="0"/>
+              <a:t>Columns &amp; measures can be defined with </a:t>
+            </a:r>
+            <a:r>
+              <a:rPr lang="en-US" altLang="en-US" sz="1800" dirty="0" err="1"/>
+              <a:t>formatString</a:t>
+            </a:r>
+            <a:r>
+              <a:rPr lang="en-US" altLang="en-US" sz="1800" dirty="0"/>
+              <a:t> &amp; </a:t>
+            </a:r>
+            <a:r>
+              <a:rPr lang="en-US" altLang="en-US" sz="1800" dirty="0" err="1"/>
+              <a:t>dataCategory</a:t>
+            </a:r>
+            <a:endParaRPr lang="en-US" altLang="en-US" sz="1800" dirty="0"/>
+          </a:p>
+          <a:p>
+            <a:pPr lvl="1"/>
+            <a:endParaRPr lang="en-US" altLang="en-US" sz="1800" dirty="0"/>
+          </a:p>
+        </p:txBody>
+      </p:sp>
+      <p:pic>
+        <p:nvPicPr>
+          <p:cNvPr id="3" name="Picture 2">
+            <a:extLst>
+              <a:ext uri="{FF2B5EF4-FFF2-40B4-BE49-F238E27FC236}">
+                <a16:creationId xmlns:a16="http://schemas.microsoft.com/office/drawing/2014/main" id="{E53772C2-BFEC-4756-9DF1-BB17A176E1C1}"/>
+              </a:ext>
+            </a:extLst>
+          </p:cNvPr>
+          <p:cNvPicPr>
+            <a:picLocks noChangeAspect="1"/>
+          </p:cNvPicPr>
+          <p:nvPr/>
+        </p:nvPicPr>
+        <p:blipFill>
+          <a:blip r:embed="rId2"/>
+          <a:stretch>
+            <a:fillRect/>
+          </a:stretch>
+        </p:blipFill>
+        <p:spPr>
+          <a:xfrm>
+            <a:off x="914400" y="2971800"/>
+            <a:ext cx="8077200" cy="3768846"/>
+          </a:xfrm>
+          <a:prstGeom prst="rect">
+            <a:avLst/>
+          </a:prstGeom>
+          <a:ln>
+            <a:solidFill>
+              <a:schemeClr val="tx1">
+                <a:lumMod val="50000"/>
+                <a:lumOff val="50000"/>
+              </a:schemeClr>
+            </a:solidFill>
+          </a:ln>
+        </p:spPr>
+      </p:pic>
+    </p:spTree>
+    <p:extLst>
+      <p:ext uri="{BB962C8B-B14F-4D97-AF65-F5344CB8AC3E}">
+        <p14:creationId xmlns:p14="http://schemas.microsoft.com/office/powerpoint/2010/main" val="3585810723"/>
+      </p:ext>
+    </p:extLst>
+  </p:cSld>
+  <p:clrMapOvr>
+    <a:masterClrMapping/>
+  </p:clrMapOvr>
+</p:sld>
+</file>
+
+<file path=ppt/slides/slide28.xml><?xml version="1.0" encoding="utf-8"?>
+<p:sld xmlns:a="http://schemas.openxmlformats.org/drawingml/2006/main" xmlns:r="http://schemas.openxmlformats.org/officeDocument/2006/relationships" xmlns:p="http://schemas.openxmlformats.org/presentationml/2006/main">
+  <p:cSld>
+    <p:spTree>
+      <p:nvGrpSpPr>
+        <p:cNvPr id="1" name=""/>
+        <p:cNvGrpSpPr/>
+        <p:nvPr/>
+      </p:nvGrpSpPr>
+      <p:grpSpPr>
+        <a:xfrm>
+          <a:off x="0" y="0"/>
+          <a:ext cx="0" cy="0"/>
+          <a:chOff x="0" y="0"/>
+          <a:chExt cx="0" cy="0"/>
+        </a:xfrm>
+      </p:grpSpPr>
+      <p:sp>
+        <p:nvSpPr>
+          <p:cNvPr id="33794" name="Title 1"/>
+          <p:cNvSpPr>
+            <a:spLocks noGrp="1"/>
+          </p:cNvSpPr>
+          <p:nvPr>
+            <p:ph type="title"/>
+          </p:nvPr>
+        </p:nvSpPr>
+        <p:spPr/>
+        <p:txBody>
+          <a:bodyPr/>
+          <a:lstStyle/>
+          <a:p>
+            <a:r>
+              <a:rPr lang="en-US" altLang="en-US" sz="3200" dirty="0"/>
+              <a:t>Creating a Tumbling Time Window</a:t>
+            </a:r>
+          </a:p>
+        </p:txBody>
+      </p:sp>
+      <p:pic>
+        <p:nvPicPr>
+          <p:cNvPr id="33795" name="Picture 2"/>
+          <p:cNvPicPr>
+            <a:picLocks noChangeAspect="1"/>
+          </p:cNvPicPr>
+          <p:nvPr/>
+        </p:nvPicPr>
+        <p:blipFill>
+          <a:blip r:embed="rId2">
+            <a:extLst>
+              <a:ext uri="{28A0092B-C50C-407E-A947-70E740481C1C}">
+                <a14:useLocalDpi xmlns:a14="http://schemas.microsoft.com/office/drawing/2010/main" val="0"/>
+              </a:ext>
+            </a:extLst>
+          </a:blip>
+          <a:srcRect/>
+          <a:stretch>
+            <a:fillRect/>
+          </a:stretch>
+        </p:blipFill>
+        <p:spPr bwMode="auto">
+          <a:xfrm>
+            <a:off x="628651" y="1714500"/>
+            <a:ext cx="7788275" cy="4171950"/>
+          </a:xfrm>
+          <a:prstGeom prst="rect">
+            <a:avLst/>
+          </a:prstGeom>
+          <a:noFill/>
+          <a:ln w="12700">
+            <a:solidFill>
+              <a:schemeClr val="tx1"/>
+            </a:solidFill>
+            <a:miter lim="800000"/>
+            <a:headEnd/>
+            <a:tailEnd/>
+          </a:ln>
+          <a:extLst>
+            <a:ext uri="{909E8E84-426E-40DD-AFC4-6F175D3DCCD1}">
+              <a14:hiddenFill xmlns:a14="http://schemas.microsoft.com/office/drawing/2010/main">
+                <a:solidFill>
+                  <a:srgbClr val="FFFFFF"/>
+                </a:solidFill>
+              </a14:hiddenFill>
+            </a:ext>
+          </a:extLst>
+        </p:spPr>
+      </p:pic>
+      <p:sp>
+        <p:nvSpPr>
+          <p:cNvPr id="4" name="Rectangle 3"/>
+          <p:cNvSpPr/>
+          <p:nvPr/>
+        </p:nvSpPr>
+        <p:spPr>
+          <a:xfrm>
+            <a:off x="3314700" y="1714500"/>
+            <a:ext cx="2343150" cy="4171950"/>
+          </a:xfrm>
+          <a:prstGeom prst="rect">
+            <a:avLst/>
+          </a:prstGeom>
+          <a:noFill/>
+          <a:ln w="38100">
+            <a:solidFill>
+              <a:srgbClr val="FF0000"/>
+            </a:solidFill>
+            <a:prstDash val="sysDot"/>
+          </a:ln>
+        </p:spPr>
+        <p:style>
+          <a:lnRef idx="2">
+            <a:schemeClr val="accent1">
+              <a:shade val="50000"/>
+            </a:schemeClr>
+          </a:lnRef>
+          <a:fillRef idx="1">
+            <a:schemeClr val="accent1"/>
+          </a:fillRef>
+          <a:effectRef idx="0">
+            <a:schemeClr val="accent1"/>
+          </a:effectRef>
+          <a:fontRef idx="minor">
+            <a:schemeClr val="lt1"/>
+          </a:fontRef>
+        </p:style>
+        <p:txBody>
+          <a:bodyPr anchor="ctr"/>
+          <a:lstStyle/>
+          <a:p>
+            <a:pPr algn="ctr">
+              <a:defRPr/>
+            </a:pPr>
+            <a:endParaRPr lang="en-US"/>
+          </a:p>
+        </p:txBody>
+      </p:sp>
+      <p:sp>
+        <p:nvSpPr>
+          <p:cNvPr id="5" name="Rectangle 4"/>
+          <p:cNvSpPr/>
+          <p:nvPr/>
+        </p:nvSpPr>
+        <p:spPr>
+          <a:xfrm>
+            <a:off x="628650" y="1714500"/>
+            <a:ext cx="2686050" cy="4171950"/>
+          </a:xfrm>
+          <a:prstGeom prst="rect">
+            <a:avLst/>
+          </a:prstGeom>
+          <a:noFill/>
+          <a:ln w="38100">
+            <a:solidFill>
+              <a:srgbClr val="FF0000"/>
+            </a:solidFill>
+            <a:prstDash val="sysDot"/>
+          </a:ln>
+        </p:spPr>
+        <p:style>
+          <a:lnRef idx="2">
+            <a:schemeClr val="accent1">
+              <a:shade val="50000"/>
+            </a:schemeClr>
+          </a:lnRef>
+          <a:fillRef idx="1">
+            <a:schemeClr val="accent1"/>
+          </a:fillRef>
+          <a:effectRef idx="0">
+            <a:schemeClr val="accent1"/>
+          </a:effectRef>
+          <a:fontRef idx="minor">
+            <a:schemeClr val="lt1"/>
+          </a:fontRef>
+        </p:style>
+        <p:txBody>
+          <a:bodyPr anchor="ctr"/>
+          <a:lstStyle/>
+          <a:p>
+            <a:pPr algn="ctr">
+              <a:defRPr/>
+            </a:pPr>
+            <a:endParaRPr lang="en-US"/>
+          </a:p>
+        </p:txBody>
+      </p:sp>
+      <p:sp>
+        <p:nvSpPr>
+          <p:cNvPr id="6" name="Rectangle 5"/>
+          <p:cNvSpPr/>
+          <p:nvPr/>
+        </p:nvSpPr>
+        <p:spPr>
+          <a:xfrm>
+            <a:off x="5657850" y="1724025"/>
+            <a:ext cx="628650" cy="4171950"/>
+          </a:xfrm>
+          <a:prstGeom prst="rect">
+            <a:avLst/>
+          </a:prstGeom>
+          <a:noFill/>
+          <a:ln w="38100">
+            <a:solidFill>
+              <a:srgbClr val="FF0000"/>
+            </a:solidFill>
+            <a:prstDash val="sysDot"/>
+          </a:ln>
+        </p:spPr>
+        <p:style>
+          <a:lnRef idx="2">
+            <a:schemeClr val="accent1">
+              <a:shade val="50000"/>
+            </a:schemeClr>
+          </a:lnRef>
+          <a:fillRef idx="1">
+            <a:schemeClr val="accent1"/>
+          </a:fillRef>
+          <a:effectRef idx="0">
+            <a:schemeClr val="accent1"/>
+          </a:effectRef>
+          <a:fontRef idx="minor">
+            <a:schemeClr val="lt1"/>
+          </a:fontRef>
+        </p:style>
+        <p:txBody>
+          <a:bodyPr anchor="ctr"/>
+          <a:lstStyle/>
+          <a:p>
+            <a:pPr algn="ctr">
+              <a:defRPr/>
+            </a:pPr>
+            <a:endParaRPr lang="en-US"/>
+          </a:p>
+        </p:txBody>
+      </p:sp>
+      <p:sp>
+        <p:nvSpPr>
+          <p:cNvPr id="7" name="Rectangle 6"/>
+          <p:cNvSpPr/>
+          <p:nvPr/>
+        </p:nvSpPr>
+        <p:spPr>
+          <a:xfrm>
+            <a:off x="6343650" y="1714500"/>
+            <a:ext cx="571500" cy="4171950"/>
+          </a:xfrm>
+          <a:prstGeom prst="rect">
+            <a:avLst/>
+          </a:prstGeom>
+          <a:noFill/>
+          <a:ln w="38100">
+            <a:solidFill>
+              <a:srgbClr val="FF0000"/>
+            </a:solidFill>
+            <a:prstDash val="sysDot"/>
+          </a:ln>
+        </p:spPr>
+        <p:style>
+          <a:lnRef idx="2">
+            <a:schemeClr val="accent1">
+              <a:shade val="50000"/>
+            </a:schemeClr>
+          </a:lnRef>
+          <a:fillRef idx="1">
+            <a:schemeClr val="accent1"/>
+          </a:fillRef>
+          <a:effectRef idx="0">
+            <a:schemeClr val="accent1"/>
+          </a:effectRef>
+          <a:fontRef idx="minor">
+            <a:schemeClr val="lt1"/>
+          </a:fontRef>
+        </p:style>
+        <p:txBody>
+          <a:bodyPr anchor="ctr"/>
+          <a:lstStyle/>
+          <a:p>
+            <a:pPr algn="ctr">
+              <a:defRPr/>
+            </a:pPr>
+            <a:endParaRPr lang="en-US"/>
+          </a:p>
+        </p:txBody>
+      </p:sp>
+      <p:sp>
+        <p:nvSpPr>
+          <p:cNvPr id="8" name="Rectangle 7"/>
+          <p:cNvSpPr/>
+          <p:nvPr/>
+        </p:nvSpPr>
+        <p:spPr>
+          <a:xfrm>
+            <a:off x="6972300" y="1714500"/>
+            <a:ext cx="628650" cy="4171950"/>
+          </a:xfrm>
+          <a:prstGeom prst="rect">
+            <a:avLst/>
+          </a:prstGeom>
+          <a:noFill/>
+          <a:ln w="38100">
+            <a:solidFill>
+              <a:srgbClr val="FF0000"/>
+            </a:solidFill>
+            <a:prstDash val="sysDot"/>
+          </a:ln>
+        </p:spPr>
+        <p:style>
+          <a:lnRef idx="2">
+            <a:schemeClr val="accent1">
+              <a:shade val="50000"/>
+            </a:schemeClr>
+          </a:lnRef>
+          <a:fillRef idx="1">
+            <a:schemeClr val="accent1"/>
+          </a:fillRef>
+          <a:effectRef idx="0">
+            <a:schemeClr val="accent1"/>
+          </a:effectRef>
+          <a:fontRef idx="minor">
+            <a:schemeClr val="lt1"/>
+          </a:fontRef>
+        </p:style>
+        <p:txBody>
+          <a:bodyPr anchor="ctr"/>
+          <a:lstStyle/>
+          <a:p>
+            <a:pPr algn="ctr">
+              <a:defRPr/>
+            </a:pPr>
+            <a:endParaRPr lang="en-US"/>
+          </a:p>
+        </p:txBody>
+      </p:sp>
+      <p:sp>
+        <p:nvSpPr>
+          <p:cNvPr id="9" name="Rectangle 8"/>
+          <p:cNvSpPr/>
+          <p:nvPr/>
+        </p:nvSpPr>
+        <p:spPr>
+          <a:xfrm>
+            <a:off x="7658101" y="1714500"/>
+            <a:ext cx="758825" cy="4171950"/>
+          </a:xfrm>
+          <a:prstGeom prst="rect">
+            <a:avLst/>
+          </a:prstGeom>
+          <a:noFill/>
+          <a:ln w="38100">
+            <a:solidFill>
+              <a:srgbClr val="FF0000"/>
+            </a:solidFill>
+            <a:prstDash val="sysDot"/>
+          </a:ln>
+        </p:spPr>
+        <p:style>
+          <a:lnRef idx="2">
+            <a:schemeClr val="accent1">
+              <a:shade val="50000"/>
+            </a:schemeClr>
+          </a:lnRef>
+          <a:fillRef idx="1">
+            <a:schemeClr val="accent1"/>
+          </a:fillRef>
+          <a:effectRef idx="0">
+            <a:schemeClr val="accent1"/>
+          </a:effectRef>
+          <a:fontRef idx="minor">
+            <a:schemeClr val="lt1"/>
+          </a:fontRef>
+        </p:style>
+        <p:txBody>
+          <a:bodyPr anchor="ctr"/>
+          <a:lstStyle/>
+          <a:p>
+            <a:pPr algn="ctr">
+              <a:defRPr/>
+            </a:pPr>
+            <a:endParaRPr lang="en-US"/>
+          </a:p>
+        </p:txBody>
+      </p:sp>
+      <p:sp>
+        <p:nvSpPr>
+          <p:cNvPr id="10" name="Rectangle 9"/>
+          <p:cNvSpPr/>
+          <p:nvPr/>
+        </p:nvSpPr>
+        <p:spPr>
+          <a:xfrm>
+            <a:off x="7029450" y="2000250"/>
+            <a:ext cx="514350" cy="742950"/>
+          </a:xfrm>
+          <a:prstGeom prst="rect">
+            <a:avLst/>
+          </a:prstGeom>
+          <a:solidFill>
+            <a:schemeClr val="accent2">
+              <a:lumMod val="20000"/>
+              <a:lumOff val="80000"/>
+              <a:alpha val="50000"/>
+            </a:schemeClr>
+          </a:solidFill>
+          <a:ln w="3175">
+            <a:solidFill>
+              <a:schemeClr val="tx1"/>
+            </a:solidFill>
+          </a:ln>
+        </p:spPr>
+        <p:style>
+          <a:lnRef idx="2">
+            <a:schemeClr val="accent1">
+              <a:shade val="50000"/>
+            </a:schemeClr>
+          </a:lnRef>
+          <a:fillRef idx="1">
+            <a:schemeClr val="accent1"/>
+          </a:fillRef>
+          <a:effectRef idx="0">
+            <a:schemeClr val="accent1"/>
+          </a:effectRef>
+          <a:fontRef idx="minor">
+            <a:schemeClr val="lt1"/>
+          </a:fontRef>
+        </p:style>
+        <p:txBody>
+          <a:bodyPr anchor="ctr"/>
+          <a:lstStyle/>
+          <a:p>
+            <a:pPr algn="ctr">
+              <a:defRPr/>
+            </a:pPr>
+            <a:endParaRPr lang="en-US"/>
+          </a:p>
+        </p:txBody>
+      </p:sp>
+      <p:sp>
+        <p:nvSpPr>
+          <p:cNvPr id="11" name="Rectangle 10"/>
+          <p:cNvSpPr/>
+          <p:nvPr/>
+        </p:nvSpPr>
+        <p:spPr>
+          <a:xfrm>
+            <a:off x="7029450" y="2754314"/>
+            <a:ext cx="514350" cy="3095625"/>
+          </a:xfrm>
+          <a:prstGeom prst="rect">
+            <a:avLst/>
+          </a:prstGeom>
+          <a:solidFill>
+            <a:schemeClr val="tx2">
+              <a:lumMod val="10000"/>
+              <a:lumOff val="90000"/>
+              <a:alpha val="59000"/>
+            </a:schemeClr>
+          </a:solidFill>
+          <a:ln w="3175">
+            <a:solidFill>
+              <a:schemeClr val="tx1"/>
+            </a:solidFill>
+          </a:ln>
+        </p:spPr>
+        <p:style>
+          <a:lnRef idx="2">
+            <a:schemeClr val="accent1">
+              <a:shade val="50000"/>
+            </a:schemeClr>
+          </a:lnRef>
+          <a:fillRef idx="1">
+            <a:schemeClr val="accent1"/>
+          </a:fillRef>
+          <a:effectRef idx="0">
+            <a:schemeClr val="accent1"/>
+          </a:effectRef>
+          <a:fontRef idx="minor">
+            <a:schemeClr val="lt1"/>
+          </a:fontRef>
+        </p:style>
+        <p:txBody>
+          <a:bodyPr anchor="ctr"/>
+          <a:lstStyle/>
+          <a:p>
+            <a:pPr algn="ctr">
+              <a:defRPr/>
+            </a:pPr>
+            <a:endParaRPr lang="en-US"/>
+          </a:p>
+        </p:txBody>
+      </p:sp>
+    </p:spTree>
+    <p:extLst>
+      <p:ext uri="{BB962C8B-B14F-4D97-AF65-F5344CB8AC3E}">
+        <p14:creationId xmlns:p14="http://schemas.microsoft.com/office/powerpoint/2010/main" val="1010396368"/>
+      </p:ext>
+    </p:extLst>
+  </p:cSld>
+  <p:clrMapOvr>
+    <a:masterClrMapping/>
+  </p:clrMapOvr>
+  <p:timing>
+    <p:tnLst>
+      <p:par>
+        <p:cTn id="1" dur="indefinite" restart="never" nodeType="tmRoot">
+          <p:childTnLst>
+            <p:seq concurrent="1" nextAc="seek">
+              <p:cTn id="2" dur="indefinite" nodeType="mainSeq">
+                <p:childTnLst>
+                  <p:par>
+                    <p:cTn id="3" fill="hold" nodeType="clickPar">
+                      <p:stCondLst>
+                        <p:cond delay="indefinite"/>
+                      </p:stCondLst>
+                      <p:childTnLst>
+                        <p:par>
+                          <p:cTn id="4" fill="hold" nodeType="withGroup">
+                            <p:stCondLst>
+                              <p:cond delay="0"/>
+                            </p:stCondLst>
+                            <p:childTnLst>
+                              <p:par>
+                                <p:cTn id="5" presetID="1" presetClass="entr" presetSubtype="0" fill="hold" grpId="0" nodeType="clickEffect">
+                                  <p:stCondLst>
+                                    <p:cond delay="0"/>
+                                  </p:stCondLst>
+                                  <p:childTnLst>
+                                    <p:set>
+                                      <p:cBhvr>
+                                        <p:cTn id="6" dur="1" fill="hold">
+                                          <p:stCondLst>
+                                            <p:cond delay="0"/>
+                                          </p:stCondLst>
+                                        </p:cTn>
+                                        <p:tgtEl>
+                                          <p:spTgt spid="5"/>
+                                        </p:tgtEl>
+                                        <p:attrNameLst>
+                                          <p:attrName>style.visibility</p:attrName>
+                                        </p:attrNameLst>
+                                      </p:cBhvr>
+                                      <p:to>
+                                        <p:strVal val="visible"/>
+                                      </p:to>
+                                    </p:set>
+                                  </p:childTnLst>
+                                </p:cTn>
+                              </p:par>
+                            </p:childTnLst>
+                          </p:cTn>
+                        </p:par>
+                      </p:childTnLst>
+                    </p:cTn>
+                  </p:par>
+                  <p:par>
+                    <p:cTn id="7" fill="hold" nodeType="clickPar">
+                      <p:stCondLst>
+                        <p:cond delay="indefinite"/>
+                      </p:stCondLst>
+                      <p:childTnLst>
+                        <p:par>
+                          <p:cTn id="8" fill="hold" nodeType="withGroup">
+                            <p:stCondLst>
+                              <p:cond delay="0"/>
+                            </p:stCondLst>
+                            <p:childTnLst>
+                              <p:par>
+                                <p:cTn id="9" presetID="1" presetClass="exit" presetSubtype="0" fill="hold" grpId="1" nodeType="clickEffect">
+                                  <p:stCondLst>
+                                    <p:cond delay="0"/>
+                                  </p:stCondLst>
+                                  <p:childTnLst>
+                                    <p:set>
+                                      <p:cBhvr>
+                                        <p:cTn id="10" dur="1" fill="hold">
+                                          <p:stCondLst>
+                                            <p:cond delay="0"/>
+                                          </p:stCondLst>
+                                        </p:cTn>
+                                        <p:tgtEl>
+                                          <p:spTgt spid="5"/>
+                                        </p:tgtEl>
+                                        <p:attrNameLst>
+                                          <p:attrName>style.visibility</p:attrName>
+                                        </p:attrNameLst>
+                                      </p:cBhvr>
+                                      <p:to>
+                                        <p:strVal val="hidden"/>
+                                      </p:to>
+                                    </p:set>
+                                  </p:childTnLst>
+                                </p:cTn>
+                              </p:par>
+                            </p:childTnLst>
+                          </p:cTn>
+                        </p:par>
+                      </p:childTnLst>
+                    </p:cTn>
+                  </p:par>
+                  <p:par>
+                    <p:cTn id="11" fill="hold" nodeType="clickPar">
+                      <p:stCondLst>
+                        <p:cond delay="indefinite"/>
+                      </p:stCondLst>
+                      <p:childTnLst>
+                        <p:par>
+                          <p:cTn id="12" fill="hold" nodeType="withGroup">
+                            <p:stCondLst>
+                              <p:cond delay="0"/>
+                            </p:stCondLst>
+                            <p:childTnLst>
+                              <p:par>
+                                <p:cTn id="13" presetID="1" presetClass="entr" presetSubtype="0" fill="hold" grpId="0" nodeType="clickEffect">
+                                  <p:stCondLst>
+                                    <p:cond delay="0"/>
+                                  </p:stCondLst>
+                                  <p:childTnLst>
+                                    <p:set>
+                                      <p:cBhvr>
+                                        <p:cTn id="14" dur="1" fill="hold">
+                                          <p:stCondLst>
+                                            <p:cond delay="0"/>
+                                          </p:stCondLst>
+                                        </p:cTn>
+                                        <p:tgtEl>
+                                          <p:spTgt spid="9"/>
+                                        </p:tgtEl>
+                                        <p:attrNameLst>
+                                          <p:attrName>style.visibility</p:attrName>
+                                        </p:attrNameLst>
+                                      </p:cBhvr>
+                                      <p:to>
+                                        <p:strVal val="visible"/>
+                                      </p:to>
+                                    </p:set>
+                                  </p:childTnLst>
+                                </p:cTn>
+                              </p:par>
+                            </p:childTnLst>
+                          </p:cTn>
+                        </p:par>
+                      </p:childTnLst>
+                    </p:cTn>
+                  </p:par>
+                  <p:par>
+                    <p:cTn id="15" fill="hold" nodeType="clickPar">
+                      <p:stCondLst>
+                        <p:cond delay="indefinite"/>
+                      </p:stCondLst>
+                      <p:childTnLst>
+                        <p:par>
+                          <p:cTn id="16" fill="hold" nodeType="withGroup">
+                            <p:stCondLst>
+                              <p:cond delay="0"/>
+                            </p:stCondLst>
+                            <p:childTnLst>
+                              <p:par>
+                                <p:cTn id="17" presetID="1" presetClass="entr" presetSubtype="0" fill="hold" grpId="0" nodeType="clickEffect">
+                                  <p:stCondLst>
+                                    <p:cond delay="0"/>
+                                  </p:stCondLst>
+                                  <p:childTnLst>
+                                    <p:set>
+                                      <p:cBhvr>
+                                        <p:cTn id="18" dur="1" fill="hold">
+                                          <p:stCondLst>
+                                            <p:cond delay="0"/>
+                                          </p:stCondLst>
+                                        </p:cTn>
+                                        <p:tgtEl>
+                                          <p:spTgt spid="4"/>
+                                        </p:tgtEl>
+                                        <p:attrNameLst>
+                                          <p:attrName>style.visibility</p:attrName>
+                                        </p:attrNameLst>
+                                      </p:cBhvr>
+                                      <p:to>
+                                        <p:strVal val="visible"/>
+                                      </p:to>
+                                    </p:set>
+                                  </p:childTnLst>
+                                </p:cTn>
+                              </p:par>
+                            </p:childTnLst>
+                          </p:cTn>
+                        </p:par>
+                      </p:childTnLst>
+                    </p:cTn>
+                  </p:par>
+                  <p:par>
+                    <p:cTn id="19" fill="hold" nodeType="clickPar">
+                      <p:stCondLst>
+                        <p:cond delay="indefinite"/>
+                      </p:stCondLst>
+                      <p:childTnLst>
+                        <p:par>
+                          <p:cTn id="20" fill="hold" nodeType="withGroup">
+                            <p:stCondLst>
+                              <p:cond delay="0"/>
+                            </p:stCondLst>
+                            <p:childTnLst>
+                              <p:par>
+                                <p:cTn id="21" presetID="1" presetClass="exit" presetSubtype="0" fill="hold" grpId="1" nodeType="clickEffect">
+                                  <p:stCondLst>
+                                    <p:cond delay="0"/>
+                                  </p:stCondLst>
+                                  <p:childTnLst>
+                                    <p:set>
+                                      <p:cBhvr>
+                                        <p:cTn id="22" dur="1" fill="hold">
+                                          <p:stCondLst>
+                                            <p:cond delay="0"/>
+                                          </p:stCondLst>
+                                        </p:cTn>
+                                        <p:tgtEl>
+                                          <p:spTgt spid="4"/>
+                                        </p:tgtEl>
+                                        <p:attrNameLst>
+                                          <p:attrName>style.visibility</p:attrName>
+                                        </p:attrNameLst>
+                                      </p:cBhvr>
+                                      <p:to>
+                                        <p:strVal val="hidden"/>
+                                      </p:to>
+                                    </p:set>
+                                  </p:childTnLst>
+                                </p:cTn>
+                              </p:par>
+                            </p:childTnLst>
+                          </p:cTn>
+                        </p:par>
+                      </p:childTnLst>
+                    </p:cTn>
+                  </p:par>
+                  <p:par>
+                    <p:cTn id="23" fill="hold" nodeType="clickPar">
+                      <p:stCondLst>
+                        <p:cond delay="indefinite"/>
+                      </p:stCondLst>
+                      <p:childTnLst>
+                        <p:par>
+                          <p:cTn id="24" fill="hold" nodeType="withGroup">
+                            <p:stCondLst>
+                              <p:cond delay="0"/>
+                            </p:stCondLst>
+                            <p:childTnLst>
+                              <p:par>
+                                <p:cTn id="25" presetID="1" presetClass="entr" presetSubtype="0" fill="hold" grpId="0" nodeType="clickEffect">
+                                  <p:stCondLst>
+                                    <p:cond delay="0"/>
+                                  </p:stCondLst>
+                                  <p:childTnLst>
+                                    <p:set>
+                                      <p:cBhvr>
+                                        <p:cTn id="26" dur="1" fill="hold">
+                                          <p:stCondLst>
+                                            <p:cond delay="0"/>
+                                          </p:stCondLst>
+                                        </p:cTn>
+                                        <p:tgtEl>
+                                          <p:spTgt spid="6"/>
+                                        </p:tgtEl>
+                                        <p:attrNameLst>
+                                          <p:attrName>style.visibility</p:attrName>
+                                        </p:attrNameLst>
+                                      </p:cBhvr>
+                                      <p:to>
+                                        <p:strVal val="visible"/>
+                                      </p:to>
+                                    </p:set>
+                                  </p:childTnLst>
+                                </p:cTn>
+                              </p:par>
+                            </p:childTnLst>
+                          </p:cTn>
+                        </p:par>
+                      </p:childTnLst>
+                    </p:cTn>
+                  </p:par>
+                  <p:par>
+                    <p:cTn id="27" fill="hold" nodeType="clickPar">
+                      <p:stCondLst>
+                        <p:cond delay="indefinite"/>
+                      </p:stCondLst>
+                      <p:childTnLst>
+                        <p:par>
+                          <p:cTn id="28" fill="hold" nodeType="withGroup">
+                            <p:stCondLst>
+                              <p:cond delay="0"/>
+                            </p:stCondLst>
+                            <p:childTnLst>
+                              <p:par>
+                                <p:cTn id="29" presetID="1" presetClass="exit" presetSubtype="0" fill="hold" grpId="1" nodeType="clickEffect">
+                                  <p:stCondLst>
+                                    <p:cond delay="0"/>
+                                  </p:stCondLst>
+                                  <p:childTnLst>
+                                    <p:set>
+                                      <p:cBhvr>
+                                        <p:cTn id="30" dur="1" fill="hold">
+                                          <p:stCondLst>
+                                            <p:cond delay="0"/>
+                                          </p:stCondLst>
+                                        </p:cTn>
+                                        <p:tgtEl>
+                                          <p:spTgt spid="6"/>
+                                        </p:tgtEl>
+                                        <p:attrNameLst>
+                                          <p:attrName>style.visibility</p:attrName>
+                                        </p:attrNameLst>
+                                      </p:cBhvr>
+                                      <p:to>
+                                        <p:strVal val="hidden"/>
+                                      </p:to>
+                                    </p:set>
+                                  </p:childTnLst>
+                                </p:cTn>
+                              </p:par>
+                            </p:childTnLst>
+                          </p:cTn>
+                        </p:par>
+                      </p:childTnLst>
+                    </p:cTn>
+                  </p:par>
+                  <p:par>
+                    <p:cTn id="31" fill="hold" nodeType="clickPar">
+                      <p:stCondLst>
+                        <p:cond delay="indefinite"/>
+                      </p:stCondLst>
+                      <p:childTnLst>
+                        <p:par>
+                          <p:cTn id="32" fill="hold" nodeType="withGroup">
+                            <p:stCondLst>
+                              <p:cond delay="0"/>
+                            </p:stCondLst>
+                            <p:childTnLst>
+                              <p:par>
+                                <p:cTn id="33" presetID="1" presetClass="entr" presetSubtype="0" fill="hold" grpId="0" nodeType="clickEffect">
+                                  <p:stCondLst>
+                                    <p:cond delay="0"/>
+                                  </p:stCondLst>
+                                  <p:childTnLst>
+                                    <p:set>
+                                      <p:cBhvr>
+                                        <p:cTn id="34" dur="1" fill="hold">
+                                          <p:stCondLst>
+                                            <p:cond delay="0"/>
+                                          </p:stCondLst>
+                                        </p:cTn>
+                                        <p:tgtEl>
+                                          <p:spTgt spid="7"/>
+                                        </p:tgtEl>
+                                        <p:attrNameLst>
+                                          <p:attrName>style.visibility</p:attrName>
+                                        </p:attrNameLst>
+                                      </p:cBhvr>
+                                      <p:to>
+                                        <p:strVal val="visible"/>
+                                      </p:to>
+                                    </p:set>
+                                  </p:childTnLst>
+                                </p:cTn>
+                              </p:par>
+                            </p:childTnLst>
+                          </p:cTn>
+                        </p:par>
+                      </p:childTnLst>
+                    </p:cTn>
+                  </p:par>
+                  <p:par>
+                    <p:cTn id="35" fill="hold" nodeType="clickPar">
+                      <p:stCondLst>
+                        <p:cond delay="indefinite"/>
+                      </p:stCondLst>
+                      <p:childTnLst>
+                        <p:par>
+                          <p:cTn id="36" fill="hold" nodeType="withGroup">
+                            <p:stCondLst>
+                              <p:cond delay="0"/>
+                            </p:stCondLst>
+                            <p:childTnLst>
+                              <p:par>
+                                <p:cTn id="37" presetID="1" presetClass="exit" presetSubtype="0" fill="hold" grpId="1" nodeType="clickEffect">
+                                  <p:stCondLst>
+                                    <p:cond delay="0"/>
+                                  </p:stCondLst>
+                                  <p:childTnLst>
+                                    <p:set>
+                                      <p:cBhvr>
+                                        <p:cTn id="38" dur="1" fill="hold">
+                                          <p:stCondLst>
+                                            <p:cond delay="0"/>
+                                          </p:stCondLst>
+                                        </p:cTn>
+                                        <p:tgtEl>
+                                          <p:spTgt spid="7"/>
+                                        </p:tgtEl>
+                                        <p:attrNameLst>
+                                          <p:attrName>style.visibility</p:attrName>
+                                        </p:attrNameLst>
+                                      </p:cBhvr>
+                                      <p:to>
+                                        <p:strVal val="hidden"/>
+                                      </p:to>
+                                    </p:set>
+                                  </p:childTnLst>
+                                </p:cTn>
+                              </p:par>
+                            </p:childTnLst>
+                          </p:cTn>
+                        </p:par>
+                      </p:childTnLst>
+                    </p:cTn>
+                  </p:par>
+                  <p:par>
+                    <p:cTn id="39" fill="hold" nodeType="clickPar">
+                      <p:stCondLst>
+                        <p:cond delay="indefinite"/>
+                      </p:stCondLst>
+                      <p:childTnLst>
+                        <p:par>
+                          <p:cTn id="40" fill="hold" nodeType="withGroup">
+                            <p:stCondLst>
+                              <p:cond delay="0"/>
+                            </p:stCondLst>
+                            <p:childTnLst>
+                              <p:par>
+                                <p:cTn id="41" presetID="1" presetClass="entr" presetSubtype="0" fill="hold" grpId="0" nodeType="clickEffect">
+                                  <p:stCondLst>
+                                    <p:cond delay="0"/>
+                                  </p:stCondLst>
+                                  <p:childTnLst>
+                                    <p:set>
+                                      <p:cBhvr>
+                                        <p:cTn id="42" dur="1" fill="hold">
+                                          <p:stCondLst>
+                                            <p:cond delay="0"/>
+                                          </p:stCondLst>
+                                        </p:cTn>
+                                        <p:tgtEl>
+                                          <p:spTgt spid="8"/>
+                                        </p:tgtEl>
+                                        <p:attrNameLst>
+                                          <p:attrName>style.visibility</p:attrName>
+                                        </p:attrNameLst>
+                                      </p:cBhvr>
+                                      <p:to>
+                                        <p:strVal val="visible"/>
+                                      </p:to>
+                                    </p:set>
+                                  </p:childTnLst>
+                                </p:cTn>
+                              </p:par>
+                            </p:childTnLst>
+                          </p:cTn>
+                        </p:par>
+                      </p:childTnLst>
+                    </p:cTn>
+                  </p:par>
+                  <p:par>
+                    <p:cTn id="43" fill="hold" nodeType="clickPar">
+                      <p:stCondLst>
+                        <p:cond delay="indefinite"/>
+                      </p:stCondLst>
+                      <p:childTnLst>
+                        <p:par>
+                          <p:cTn id="44" fill="hold" nodeType="withGroup">
+                            <p:stCondLst>
+                              <p:cond delay="0"/>
+                            </p:stCondLst>
+                            <p:childTnLst>
+                              <p:par>
+                                <p:cTn id="45" presetID="1" presetClass="entr" presetSubtype="0" fill="hold" grpId="0" nodeType="clickEffect">
+                                  <p:stCondLst>
+                                    <p:cond delay="0"/>
+                                  </p:stCondLst>
+                                  <p:childTnLst>
+                                    <p:set>
+                                      <p:cBhvr>
+                                        <p:cTn id="46" dur="1" fill="hold">
+                                          <p:stCondLst>
+                                            <p:cond delay="0"/>
+                                          </p:stCondLst>
+                                        </p:cTn>
+                                        <p:tgtEl>
+                                          <p:spTgt spid="10"/>
+                                        </p:tgtEl>
+                                        <p:attrNameLst>
+                                          <p:attrName>style.visibility</p:attrName>
+                                        </p:attrNameLst>
+                                      </p:cBhvr>
+                                      <p:to>
+                                        <p:strVal val="visible"/>
+                                      </p:to>
+                                    </p:set>
+                                  </p:childTnLst>
+                                </p:cTn>
+                              </p:par>
+                            </p:childTnLst>
+                          </p:cTn>
+                        </p:par>
+                      </p:childTnLst>
+                    </p:cTn>
+                  </p:par>
+                  <p:par>
+                    <p:cTn id="47" fill="hold" nodeType="clickPar">
+                      <p:stCondLst>
+                        <p:cond delay="indefinite"/>
+                      </p:stCondLst>
+                      <p:childTnLst>
+                        <p:par>
+                          <p:cTn id="48" fill="hold" nodeType="withGroup">
+                            <p:stCondLst>
+                              <p:cond delay="0"/>
+                            </p:stCondLst>
+                            <p:childTnLst>
+                              <p:par>
+                                <p:cTn id="49" presetID="1" presetClass="entr" presetSubtype="0" fill="hold" grpId="0" nodeType="clickEffect">
+                                  <p:stCondLst>
+                                    <p:cond delay="0"/>
+                                  </p:stCondLst>
+                                  <p:childTnLst>
+                                    <p:set>
+                                      <p:cBhvr>
+                                        <p:cTn id="50" dur="1" fill="hold">
+                                          <p:stCondLst>
+                                            <p:cond delay="0"/>
+                                          </p:stCondLst>
+                                        </p:cTn>
+                                        <p:tgtEl>
+                                          <p:spTgt spid="11"/>
+                                        </p:tgtEl>
+                                        <p:attrNameLst>
+                                          <p:attrName>style.visibility</p:attrName>
+                                        </p:attrNameLst>
+                                      </p:cBhvr>
+                                      <p:to>
+                                        <p:strVal val="visible"/>
+                                      </p:to>
+                                    </p:set>
+                                  </p:childTnLst>
+                                </p:cTn>
+                              </p:par>
+                            </p:childTnLst>
+                          </p:cTn>
+                        </p:par>
+                      </p:childTnLst>
+                    </p:cTn>
+                  </p:par>
+                </p:childTnLst>
+              </p:cTn>
+              <p:prevCondLst>
+                <p:cond evt="onPrev" delay="0">
+                  <p:tgtEl>
+                    <p:sldTgt/>
+                  </p:tgtEl>
+                </p:cond>
+              </p:prevCondLst>
+              <p:nextCondLst>
+                <p:cond evt="onNext" delay="0">
+                  <p:tgtEl>
+                    <p:sldTgt/>
+                  </p:tgtEl>
+                </p:cond>
+              </p:nextCondLst>
+            </p:seq>
+          </p:childTnLst>
+        </p:cTn>
+      </p:par>
+    </p:tnLst>
+    <p:bldLst>
+      <p:bldP spid="4" grpId="0" animBg="1"/>
+      <p:bldP spid="4" grpId="1" animBg="1"/>
+      <p:bldP spid="5" grpId="0" animBg="1"/>
+      <p:bldP spid="5" grpId="1" animBg="1"/>
+      <p:bldP spid="6" grpId="0" animBg="1"/>
+      <p:bldP spid="6" grpId="1" animBg="1"/>
+      <p:bldP spid="7" grpId="0" animBg="1"/>
+      <p:bldP spid="7" grpId="1" animBg="1"/>
+      <p:bldP spid="8" grpId="0" animBg="1"/>
+      <p:bldP spid="9" grpId="0" animBg="1"/>
+      <p:bldP spid="10" grpId="0" animBg="1"/>
+      <p:bldP spid="11" grpId="0" animBg="1"/>
+    </p:bldLst>
+  </p:timing>
+</p:sld>
+</file>
+
+<file path=ppt/slides/slide29.xml><?xml version="1.0" encoding="utf-8"?>
+<p:sld xmlns:a="http://schemas.openxmlformats.org/drawingml/2006/main" xmlns:r="http://schemas.openxmlformats.org/officeDocument/2006/relationships" xmlns:p="http://schemas.openxmlformats.org/presentationml/2006/main">
+  <p:cSld>
+    <p:spTree>
+      <p:nvGrpSpPr>
+        <p:cNvPr id="1" name=""/>
+        <p:cNvGrpSpPr/>
+        <p:nvPr/>
+      </p:nvGrpSpPr>
+      <p:grpSpPr>
+        <a:xfrm>
+          <a:off x="0" y="0"/>
+          <a:ext cx="0" cy="0"/>
+          <a:chOff x="0" y="0"/>
+          <a:chExt cx="0" cy="0"/>
+        </a:xfrm>
+      </p:grpSpPr>
+      <p:sp>
+        <p:nvSpPr>
+          <p:cNvPr id="2" name="Title 1">
+            <a:extLst>
+              <a:ext uri="{FF2B5EF4-FFF2-40B4-BE49-F238E27FC236}">
+                <a16:creationId xmlns:a16="http://schemas.microsoft.com/office/drawing/2014/main" id="{4D0DBB5C-A612-40DC-B572-18EAE13254BB}"/>
+              </a:ext>
+            </a:extLst>
+          </p:cNvPr>
+          <p:cNvSpPr>
+            <a:spLocks noGrp="1"/>
+          </p:cNvSpPr>
+          <p:nvPr>
+            <p:ph type="title"/>
+          </p:nvPr>
+        </p:nvSpPr>
+        <p:spPr/>
+        <p:txBody>
+          <a:bodyPr/>
+          <a:lstStyle/>
+          <a:p>
+            <a:r>
+              <a:rPr lang="en-US" dirty="0"/>
+              <a:t>Real-time Dataset Matrix</a:t>
+            </a:r>
+          </a:p>
+        </p:txBody>
+      </p:sp>
+      <p:graphicFrame>
+        <p:nvGraphicFramePr>
+          <p:cNvPr id="4" name="Table Placeholder 3">
+            <a:extLst>
+              <a:ext uri="{FF2B5EF4-FFF2-40B4-BE49-F238E27FC236}">
+                <a16:creationId xmlns:a16="http://schemas.microsoft.com/office/drawing/2014/main" id="{8C977DF3-FC1F-416F-B2C3-24DDA2FCF166}"/>
+              </a:ext>
+            </a:extLst>
+          </p:cNvPr>
+          <p:cNvGraphicFramePr>
+            <a:graphicFrameLocks noGrp="1"/>
+          </p:cNvGraphicFramePr>
+          <p:nvPr>
+            <p:ph type="tbl" sz="quarter" idx="11"/>
+            <p:extLst>
+              <p:ext uri="{D42A27DB-BD31-4B8C-83A1-F6EECF244321}">
+                <p14:modId xmlns:p14="http://schemas.microsoft.com/office/powerpoint/2010/main" val="775648710"/>
+              </p:ext>
+            </p:extLst>
+          </p:nvPr>
+        </p:nvGraphicFramePr>
+        <p:xfrm>
+          <a:off x="179439" y="1524000"/>
+          <a:ext cx="8686800" cy="2804160"/>
+        </p:xfrm>
+        <a:graphic>
+          <a:graphicData uri="http://schemas.openxmlformats.org/drawingml/2006/table">
+            <a:tbl>
+              <a:tblPr firstRow="1" bandRow="1">
+                <a:tableStyleId>{5C22544A-7EE6-4342-B048-85BDC9FD1C3A}</a:tableStyleId>
+              </a:tblPr>
+              <a:tblGrid>
+                <a:gridCol w="2573867">
+                  <a:extLst>
+                    <a:ext uri="{9D8B030D-6E8A-4147-A177-3AD203B41FA5}">
+                      <a16:colId xmlns:a16="http://schemas.microsoft.com/office/drawing/2014/main" val="1973918261"/>
+                    </a:ext>
+                  </a:extLst>
+                </a:gridCol>
+                <a:gridCol w="1769533">
+                  <a:extLst>
+                    <a:ext uri="{9D8B030D-6E8A-4147-A177-3AD203B41FA5}">
+                      <a16:colId xmlns:a16="http://schemas.microsoft.com/office/drawing/2014/main" val="4040666849"/>
+                    </a:ext>
+                  </a:extLst>
+                </a:gridCol>
+                <a:gridCol w="2171700">
+                  <a:extLst>
+                    <a:ext uri="{9D8B030D-6E8A-4147-A177-3AD203B41FA5}">
+                      <a16:colId xmlns:a16="http://schemas.microsoft.com/office/drawing/2014/main" val="2435804053"/>
+                    </a:ext>
+                  </a:extLst>
+                </a:gridCol>
+                <a:gridCol w="2171700">
+                  <a:extLst>
+                    <a:ext uri="{9D8B030D-6E8A-4147-A177-3AD203B41FA5}">
+                      <a16:colId xmlns:a16="http://schemas.microsoft.com/office/drawing/2014/main" val="864780966"/>
+                    </a:ext>
+                  </a:extLst>
+                </a:gridCol>
+              </a:tblGrid>
+              <a:tr h="370840">
+                <a:tc>
+                  <a:txBody>
+                    <a:bodyPr/>
+                    <a:lstStyle/>
+                    <a:p>
+                      <a:r>
+                        <a:rPr lang="en-US" sz="1600" dirty="0"/>
+                        <a:t>Feature</a:t>
+                      </a:r>
+                    </a:p>
+                  </a:txBody>
+                  <a:tcPr/>
+                </a:tc>
+                <a:tc>
+                  <a:txBody>
+                    <a:bodyPr/>
+                    <a:lstStyle/>
+                    <a:p>
+                      <a:r>
+                        <a:rPr lang="en-US" sz="1600" dirty="0"/>
+                        <a:t>Streaming</a:t>
+                      </a:r>
+                    </a:p>
+                  </a:txBody>
+                  <a:tcPr/>
+                </a:tc>
+                <a:tc>
+                  <a:txBody>
+                    <a:bodyPr/>
+                    <a:lstStyle/>
+                    <a:p>
+                      <a:r>
+                        <a:rPr lang="en-US" sz="1600" dirty="0"/>
+                        <a:t>Hybrid</a:t>
+                      </a:r>
+                    </a:p>
+                  </a:txBody>
+                  <a:tcPr/>
+                </a:tc>
+                <a:tc>
+                  <a:txBody>
+                    <a:bodyPr/>
+                    <a:lstStyle/>
+                    <a:p>
+                      <a:r>
+                        <a:rPr lang="en-US" sz="1600" dirty="0"/>
+                        <a:t>Push</a:t>
+                      </a:r>
+                    </a:p>
+                  </a:txBody>
+                  <a:tcPr/>
+                </a:tc>
+                <a:extLst>
+                  <a:ext uri="{0D108BD9-81ED-4DB2-BD59-A6C34878D82A}">
+                    <a16:rowId xmlns:a16="http://schemas.microsoft.com/office/drawing/2014/main" val="1965740102"/>
+                  </a:ext>
+                </a:extLst>
+              </a:tr>
+              <a:tr h="370840">
+                <a:tc>
+                  <a:txBody>
+                    <a:bodyPr/>
+                    <a:lstStyle/>
+                    <a:p>
+                      <a:r>
+                        <a:rPr lang="en-US" sz="1600" dirty="0"/>
+                        <a:t>Updates in real-time</a:t>
+                      </a:r>
+                    </a:p>
+                  </a:txBody>
+                  <a:tcPr/>
+                </a:tc>
+                <a:tc>
+                  <a:txBody>
+                    <a:bodyPr/>
+                    <a:lstStyle/>
+                    <a:p>
+                      <a:r>
+                        <a:rPr lang="en-US" sz="1600" dirty="0"/>
+                        <a:t>Yes</a:t>
+                      </a:r>
+                    </a:p>
+                  </a:txBody>
+                  <a:tcPr/>
+                </a:tc>
+                <a:tc>
+                  <a:txBody>
+                    <a:bodyPr/>
+                    <a:lstStyle/>
+                    <a:p>
+                      <a:r>
+                        <a:rPr lang="en-US" sz="1600" dirty="0"/>
+                        <a:t>Yes</a:t>
+                      </a:r>
+                    </a:p>
+                  </a:txBody>
+                  <a:tcPr/>
+                </a:tc>
+                <a:tc>
+                  <a:txBody>
+                    <a:bodyPr/>
+                    <a:lstStyle/>
+                    <a:p>
+                      <a:r>
+                        <a:rPr lang="en-US" sz="1600" dirty="0"/>
+                        <a:t>Yes</a:t>
+                      </a:r>
+                    </a:p>
+                  </a:txBody>
+                  <a:tcPr/>
+                </a:tc>
+                <a:extLst>
+                  <a:ext uri="{0D108BD9-81ED-4DB2-BD59-A6C34878D82A}">
+                    <a16:rowId xmlns:a16="http://schemas.microsoft.com/office/drawing/2014/main" val="1121341008"/>
+                  </a:ext>
+                </a:extLst>
+              </a:tr>
+              <a:tr h="370840">
+                <a:tc>
+                  <a:txBody>
+                    <a:bodyPr/>
+                    <a:lstStyle/>
+                    <a:p>
+                      <a:r>
+                        <a:rPr lang="en-US" sz="1600" dirty="0"/>
+                        <a:t>Smooth animations</a:t>
+                      </a:r>
+                    </a:p>
+                  </a:txBody>
+                  <a:tcPr/>
+                </a:tc>
+                <a:tc>
+                  <a:txBody>
+                    <a:bodyPr/>
+                    <a:lstStyle/>
+                    <a:p>
+                      <a:r>
+                        <a:rPr lang="en-US" sz="1600" dirty="0"/>
+                        <a:t>Yes</a:t>
+                      </a:r>
+                    </a:p>
+                  </a:txBody>
+                  <a:tcPr/>
+                </a:tc>
+                <a:tc>
+                  <a:txBody>
+                    <a:bodyPr/>
+                    <a:lstStyle/>
+                    <a:p>
+                      <a:r>
+                        <a:rPr lang="en-US" sz="1600" dirty="0"/>
+                        <a:t>Yes</a:t>
+                      </a:r>
+                    </a:p>
+                  </a:txBody>
+                  <a:tcPr/>
+                </a:tc>
+                <a:tc>
+                  <a:txBody>
+                    <a:bodyPr/>
+                    <a:lstStyle/>
+                    <a:p>
+                      <a:r>
+                        <a:rPr lang="en-US" sz="1600" dirty="0"/>
+                        <a:t>No</a:t>
+                      </a:r>
+                    </a:p>
+                  </a:txBody>
+                  <a:tcPr/>
+                </a:tc>
+                <a:extLst>
+                  <a:ext uri="{0D108BD9-81ED-4DB2-BD59-A6C34878D82A}">
+                    <a16:rowId xmlns:a16="http://schemas.microsoft.com/office/drawing/2014/main" val="2657927046"/>
+                  </a:ext>
+                </a:extLst>
+              </a:tr>
+              <a:tr h="370840">
+                <a:tc>
+                  <a:txBody>
+                    <a:bodyPr/>
+                    <a:lstStyle/>
+                    <a:p>
+                      <a:r>
+                        <a:rPr lang="en-US" sz="1600" dirty="0"/>
+                        <a:t>Backed by Azure SQL DB</a:t>
+                      </a:r>
+                    </a:p>
+                  </a:txBody>
+                  <a:tcPr/>
+                </a:tc>
+                <a:tc>
+                  <a:txBody>
+                    <a:bodyPr/>
+                    <a:lstStyle/>
+                    <a:p>
+                      <a:r>
+                        <a:rPr lang="en-US" sz="1600" dirty="0"/>
+                        <a:t>No</a:t>
+                      </a:r>
+                    </a:p>
+                  </a:txBody>
+                  <a:tcPr/>
+                </a:tc>
+                <a:tc>
+                  <a:txBody>
+                    <a:bodyPr/>
+                    <a:lstStyle/>
+                    <a:p>
+                      <a:r>
+                        <a:rPr lang="en-US" sz="1600" dirty="0"/>
+                        <a:t>Yes</a:t>
+                      </a:r>
+                    </a:p>
+                  </a:txBody>
+                  <a:tcPr/>
+                </a:tc>
+                <a:tc>
+                  <a:txBody>
+                    <a:bodyPr/>
+                    <a:lstStyle/>
+                    <a:p>
+                      <a:r>
+                        <a:rPr lang="en-US" sz="1600" dirty="0"/>
+                        <a:t>Yes</a:t>
+                      </a:r>
+                    </a:p>
+                  </a:txBody>
+                  <a:tcPr/>
+                </a:tc>
+                <a:extLst>
+                  <a:ext uri="{0D108BD9-81ED-4DB2-BD59-A6C34878D82A}">
+                    <a16:rowId xmlns:a16="http://schemas.microsoft.com/office/drawing/2014/main" val="3280862049"/>
+                  </a:ext>
+                </a:extLst>
+              </a:tr>
+              <a:tr h="370840">
+                <a:tc>
+                  <a:txBody>
+                    <a:bodyPr/>
+                    <a:lstStyle/>
+                    <a:p>
+                      <a:r>
+                        <a:rPr lang="en-US" sz="1600" dirty="0"/>
+                        <a:t>Report Designer Support</a:t>
+                      </a:r>
+                    </a:p>
+                  </a:txBody>
+                  <a:tcPr/>
+                </a:tc>
+                <a:tc>
+                  <a:txBody>
+                    <a:bodyPr/>
+                    <a:lstStyle/>
+                    <a:p>
+                      <a:r>
+                        <a:rPr lang="en-US" sz="1600" dirty="0"/>
+                        <a:t>No</a:t>
+                      </a:r>
+                    </a:p>
+                  </a:txBody>
+                  <a:tcPr/>
+                </a:tc>
+                <a:tc>
+                  <a:txBody>
+                    <a:bodyPr/>
+                    <a:lstStyle/>
+                    <a:p>
+                      <a:r>
+                        <a:rPr lang="en-US" sz="1600" dirty="0"/>
+                        <a:t>Yes</a:t>
+                      </a:r>
+                    </a:p>
+                  </a:txBody>
+                  <a:tcPr/>
+                </a:tc>
+                <a:tc>
+                  <a:txBody>
+                    <a:bodyPr/>
+                    <a:lstStyle/>
+                    <a:p>
+                      <a:r>
+                        <a:rPr lang="en-US" sz="1600" dirty="0"/>
+                        <a:t>Yes</a:t>
+                      </a:r>
+                    </a:p>
+                  </a:txBody>
+                  <a:tcPr/>
+                </a:tc>
+                <a:extLst>
+                  <a:ext uri="{0D108BD9-81ED-4DB2-BD59-A6C34878D82A}">
+                    <a16:rowId xmlns:a16="http://schemas.microsoft.com/office/drawing/2014/main" val="2578737156"/>
+                  </a:ext>
+                </a:extLst>
+              </a:tr>
+              <a:tr h="370840">
+                <a:tc>
+                  <a:txBody>
+                    <a:bodyPr/>
+                    <a:lstStyle/>
+                    <a:p>
+                      <a:r>
+                        <a:rPr lang="en-US" sz="1600" dirty="0"/>
+                        <a:t>Allow Rich Data Modeling</a:t>
+                      </a:r>
+                    </a:p>
+                  </a:txBody>
+                  <a:tcPr/>
+                </a:tc>
+                <a:tc>
+                  <a:txBody>
+                    <a:bodyPr/>
+                    <a:lstStyle/>
+                    <a:p>
+                      <a:r>
+                        <a:rPr lang="en-US" sz="1600" dirty="0"/>
+                        <a:t>No</a:t>
+                      </a:r>
+                    </a:p>
+                  </a:txBody>
+                  <a:tcPr/>
+                </a:tc>
+                <a:tc>
+                  <a:txBody>
+                    <a:bodyPr/>
+                    <a:lstStyle/>
+                    <a:p>
+                      <a:r>
+                        <a:rPr lang="en-US" sz="1600" dirty="0"/>
+                        <a:t>No</a:t>
+                      </a:r>
+                    </a:p>
+                  </a:txBody>
+                  <a:tcPr/>
+                </a:tc>
+                <a:tc>
+                  <a:txBody>
+                    <a:bodyPr/>
+                    <a:lstStyle/>
+                    <a:p>
+                      <a:r>
+                        <a:rPr lang="en-US" sz="1600" dirty="0"/>
+                        <a:t>Yes</a:t>
+                      </a:r>
+                    </a:p>
+                  </a:txBody>
+                  <a:tcPr/>
+                </a:tc>
+                <a:extLst>
+                  <a:ext uri="{0D108BD9-81ED-4DB2-BD59-A6C34878D82A}">
+                    <a16:rowId xmlns:a16="http://schemas.microsoft.com/office/drawing/2014/main" val="936800151"/>
+                  </a:ext>
+                </a:extLst>
+              </a:tr>
+              <a:tr h="370840">
+                <a:tc>
+                  <a:txBody>
+                    <a:bodyPr/>
+                    <a:lstStyle/>
+                    <a:p>
+                      <a:r>
+                        <a:rPr lang="en-US" sz="1600" dirty="0"/>
+                        <a:t>Ingestion Rate</a:t>
+                      </a:r>
+                    </a:p>
+                  </a:txBody>
+                  <a:tcPr/>
+                </a:tc>
+                <a:tc>
+                  <a:txBody>
+                    <a:bodyPr/>
+                    <a:lstStyle/>
+                    <a:p>
+                      <a:r>
+                        <a:rPr lang="en-US" sz="1600" dirty="0"/>
+                        <a:t>5 request/sec</a:t>
+                      </a:r>
+                      <a:br>
+                        <a:rPr lang="en-US" sz="1600" dirty="0"/>
+                      </a:br>
+                      <a:r>
+                        <a:rPr lang="en-US" sz="1600" dirty="0"/>
+                        <a:t>15KB/request</a:t>
+                      </a:r>
+                    </a:p>
+                  </a:txBody>
+                  <a:tcPr/>
+                </a:tc>
+                <a:tc>
+                  <a:txBody>
+                    <a:bodyPr/>
+                    <a:lstStyle/>
+                    <a:p>
+                      <a:endParaRPr lang="en-US" sz="1600" dirty="0"/>
+                    </a:p>
+                  </a:txBody>
+                  <a:tcPr/>
+                </a:tc>
+                <a:tc>
+                  <a:txBody>
+                    <a:bodyPr/>
+                    <a:lstStyle/>
+                    <a:p>
+                      <a:r>
+                        <a:rPr lang="en-US" sz="1600" dirty="0"/>
+                        <a:t>1 request/second</a:t>
+                      </a:r>
+                    </a:p>
+                    <a:p>
+                      <a:r>
+                        <a:rPr lang="en-US" sz="1600" dirty="0"/>
+                        <a:t>16MB/request</a:t>
+                      </a:r>
+                    </a:p>
+                  </a:txBody>
+                  <a:tcPr/>
+                </a:tc>
+                <a:extLst>
+                  <a:ext uri="{0D108BD9-81ED-4DB2-BD59-A6C34878D82A}">
+                    <a16:rowId xmlns:a16="http://schemas.microsoft.com/office/drawing/2014/main" val="2149321962"/>
+                  </a:ext>
+                </a:extLst>
+              </a:tr>
+            </a:tbl>
+          </a:graphicData>
+        </a:graphic>
+      </p:graphicFrame>
+    </p:spTree>
+    <p:extLst>
+      <p:ext uri="{BB962C8B-B14F-4D97-AF65-F5344CB8AC3E}">
+        <p14:creationId xmlns:p14="http://schemas.microsoft.com/office/powerpoint/2010/main" val="3138249323"/>
+      </p:ext>
+    </p:extLst>
+  </p:cSld>
+  <p:clrMapOvr>
+    <a:masterClrMapping/>
+  </p:clrMapOvr>
 </p:sld>
 </file>
 
@@ -10796,2537 +13018,6 @@
       </p:grpSpPr>
       <p:sp>
         <p:nvSpPr>
-          <p:cNvPr id="26626" name="Title 1"/>
-          <p:cNvSpPr>
-            <a:spLocks noGrp="1"/>
-          </p:cNvSpPr>
-          <p:nvPr>
-            <p:ph type="title"/>
-          </p:nvPr>
-        </p:nvSpPr>
-        <p:spPr/>
-        <p:txBody>
-          <a:bodyPr/>
-          <a:lstStyle/>
-          <a:p>
-            <a:r>
-              <a:rPr lang="en-US" altLang="en-US" dirty="0"/>
-              <a:t>Creating a Push Dataset</a:t>
-            </a:r>
-          </a:p>
-        </p:txBody>
-      </p:sp>
-      <p:sp>
-        <p:nvSpPr>
-          <p:cNvPr id="26627" name="Content Placeholder 11"/>
-          <p:cNvSpPr>
-            <a:spLocks noGrp="1"/>
-          </p:cNvSpPr>
-          <p:nvPr>
-            <p:ph idx="1"/>
-          </p:nvPr>
-        </p:nvSpPr>
-        <p:spPr/>
-        <p:txBody>
-          <a:bodyPr>
-            <a:normAutofit/>
-          </a:bodyPr>
-          <a:lstStyle/>
-          <a:p>
-            <a:r>
-              <a:rPr lang="en-US" altLang="en-US" sz="2000" dirty="0"/>
-              <a:t>Push dataset created using JSON schema definition</a:t>
-            </a:r>
-          </a:p>
-          <a:p>
-            <a:pPr lvl="1"/>
-            <a:r>
-              <a:rPr lang="en-US" altLang="en-US" sz="1800" dirty="0"/>
-              <a:t>Push dataset can contain multiple tables and table relationships</a:t>
-            </a:r>
-          </a:p>
-          <a:p>
-            <a:pPr lvl="1"/>
-            <a:r>
-              <a:rPr lang="en-US" altLang="en-US" sz="1800" dirty="0"/>
-              <a:t>Tables can contains measures as well as columns</a:t>
-            </a:r>
-          </a:p>
-          <a:p>
-            <a:pPr lvl="1"/>
-            <a:r>
-              <a:rPr lang="en-US" altLang="en-US" sz="1800" dirty="0"/>
-              <a:t>Columns &amp; measures can be defined with </a:t>
-            </a:r>
-            <a:r>
-              <a:rPr lang="en-US" altLang="en-US" sz="1800" dirty="0" err="1"/>
-              <a:t>formatString</a:t>
-            </a:r>
-            <a:r>
-              <a:rPr lang="en-US" altLang="en-US" sz="1800" dirty="0"/>
-              <a:t> &amp; </a:t>
-            </a:r>
-            <a:r>
-              <a:rPr lang="en-US" altLang="en-US" sz="1800" dirty="0" err="1"/>
-              <a:t>dataCategory</a:t>
-            </a:r>
-            <a:endParaRPr lang="en-US" altLang="en-US" sz="1800" dirty="0"/>
-          </a:p>
-          <a:p>
-            <a:pPr lvl="1"/>
-            <a:endParaRPr lang="en-US" altLang="en-US" sz="1800" dirty="0"/>
-          </a:p>
-        </p:txBody>
-      </p:sp>
-      <p:pic>
-        <p:nvPicPr>
-          <p:cNvPr id="3" name="Picture 2">
-            <a:extLst>
-              <a:ext uri="{FF2B5EF4-FFF2-40B4-BE49-F238E27FC236}">
-                <a16:creationId xmlns:a16="http://schemas.microsoft.com/office/drawing/2014/main" id="{E53772C2-BFEC-4756-9DF1-BB17A176E1C1}"/>
-              </a:ext>
-            </a:extLst>
-          </p:cNvPr>
-          <p:cNvPicPr>
-            <a:picLocks noChangeAspect="1"/>
-          </p:cNvPicPr>
-          <p:nvPr/>
-        </p:nvPicPr>
-        <p:blipFill>
-          <a:blip r:embed="rId2"/>
-          <a:stretch>
-            <a:fillRect/>
-          </a:stretch>
-        </p:blipFill>
-        <p:spPr>
-          <a:xfrm>
-            <a:off x="914400" y="2971800"/>
-            <a:ext cx="8077200" cy="3768846"/>
-          </a:xfrm>
-          <a:prstGeom prst="rect">
-            <a:avLst/>
-          </a:prstGeom>
-          <a:ln>
-            <a:solidFill>
-              <a:schemeClr val="tx1">
-                <a:lumMod val="50000"/>
-                <a:lumOff val="50000"/>
-              </a:schemeClr>
-            </a:solidFill>
-          </a:ln>
-        </p:spPr>
-      </p:pic>
-    </p:spTree>
-    <p:extLst>
-      <p:ext uri="{BB962C8B-B14F-4D97-AF65-F5344CB8AC3E}">
-        <p14:creationId xmlns:p14="http://schemas.microsoft.com/office/powerpoint/2010/main" val="3585810723"/>
-      </p:ext>
-    </p:extLst>
-  </p:cSld>
-  <p:clrMapOvr>
-    <a:masterClrMapping/>
-  </p:clrMapOvr>
-</p:sld>
-</file>
-
-<file path=ppt/slides/slide31.xml><?xml version="1.0" encoding="utf-8"?>
-<p:sld xmlns:a="http://schemas.openxmlformats.org/drawingml/2006/main" xmlns:r="http://schemas.openxmlformats.org/officeDocument/2006/relationships" xmlns:p="http://schemas.openxmlformats.org/presentationml/2006/main">
-  <p:cSld>
-    <p:spTree>
-      <p:nvGrpSpPr>
-        <p:cNvPr id="1" name=""/>
-        <p:cNvGrpSpPr/>
-        <p:nvPr/>
-      </p:nvGrpSpPr>
-      <p:grpSpPr>
-        <a:xfrm>
-          <a:off x="0" y="0"/>
-          <a:ext cx="0" cy="0"/>
-          <a:chOff x="0" y="0"/>
-          <a:chExt cx="0" cy="0"/>
-        </a:xfrm>
-      </p:grpSpPr>
-      <p:sp>
-        <p:nvSpPr>
-          <p:cNvPr id="2" name="Title 1">
-            <a:extLst>
-              <a:ext uri="{FF2B5EF4-FFF2-40B4-BE49-F238E27FC236}">
-                <a16:creationId xmlns:a16="http://schemas.microsoft.com/office/drawing/2014/main" id="{4D0DBB5C-A612-40DC-B572-18EAE13254BB}"/>
-              </a:ext>
-            </a:extLst>
-          </p:cNvPr>
-          <p:cNvSpPr>
-            <a:spLocks noGrp="1"/>
-          </p:cNvSpPr>
-          <p:nvPr>
-            <p:ph type="title"/>
-          </p:nvPr>
-        </p:nvSpPr>
-        <p:spPr/>
-        <p:txBody>
-          <a:bodyPr/>
-          <a:lstStyle/>
-          <a:p>
-            <a:r>
-              <a:rPr lang="en-US" dirty="0"/>
-              <a:t>Real-time Dataset Matrix</a:t>
-            </a:r>
-          </a:p>
-        </p:txBody>
-      </p:sp>
-      <p:graphicFrame>
-        <p:nvGraphicFramePr>
-          <p:cNvPr id="4" name="Table Placeholder 3">
-            <a:extLst>
-              <a:ext uri="{FF2B5EF4-FFF2-40B4-BE49-F238E27FC236}">
-                <a16:creationId xmlns:a16="http://schemas.microsoft.com/office/drawing/2014/main" id="{8C977DF3-FC1F-416F-B2C3-24DDA2FCF166}"/>
-              </a:ext>
-            </a:extLst>
-          </p:cNvPr>
-          <p:cNvGraphicFramePr>
-            <a:graphicFrameLocks noGrp="1"/>
-          </p:cNvGraphicFramePr>
-          <p:nvPr>
-            <p:ph type="tbl" sz="quarter" idx="11"/>
-            <p:extLst>
-              <p:ext uri="{D42A27DB-BD31-4B8C-83A1-F6EECF244321}">
-                <p14:modId xmlns:p14="http://schemas.microsoft.com/office/powerpoint/2010/main" val="775648710"/>
-              </p:ext>
-            </p:extLst>
-          </p:nvPr>
-        </p:nvGraphicFramePr>
-        <p:xfrm>
-          <a:off x="179439" y="1524000"/>
-          <a:ext cx="8686800" cy="2804160"/>
-        </p:xfrm>
-        <a:graphic>
-          <a:graphicData uri="http://schemas.openxmlformats.org/drawingml/2006/table">
-            <a:tbl>
-              <a:tblPr firstRow="1" bandRow="1">
-                <a:tableStyleId>{5C22544A-7EE6-4342-B048-85BDC9FD1C3A}</a:tableStyleId>
-              </a:tblPr>
-              <a:tblGrid>
-                <a:gridCol w="2573867">
-                  <a:extLst>
-                    <a:ext uri="{9D8B030D-6E8A-4147-A177-3AD203B41FA5}">
-                      <a16:colId xmlns:a16="http://schemas.microsoft.com/office/drawing/2014/main" val="1973918261"/>
-                    </a:ext>
-                  </a:extLst>
-                </a:gridCol>
-                <a:gridCol w="1769533">
-                  <a:extLst>
-                    <a:ext uri="{9D8B030D-6E8A-4147-A177-3AD203B41FA5}">
-                      <a16:colId xmlns:a16="http://schemas.microsoft.com/office/drawing/2014/main" val="4040666849"/>
-                    </a:ext>
-                  </a:extLst>
-                </a:gridCol>
-                <a:gridCol w="2171700">
-                  <a:extLst>
-                    <a:ext uri="{9D8B030D-6E8A-4147-A177-3AD203B41FA5}">
-                      <a16:colId xmlns:a16="http://schemas.microsoft.com/office/drawing/2014/main" val="2435804053"/>
-                    </a:ext>
-                  </a:extLst>
-                </a:gridCol>
-                <a:gridCol w="2171700">
-                  <a:extLst>
-                    <a:ext uri="{9D8B030D-6E8A-4147-A177-3AD203B41FA5}">
-                      <a16:colId xmlns:a16="http://schemas.microsoft.com/office/drawing/2014/main" val="864780966"/>
-                    </a:ext>
-                  </a:extLst>
-                </a:gridCol>
-              </a:tblGrid>
-              <a:tr h="370840">
-                <a:tc>
-                  <a:txBody>
-                    <a:bodyPr/>
-                    <a:lstStyle/>
-                    <a:p>
-                      <a:r>
-                        <a:rPr lang="en-US" sz="1600" dirty="0"/>
-                        <a:t>Feature</a:t>
-                      </a:r>
-                    </a:p>
-                  </a:txBody>
-                  <a:tcPr/>
-                </a:tc>
-                <a:tc>
-                  <a:txBody>
-                    <a:bodyPr/>
-                    <a:lstStyle/>
-                    <a:p>
-                      <a:r>
-                        <a:rPr lang="en-US" sz="1600" dirty="0"/>
-                        <a:t>Streaming</a:t>
-                      </a:r>
-                    </a:p>
-                  </a:txBody>
-                  <a:tcPr/>
-                </a:tc>
-                <a:tc>
-                  <a:txBody>
-                    <a:bodyPr/>
-                    <a:lstStyle/>
-                    <a:p>
-                      <a:r>
-                        <a:rPr lang="en-US" sz="1600" dirty="0"/>
-                        <a:t>Hybrid</a:t>
-                      </a:r>
-                    </a:p>
-                  </a:txBody>
-                  <a:tcPr/>
-                </a:tc>
-                <a:tc>
-                  <a:txBody>
-                    <a:bodyPr/>
-                    <a:lstStyle/>
-                    <a:p>
-                      <a:r>
-                        <a:rPr lang="en-US" sz="1600" dirty="0"/>
-                        <a:t>Push</a:t>
-                      </a:r>
-                    </a:p>
-                  </a:txBody>
-                  <a:tcPr/>
-                </a:tc>
-                <a:extLst>
-                  <a:ext uri="{0D108BD9-81ED-4DB2-BD59-A6C34878D82A}">
-                    <a16:rowId xmlns:a16="http://schemas.microsoft.com/office/drawing/2014/main" val="1965740102"/>
-                  </a:ext>
-                </a:extLst>
-              </a:tr>
-              <a:tr h="370840">
-                <a:tc>
-                  <a:txBody>
-                    <a:bodyPr/>
-                    <a:lstStyle/>
-                    <a:p>
-                      <a:r>
-                        <a:rPr lang="en-US" sz="1600" dirty="0"/>
-                        <a:t>Updates in real-time</a:t>
-                      </a:r>
-                    </a:p>
-                  </a:txBody>
-                  <a:tcPr/>
-                </a:tc>
-                <a:tc>
-                  <a:txBody>
-                    <a:bodyPr/>
-                    <a:lstStyle/>
-                    <a:p>
-                      <a:r>
-                        <a:rPr lang="en-US" sz="1600" dirty="0"/>
-                        <a:t>Yes</a:t>
-                      </a:r>
-                    </a:p>
-                  </a:txBody>
-                  <a:tcPr/>
-                </a:tc>
-                <a:tc>
-                  <a:txBody>
-                    <a:bodyPr/>
-                    <a:lstStyle/>
-                    <a:p>
-                      <a:r>
-                        <a:rPr lang="en-US" sz="1600" dirty="0"/>
-                        <a:t>Yes</a:t>
-                      </a:r>
-                    </a:p>
-                  </a:txBody>
-                  <a:tcPr/>
-                </a:tc>
-                <a:tc>
-                  <a:txBody>
-                    <a:bodyPr/>
-                    <a:lstStyle/>
-                    <a:p>
-                      <a:r>
-                        <a:rPr lang="en-US" sz="1600" dirty="0"/>
-                        <a:t>Yes</a:t>
-                      </a:r>
-                    </a:p>
-                  </a:txBody>
-                  <a:tcPr/>
-                </a:tc>
-                <a:extLst>
-                  <a:ext uri="{0D108BD9-81ED-4DB2-BD59-A6C34878D82A}">
-                    <a16:rowId xmlns:a16="http://schemas.microsoft.com/office/drawing/2014/main" val="1121341008"/>
-                  </a:ext>
-                </a:extLst>
-              </a:tr>
-              <a:tr h="370840">
-                <a:tc>
-                  <a:txBody>
-                    <a:bodyPr/>
-                    <a:lstStyle/>
-                    <a:p>
-                      <a:r>
-                        <a:rPr lang="en-US" sz="1600" dirty="0"/>
-                        <a:t>Smooth animations</a:t>
-                      </a:r>
-                    </a:p>
-                  </a:txBody>
-                  <a:tcPr/>
-                </a:tc>
-                <a:tc>
-                  <a:txBody>
-                    <a:bodyPr/>
-                    <a:lstStyle/>
-                    <a:p>
-                      <a:r>
-                        <a:rPr lang="en-US" sz="1600" dirty="0"/>
-                        <a:t>Yes</a:t>
-                      </a:r>
-                    </a:p>
-                  </a:txBody>
-                  <a:tcPr/>
-                </a:tc>
-                <a:tc>
-                  <a:txBody>
-                    <a:bodyPr/>
-                    <a:lstStyle/>
-                    <a:p>
-                      <a:r>
-                        <a:rPr lang="en-US" sz="1600" dirty="0"/>
-                        <a:t>Yes</a:t>
-                      </a:r>
-                    </a:p>
-                  </a:txBody>
-                  <a:tcPr/>
-                </a:tc>
-                <a:tc>
-                  <a:txBody>
-                    <a:bodyPr/>
-                    <a:lstStyle/>
-                    <a:p>
-                      <a:r>
-                        <a:rPr lang="en-US" sz="1600" dirty="0"/>
-                        <a:t>No</a:t>
-                      </a:r>
-                    </a:p>
-                  </a:txBody>
-                  <a:tcPr/>
-                </a:tc>
-                <a:extLst>
-                  <a:ext uri="{0D108BD9-81ED-4DB2-BD59-A6C34878D82A}">
-                    <a16:rowId xmlns:a16="http://schemas.microsoft.com/office/drawing/2014/main" val="2657927046"/>
-                  </a:ext>
-                </a:extLst>
-              </a:tr>
-              <a:tr h="370840">
-                <a:tc>
-                  <a:txBody>
-                    <a:bodyPr/>
-                    <a:lstStyle/>
-                    <a:p>
-                      <a:r>
-                        <a:rPr lang="en-US" sz="1600" dirty="0"/>
-                        <a:t>Backed by Azure SQL DB</a:t>
-                      </a:r>
-                    </a:p>
-                  </a:txBody>
-                  <a:tcPr/>
-                </a:tc>
-                <a:tc>
-                  <a:txBody>
-                    <a:bodyPr/>
-                    <a:lstStyle/>
-                    <a:p>
-                      <a:r>
-                        <a:rPr lang="en-US" sz="1600" dirty="0"/>
-                        <a:t>No</a:t>
-                      </a:r>
-                    </a:p>
-                  </a:txBody>
-                  <a:tcPr/>
-                </a:tc>
-                <a:tc>
-                  <a:txBody>
-                    <a:bodyPr/>
-                    <a:lstStyle/>
-                    <a:p>
-                      <a:r>
-                        <a:rPr lang="en-US" sz="1600" dirty="0"/>
-                        <a:t>Yes</a:t>
-                      </a:r>
-                    </a:p>
-                  </a:txBody>
-                  <a:tcPr/>
-                </a:tc>
-                <a:tc>
-                  <a:txBody>
-                    <a:bodyPr/>
-                    <a:lstStyle/>
-                    <a:p>
-                      <a:r>
-                        <a:rPr lang="en-US" sz="1600" dirty="0"/>
-                        <a:t>Yes</a:t>
-                      </a:r>
-                    </a:p>
-                  </a:txBody>
-                  <a:tcPr/>
-                </a:tc>
-                <a:extLst>
-                  <a:ext uri="{0D108BD9-81ED-4DB2-BD59-A6C34878D82A}">
-                    <a16:rowId xmlns:a16="http://schemas.microsoft.com/office/drawing/2014/main" val="3280862049"/>
-                  </a:ext>
-                </a:extLst>
-              </a:tr>
-              <a:tr h="370840">
-                <a:tc>
-                  <a:txBody>
-                    <a:bodyPr/>
-                    <a:lstStyle/>
-                    <a:p>
-                      <a:r>
-                        <a:rPr lang="en-US" sz="1600" dirty="0"/>
-                        <a:t>Report Designer Support</a:t>
-                      </a:r>
-                    </a:p>
-                  </a:txBody>
-                  <a:tcPr/>
-                </a:tc>
-                <a:tc>
-                  <a:txBody>
-                    <a:bodyPr/>
-                    <a:lstStyle/>
-                    <a:p>
-                      <a:r>
-                        <a:rPr lang="en-US" sz="1600" dirty="0"/>
-                        <a:t>No</a:t>
-                      </a:r>
-                    </a:p>
-                  </a:txBody>
-                  <a:tcPr/>
-                </a:tc>
-                <a:tc>
-                  <a:txBody>
-                    <a:bodyPr/>
-                    <a:lstStyle/>
-                    <a:p>
-                      <a:r>
-                        <a:rPr lang="en-US" sz="1600" dirty="0"/>
-                        <a:t>Yes</a:t>
-                      </a:r>
-                    </a:p>
-                  </a:txBody>
-                  <a:tcPr/>
-                </a:tc>
-                <a:tc>
-                  <a:txBody>
-                    <a:bodyPr/>
-                    <a:lstStyle/>
-                    <a:p>
-                      <a:r>
-                        <a:rPr lang="en-US" sz="1600" dirty="0"/>
-                        <a:t>Yes</a:t>
-                      </a:r>
-                    </a:p>
-                  </a:txBody>
-                  <a:tcPr/>
-                </a:tc>
-                <a:extLst>
-                  <a:ext uri="{0D108BD9-81ED-4DB2-BD59-A6C34878D82A}">
-                    <a16:rowId xmlns:a16="http://schemas.microsoft.com/office/drawing/2014/main" val="2578737156"/>
-                  </a:ext>
-                </a:extLst>
-              </a:tr>
-              <a:tr h="370840">
-                <a:tc>
-                  <a:txBody>
-                    <a:bodyPr/>
-                    <a:lstStyle/>
-                    <a:p>
-                      <a:r>
-                        <a:rPr lang="en-US" sz="1600" dirty="0"/>
-                        <a:t>Allow Rich Data Modeling</a:t>
-                      </a:r>
-                    </a:p>
-                  </a:txBody>
-                  <a:tcPr/>
-                </a:tc>
-                <a:tc>
-                  <a:txBody>
-                    <a:bodyPr/>
-                    <a:lstStyle/>
-                    <a:p>
-                      <a:r>
-                        <a:rPr lang="en-US" sz="1600" dirty="0"/>
-                        <a:t>No</a:t>
-                      </a:r>
-                    </a:p>
-                  </a:txBody>
-                  <a:tcPr/>
-                </a:tc>
-                <a:tc>
-                  <a:txBody>
-                    <a:bodyPr/>
-                    <a:lstStyle/>
-                    <a:p>
-                      <a:r>
-                        <a:rPr lang="en-US" sz="1600" dirty="0"/>
-                        <a:t>No</a:t>
-                      </a:r>
-                    </a:p>
-                  </a:txBody>
-                  <a:tcPr/>
-                </a:tc>
-                <a:tc>
-                  <a:txBody>
-                    <a:bodyPr/>
-                    <a:lstStyle/>
-                    <a:p>
-                      <a:r>
-                        <a:rPr lang="en-US" sz="1600" dirty="0"/>
-                        <a:t>Yes</a:t>
-                      </a:r>
-                    </a:p>
-                  </a:txBody>
-                  <a:tcPr/>
-                </a:tc>
-                <a:extLst>
-                  <a:ext uri="{0D108BD9-81ED-4DB2-BD59-A6C34878D82A}">
-                    <a16:rowId xmlns:a16="http://schemas.microsoft.com/office/drawing/2014/main" val="936800151"/>
-                  </a:ext>
-                </a:extLst>
-              </a:tr>
-              <a:tr h="370840">
-                <a:tc>
-                  <a:txBody>
-                    <a:bodyPr/>
-                    <a:lstStyle/>
-                    <a:p>
-                      <a:r>
-                        <a:rPr lang="en-US" sz="1600" dirty="0"/>
-                        <a:t>Ingestion Rate</a:t>
-                      </a:r>
-                    </a:p>
-                  </a:txBody>
-                  <a:tcPr/>
-                </a:tc>
-                <a:tc>
-                  <a:txBody>
-                    <a:bodyPr/>
-                    <a:lstStyle/>
-                    <a:p>
-                      <a:r>
-                        <a:rPr lang="en-US" sz="1600" dirty="0"/>
-                        <a:t>5 request/sec</a:t>
-                      </a:r>
-                      <a:br>
-                        <a:rPr lang="en-US" sz="1600" dirty="0"/>
-                      </a:br>
-                      <a:r>
-                        <a:rPr lang="en-US" sz="1600" dirty="0"/>
-                        <a:t>15KB/request</a:t>
-                      </a:r>
-                    </a:p>
-                  </a:txBody>
-                  <a:tcPr/>
-                </a:tc>
-                <a:tc>
-                  <a:txBody>
-                    <a:bodyPr/>
-                    <a:lstStyle/>
-                    <a:p>
-                      <a:endParaRPr lang="en-US" sz="1600" dirty="0"/>
-                    </a:p>
-                  </a:txBody>
-                  <a:tcPr/>
-                </a:tc>
-                <a:tc>
-                  <a:txBody>
-                    <a:bodyPr/>
-                    <a:lstStyle/>
-                    <a:p>
-                      <a:r>
-                        <a:rPr lang="en-US" sz="1600" dirty="0"/>
-                        <a:t>1 request/second</a:t>
-                      </a:r>
-                    </a:p>
-                    <a:p>
-                      <a:r>
-                        <a:rPr lang="en-US" sz="1600" dirty="0"/>
-                        <a:t>16MB/request</a:t>
-                      </a:r>
-                    </a:p>
-                  </a:txBody>
-                  <a:tcPr/>
-                </a:tc>
-                <a:extLst>
-                  <a:ext uri="{0D108BD9-81ED-4DB2-BD59-A6C34878D82A}">
-                    <a16:rowId xmlns:a16="http://schemas.microsoft.com/office/drawing/2014/main" val="2149321962"/>
-                  </a:ext>
-                </a:extLst>
-              </a:tr>
-            </a:tbl>
-          </a:graphicData>
-        </a:graphic>
-      </p:graphicFrame>
-    </p:spTree>
-    <p:extLst>
-      <p:ext uri="{BB962C8B-B14F-4D97-AF65-F5344CB8AC3E}">
-        <p14:creationId xmlns:p14="http://schemas.microsoft.com/office/powerpoint/2010/main" val="3138249323"/>
-      </p:ext>
-    </p:extLst>
-  </p:cSld>
-  <p:clrMapOvr>
-    <a:masterClrMapping/>
-  </p:clrMapOvr>
-</p:sld>
-</file>
-
-<file path=ppt/slides/slide32.xml><?xml version="1.0" encoding="utf-8"?>
-<p:sld xmlns:a="http://schemas.openxmlformats.org/drawingml/2006/main" xmlns:r="http://schemas.openxmlformats.org/officeDocument/2006/relationships" xmlns:p="http://schemas.openxmlformats.org/presentationml/2006/main">
-  <p:cSld>
-    <p:spTree>
-      <p:nvGrpSpPr>
-        <p:cNvPr id="1" name=""/>
-        <p:cNvGrpSpPr/>
-        <p:nvPr/>
-      </p:nvGrpSpPr>
-      <p:grpSpPr>
-        <a:xfrm>
-          <a:off x="0" y="0"/>
-          <a:ext cx="0" cy="0"/>
-          <a:chOff x="0" y="0"/>
-          <a:chExt cx="0" cy="0"/>
-        </a:xfrm>
-      </p:grpSpPr>
-      <p:sp>
-        <p:nvSpPr>
-          <p:cNvPr id="29698" name="Title 1"/>
-          <p:cNvSpPr>
-            <a:spLocks noGrp="1"/>
-          </p:cNvSpPr>
-          <p:nvPr>
-            <p:ph type="title"/>
-          </p:nvPr>
-        </p:nvSpPr>
-        <p:spPr/>
-        <p:txBody>
-          <a:bodyPr/>
-          <a:lstStyle/>
-          <a:p>
-            <a:r>
-              <a:rPr lang="en-US" altLang="en-US"/>
-              <a:t>Adding Rows to a Table in a Dataset</a:t>
-            </a:r>
-          </a:p>
-        </p:txBody>
-      </p:sp>
-      <p:sp>
-        <p:nvSpPr>
-          <p:cNvPr id="29699" name="Content Placeholder 11"/>
-          <p:cNvSpPr>
-            <a:spLocks noGrp="1"/>
-          </p:cNvSpPr>
-          <p:nvPr>
-            <p:ph idx="1"/>
-          </p:nvPr>
-        </p:nvSpPr>
-        <p:spPr/>
-        <p:txBody>
-          <a:bodyPr/>
-          <a:lstStyle/>
-          <a:p>
-            <a:r>
-              <a:rPr lang="en-US" altLang="en-US"/>
-              <a:t>Executing POST to add rows to Countries table</a:t>
-            </a:r>
-          </a:p>
-        </p:txBody>
-      </p:sp>
-      <p:pic>
-        <p:nvPicPr>
-          <p:cNvPr id="4" name="Picture 3"/>
-          <p:cNvPicPr>
-            <a:picLocks noChangeAspect="1"/>
-          </p:cNvPicPr>
-          <p:nvPr/>
-        </p:nvPicPr>
-        <p:blipFill>
-          <a:blip r:embed="rId2"/>
-          <a:stretch>
-            <a:fillRect/>
-          </a:stretch>
-        </p:blipFill>
-        <p:spPr>
-          <a:xfrm>
-            <a:off x="533014" y="3503936"/>
-            <a:ext cx="4325370" cy="1592714"/>
-          </a:xfrm>
-          <a:prstGeom prst="rect">
-            <a:avLst/>
-          </a:prstGeom>
-          <a:solidFill>
-            <a:schemeClr val="bg1">
-              <a:lumMod val="50000"/>
-            </a:schemeClr>
-          </a:solidFill>
-          <a:ln>
-            <a:solidFill>
-              <a:schemeClr val="bg1">
-                <a:lumMod val="50000"/>
-              </a:schemeClr>
-            </a:solidFill>
-          </a:ln>
-        </p:spPr>
-      </p:pic>
-      <p:pic>
-        <p:nvPicPr>
-          <p:cNvPr id="18" name="Content Placeholder 3"/>
-          <p:cNvPicPr>
-            <a:picLocks noChangeAspect="1"/>
-          </p:cNvPicPr>
-          <p:nvPr/>
-        </p:nvPicPr>
-        <p:blipFill>
-          <a:blip r:embed="rId3"/>
-          <a:stretch>
-            <a:fillRect/>
-          </a:stretch>
-        </p:blipFill>
-        <p:spPr>
-          <a:xfrm>
-            <a:off x="537020" y="2133600"/>
-            <a:ext cx="7428657" cy="1153966"/>
-          </a:xfrm>
-          <a:prstGeom prst="rect">
-            <a:avLst/>
-          </a:prstGeom>
-          <a:ln>
-            <a:solidFill>
-              <a:schemeClr val="bg1">
-                <a:lumMod val="50000"/>
-              </a:schemeClr>
-            </a:solidFill>
-          </a:ln>
-        </p:spPr>
-      </p:pic>
-      <p:grpSp>
-        <p:nvGrpSpPr>
-          <p:cNvPr id="21" name="Group 20"/>
-          <p:cNvGrpSpPr>
-            <a:grpSpLocks/>
-          </p:cNvGrpSpPr>
-          <p:nvPr/>
-        </p:nvGrpSpPr>
-        <p:grpSpPr bwMode="auto">
-          <a:xfrm>
-            <a:off x="4862390" y="3762376"/>
-            <a:ext cx="3548044" cy="2714624"/>
-            <a:chOff x="5216718" y="3829750"/>
-            <a:chExt cx="3749278" cy="2867093"/>
-          </a:xfrm>
-        </p:grpSpPr>
-        <p:sp>
-          <p:nvSpPr>
-            <p:cNvPr id="8" name="Rectangle 7"/>
-            <p:cNvSpPr/>
-            <p:nvPr/>
-          </p:nvSpPr>
-          <p:spPr>
-            <a:xfrm>
-              <a:off x="7096650" y="3829750"/>
-              <a:ext cx="1399363" cy="1062200"/>
-            </a:xfrm>
-            <a:prstGeom prst="rect">
-              <a:avLst/>
-            </a:prstGeom>
-            <a:solidFill>
-              <a:schemeClr val="accent6">
-                <a:lumMod val="50000"/>
-              </a:schemeClr>
-            </a:solidFill>
-            <a:ln w="6350">
-              <a:solidFill>
-                <a:schemeClr val="tx1"/>
-              </a:solidFill>
-            </a:ln>
-          </p:spPr>
-          <p:style>
-            <a:lnRef idx="2">
-              <a:schemeClr val="accent1">
-                <a:shade val="50000"/>
-              </a:schemeClr>
-            </a:lnRef>
-            <a:fillRef idx="1">
-              <a:schemeClr val="accent1"/>
-            </a:fillRef>
-            <a:effectRef idx="0">
-              <a:schemeClr val="accent1"/>
-            </a:effectRef>
-            <a:fontRef idx="minor">
-              <a:schemeClr val="lt1"/>
-            </a:fontRef>
-          </p:style>
-          <p:txBody>
-            <a:bodyPr anchor="ctr"/>
-            <a:lstStyle/>
-            <a:p>
-              <a:pPr algn="ctr">
-                <a:defRPr/>
-              </a:pPr>
-              <a:r>
-                <a:rPr lang="en-US" sz="1125" b="1" dirty="0">
-                  <a:latin typeface="Arial" panose="020B0604020202020204" pitchFamily="34" charset="0"/>
-                  <a:cs typeface="Arial" panose="020B0604020202020204" pitchFamily="34" charset="0"/>
-                </a:rPr>
-                <a:t>Power BI Service</a:t>
-              </a:r>
-            </a:p>
-          </p:txBody>
-        </p:sp>
-        <p:cxnSp>
-          <p:nvCxnSpPr>
-            <p:cNvPr id="10" name="Straight Arrow Connector 9"/>
-            <p:cNvCxnSpPr/>
-            <p:nvPr/>
-          </p:nvCxnSpPr>
-          <p:spPr>
-            <a:xfrm flipV="1">
-              <a:off x="5216718" y="4322762"/>
-              <a:ext cx="1814303" cy="10580"/>
-            </a:xfrm>
-            <a:prstGeom prst="straightConnector1">
-              <a:avLst/>
-            </a:prstGeom>
-            <a:ln w="57150">
-              <a:solidFill>
-                <a:srgbClr val="C00000"/>
-              </a:solidFill>
-              <a:tailEnd type="triangle"/>
-            </a:ln>
-          </p:spPr>
-          <p:style>
-            <a:lnRef idx="1">
-              <a:schemeClr val="accent1"/>
-            </a:lnRef>
-            <a:fillRef idx="0">
-              <a:schemeClr val="accent1"/>
-            </a:fillRef>
-            <a:effectRef idx="0">
-              <a:schemeClr val="accent1"/>
-            </a:effectRef>
-            <a:fontRef idx="minor">
-              <a:schemeClr val="tx1"/>
-            </a:fontRef>
-          </p:style>
-        </p:cxnSp>
-        <p:sp>
-          <p:nvSpPr>
-            <p:cNvPr id="15" name="Rectangle 14"/>
-            <p:cNvSpPr/>
-            <p:nvPr/>
-          </p:nvSpPr>
-          <p:spPr>
-            <a:xfrm>
-              <a:off x="5618956" y="3876301"/>
-              <a:ext cx="914561" cy="911968"/>
-            </a:xfrm>
-            <a:prstGeom prst="rect">
-              <a:avLst/>
-            </a:prstGeom>
-            <a:solidFill>
-              <a:schemeClr val="accent6">
-                <a:lumMod val="20000"/>
-                <a:lumOff val="80000"/>
-              </a:schemeClr>
-            </a:solidFill>
-            <a:ln w="6350">
-              <a:solidFill>
-                <a:schemeClr val="tx1"/>
-              </a:solidFill>
-            </a:ln>
-          </p:spPr>
-          <p:style>
-            <a:lnRef idx="2">
-              <a:schemeClr val="accent1">
-                <a:shade val="50000"/>
-              </a:schemeClr>
-            </a:lnRef>
-            <a:fillRef idx="1">
-              <a:schemeClr val="accent1"/>
-            </a:fillRef>
-            <a:effectRef idx="0">
-              <a:schemeClr val="accent1"/>
-            </a:effectRef>
-            <a:fontRef idx="minor">
-              <a:schemeClr val="lt1"/>
-            </a:fontRef>
-          </p:style>
-          <p:txBody>
-            <a:bodyPr/>
-            <a:lstStyle/>
-            <a:p>
-              <a:pPr algn="ctr">
-                <a:defRPr/>
-              </a:pPr>
-              <a:r>
-                <a:rPr lang="en-US" sz="750" b="1" dirty="0">
-                  <a:solidFill>
-                    <a:schemeClr val="tx1"/>
-                  </a:solidFill>
-                </a:rPr>
-                <a:t>HTTP POST</a:t>
-              </a:r>
-            </a:p>
-          </p:txBody>
-        </p:sp>
-        <p:sp>
-          <p:nvSpPr>
-            <p:cNvPr id="16" name="Rounded Rectangle 15"/>
-            <p:cNvSpPr/>
-            <p:nvPr/>
-          </p:nvSpPr>
-          <p:spPr>
-            <a:xfrm>
-              <a:off x="5699403" y="4098473"/>
-              <a:ext cx="757900" cy="188319"/>
-            </a:xfrm>
-            <a:prstGeom prst="roundRect">
-              <a:avLst/>
-            </a:prstGeom>
-            <a:solidFill>
-              <a:schemeClr val="bg1"/>
-            </a:solidFill>
-            <a:ln w="6350">
-              <a:solidFill>
-                <a:schemeClr val="tx1"/>
-              </a:solidFill>
-            </a:ln>
-          </p:spPr>
-          <p:style>
-            <a:lnRef idx="2">
-              <a:schemeClr val="accent1">
-                <a:shade val="50000"/>
-              </a:schemeClr>
-            </a:lnRef>
-            <a:fillRef idx="1">
-              <a:schemeClr val="accent1"/>
-            </a:fillRef>
-            <a:effectRef idx="0">
-              <a:schemeClr val="accent1"/>
-            </a:effectRef>
-            <a:fontRef idx="minor">
-              <a:schemeClr val="lt1"/>
-            </a:fontRef>
-          </p:style>
-          <p:txBody>
-            <a:bodyPr anchor="ctr"/>
-            <a:lstStyle/>
-            <a:p>
-              <a:pPr algn="ctr">
-                <a:defRPr/>
-              </a:pPr>
-              <a:r>
-                <a:rPr lang="en-US" sz="450" b="1" dirty="0">
-                  <a:solidFill>
-                    <a:srgbClr val="C00000"/>
-                  </a:solidFill>
-                  <a:latin typeface="Arial" panose="020B0604020202020204" pitchFamily="34" charset="0"/>
-                  <a:cs typeface="Arial" panose="020B0604020202020204" pitchFamily="34" charset="0"/>
-                </a:rPr>
-                <a:t>Access Token</a:t>
-              </a:r>
-            </a:p>
-          </p:txBody>
-        </p:sp>
-        <p:sp>
-          <p:nvSpPr>
-            <p:cNvPr id="17" name="Rounded Rectangle 16"/>
-            <p:cNvSpPr/>
-            <p:nvPr/>
-          </p:nvSpPr>
-          <p:spPr>
-            <a:xfrm>
-              <a:off x="5699403" y="4341807"/>
-              <a:ext cx="757900" cy="370288"/>
-            </a:xfrm>
-            <a:prstGeom prst="roundRect">
-              <a:avLst/>
-            </a:prstGeom>
-            <a:solidFill>
-              <a:schemeClr val="accent5">
-                <a:lumMod val="20000"/>
-                <a:lumOff val="80000"/>
-              </a:schemeClr>
-            </a:solidFill>
-            <a:ln w="6350">
-              <a:solidFill>
-                <a:schemeClr val="tx1"/>
-              </a:solidFill>
-            </a:ln>
-          </p:spPr>
-          <p:style>
-            <a:lnRef idx="2">
-              <a:schemeClr val="accent1">
-                <a:shade val="50000"/>
-              </a:schemeClr>
-            </a:lnRef>
-            <a:fillRef idx="1">
-              <a:schemeClr val="accent1"/>
-            </a:fillRef>
-            <a:effectRef idx="0">
-              <a:schemeClr val="accent1"/>
-            </a:effectRef>
-            <a:fontRef idx="minor">
-              <a:schemeClr val="lt1"/>
-            </a:fontRef>
-          </p:style>
-          <p:txBody>
-            <a:bodyPr anchor="ctr"/>
-            <a:lstStyle/>
-            <a:p>
-              <a:pPr algn="ctr">
-                <a:defRPr/>
-              </a:pPr>
-              <a:r>
-                <a:rPr lang="en-US" sz="675" b="1" dirty="0">
-                  <a:solidFill>
-                    <a:schemeClr val="tx1"/>
-                  </a:solidFill>
-                  <a:latin typeface="Arial" panose="020B0604020202020204" pitchFamily="34" charset="0"/>
-                  <a:cs typeface="Arial" panose="020B0604020202020204" pitchFamily="34" charset="0"/>
-                </a:rPr>
-                <a:t>JSON</a:t>
-              </a:r>
-            </a:p>
-          </p:txBody>
-        </p:sp>
-        <p:pic>
-          <p:nvPicPr>
-            <p:cNvPr id="9" name="Picture 8"/>
-            <p:cNvPicPr>
-              <a:picLocks noChangeAspect="1"/>
-            </p:cNvPicPr>
-            <p:nvPr/>
-          </p:nvPicPr>
-          <p:blipFill>
-            <a:blip r:embed="rId4"/>
-            <a:stretch>
-              <a:fillRect/>
-            </a:stretch>
-          </p:blipFill>
-          <p:spPr>
-            <a:xfrm>
-              <a:off x="6842605" y="5313021"/>
-              <a:ext cx="2117040" cy="1383822"/>
-            </a:xfrm>
-            <a:prstGeom prst="rect">
-              <a:avLst/>
-            </a:prstGeom>
-            <a:ln>
-              <a:solidFill>
-                <a:schemeClr val="bg1">
-                  <a:lumMod val="50000"/>
-                </a:schemeClr>
-              </a:solidFill>
-            </a:ln>
-          </p:spPr>
-        </p:pic>
-        <p:sp>
-          <p:nvSpPr>
-            <p:cNvPr id="11" name="Rectangle 10"/>
-            <p:cNvSpPr/>
-            <p:nvPr/>
-          </p:nvSpPr>
-          <p:spPr>
-            <a:xfrm>
-              <a:off x="6832019" y="5103544"/>
-              <a:ext cx="2133977" cy="228521"/>
-            </a:xfrm>
-            <a:prstGeom prst="rect">
-              <a:avLst/>
-            </a:prstGeom>
-            <a:solidFill>
-              <a:schemeClr val="tx1"/>
-            </a:solidFill>
-            <a:ln>
-              <a:noFill/>
-            </a:ln>
-          </p:spPr>
-          <p:style>
-            <a:lnRef idx="2">
-              <a:schemeClr val="accent1">
-                <a:shade val="50000"/>
-              </a:schemeClr>
-            </a:lnRef>
-            <a:fillRef idx="1">
-              <a:schemeClr val="accent1"/>
-            </a:fillRef>
-            <a:effectRef idx="0">
-              <a:schemeClr val="accent1"/>
-            </a:effectRef>
-            <a:fontRef idx="minor">
-              <a:schemeClr val="lt1"/>
-            </a:fontRef>
-          </p:style>
-          <p:txBody>
-            <a:bodyPr lIns="68580" tIns="34290" rIns="68580" bIns="34290" anchor="ctr"/>
-            <a:lstStyle/>
-            <a:p>
-              <a:pPr>
-                <a:defRPr/>
-              </a:pPr>
-              <a:r>
-                <a:rPr lang="en-US" sz="900" dirty="0">
-                  <a:solidFill>
-                    <a:schemeClr val="bg1"/>
-                  </a:solidFill>
-                </a:rPr>
-                <a:t>Countries Table</a:t>
-              </a:r>
-            </a:p>
-          </p:txBody>
-        </p:sp>
-      </p:grpSp>
-      <p:sp>
-        <p:nvSpPr>
-          <p:cNvPr id="19" name="Oval 18"/>
-          <p:cNvSpPr/>
-          <p:nvPr/>
-        </p:nvSpPr>
-        <p:spPr>
-          <a:xfrm>
-            <a:off x="504965" y="2636457"/>
-            <a:ext cx="144246" cy="144246"/>
-          </a:xfrm>
-          <a:prstGeom prst="ellipse">
-            <a:avLst/>
-          </a:prstGeom>
-        </p:spPr>
-        <p:style>
-          <a:lnRef idx="2">
-            <a:schemeClr val="accent1">
-              <a:shade val="50000"/>
-            </a:schemeClr>
-          </a:lnRef>
-          <a:fillRef idx="1">
-            <a:schemeClr val="accent1"/>
-          </a:fillRef>
-          <a:effectRef idx="0">
-            <a:schemeClr val="accent1"/>
-          </a:effectRef>
-          <a:fontRef idx="minor">
-            <a:schemeClr val="lt1"/>
-          </a:fontRef>
-        </p:style>
-        <p:txBody>
-          <a:bodyPr lIns="68580" tIns="34290" rIns="68580" bIns="34290" anchor="ctr"/>
-          <a:lstStyle/>
-          <a:p>
-            <a:pPr algn="ctr">
-              <a:defRPr/>
-            </a:pPr>
-            <a:r>
-              <a:rPr lang="en-US" sz="675" dirty="0"/>
-              <a:t>1</a:t>
-            </a:r>
-            <a:endParaRPr lang="en-US" sz="900" dirty="0"/>
-          </a:p>
-        </p:txBody>
-      </p:sp>
-      <p:sp>
-        <p:nvSpPr>
-          <p:cNvPr id="20" name="Oval 19"/>
-          <p:cNvSpPr/>
-          <p:nvPr/>
-        </p:nvSpPr>
-        <p:spPr>
-          <a:xfrm>
-            <a:off x="504965" y="2900908"/>
-            <a:ext cx="144246" cy="144246"/>
-          </a:xfrm>
-          <a:prstGeom prst="ellipse">
-            <a:avLst/>
-          </a:prstGeom>
-        </p:spPr>
-        <p:style>
-          <a:lnRef idx="2">
-            <a:schemeClr val="accent1">
-              <a:shade val="50000"/>
-            </a:schemeClr>
-          </a:lnRef>
-          <a:fillRef idx="1">
-            <a:schemeClr val="accent1"/>
-          </a:fillRef>
-          <a:effectRef idx="0">
-            <a:schemeClr val="accent1"/>
-          </a:effectRef>
-          <a:fontRef idx="minor">
-            <a:schemeClr val="lt1"/>
-          </a:fontRef>
-        </p:style>
-        <p:txBody>
-          <a:bodyPr lIns="68580" tIns="34290" rIns="68580" bIns="34290" anchor="ctr"/>
-          <a:lstStyle/>
-          <a:p>
-            <a:pPr algn="ctr">
-              <a:defRPr/>
-            </a:pPr>
-            <a:r>
-              <a:rPr lang="en-US" sz="675" dirty="0"/>
-              <a:t>2</a:t>
-            </a:r>
-            <a:endParaRPr lang="en-US" sz="900" dirty="0"/>
-          </a:p>
-        </p:txBody>
-      </p:sp>
-    </p:spTree>
-    <p:extLst>
-      <p:ext uri="{BB962C8B-B14F-4D97-AF65-F5344CB8AC3E}">
-        <p14:creationId xmlns:p14="http://schemas.microsoft.com/office/powerpoint/2010/main" val="1849917479"/>
-      </p:ext>
-    </p:extLst>
-  </p:cSld>
-  <p:clrMapOvr>
-    <a:masterClrMapping/>
-  </p:clrMapOvr>
-</p:sld>
-</file>
-
-<file path=ppt/slides/slide33.xml><?xml version="1.0" encoding="utf-8"?>
-<p:sld xmlns:a="http://schemas.openxmlformats.org/drawingml/2006/main" xmlns:r="http://schemas.openxmlformats.org/officeDocument/2006/relationships" xmlns:p="http://schemas.openxmlformats.org/presentationml/2006/main">
-  <p:cSld>
-    <p:spTree>
-      <p:nvGrpSpPr>
-        <p:cNvPr id="1" name=""/>
-        <p:cNvGrpSpPr/>
-        <p:nvPr/>
-      </p:nvGrpSpPr>
-      <p:grpSpPr>
-        <a:xfrm>
-          <a:off x="0" y="0"/>
-          <a:ext cx="0" cy="0"/>
-          <a:chOff x="0" y="0"/>
-          <a:chExt cx="0" cy="0"/>
-        </a:xfrm>
-      </p:grpSpPr>
-      <p:sp>
-        <p:nvSpPr>
-          <p:cNvPr id="32770" name="Title 1"/>
-          <p:cNvSpPr>
-            <a:spLocks noGrp="1"/>
-          </p:cNvSpPr>
-          <p:nvPr>
-            <p:ph type="title"/>
-          </p:nvPr>
-        </p:nvSpPr>
-        <p:spPr/>
-        <p:txBody>
-          <a:bodyPr/>
-          <a:lstStyle/>
-          <a:p>
-            <a:r>
-              <a:rPr lang="en-US" altLang="en-US"/>
-              <a:t>CampaignContributions Demo App</a:t>
-            </a:r>
-            <a:endParaRPr lang="en-US" altLang="en-US" dirty="0"/>
-          </a:p>
-        </p:txBody>
-      </p:sp>
-      <p:sp>
-        <p:nvSpPr>
-          <p:cNvPr id="4" name="Content Placeholder 3"/>
-          <p:cNvSpPr>
-            <a:spLocks noGrp="1"/>
-          </p:cNvSpPr>
-          <p:nvPr>
-            <p:ph idx="1"/>
-          </p:nvPr>
-        </p:nvSpPr>
-        <p:spPr/>
-        <p:txBody>
-          <a:bodyPr>
-            <a:normAutofit/>
-          </a:bodyPr>
-          <a:lstStyle/>
-          <a:p>
-            <a:r>
-              <a:rPr lang="en-US" sz="2400" dirty="0"/>
-              <a:t>Console app similar to </a:t>
-            </a:r>
-            <a:r>
-              <a:rPr lang="en-US" sz="2400" dirty="0" err="1"/>
-              <a:t>PowerBiRestApiDemo</a:t>
-            </a:r>
-            <a:endParaRPr lang="en-US" sz="2400" dirty="0"/>
-          </a:p>
-          <a:p>
-            <a:pPr lvl="1"/>
-            <a:r>
-              <a:rPr lang="en-US" sz="2000" dirty="0"/>
-              <a:t>Uses </a:t>
-            </a:r>
-            <a:r>
-              <a:rPr lang="en-US" sz="2000" dirty="0" err="1"/>
-              <a:t>Newtonsoft.Json</a:t>
-            </a:r>
-            <a:r>
-              <a:rPr lang="en-US" sz="2000" dirty="0"/>
-              <a:t> package to convert JSON data</a:t>
-            </a:r>
-          </a:p>
-          <a:p>
-            <a:pPr lvl="1"/>
-            <a:r>
-              <a:rPr lang="en-US" sz="2000" dirty="0"/>
-              <a:t>Uses Azure ADAL.NET to get access tokens from Azure AD</a:t>
-            </a:r>
-          </a:p>
-        </p:txBody>
-      </p:sp>
-      <p:pic>
-        <p:nvPicPr>
-          <p:cNvPr id="3" name="Picture 2"/>
-          <p:cNvPicPr>
-            <a:picLocks noChangeAspect="1"/>
-          </p:cNvPicPr>
-          <p:nvPr/>
-        </p:nvPicPr>
-        <p:blipFill>
-          <a:blip r:embed="rId2"/>
-          <a:stretch>
-            <a:fillRect/>
-          </a:stretch>
-        </p:blipFill>
-        <p:spPr>
-          <a:xfrm>
-            <a:off x="1447800" y="2819400"/>
-            <a:ext cx="3200400" cy="3415336"/>
-          </a:xfrm>
-          <a:prstGeom prst="rect">
-            <a:avLst/>
-          </a:prstGeom>
-          <a:ln>
-            <a:solidFill>
-              <a:schemeClr val="bg1">
-                <a:lumMod val="50000"/>
-              </a:schemeClr>
-            </a:solidFill>
-          </a:ln>
-        </p:spPr>
-      </p:pic>
-    </p:spTree>
-    <p:extLst>
-      <p:ext uri="{BB962C8B-B14F-4D97-AF65-F5344CB8AC3E}">
-        <p14:creationId xmlns:p14="http://schemas.microsoft.com/office/powerpoint/2010/main" val="677010765"/>
-      </p:ext>
-    </p:extLst>
-  </p:cSld>
-  <p:clrMapOvr>
-    <a:masterClrMapping/>
-  </p:clrMapOvr>
-</p:sld>
-</file>
-
-<file path=ppt/slides/slide34.xml><?xml version="1.0" encoding="utf-8"?>
-<p:sld xmlns:a="http://schemas.openxmlformats.org/drawingml/2006/main" xmlns:r="http://schemas.openxmlformats.org/officeDocument/2006/relationships" xmlns:p="http://schemas.openxmlformats.org/presentationml/2006/main">
-  <p:cSld>
-    <p:spTree>
-      <p:nvGrpSpPr>
-        <p:cNvPr id="1" name=""/>
-        <p:cNvGrpSpPr/>
-        <p:nvPr/>
-      </p:nvGrpSpPr>
-      <p:grpSpPr>
-        <a:xfrm>
-          <a:off x="0" y="0"/>
-          <a:ext cx="0" cy="0"/>
-          <a:chOff x="0" y="0"/>
-          <a:chExt cx="0" cy="0"/>
-        </a:xfrm>
-      </p:grpSpPr>
-      <p:sp>
-        <p:nvSpPr>
-          <p:cNvPr id="33794" name="Title 1"/>
-          <p:cNvSpPr>
-            <a:spLocks noGrp="1"/>
-          </p:cNvSpPr>
-          <p:nvPr>
-            <p:ph type="title"/>
-          </p:nvPr>
-        </p:nvSpPr>
-        <p:spPr/>
-        <p:txBody>
-          <a:bodyPr/>
-          <a:lstStyle/>
-          <a:p>
-            <a:r>
-              <a:rPr lang="en-US" altLang="en-US" sz="3200"/>
-              <a:t>Contribution Row Data</a:t>
-            </a:r>
-          </a:p>
-        </p:txBody>
-      </p:sp>
-      <p:pic>
-        <p:nvPicPr>
-          <p:cNvPr id="33795" name="Picture 2"/>
-          <p:cNvPicPr>
-            <a:picLocks noChangeAspect="1"/>
-          </p:cNvPicPr>
-          <p:nvPr/>
-        </p:nvPicPr>
-        <p:blipFill>
-          <a:blip r:embed="rId2">
-            <a:extLst>
-              <a:ext uri="{28A0092B-C50C-407E-A947-70E740481C1C}">
-                <a14:useLocalDpi xmlns:a14="http://schemas.microsoft.com/office/drawing/2010/main" val="0"/>
-              </a:ext>
-            </a:extLst>
-          </a:blip>
-          <a:srcRect/>
-          <a:stretch>
-            <a:fillRect/>
-          </a:stretch>
-        </p:blipFill>
-        <p:spPr bwMode="auto">
-          <a:xfrm>
-            <a:off x="628651" y="1714500"/>
-            <a:ext cx="7788275" cy="4171950"/>
-          </a:xfrm>
-          <a:prstGeom prst="rect">
-            <a:avLst/>
-          </a:prstGeom>
-          <a:noFill/>
-          <a:ln w="12700">
-            <a:solidFill>
-              <a:schemeClr val="tx1"/>
-            </a:solidFill>
-            <a:miter lim="800000"/>
-            <a:headEnd/>
-            <a:tailEnd/>
-          </a:ln>
-          <a:extLst>
-            <a:ext uri="{909E8E84-426E-40DD-AFC4-6F175D3DCCD1}">
-              <a14:hiddenFill xmlns:a14="http://schemas.microsoft.com/office/drawing/2010/main">
-                <a:solidFill>
-                  <a:srgbClr val="FFFFFF"/>
-                </a:solidFill>
-              </a14:hiddenFill>
-            </a:ext>
-          </a:extLst>
-        </p:spPr>
-      </p:pic>
-      <p:sp>
-        <p:nvSpPr>
-          <p:cNvPr id="4" name="Rectangle 3"/>
-          <p:cNvSpPr/>
-          <p:nvPr/>
-        </p:nvSpPr>
-        <p:spPr>
-          <a:xfrm>
-            <a:off x="3314700" y="1714500"/>
-            <a:ext cx="2343150" cy="4171950"/>
-          </a:xfrm>
-          <a:prstGeom prst="rect">
-            <a:avLst/>
-          </a:prstGeom>
-          <a:noFill/>
-          <a:ln w="38100">
-            <a:solidFill>
-              <a:srgbClr val="FF0000"/>
-            </a:solidFill>
-            <a:prstDash val="sysDot"/>
-          </a:ln>
-        </p:spPr>
-        <p:style>
-          <a:lnRef idx="2">
-            <a:schemeClr val="accent1">
-              <a:shade val="50000"/>
-            </a:schemeClr>
-          </a:lnRef>
-          <a:fillRef idx="1">
-            <a:schemeClr val="accent1"/>
-          </a:fillRef>
-          <a:effectRef idx="0">
-            <a:schemeClr val="accent1"/>
-          </a:effectRef>
-          <a:fontRef idx="minor">
-            <a:schemeClr val="lt1"/>
-          </a:fontRef>
-        </p:style>
-        <p:txBody>
-          <a:bodyPr anchor="ctr"/>
-          <a:lstStyle/>
-          <a:p>
-            <a:pPr algn="ctr">
-              <a:defRPr/>
-            </a:pPr>
-            <a:endParaRPr lang="en-US"/>
-          </a:p>
-        </p:txBody>
-      </p:sp>
-      <p:sp>
-        <p:nvSpPr>
-          <p:cNvPr id="5" name="Rectangle 4"/>
-          <p:cNvSpPr/>
-          <p:nvPr/>
-        </p:nvSpPr>
-        <p:spPr>
-          <a:xfrm>
-            <a:off x="628650" y="1714500"/>
-            <a:ext cx="2686050" cy="4171950"/>
-          </a:xfrm>
-          <a:prstGeom prst="rect">
-            <a:avLst/>
-          </a:prstGeom>
-          <a:noFill/>
-          <a:ln w="38100">
-            <a:solidFill>
-              <a:srgbClr val="FF0000"/>
-            </a:solidFill>
-            <a:prstDash val="sysDot"/>
-          </a:ln>
-        </p:spPr>
-        <p:style>
-          <a:lnRef idx="2">
-            <a:schemeClr val="accent1">
-              <a:shade val="50000"/>
-            </a:schemeClr>
-          </a:lnRef>
-          <a:fillRef idx="1">
-            <a:schemeClr val="accent1"/>
-          </a:fillRef>
-          <a:effectRef idx="0">
-            <a:schemeClr val="accent1"/>
-          </a:effectRef>
-          <a:fontRef idx="minor">
-            <a:schemeClr val="lt1"/>
-          </a:fontRef>
-        </p:style>
-        <p:txBody>
-          <a:bodyPr anchor="ctr"/>
-          <a:lstStyle/>
-          <a:p>
-            <a:pPr algn="ctr">
-              <a:defRPr/>
-            </a:pPr>
-            <a:endParaRPr lang="en-US"/>
-          </a:p>
-        </p:txBody>
-      </p:sp>
-      <p:sp>
-        <p:nvSpPr>
-          <p:cNvPr id="6" name="Rectangle 5"/>
-          <p:cNvSpPr/>
-          <p:nvPr/>
-        </p:nvSpPr>
-        <p:spPr>
-          <a:xfrm>
-            <a:off x="5657850" y="1724025"/>
-            <a:ext cx="628650" cy="4171950"/>
-          </a:xfrm>
-          <a:prstGeom prst="rect">
-            <a:avLst/>
-          </a:prstGeom>
-          <a:noFill/>
-          <a:ln w="38100">
-            <a:solidFill>
-              <a:srgbClr val="FF0000"/>
-            </a:solidFill>
-            <a:prstDash val="sysDot"/>
-          </a:ln>
-        </p:spPr>
-        <p:style>
-          <a:lnRef idx="2">
-            <a:schemeClr val="accent1">
-              <a:shade val="50000"/>
-            </a:schemeClr>
-          </a:lnRef>
-          <a:fillRef idx="1">
-            <a:schemeClr val="accent1"/>
-          </a:fillRef>
-          <a:effectRef idx="0">
-            <a:schemeClr val="accent1"/>
-          </a:effectRef>
-          <a:fontRef idx="minor">
-            <a:schemeClr val="lt1"/>
-          </a:fontRef>
-        </p:style>
-        <p:txBody>
-          <a:bodyPr anchor="ctr"/>
-          <a:lstStyle/>
-          <a:p>
-            <a:pPr algn="ctr">
-              <a:defRPr/>
-            </a:pPr>
-            <a:endParaRPr lang="en-US"/>
-          </a:p>
-        </p:txBody>
-      </p:sp>
-      <p:sp>
-        <p:nvSpPr>
-          <p:cNvPr id="7" name="Rectangle 6"/>
-          <p:cNvSpPr/>
-          <p:nvPr/>
-        </p:nvSpPr>
-        <p:spPr>
-          <a:xfrm>
-            <a:off x="6343650" y="1714500"/>
-            <a:ext cx="571500" cy="4171950"/>
-          </a:xfrm>
-          <a:prstGeom prst="rect">
-            <a:avLst/>
-          </a:prstGeom>
-          <a:noFill/>
-          <a:ln w="38100">
-            <a:solidFill>
-              <a:srgbClr val="FF0000"/>
-            </a:solidFill>
-            <a:prstDash val="sysDot"/>
-          </a:ln>
-        </p:spPr>
-        <p:style>
-          <a:lnRef idx="2">
-            <a:schemeClr val="accent1">
-              <a:shade val="50000"/>
-            </a:schemeClr>
-          </a:lnRef>
-          <a:fillRef idx="1">
-            <a:schemeClr val="accent1"/>
-          </a:fillRef>
-          <a:effectRef idx="0">
-            <a:schemeClr val="accent1"/>
-          </a:effectRef>
-          <a:fontRef idx="minor">
-            <a:schemeClr val="lt1"/>
-          </a:fontRef>
-        </p:style>
-        <p:txBody>
-          <a:bodyPr anchor="ctr"/>
-          <a:lstStyle/>
-          <a:p>
-            <a:pPr algn="ctr">
-              <a:defRPr/>
-            </a:pPr>
-            <a:endParaRPr lang="en-US"/>
-          </a:p>
-        </p:txBody>
-      </p:sp>
-      <p:sp>
-        <p:nvSpPr>
-          <p:cNvPr id="8" name="Rectangle 7"/>
-          <p:cNvSpPr/>
-          <p:nvPr/>
-        </p:nvSpPr>
-        <p:spPr>
-          <a:xfrm>
-            <a:off x="6972300" y="1714500"/>
-            <a:ext cx="628650" cy="4171950"/>
-          </a:xfrm>
-          <a:prstGeom prst="rect">
-            <a:avLst/>
-          </a:prstGeom>
-          <a:noFill/>
-          <a:ln w="38100">
-            <a:solidFill>
-              <a:srgbClr val="FF0000"/>
-            </a:solidFill>
-            <a:prstDash val="sysDot"/>
-          </a:ln>
-        </p:spPr>
-        <p:style>
-          <a:lnRef idx="2">
-            <a:schemeClr val="accent1">
-              <a:shade val="50000"/>
-            </a:schemeClr>
-          </a:lnRef>
-          <a:fillRef idx="1">
-            <a:schemeClr val="accent1"/>
-          </a:fillRef>
-          <a:effectRef idx="0">
-            <a:schemeClr val="accent1"/>
-          </a:effectRef>
-          <a:fontRef idx="minor">
-            <a:schemeClr val="lt1"/>
-          </a:fontRef>
-        </p:style>
-        <p:txBody>
-          <a:bodyPr anchor="ctr"/>
-          <a:lstStyle/>
-          <a:p>
-            <a:pPr algn="ctr">
-              <a:defRPr/>
-            </a:pPr>
-            <a:endParaRPr lang="en-US"/>
-          </a:p>
-        </p:txBody>
-      </p:sp>
-      <p:sp>
-        <p:nvSpPr>
-          <p:cNvPr id="9" name="Rectangle 8"/>
-          <p:cNvSpPr/>
-          <p:nvPr/>
-        </p:nvSpPr>
-        <p:spPr>
-          <a:xfrm>
-            <a:off x="7658101" y="1714500"/>
-            <a:ext cx="758825" cy="4171950"/>
-          </a:xfrm>
-          <a:prstGeom prst="rect">
-            <a:avLst/>
-          </a:prstGeom>
-          <a:noFill/>
-          <a:ln w="38100">
-            <a:solidFill>
-              <a:srgbClr val="FF0000"/>
-            </a:solidFill>
-            <a:prstDash val="sysDot"/>
-          </a:ln>
-        </p:spPr>
-        <p:style>
-          <a:lnRef idx="2">
-            <a:schemeClr val="accent1">
-              <a:shade val="50000"/>
-            </a:schemeClr>
-          </a:lnRef>
-          <a:fillRef idx="1">
-            <a:schemeClr val="accent1"/>
-          </a:fillRef>
-          <a:effectRef idx="0">
-            <a:schemeClr val="accent1"/>
-          </a:effectRef>
-          <a:fontRef idx="minor">
-            <a:schemeClr val="lt1"/>
-          </a:fontRef>
-        </p:style>
-        <p:txBody>
-          <a:bodyPr anchor="ctr"/>
-          <a:lstStyle/>
-          <a:p>
-            <a:pPr algn="ctr">
-              <a:defRPr/>
-            </a:pPr>
-            <a:endParaRPr lang="en-US"/>
-          </a:p>
-        </p:txBody>
-      </p:sp>
-      <p:sp>
-        <p:nvSpPr>
-          <p:cNvPr id="10" name="Rectangle 9"/>
-          <p:cNvSpPr/>
-          <p:nvPr/>
-        </p:nvSpPr>
-        <p:spPr>
-          <a:xfrm>
-            <a:off x="7029450" y="2000250"/>
-            <a:ext cx="514350" cy="742950"/>
-          </a:xfrm>
-          <a:prstGeom prst="rect">
-            <a:avLst/>
-          </a:prstGeom>
-          <a:solidFill>
-            <a:schemeClr val="accent2">
-              <a:lumMod val="20000"/>
-              <a:lumOff val="80000"/>
-              <a:alpha val="50000"/>
-            </a:schemeClr>
-          </a:solidFill>
-          <a:ln w="3175">
-            <a:solidFill>
-              <a:schemeClr val="tx1"/>
-            </a:solidFill>
-          </a:ln>
-        </p:spPr>
-        <p:style>
-          <a:lnRef idx="2">
-            <a:schemeClr val="accent1">
-              <a:shade val="50000"/>
-            </a:schemeClr>
-          </a:lnRef>
-          <a:fillRef idx="1">
-            <a:schemeClr val="accent1"/>
-          </a:fillRef>
-          <a:effectRef idx="0">
-            <a:schemeClr val="accent1"/>
-          </a:effectRef>
-          <a:fontRef idx="minor">
-            <a:schemeClr val="lt1"/>
-          </a:fontRef>
-        </p:style>
-        <p:txBody>
-          <a:bodyPr anchor="ctr"/>
-          <a:lstStyle/>
-          <a:p>
-            <a:pPr algn="ctr">
-              <a:defRPr/>
-            </a:pPr>
-            <a:endParaRPr lang="en-US"/>
-          </a:p>
-        </p:txBody>
-      </p:sp>
-      <p:sp>
-        <p:nvSpPr>
-          <p:cNvPr id="11" name="Rectangle 10"/>
-          <p:cNvSpPr/>
-          <p:nvPr/>
-        </p:nvSpPr>
-        <p:spPr>
-          <a:xfrm>
-            <a:off x="7029450" y="2754314"/>
-            <a:ext cx="514350" cy="3095625"/>
-          </a:xfrm>
-          <a:prstGeom prst="rect">
-            <a:avLst/>
-          </a:prstGeom>
-          <a:solidFill>
-            <a:schemeClr val="tx2">
-              <a:lumMod val="10000"/>
-              <a:lumOff val="90000"/>
-              <a:alpha val="59000"/>
-            </a:schemeClr>
-          </a:solidFill>
-          <a:ln w="3175">
-            <a:solidFill>
-              <a:schemeClr val="tx1"/>
-            </a:solidFill>
-          </a:ln>
-        </p:spPr>
-        <p:style>
-          <a:lnRef idx="2">
-            <a:schemeClr val="accent1">
-              <a:shade val="50000"/>
-            </a:schemeClr>
-          </a:lnRef>
-          <a:fillRef idx="1">
-            <a:schemeClr val="accent1"/>
-          </a:fillRef>
-          <a:effectRef idx="0">
-            <a:schemeClr val="accent1"/>
-          </a:effectRef>
-          <a:fontRef idx="minor">
-            <a:schemeClr val="lt1"/>
-          </a:fontRef>
-        </p:style>
-        <p:txBody>
-          <a:bodyPr anchor="ctr"/>
-          <a:lstStyle/>
-          <a:p>
-            <a:pPr algn="ctr">
-              <a:defRPr/>
-            </a:pPr>
-            <a:endParaRPr lang="en-US"/>
-          </a:p>
-        </p:txBody>
-      </p:sp>
-    </p:spTree>
-    <p:extLst>
-      <p:ext uri="{BB962C8B-B14F-4D97-AF65-F5344CB8AC3E}">
-        <p14:creationId xmlns:p14="http://schemas.microsoft.com/office/powerpoint/2010/main" val="1010396368"/>
-      </p:ext>
-    </p:extLst>
-  </p:cSld>
-  <p:clrMapOvr>
-    <a:masterClrMapping/>
-  </p:clrMapOvr>
-  <p:timing>
-    <p:tnLst>
-      <p:par>
-        <p:cTn id="1" dur="indefinite" restart="never" nodeType="tmRoot">
-          <p:childTnLst>
-            <p:seq concurrent="1" nextAc="seek">
-              <p:cTn id="2" dur="indefinite" nodeType="mainSeq">
-                <p:childTnLst>
-                  <p:par>
-                    <p:cTn id="3" fill="hold" nodeType="clickPar">
-                      <p:stCondLst>
-                        <p:cond delay="indefinite"/>
-                      </p:stCondLst>
-                      <p:childTnLst>
-                        <p:par>
-                          <p:cTn id="4" fill="hold" nodeType="withGroup">
-                            <p:stCondLst>
-                              <p:cond delay="0"/>
-                            </p:stCondLst>
-                            <p:childTnLst>
-                              <p:par>
-                                <p:cTn id="5" presetID="1" presetClass="entr" presetSubtype="0" fill="hold" grpId="0" nodeType="clickEffect">
-                                  <p:stCondLst>
-                                    <p:cond delay="0"/>
-                                  </p:stCondLst>
-                                  <p:childTnLst>
-                                    <p:set>
-                                      <p:cBhvr>
-                                        <p:cTn id="6" dur="1" fill="hold">
-                                          <p:stCondLst>
-                                            <p:cond delay="0"/>
-                                          </p:stCondLst>
-                                        </p:cTn>
-                                        <p:tgtEl>
-                                          <p:spTgt spid="5"/>
-                                        </p:tgtEl>
-                                        <p:attrNameLst>
-                                          <p:attrName>style.visibility</p:attrName>
-                                        </p:attrNameLst>
-                                      </p:cBhvr>
-                                      <p:to>
-                                        <p:strVal val="visible"/>
-                                      </p:to>
-                                    </p:set>
-                                  </p:childTnLst>
-                                </p:cTn>
-                              </p:par>
-                            </p:childTnLst>
-                          </p:cTn>
-                        </p:par>
-                      </p:childTnLst>
-                    </p:cTn>
-                  </p:par>
-                  <p:par>
-                    <p:cTn id="7" fill="hold" nodeType="clickPar">
-                      <p:stCondLst>
-                        <p:cond delay="indefinite"/>
-                      </p:stCondLst>
-                      <p:childTnLst>
-                        <p:par>
-                          <p:cTn id="8" fill="hold" nodeType="withGroup">
-                            <p:stCondLst>
-                              <p:cond delay="0"/>
-                            </p:stCondLst>
-                            <p:childTnLst>
-                              <p:par>
-                                <p:cTn id="9" presetID="1" presetClass="exit" presetSubtype="0" fill="hold" grpId="1" nodeType="clickEffect">
-                                  <p:stCondLst>
-                                    <p:cond delay="0"/>
-                                  </p:stCondLst>
-                                  <p:childTnLst>
-                                    <p:set>
-                                      <p:cBhvr>
-                                        <p:cTn id="10" dur="1" fill="hold">
-                                          <p:stCondLst>
-                                            <p:cond delay="0"/>
-                                          </p:stCondLst>
-                                        </p:cTn>
-                                        <p:tgtEl>
-                                          <p:spTgt spid="5"/>
-                                        </p:tgtEl>
-                                        <p:attrNameLst>
-                                          <p:attrName>style.visibility</p:attrName>
-                                        </p:attrNameLst>
-                                      </p:cBhvr>
-                                      <p:to>
-                                        <p:strVal val="hidden"/>
-                                      </p:to>
-                                    </p:set>
-                                  </p:childTnLst>
-                                </p:cTn>
-                              </p:par>
-                            </p:childTnLst>
-                          </p:cTn>
-                        </p:par>
-                      </p:childTnLst>
-                    </p:cTn>
-                  </p:par>
-                  <p:par>
-                    <p:cTn id="11" fill="hold" nodeType="clickPar">
-                      <p:stCondLst>
-                        <p:cond delay="indefinite"/>
-                      </p:stCondLst>
-                      <p:childTnLst>
-                        <p:par>
-                          <p:cTn id="12" fill="hold" nodeType="withGroup">
-                            <p:stCondLst>
-                              <p:cond delay="0"/>
-                            </p:stCondLst>
-                            <p:childTnLst>
-                              <p:par>
-                                <p:cTn id="13" presetID="1" presetClass="entr" presetSubtype="0" fill="hold" grpId="0" nodeType="clickEffect">
-                                  <p:stCondLst>
-                                    <p:cond delay="0"/>
-                                  </p:stCondLst>
-                                  <p:childTnLst>
-                                    <p:set>
-                                      <p:cBhvr>
-                                        <p:cTn id="14" dur="1" fill="hold">
-                                          <p:stCondLst>
-                                            <p:cond delay="0"/>
-                                          </p:stCondLst>
-                                        </p:cTn>
-                                        <p:tgtEl>
-                                          <p:spTgt spid="9"/>
-                                        </p:tgtEl>
-                                        <p:attrNameLst>
-                                          <p:attrName>style.visibility</p:attrName>
-                                        </p:attrNameLst>
-                                      </p:cBhvr>
-                                      <p:to>
-                                        <p:strVal val="visible"/>
-                                      </p:to>
-                                    </p:set>
-                                  </p:childTnLst>
-                                </p:cTn>
-                              </p:par>
-                            </p:childTnLst>
-                          </p:cTn>
-                        </p:par>
-                      </p:childTnLst>
-                    </p:cTn>
-                  </p:par>
-                  <p:par>
-                    <p:cTn id="15" fill="hold" nodeType="clickPar">
-                      <p:stCondLst>
-                        <p:cond delay="indefinite"/>
-                      </p:stCondLst>
-                      <p:childTnLst>
-                        <p:par>
-                          <p:cTn id="16" fill="hold" nodeType="withGroup">
-                            <p:stCondLst>
-                              <p:cond delay="0"/>
-                            </p:stCondLst>
-                            <p:childTnLst>
-                              <p:par>
-                                <p:cTn id="17" presetID="1" presetClass="entr" presetSubtype="0" fill="hold" grpId="0" nodeType="clickEffect">
-                                  <p:stCondLst>
-                                    <p:cond delay="0"/>
-                                  </p:stCondLst>
-                                  <p:childTnLst>
-                                    <p:set>
-                                      <p:cBhvr>
-                                        <p:cTn id="18" dur="1" fill="hold">
-                                          <p:stCondLst>
-                                            <p:cond delay="0"/>
-                                          </p:stCondLst>
-                                        </p:cTn>
-                                        <p:tgtEl>
-                                          <p:spTgt spid="4"/>
-                                        </p:tgtEl>
-                                        <p:attrNameLst>
-                                          <p:attrName>style.visibility</p:attrName>
-                                        </p:attrNameLst>
-                                      </p:cBhvr>
-                                      <p:to>
-                                        <p:strVal val="visible"/>
-                                      </p:to>
-                                    </p:set>
-                                  </p:childTnLst>
-                                </p:cTn>
-                              </p:par>
-                            </p:childTnLst>
-                          </p:cTn>
-                        </p:par>
-                      </p:childTnLst>
-                    </p:cTn>
-                  </p:par>
-                  <p:par>
-                    <p:cTn id="19" fill="hold" nodeType="clickPar">
-                      <p:stCondLst>
-                        <p:cond delay="indefinite"/>
-                      </p:stCondLst>
-                      <p:childTnLst>
-                        <p:par>
-                          <p:cTn id="20" fill="hold" nodeType="withGroup">
-                            <p:stCondLst>
-                              <p:cond delay="0"/>
-                            </p:stCondLst>
-                            <p:childTnLst>
-                              <p:par>
-                                <p:cTn id="21" presetID="1" presetClass="exit" presetSubtype="0" fill="hold" grpId="1" nodeType="clickEffect">
-                                  <p:stCondLst>
-                                    <p:cond delay="0"/>
-                                  </p:stCondLst>
-                                  <p:childTnLst>
-                                    <p:set>
-                                      <p:cBhvr>
-                                        <p:cTn id="22" dur="1" fill="hold">
-                                          <p:stCondLst>
-                                            <p:cond delay="0"/>
-                                          </p:stCondLst>
-                                        </p:cTn>
-                                        <p:tgtEl>
-                                          <p:spTgt spid="4"/>
-                                        </p:tgtEl>
-                                        <p:attrNameLst>
-                                          <p:attrName>style.visibility</p:attrName>
-                                        </p:attrNameLst>
-                                      </p:cBhvr>
-                                      <p:to>
-                                        <p:strVal val="hidden"/>
-                                      </p:to>
-                                    </p:set>
-                                  </p:childTnLst>
-                                </p:cTn>
-                              </p:par>
-                            </p:childTnLst>
-                          </p:cTn>
-                        </p:par>
-                      </p:childTnLst>
-                    </p:cTn>
-                  </p:par>
-                  <p:par>
-                    <p:cTn id="23" fill="hold" nodeType="clickPar">
-                      <p:stCondLst>
-                        <p:cond delay="indefinite"/>
-                      </p:stCondLst>
-                      <p:childTnLst>
-                        <p:par>
-                          <p:cTn id="24" fill="hold" nodeType="withGroup">
-                            <p:stCondLst>
-                              <p:cond delay="0"/>
-                            </p:stCondLst>
-                            <p:childTnLst>
-                              <p:par>
-                                <p:cTn id="25" presetID="1" presetClass="entr" presetSubtype="0" fill="hold" grpId="0" nodeType="clickEffect">
-                                  <p:stCondLst>
-                                    <p:cond delay="0"/>
-                                  </p:stCondLst>
-                                  <p:childTnLst>
-                                    <p:set>
-                                      <p:cBhvr>
-                                        <p:cTn id="26" dur="1" fill="hold">
-                                          <p:stCondLst>
-                                            <p:cond delay="0"/>
-                                          </p:stCondLst>
-                                        </p:cTn>
-                                        <p:tgtEl>
-                                          <p:spTgt spid="6"/>
-                                        </p:tgtEl>
-                                        <p:attrNameLst>
-                                          <p:attrName>style.visibility</p:attrName>
-                                        </p:attrNameLst>
-                                      </p:cBhvr>
-                                      <p:to>
-                                        <p:strVal val="visible"/>
-                                      </p:to>
-                                    </p:set>
-                                  </p:childTnLst>
-                                </p:cTn>
-                              </p:par>
-                            </p:childTnLst>
-                          </p:cTn>
-                        </p:par>
-                      </p:childTnLst>
-                    </p:cTn>
-                  </p:par>
-                  <p:par>
-                    <p:cTn id="27" fill="hold" nodeType="clickPar">
-                      <p:stCondLst>
-                        <p:cond delay="indefinite"/>
-                      </p:stCondLst>
-                      <p:childTnLst>
-                        <p:par>
-                          <p:cTn id="28" fill="hold" nodeType="withGroup">
-                            <p:stCondLst>
-                              <p:cond delay="0"/>
-                            </p:stCondLst>
-                            <p:childTnLst>
-                              <p:par>
-                                <p:cTn id="29" presetID="1" presetClass="exit" presetSubtype="0" fill="hold" grpId="1" nodeType="clickEffect">
-                                  <p:stCondLst>
-                                    <p:cond delay="0"/>
-                                  </p:stCondLst>
-                                  <p:childTnLst>
-                                    <p:set>
-                                      <p:cBhvr>
-                                        <p:cTn id="30" dur="1" fill="hold">
-                                          <p:stCondLst>
-                                            <p:cond delay="0"/>
-                                          </p:stCondLst>
-                                        </p:cTn>
-                                        <p:tgtEl>
-                                          <p:spTgt spid="6"/>
-                                        </p:tgtEl>
-                                        <p:attrNameLst>
-                                          <p:attrName>style.visibility</p:attrName>
-                                        </p:attrNameLst>
-                                      </p:cBhvr>
-                                      <p:to>
-                                        <p:strVal val="hidden"/>
-                                      </p:to>
-                                    </p:set>
-                                  </p:childTnLst>
-                                </p:cTn>
-                              </p:par>
-                            </p:childTnLst>
-                          </p:cTn>
-                        </p:par>
-                      </p:childTnLst>
-                    </p:cTn>
-                  </p:par>
-                  <p:par>
-                    <p:cTn id="31" fill="hold" nodeType="clickPar">
-                      <p:stCondLst>
-                        <p:cond delay="indefinite"/>
-                      </p:stCondLst>
-                      <p:childTnLst>
-                        <p:par>
-                          <p:cTn id="32" fill="hold" nodeType="withGroup">
-                            <p:stCondLst>
-                              <p:cond delay="0"/>
-                            </p:stCondLst>
-                            <p:childTnLst>
-                              <p:par>
-                                <p:cTn id="33" presetID="1" presetClass="entr" presetSubtype="0" fill="hold" grpId="0" nodeType="clickEffect">
-                                  <p:stCondLst>
-                                    <p:cond delay="0"/>
-                                  </p:stCondLst>
-                                  <p:childTnLst>
-                                    <p:set>
-                                      <p:cBhvr>
-                                        <p:cTn id="34" dur="1" fill="hold">
-                                          <p:stCondLst>
-                                            <p:cond delay="0"/>
-                                          </p:stCondLst>
-                                        </p:cTn>
-                                        <p:tgtEl>
-                                          <p:spTgt spid="7"/>
-                                        </p:tgtEl>
-                                        <p:attrNameLst>
-                                          <p:attrName>style.visibility</p:attrName>
-                                        </p:attrNameLst>
-                                      </p:cBhvr>
-                                      <p:to>
-                                        <p:strVal val="visible"/>
-                                      </p:to>
-                                    </p:set>
-                                  </p:childTnLst>
-                                </p:cTn>
-                              </p:par>
-                            </p:childTnLst>
-                          </p:cTn>
-                        </p:par>
-                      </p:childTnLst>
-                    </p:cTn>
-                  </p:par>
-                  <p:par>
-                    <p:cTn id="35" fill="hold" nodeType="clickPar">
-                      <p:stCondLst>
-                        <p:cond delay="indefinite"/>
-                      </p:stCondLst>
-                      <p:childTnLst>
-                        <p:par>
-                          <p:cTn id="36" fill="hold" nodeType="withGroup">
-                            <p:stCondLst>
-                              <p:cond delay="0"/>
-                            </p:stCondLst>
-                            <p:childTnLst>
-                              <p:par>
-                                <p:cTn id="37" presetID="1" presetClass="exit" presetSubtype="0" fill="hold" grpId="1" nodeType="clickEffect">
-                                  <p:stCondLst>
-                                    <p:cond delay="0"/>
-                                  </p:stCondLst>
-                                  <p:childTnLst>
-                                    <p:set>
-                                      <p:cBhvr>
-                                        <p:cTn id="38" dur="1" fill="hold">
-                                          <p:stCondLst>
-                                            <p:cond delay="0"/>
-                                          </p:stCondLst>
-                                        </p:cTn>
-                                        <p:tgtEl>
-                                          <p:spTgt spid="7"/>
-                                        </p:tgtEl>
-                                        <p:attrNameLst>
-                                          <p:attrName>style.visibility</p:attrName>
-                                        </p:attrNameLst>
-                                      </p:cBhvr>
-                                      <p:to>
-                                        <p:strVal val="hidden"/>
-                                      </p:to>
-                                    </p:set>
-                                  </p:childTnLst>
-                                </p:cTn>
-                              </p:par>
-                            </p:childTnLst>
-                          </p:cTn>
-                        </p:par>
-                      </p:childTnLst>
-                    </p:cTn>
-                  </p:par>
-                  <p:par>
-                    <p:cTn id="39" fill="hold" nodeType="clickPar">
-                      <p:stCondLst>
-                        <p:cond delay="indefinite"/>
-                      </p:stCondLst>
-                      <p:childTnLst>
-                        <p:par>
-                          <p:cTn id="40" fill="hold" nodeType="withGroup">
-                            <p:stCondLst>
-                              <p:cond delay="0"/>
-                            </p:stCondLst>
-                            <p:childTnLst>
-                              <p:par>
-                                <p:cTn id="41" presetID="1" presetClass="entr" presetSubtype="0" fill="hold" grpId="0" nodeType="clickEffect">
-                                  <p:stCondLst>
-                                    <p:cond delay="0"/>
-                                  </p:stCondLst>
-                                  <p:childTnLst>
-                                    <p:set>
-                                      <p:cBhvr>
-                                        <p:cTn id="42" dur="1" fill="hold">
-                                          <p:stCondLst>
-                                            <p:cond delay="0"/>
-                                          </p:stCondLst>
-                                        </p:cTn>
-                                        <p:tgtEl>
-                                          <p:spTgt spid="8"/>
-                                        </p:tgtEl>
-                                        <p:attrNameLst>
-                                          <p:attrName>style.visibility</p:attrName>
-                                        </p:attrNameLst>
-                                      </p:cBhvr>
-                                      <p:to>
-                                        <p:strVal val="visible"/>
-                                      </p:to>
-                                    </p:set>
-                                  </p:childTnLst>
-                                </p:cTn>
-                              </p:par>
-                            </p:childTnLst>
-                          </p:cTn>
-                        </p:par>
-                      </p:childTnLst>
-                    </p:cTn>
-                  </p:par>
-                  <p:par>
-                    <p:cTn id="43" fill="hold" nodeType="clickPar">
-                      <p:stCondLst>
-                        <p:cond delay="indefinite"/>
-                      </p:stCondLst>
-                      <p:childTnLst>
-                        <p:par>
-                          <p:cTn id="44" fill="hold" nodeType="withGroup">
-                            <p:stCondLst>
-                              <p:cond delay="0"/>
-                            </p:stCondLst>
-                            <p:childTnLst>
-                              <p:par>
-                                <p:cTn id="45" presetID="1" presetClass="entr" presetSubtype="0" fill="hold" grpId="0" nodeType="clickEffect">
-                                  <p:stCondLst>
-                                    <p:cond delay="0"/>
-                                  </p:stCondLst>
-                                  <p:childTnLst>
-                                    <p:set>
-                                      <p:cBhvr>
-                                        <p:cTn id="46" dur="1" fill="hold">
-                                          <p:stCondLst>
-                                            <p:cond delay="0"/>
-                                          </p:stCondLst>
-                                        </p:cTn>
-                                        <p:tgtEl>
-                                          <p:spTgt spid="10"/>
-                                        </p:tgtEl>
-                                        <p:attrNameLst>
-                                          <p:attrName>style.visibility</p:attrName>
-                                        </p:attrNameLst>
-                                      </p:cBhvr>
-                                      <p:to>
-                                        <p:strVal val="visible"/>
-                                      </p:to>
-                                    </p:set>
-                                  </p:childTnLst>
-                                </p:cTn>
-                              </p:par>
-                            </p:childTnLst>
-                          </p:cTn>
-                        </p:par>
-                      </p:childTnLst>
-                    </p:cTn>
-                  </p:par>
-                  <p:par>
-                    <p:cTn id="47" fill="hold" nodeType="clickPar">
-                      <p:stCondLst>
-                        <p:cond delay="indefinite"/>
-                      </p:stCondLst>
-                      <p:childTnLst>
-                        <p:par>
-                          <p:cTn id="48" fill="hold" nodeType="withGroup">
-                            <p:stCondLst>
-                              <p:cond delay="0"/>
-                            </p:stCondLst>
-                            <p:childTnLst>
-                              <p:par>
-                                <p:cTn id="49" presetID="1" presetClass="entr" presetSubtype="0" fill="hold" grpId="0" nodeType="clickEffect">
-                                  <p:stCondLst>
-                                    <p:cond delay="0"/>
-                                  </p:stCondLst>
-                                  <p:childTnLst>
-                                    <p:set>
-                                      <p:cBhvr>
-                                        <p:cTn id="50" dur="1" fill="hold">
-                                          <p:stCondLst>
-                                            <p:cond delay="0"/>
-                                          </p:stCondLst>
-                                        </p:cTn>
-                                        <p:tgtEl>
-                                          <p:spTgt spid="11"/>
-                                        </p:tgtEl>
-                                        <p:attrNameLst>
-                                          <p:attrName>style.visibility</p:attrName>
-                                        </p:attrNameLst>
-                                      </p:cBhvr>
-                                      <p:to>
-                                        <p:strVal val="visible"/>
-                                      </p:to>
-                                    </p:set>
-                                  </p:childTnLst>
-                                </p:cTn>
-                              </p:par>
-                            </p:childTnLst>
-                          </p:cTn>
-                        </p:par>
-                      </p:childTnLst>
-                    </p:cTn>
-                  </p:par>
-                </p:childTnLst>
-              </p:cTn>
-              <p:prevCondLst>
-                <p:cond evt="onPrev" delay="0">
-                  <p:tgtEl>
-                    <p:sldTgt/>
-                  </p:tgtEl>
-                </p:cond>
-              </p:prevCondLst>
-              <p:nextCondLst>
-                <p:cond evt="onNext" delay="0">
-                  <p:tgtEl>
-                    <p:sldTgt/>
-                  </p:tgtEl>
-                </p:cond>
-              </p:nextCondLst>
-            </p:seq>
-          </p:childTnLst>
-        </p:cTn>
-      </p:par>
-    </p:tnLst>
-    <p:bldLst>
-      <p:bldP spid="4" grpId="0" animBg="1"/>
-      <p:bldP spid="4" grpId="1" animBg="1"/>
-      <p:bldP spid="5" grpId="0" animBg="1"/>
-      <p:bldP spid="5" grpId="1" animBg="1"/>
-      <p:bldP spid="6" grpId="0" animBg="1"/>
-      <p:bldP spid="6" grpId="1" animBg="1"/>
-      <p:bldP spid="7" grpId="0" animBg="1"/>
-      <p:bldP spid="7" grpId="1" animBg="1"/>
-      <p:bldP spid="8" grpId="0" animBg="1"/>
-      <p:bldP spid="9" grpId="0" animBg="1"/>
-      <p:bldP spid="10" grpId="0" animBg="1"/>
-      <p:bldP spid="11" grpId="0" animBg="1"/>
-    </p:bldLst>
-  </p:timing>
-</p:sld>
-</file>
-
-<file path=ppt/slides/slide35.xml><?xml version="1.0" encoding="utf-8"?>
-<p:sld xmlns:a="http://schemas.openxmlformats.org/drawingml/2006/main" xmlns:r="http://schemas.openxmlformats.org/officeDocument/2006/relationships" xmlns:p="http://schemas.openxmlformats.org/presentationml/2006/main">
-  <p:cSld>
-    <p:spTree>
-      <p:nvGrpSpPr>
-        <p:cNvPr id="1" name=""/>
-        <p:cNvGrpSpPr/>
-        <p:nvPr/>
-      </p:nvGrpSpPr>
-      <p:grpSpPr>
-        <a:xfrm>
-          <a:off x="0" y="0"/>
-          <a:ext cx="0" cy="0"/>
-          <a:chOff x="0" y="0"/>
-          <a:chExt cx="0" cy="0"/>
-        </a:xfrm>
-      </p:grpSpPr>
-      <p:sp>
-        <p:nvSpPr>
           <p:cNvPr id="2" name="Title 1"/>
           <p:cNvSpPr>
             <a:spLocks noGrp="1"/>
@@ -13385,7 +13076,7 @@
             </a:pPr>
             <a:r>
               <a:rPr lang="en-US" dirty="0"/>
-              <a:t>Creating a Streaming Dataset</a:t>
+              <a:t>Creating a Streaming Dataset with the API</a:t>
             </a:r>
           </a:p>
           <a:p>
@@ -13395,7 +13086,17 @@
             </a:pPr>
             <a:r>
               <a:rPr lang="en-US" dirty="0"/>
-              <a:t>Creating a Push Datasets</a:t>
+              <a:t>Designing Dashboards with Streaming Data Tiles</a:t>
+            </a:r>
+          </a:p>
+          <a:p>
+            <a:pPr>
+              <a:buFont typeface="Wingdings" panose="05000000000000000000" pitchFamily="2" charset="2"/>
+              <a:buChar char="ü"/>
+            </a:pPr>
+            <a:r>
+              <a:rPr lang="en-US" dirty="0"/>
+              <a:t>Creating a Push Dataset with Real-time Data</a:t>
             </a:r>
           </a:p>
           <a:p>
@@ -13405,7 +13106,7 @@
             </a:pPr>
             <a:r>
               <a:rPr lang="en-US" dirty="0"/>
-              <a:t>Working with Azure Streaming Analytics Jobs</a:t>
+              <a:t>Integrating Azure Streaming Analytics Jobs</a:t>
             </a:r>
           </a:p>
           <a:p>
@@ -13416,7 +13117,7 @@
     </p:spTree>
     <p:extLst>
       <p:ext uri="{BB962C8B-B14F-4D97-AF65-F5344CB8AC3E}">
-        <p14:creationId xmlns:p14="http://schemas.microsoft.com/office/powerpoint/2010/main" val="3565501370"/>
+        <p14:creationId xmlns:p14="http://schemas.microsoft.com/office/powerpoint/2010/main" val="847146049"/>
       </p:ext>
     </p:extLst>
   </p:cSld>
@@ -13426,7 +13127,7 @@
 </p:sld>
 </file>
 
-<file path=ppt/slides/slide36.xml><?xml version="1.0" encoding="utf-8"?>
+<file path=ppt/slides/slide31.xml><?xml version="1.0" encoding="utf-8"?>
 <p:sld xmlns:a="http://schemas.openxmlformats.org/drawingml/2006/main" xmlns:r="http://schemas.openxmlformats.org/officeDocument/2006/relationships" xmlns:p="http://schemas.openxmlformats.org/presentationml/2006/main">
   <p:cSld>
     <p:spTree>
@@ -15037,121 +14738,7 @@
 </p:sld>
 </file>
 
-<file path=ppt/slides/slide37.xml><?xml version="1.0" encoding="utf-8"?>
-<p:sld xmlns:a="http://schemas.openxmlformats.org/drawingml/2006/main" xmlns:r="http://schemas.openxmlformats.org/officeDocument/2006/relationships" xmlns:p="http://schemas.openxmlformats.org/presentationml/2006/main">
-  <p:cSld>
-    <p:spTree>
-      <p:nvGrpSpPr>
-        <p:cNvPr id="1" name=""/>
-        <p:cNvGrpSpPr/>
-        <p:nvPr/>
-      </p:nvGrpSpPr>
-      <p:grpSpPr>
-        <a:xfrm>
-          <a:off x="0" y="0"/>
-          <a:ext cx="0" cy="0"/>
-          <a:chOff x="0" y="0"/>
-          <a:chExt cx="0" cy="0"/>
-        </a:xfrm>
-      </p:grpSpPr>
-      <p:sp>
-        <p:nvSpPr>
-          <p:cNvPr id="2" name="Title 1">
-            <a:extLst>
-              <a:ext uri="{FF2B5EF4-FFF2-40B4-BE49-F238E27FC236}">
-                <a16:creationId xmlns:a16="http://schemas.microsoft.com/office/drawing/2014/main" id="{47FBA79A-A859-4E41-9341-342B49B88219}"/>
-              </a:ext>
-            </a:extLst>
-          </p:cNvPr>
-          <p:cNvSpPr>
-            <a:spLocks noGrp="1"/>
-          </p:cNvSpPr>
-          <p:nvPr>
-            <p:ph type="title"/>
-          </p:nvPr>
-        </p:nvSpPr>
-        <p:spPr/>
-        <p:txBody>
-          <a:bodyPr/>
-          <a:lstStyle/>
-          <a:p>
-            <a:endParaRPr lang="en-US"/>
-          </a:p>
-        </p:txBody>
-      </p:sp>
-      <p:pic>
-        <p:nvPicPr>
-          <p:cNvPr id="4" name="Picture 3">
-            <a:extLst>
-              <a:ext uri="{FF2B5EF4-FFF2-40B4-BE49-F238E27FC236}">
-                <a16:creationId xmlns:a16="http://schemas.microsoft.com/office/drawing/2014/main" id="{7BA77FF8-BE7F-461A-80FF-78DAD0E88A04}"/>
-              </a:ext>
-            </a:extLst>
-          </p:cNvPr>
-          <p:cNvPicPr>
-            <a:picLocks noChangeAspect="1"/>
-          </p:cNvPicPr>
-          <p:nvPr/>
-        </p:nvPicPr>
-        <p:blipFill>
-          <a:blip r:embed="rId2"/>
-          <a:stretch>
-            <a:fillRect/>
-          </a:stretch>
-        </p:blipFill>
-        <p:spPr>
-          <a:xfrm>
-            <a:off x="381000" y="1295401"/>
-            <a:ext cx="4419600" cy="3815482"/>
-          </a:xfrm>
-          <a:prstGeom prst="rect">
-            <a:avLst/>
-          </a:prstGeom>
-        </p:spPr>
-      </p:pic>
-      <p:pic>
-        <p:nvPicPr>
-          <p:cNvPr id="3" name="Picture 2">
-            <a:extLst>
-              <a:ext uri="{FF2B5EF4-FFF2-40B4-BE49-F238E27FC236}">
-                <a16:creationId xmlns:a16="http://schemas.microsoft.com/office/drawing/2014/main" id="{72BB47AD-A15F-44F0-8DC1-7ABBAA8E46D5}"/>
-              </a:ext>
-            </a:extLst>
-          </p:cNvPr>
-          <p:cNvPicPr>
-            <a:picLocks noChangeAspect="1"/>
-          </p:cNvPicPr>
-          <p:nvPr/>
-        </p:nvPicPr>
-        <p:blipFill rotWithShape="1">
-          <a:blip r:embed="rId3"/>
-          <a:srcRect r="34509"/>
-          <a:stretch/>
-        </p:blipFill>
-        <p:spPr>
-          <a:xfrm>
-            <a:off x="4953000" y="3712752"/>
-            <a:ext cx="3505199" cy="2759625"/>
-          </a:xfrm>
-          <a:prstGeom prst="rect">
-            <a:avLst/>
-          </a:prstGeom>
-        </p:spPr>
-      </p:pic>
-    </p:spTree>
-    <p:extLst>
-      <p:ext uri="{BB962C8B-B14F-4D97-AF65-F5344CB8AC3E}">
-        <p14:creationId xmlns:p14="http://schemas.microsoft.com/office/powerpoint/2010/main" val="935871965"/>
-      </p:ext>
-    </p:extLst>
-  </p:cSld>
-  <p:clrMapOvr>
-    <a:masterClrMapping/>
-  </p:clrMapOvr>
-</p:sld>
-</file>
-
-<file path=ppt/slides/slide38.xml><?xml version="1.0" encoding="utf-8"?>
+<file path=ppt/slides/slide32.xml><?xml version="1.0" encoding="utf-8"?>
 <p:sld xmlns:a="http://schemas.openxmlformats.org/drawingml/2006/main" xmlns:r="http://schemas.openxmlformats.org/officeDocument/2006/relationships" xmlns:p="http://schemas.openxmlformats.org/presentationml/2006/main">
   <p:cSld>
     <p:spTree>
@@ -15228,7 +14815,7 @@
             </a:pPr>
             <a:r>
               <a:rPr lang="en-US" dirty="0"/>
-              <a:t>Creating a Streaming Dataset</a:t>
+              <a:t>Creating a Streaming Dataset with the API</a:t>
             </a:r>
           </a:p>
           <a:p>
@@ -15238,7 +14825,7 @@
             </a:pPr>
             <a:r>
               <a:rPr lang="en-US" dirty="0"/>
-              <a:t>Creating a Push Datasets</a:t>
+              <a:t>Designing Dashboards with Streaming Data Tiles</a:t>
             </a:r>
           </a:p>
           <a:p>
@@ -15248,7 +14835,17 @@
             </a:pPr>
             <a:r>
               <a:rPr lang="en-US" dirty="0"/>
-              <a:t>Working with Azure Streaming Analytics Jobs</a:t>
+              <a:t>Creating a Push Dataset with Real-time Data</a:t>
+            </a:r>
+          </a:p>
+          <a:p>
+            <a:pPr>
+              <a:buFont typeface="Wingdings" panose="05000000000000000000" pitchFamily="2" charset="2"/>
+              <a:buChar char="ü"/>
+            </a:pPr>
+            <a:r>
+              <a:rPr lang="en-US" dirty="0"/>
+              <a:t>Integrating Azure Streaming Analytics Jobs</a:t>
             </a:r>
           </a:p>
         </p:txBody>
@@ -15256,248 +14853,7 @@
     </p:spTree>
     <p:extLst>
       <p:ext uri="{BB962C8B-B14F-4D97-AF65-F5344CB8AC3E}">
-        <p14:creationId xmlns:p14="http://schemas.microsoft.com/office/powerpoint/2010/main" val="218773118"/>
-      </p:ext>
-    </p:extLst>
-  </p:cSld>
-  <p:clrMapOvr>
-    <a:masterClrMapping/>
-  </p:clrMapOvr>
-</p:sld>
-</file>
-
-<file path=ppt/slides/slide39.xml><?xml version="1.0" encoding="utf-8"?>
-<p:sld xmlns:a="http://schemas.openxmlformats.org/drawingml/2006/main" xmlns:r="http://schemas.openxmlformats.org/officeDocument/2006/relationships" xmlns:p="http://schemas.openxmlformats.org/presentationml/2006/main">
-  <p:cSld>
-    <p:spTree>
-      <p:nvGrpSpPr>
-        <p:cNvPr id="1" name=""/>
-        <p:cNvGrpSpPr/>
-        <p:nvPr/>
-      </p:nvGrpSpPr>
-      <p:grpSpPr>
-        <a:xfrm>
-          <a:off x="0" y="0"/>
-          <a:ext cx="0" cy="0"/>
-          <a:chOff x="0" y="0"/>
-          <a:chExt cx="0" cy="0"/>
-        </a:xfrm>
-      </p:grpSpPr>
-      <p:sp>
-        <p:nvSpPr>
-          <p:cNvPr id="2" name="Title 1">
-            <a:extLst>
-              <a:ext uri="{FF2B5EF4-FFF2-40B4-BE49-F238E27FC236}">
-                <a16:creationId xmlns:a16="http://schemas.microsoft.com/office/drawing/2014/main" id="{A9CDA6E1-12E0-484E-9857-DB5FD3097FA9}"/>
-              </a:ext>
-            </a:extLst>
-          </p:cNvPr>
-          <p:cNvSpPr>
-            <a:spLocks noGrp="1"/>
-          </p:cNvSpPr>
-          <p:nvPr>
-            <p:ph type="title"/>
-          </p:nvPr>
-        </p:nvSpPr>
-        <p:spPr/>
-        <p:txBody>
-          <a:bodyPr/>
-          <a:lstStyle/>
-          <a:p>
-            <a:endParaRPr lang="en-US"/>
-          </a:p>
-        </p:txBody>
-      </p:sp>
-      <p:pic>
-        <p:nvPicPr>
-          <p:cNvPr id="4" name="Picture 3">
-            <a:extLst>
-              <a:ext uri="{FF2B5EF4-FFF2-40B4-BE49-F238E27FC236}">
-                <a16:creationId xmlns:a16="http://schemas.microsoft.com/office/drawing/2014/main" id="{C45A724E-5247-405E-97E6-6332557D8484}"/>
-              </a:ext>
-            </a:extLst>
-          </p:cNvPr>
-          <p:cNvPicPr>
-            <a:picLocks noChangeAspect="1"/>
-          </p:cNvPicPr>
-          <p:nvPr/>
-        </p:nvPicPr>
-        <p:blipFill>
-          <a:blip r:embed="rId2"/>
-          <a:stretch>
-            <a:fillRect/>
-          </a:stretch>
-        </p:blipFill>
-        <p:spPr>
-          <a:xfrm>
-            <a:off x="533400" y="4114800"/>
-            <a:ext cx="4024800" cy="2308600"/>
-          </a:xfrm>
-          <a:prstGeom prst="rect">
-            <a:avLst/>
-          </a:prstGeom>
-        </p:spPr>
-      </p:pic>
-      <p:pic>
-        <p:nvPicPr>
-          <p:cNvPr id="5" name="Picture 4">
-            <a:extLst>
-              <a:ext uri="{FF2B5EF4-FFF2-40B4-BE49-F238E27FC236}">
-                <a16:creationId xmlns:a16="http://schemas.microsoft.com/office/drawing/2014/main" id="{A43B4FBF-1B9A-4B8C-8465-E0EABC47590B}"/>
-              </a:ext>
-            </a:extLst>
-          </p:cNvPr>
-          <p:cNvPicPr>
-            <a:picLocks noChangeAspect="1"/>
-          </p:cNvPicPr>
-          <p:nvPr/>
-        </p:nvPicPr>
-        <p:blipFill>
-          <a:blip r:embed="rId3"/>
-          <a:stretch>
-            <a:fillRect/>
-          </a:stretch>
-        </p:blipFill>
-        <p:spPr>
-          <a:xfrm>
-            <a:off x="533400" y="1514475"/>
-            <a:ext cx="4024800" cy="2308600"/>
-          </a:xfrm>
-          <a:prstGeom prst="rect">
-            <a:avLst/>
-          </a:prstGeom>
-        </p:spPr>
-      </p:pic>
-      <p:pic>
-        <p:nvPicPr>
-          <p:cNvPr id="7" name="Picture 6">
-            <a:extLst>
-              <a:ext uri="{FF2B5EF4-FFF2-40B4-BE49-F238E27FC236}">
-                <a16:creationId xmlns:a16="http://schemas.microsoft.com/office/drawing/2014/main" id="{8DE2669E-816A-434C-B895-302DB74FBBBA}"/>
-              </a:ext>
-            </a:extLst>
-          </p:cNvPr>
-          <p:cNvPicPr>
-            <a:picLocks noChangeAspect="1"/>
-          </p:cNvPicPr>
-          <p:nvPr/>
-        </p:nvPicPr>
-        <p:blipFill>
-          <a:blip r:embed="rId4"/>
-          <a:stretch>
-            <a:fillRect/>
-          </a:stretch>
-        </p:blipFill>
-        <p:spPr>
-          <a:xfrm>
-            <a:off x="5029200" y="1828800"/>
-            <a:ext cx="1295401" cy="1059071"/>
-          </a:xfrm>
-          <a:prstGeom prst="rect">
-            <a:avLst/>
-          </a:prstGeom>
-          <a:ln>
-            <a:solidFill>
-              <a:schemeClr val="tx1"/>
-            </a:solidFill>
-          </a:ln>
-        </p:spPr>
-      </p:pic>
-      <p:pic>
-        <p:nvPicPr>
-          <p:cNvPr id="8" name="Picture 7">
-            <a:extLst>
-              <a:ext uri="{FF2B5EF4-FFF2-40B4-BE49-F238E27FC236}">
-                <a16:creationId xmlns:a16="http://schemas.microsoft.com/office/drawing/2014/main" id="{A69B0D1F-DB7A-4FF3-BC18-21E996E25781}"/>
-              </a:ext>
-            </a:extLst>
-          </p:cNvPr>
-          <p:cNvPicPr>
-            <a:picLocks noChangeAspect="1"/>
-          </p:cNvPicPr>
-          <p:nvPr/>
-        </p:nvPicPr>
-        <p:blipFill>
-          <a:blip r:embed="rId5"/>
-          <a:stretch>
-            <a:fillRect/>
-          </a:stretch>
-        </p:blipFill>
-        <p:spPr>
-          <a:xfrm>
-            <a:off x="5029199" y="3581400"/>
-            <a:ext cx="1400175" cy="1304925"/>
-          </a:xfrm>
-          <a:prstGeom prst="rect">
-            <a:avLst/>
-          </a:prstGeom>
-        </p:spPr>
-      </p:pic>
-      <p:sp>
-        <p:nvSpPr>
-          <p:cNvPr id="9" name="Rectangle 8">
-            <a:extLst>
-              <a:ext uri="{FF2B5EF4-FFF2-40B4-BE49-F238E27FC236}">
-                <a16:creationId xmlns:a16="http://schemas.microsoft.com/office/drawing/2014/main" id="{246710CA-8E8B-4698-8A45-CF2E2CC01D57}"/>
-              </a:ext>
-            </a:extLst>
-          </p:cNvPr>
-          <p:cNvSpPr/>
-          <p:nvPr/>
-        </p:nvSpPr>
-        <p:spPr>
-          <a:xfrm>
-            <a:off x="5029199" y="1504950"/>
-            <a:ext cx="1295401" cy="323850"/>
-          </a:xfrm>
-          <a:prstGeom prst="rect">
-            <a:avLst/>
-          </a:prstGeom>
-          <a:solidFill>
-            <a:schemeClr val="tx1"/>
-          </a:solidFill>
-          <a:ln>
-            <a:solidFill>
-              <a:schemeClr val="tx1"/>
-            </a:solidFill>
-          </a:ln>
-        </p:spPr>
-        <p:style>
-          <a:lnRef idx="2">
-            <a:schemeClr val="accent1">
-              <a:shade val="50000"/>
-            </a:schemeClr>
-          </a:lnRef>
-          <a:fillRef idx="1">
-            <a:schemeClr val="accent1"/>
-          </a:fillRef>
-          <a:effectRef idx="0">
-            <a:schemeClr val="accent1"/>
-          </a:effectRef>
-          <a:fontRef idx="minor">
-            <a:schemeClr val="lt1"/>
-          </a:fontRef>
-        </p:style>
-        <p:txBody>
-          <a:bodyPr rtlCol="0" anchor="ctr"/>
-          <a:lstStyle/>
-          <a:p>
-            <a:pPr algn="ctr"/>
-            <a:r>
-              <a:rPr lang="en-US" sz="1200" dirty="0">
-                <a:solidFill>
-                  <a:schemeClr val="bg1"/>
-                </a:solidFill>
-              </a:rPr>
-              <a:t>Real-time Tiles</a:t>
-            </a:r>
-          </a:p>
-        </p:txBody>
-      </p:sp>
-    </p:spTree>
-    <p:extLst>
-      <p:ext uri="{BB962C8B-B14F-4D97-AF65-F5344CB8AC3E}">
-        <p14:creationId xmlns:p14="http://schemas.microsoft.com/office/powerpoint/2010/main" val="3987266594"/>
+        <p14:creationId xmlns:p14="http://schemas.microsoft.com/office/powerpoint/2010/main" val="748311392"/>
       </p:ext>
     </p:extLst>
   </p:cSld>
@@ -16177,217 +15533,6 @@
 </p:sld>
 </file>
 
-<file path=ppt/slides/slide40.xml><?xml version="1.0" encoding="utf-8"?>
-<p:sld xmlns:a="http://schemas.openxmlformats.org/drawingml/2006/main" xmlns:r="http://schemas.openxmlformats.org/officeDocument/2006/relationships" xmlns:p="http://schemas.openxmlformats.org/presentationml/2006/main">
-  <p:cSld>
-    <p:spTree>
-      <p:nvGrpSpPr>
-        <p:cNvPr id="1" name=""/>
-        <p:cNvGrpSpPr/>
-        <p:nvPr/>
-      </p:nvGrpSpPr>
-      <p:grpSpPr>
-        <a:xfrm>
-          <a:off x="0" y="0"/>
-          <a:ext cx="0" cy="0"/>
-          <a:chOff x="0" y="0"/>
-          <a:chExt cx="0" cy="0"/>
-        </a:xfrm>
-      </p:grpSpPr>
-      <p:sp>
-        <p:nvSpPr>
-          <p:cNvPr id="2" name="Title 1">
-            <a:extLst>
-              <a:ext uri="{FF2B5EF4-FFF2-40B4-BE49-F238E27FC236}">
-                <a16:creationId xmlns:a16="http://schemas.microsoft.com/office/drawing/2014/main" id="{6459CD3A-018A-4DE5-822B-9B7E20B78F8D}"/>
-              </a:ext>
-            </a:extLst>
-          </p:cNvPr>
-          <p:cNvSpPr>
-            <a:spLocks noGrp="1"/>
-          </p:cNvSpPr>
-          <p:nvPr>
-            <p:ph type="title"/>
-          </p:nvPr>
-        </p:nvSpPr>
-        <p:spPr/>
-        <p:txBody>
-          <a:bodyPr/>
-          <a:lstStyle/>
-          <a:p>
-            <a:endParaRPr lang="en-US"/>
-          </a:p>
-        </p:txBody>
-      </p:sp>
-      <p:pic>
-        <p:nvPicPr>
-          <p:cNvPr id="5" name="Picture 4">
-            <a:extLst>
-              <a:ext uri="{FF2B5EF4-FFF2-40B4-BE49-F238E27FC236}">
-                <a16:creationId xmlns:a16="http://schemas.microsoft.com/office/drawing/2014/main" id="{4FCE4413-132B-46EB-81E0-DE4E2E922C38}"/>
-              </a:ext>
-            </a:extLst>
-          </p:cNvPr>
-          <p:cNvPicPr>
-            <a:picLocks noChangeAspect="1"/>
-          </p:cNvPicPr>
-          <p:nvPr/>
-        </p:nvPicPr>
-        <p:blipFill>
-          <a:blip r:embed="rId2"/>
-          <a:stretch>
-            <a:fillRect/>
-          </a:stretch>
-        </p:blipFill>
-        <p:spPr>
-          <a:xfrm>
-            <a:off x="685800" y="2057400"/>
-            <a:ext cx="5301901" cy="3039334"/>
-          </a:xfrm>
-          <a:prstGeom prst="rect">
-            <a:avLst/>
-          </a:prstGeom>
-        </p:spPr>
-      </p:pic>
-      <p:pic>
-        <p:nvPicPr>
-          <p:cNvPr id="6" name="Picture 5">
-            <a:extLst>
-              <a:ext uri="{FF2B5EF4-FFF2-40B4-BE49-F238E27FC236}">
-                <a16:creationId xmlns:a16="http://schemas.microsoft.com/office/drawing/2014/main" id="{24C4B10C-B2C0-4B78-B420-541A903C7AC9}"/>
-              </a:ext>
-            </a:extLst>
-          </p:cNvPr>
-          <p:cNvPicPr>
-            <a:picLocks noChangeAspect="1"/>
-          </p:cNvPicPr>
-          <p:nvPr/>
-        </p:nvPicPr>
-        <p:blipFill>
-          <a:blip r:embed="rId3"/>
-          <a:stretch>
-            <a:fillRect/>
-          </a:stretch>
-        </p:blipFill>
-        <p:spPr>
-          <a:xfrm>
-            <a:off x="6400801" y="2286000"/>
-            <a:ext cx="1295401" cy="1059071"/>
-          </a:xfrm>
-          <a:prstGeom prst="rect">
-            <a:avLst/>
-          </a:prstGeom>
-          <a:ln>
-            <a:solidFill>
-              <a:schemeClr val="tx1"/>
-            </a:solidFill>
-          </a:ln>
-        </p:spPr>
-      </p:pic>
-      <p:pic>
-        <p:nvPicPr>
-          <p:cNvPr id="7" name="Picture 6">
-            <a:extLst>
-              <a:ext uri="{FF2B5EF4-FFF2-40B4-BE49-F238E27FC236}">
-                <a16:creationId xmlns:a16="http://schemas.microsoft.com/office/drawing/2014/main" id="{002EE4AE-D6B2-4E84-B945-CE79E8DAD261}"/>
-              </a:ext>
-            </a:extLst>
-          </p:cNvPr>
-          <p:cNvPicPr>
-            <a:picLocks noChangeAspect="1"/>
-          </p:cNvPicPr>
-          <p:nvPr/>
-        </p:nvPicPr>
-        <p:blipFill>
-          <a:blip r:embed="rId4"/>
-          <a:stretch>
-            <a:fillRect/>
-          </a:stretch>
-        </p:blipFill>
-        <p:spPr>
-          <a:xfrm>
-            <a:off x="6400800" y="4038600"/>
-            <a:ext cx="1400175" cy="1304925"/>
-          </a:xfrm>
-          <a:prstGeom prst="rect">
-            <a:avLst/>
-          </a:prstGeom>
-        </p:spPr>
-      </p:pic>
-      <p:sp>
-        <p:nvSpPr>
-          <p:cNvPr id="8" name="Rectangle 7">
-            <a:extLst>
-              <a:ext uri="{FF2B5EF4-FFF2-40B4-BE49-F238E27FC236}">
-                <a16:creationId xmlns:a16="http://schemas.microsoft.com/office/drawing/2014/main" id="{12AA590A-8116-4C0D-B57F-908054B7F64C}"/>
-              </a:ext>
-            </a:extLst>
-          </p:cNvPr>
-          <p:cNvSpPr/>
-          <p:nvPr/>
-        </p:nvSpPr>
-        <p:spPr>
-          <a:xfrm>
-            <a:off x="6400800" y="1962150"/>
-            <a:ext cx="1295401" cy="323850"/>
-          </a:xfrm>
-          <a:prstGeom prst="rect">
-            <a:avLst/>
-          </a:prstGeom>
-          <a:solidFill>
-            <a:schemeClr val="tx1"/>
-          </a:solidFill>
-          <a:ln>
-            <a:solidFill>
-              <a:schemeClr val="tx1"/>
-            </a:solidFill>
-          </a:ln>
-        </p:spPr>
-        <p:style>
-          <a:lnRef idx="2">
-            <a:schemeClr val="accent1">
-              <a:shade val="50000"/>
-            </a:schemeClr>
-          </a:lnRef>
-          <a:fillRef idx="1">
-            <a:schemeClr val="accent1"/>
-          </a:fillRef>
-          <a:effectRef idx="0">
-            <a:schemeClr val="accent1"/>
-          </a:effectRef>
-          <a:fontRef idx="minor">
-            <a:schemeClr val="lt1"/>
-          </a:fontRef>
-        </p:style>
-        <p:txBody>
-          <a:bodyPr rtlCol="0" anchor="ctr"/>
-          <a:lstStyle/>
-          <a:p>
-            <a:pPr algn="ctr"/>
-            <a:r>
-              <a:rPr lang="en-US" sz="1200" dirty="0">
-                <a:solidFill>
-                  <a:schemeClr val="bg1"/>
-                </a:solidFill>
-              </a:rPr>
-              <a:t>Real-time Tiles</a:t>
-            </a:r>
-          </a:p>
-        </p:txBody>
-      </p:sp>
-    </p:spTree>
-    <p:extLst>
-      <p:ext uri="{BB962C8B-B14F-4D97-AF65-F5344CB8AC3E}">
-        <p14:creationId xmlns:p14="http://schemas.microsoft.com/office/powerpoint/2010/main" val="1489646537"/>
-      </p:ext>
-    </p:extLst>
-  </p:cSld>
-  <p:clrMapOvr>
-    <a:masterClrMapping/>
-  </p:clrMapOvr>
-</p:sld>
-</file>
-
 <file path=ppt/slides/slide5.xml><?xml version="1.0" encoding="utf-8"?>
 <p:sld xmlns:a="http://schemas.openxmlformats.org/drawingml/2006/main" xmlns:r="http://schemas.openxmlformats.org/officeDocument/2006/relationships" xmlns:p="http://schemas.openxmlformats.org/presentationml/2006/main">
   <p:cSld>
@@ -16495,7 +15640,7 @@
           <p:nvPr/>
         </p:nvPicPr>
         <p:blipFill>
-          <a:blip r:embed="rId3"/>
+          <a:blip r:embed="rId2"/>
           <a:stretch>
             <a:fillRect/>
           </a:stretch>
@@ -16545,7 +15690,7 @@
             <p:nvPr/>
           </p:nvPicPr>
           <p:blipFill>
-            <a:blip r:embed="rId4"/>
+            <a:blip r:embed="rId3"/>
             <a:stretch>
               <a:fillRect/>
             </a:stretch>
@@ -19114,18 +18259,123 @@
 </file>
 
 <file path=customXml/item1.xml><?xml version="1.0" encoding="utf-8"?>
-<?mso-contentType ?>
-<FormTemplates xmlns="http://schemas.microsoft.com/sharepoint/v3/contenttype/forms">
-  <Display>DocumentLibraryForm</Display>
-  <Edit>DocumentLibraryForm</Edit>
-  <New>DocumentLibraryForm</New>
-</FormTemplates>
+<p:properties xmlns:p="http://schemas.microsoft.com/office/2006/metadata/properties" xmlns:xsi="http://www.w3.org/2001/XMLSchema-instance">
+  <documentManagement/>
+</p:properties>
 </file>
 
 <file path=customXml/item2.xml><?xml version="1.0" encoding="utf-8"?>
-<p:properties xmlns:p="http://schemas.microsoft.com/office/2006/metadata/properties" xmlns:xsi="http://www.w3.org/2001/XMLSchema-instance">
-  <documentManagement/>
-</p:properties>
+<ct:contentTypeSchema xmlns:ct="http://schemas.microsoft.com/office/2006/metadata/contentType" xmlns:ma="http://schemas.microsoft.com/office/2006/metadata/properties/metaAttributes" ct:_="" ma:_="" ma:contentTypeName="Document" ma:contentTypeID="0x01010043F7775CCE86F349BB7C51FB3CE6B150" ma:contentTypeVersion="0" ma:contentTypeDescription="Create a new document." ma:contentTypeScope="" ma:versionID="bb563817a2861b6b5994bd26a2ba9e40">
+  <xsd:schema xmlns:xsd="http://www.w3.org/2001/XMLSchema" xmlns:xs="http://www.w3.org/2001/XMLSchema" xmlns:p="http://schemas.microsoft.com/office/2006/metadata/properties" targetNamespace="http://schemas.microsoft.com/office/2006/metadata/properties" ma:root="true" ma:fieldsID="c64490b4aec6201516c3a874156f37b2">
+    <xsd:element name="properties">
+      <xsd:complexType>
+        <xsd:sequence>
+          <xsd:element name="documentManagement">
+            <xsd:complexType>
+              <xsd:all/>
+            </xsd:complexType>
+          </xsd:element>
+        </xsd:sequence>
+      </xsd:complexType>
+    </xsd:element>
+  </xsd:schema>
+  <xsd:schema xmlns="http://schemas.openxmlformats.org/package/2006/metadata/core-properties" xmlns:xsd="http://www.w3.org/2001/XMLSchema" xmlns:xsi="http://www.w3.org/2001/XMLSchema-instance" xmlns:dc="http://purl.org/dc/elements/1.1/" xmlns:dcterms="http://purl.org/dc/terms/" xmlns:odoc="http://schemas.microsoft.com/internal/obd" targetNamespace="http://schemas.openxmlformats.org/package/2006/metadata/core-properties" elementFormDefault="qualified" attributeFormDefault="unqualified" blockDefault="#all">
+    <xsd:import namespace="http://purl.org/dc/elements/1.1/" schemaLocation="http://dublincore.org/schemas/xmls/qdc/2003/04/02/dc.xsd"/>
+    <xsd:import namespace="http://purl.org/dc/terms/" schemaLocation="http://dublincore.org/schemas/xmls/qdc/2003/04/02/dcterms.xsd"/>
+    <xsd:element name="coreProperties" type="CT_coreProperties"/>
+    <xsd:complexType name="CT_coreProperties">
+      <xsd:all>
+        <xsd:element ref="dc:creator" minOccurs="0" maxOccurs="1"/>
+        <xsd:element ref="dcterms:created" minOccurs="0" maxOccurs="1"/>
+        <xsd:element ref="dc:identifier" minOccurs="0" maxOccurs="1"/>
+        <xsd:element name="contentType" minOccurs="0" maxOccurs="1" type="xsd:string" ma:index="0" ma:displayName="Content Type"/>
+        <xsd:element ref="dc:title" minOccurs="0" maxOccurs="1" ma:index="4" ma:displayName="Title"/>
+        <xsd:element ref="dc:subject" minOccurs="0" maxOccurs="1"/>
+        <xsd:element ref="dc:description" minOccurs="0" maxOccurs="1"/>
+        <xsd:element name="keywords" minOccurs="0" maxOccurs="1" type="xsd:string"/>
+        <xsd:element ref="dc:language" minOccurs="0" maxOccurs="1"/>
+        <xsd:element name="category" minOccurs="0" maxOccurs="1" type="xsd:string"/>
+        <xsd:element name="version" minOccurs="0" maxOccurs="1" type="xsd:string"/>
+        <xsd:element name="revision" minOccurs="0" maxOccurs="1" type="xsd:string">
+          <xsd:annotation>
+            <xsd:documentation>
+                        This value indicates the number of saves or revisions. The application is responsible for updating this value after each revision.
+                    </xsd:documentation>
+          </xsd:annotation>
+        </xsd:element>
+        <xsd:element name="lastModifiedBy" minOccurs="0" maxOccurs="1" type="xsd:string"/>
+        <xsd:element ref="dcterms:modified" minOccurs="0" maxOccurs="1"/>
+        <xsd:element name="contentStatus" minOccurs="0" maxOccurs="1" type="xsd:string"/>
+      </xsd:all>
+    </xsd:complexType>
+  </xsd:schema>
+  <xs:schema xmlns:pc="http://schemas.microsoft.com/office/infopath/2007/PartnerControls" xmlns:xs="http://www.w3.org/2001/XMLSchema" targetNamespace="http://schemas.microsoft.com/office/infopath/2007/PartnerControls" elementFormDefault="qualified" attributeFormDefault="unqualified">
+    <xs:element name="Person">
+      <xs:complexType>
+        <xs:sequence>
+          <xs:element ref="pc:DisplayName" minOccurs="0"/>
+          <xs:element ref="pc:AccountId" minOccurs="0"/>
+          <xs:element ref="pc:AccountType" minOccurs="0"/>
+        </xs:sequence>
+      </xs:complexType>
+    </xs:element>
+    <xs:element name="DisplayName" type="xs:string"/>
+    <xs:element name="AccountId" type="xs:string"/>
+    <xs:element name="AccountType" type="xs:string"/>
+    <xs:element name="BDCAssociatedEntity">
+      <xs:complexType>
+        <xs:sequence>
+          <xs:element ref="pc:BDCEntity" minOccurs="0" maxOccurs="unbounded"/>
+        </xs:sequence>
+        <xs:attribute ref="pc:EntityNamespace"/>
+        <xs:attribute ref="pc:EntityName"/>
+        <xs:attribute ref="pc:SystemInstanceName"/>
+        <xs:attribute ref="pc:AssociationName"/>
+      </xs:complexType>
+    </xs:element>
+    <xs:attribute name="EntityNamespace" type="xs:string"/>
+    <xs:attribute name="EntityName" type="xs:string"/>
+    <xs:attribute name="SystemInstanceName" type="xs:string"/>
+    <xs:attribute name="AssociationName" type="xs:string"/>
+    <xs:element name="BDCEntity">
+      <xs:complexType>
+        <xs:sequence>
+          <xs:element ref="pc:EntityDisplayName" minOccurs="0"/>
+          <xs:element ref="pc:EntityInstanceReference" minOccurs="0"/>
+          <xs:element ref="pc:EntityId1" minOccurs="0"/>
+          <xs:element ref="pc:EntityId2" minOccurs="0"/>
+          <xs:element ref="pc:EntityId3" minOccurs="0"/>
+          <xs:element ref="pc:EntityId4" minOccurs="0"/>
+          <xs:element ref="pc:EntityId5" minOccurs="0"/>
+        </xs:sequence>
+      </xs:complexType>
+    </xs:element>
+    <xs:element name="EntityDisplayName" type="xs:string"/>
+    <xs:element name="EntityInstanceReference" type="xs:string"/>
+    <xs:element name="EntityId1" type="xs:string"/>
+    <xs:element name="EntityId2" type="xs:string"/>
+    <xs:element name="EntityId3" type="xs:string"/>
+    <xs:element name="EntityId4" type="xs:string"/>
+    <xs:element name="EntityId5" type="xs:string"/>
+    <xs:element name="Terms">
+      <xs:complexType>
+        <xs:sequence>
+          <xs:element ref="pc:TermInfo" minOccurs="0" maxOccurs="unbounded"/>
+        </xs:sequence>
+      </xs:complexType>
+    </xs:element>
+    <xs:element name="TermInfo">
+      <xs:complexType>
+        <xs:sequence>
+          <xs:element ref="pc:TermName" minOccurs="0"/>
+          <xs:element ref="pc:TermId" minOccurs="0"/>
+        </xs:sequence>
+      </xs:complexType>
+    </xs:element>
+    <xs:element name="TermName" type="xs:string"/>
+    <xs:element name="TermId" type="xs:string"/>
+  </xs:schema>
+</ct:contentTypeSchema>
 </file>
 
 <file path=customXml/item3.xml><?xml version="1.0" encoding="utf-8"?>
@@ -19279,128 +18529,15 @@
 </file>
 
 <file path=customXml/item4.xml><?xml version="1.0" encoding="utf-8"?>
-<ct:contentTypeSchema xmlns:ct="http://schemas.microsoft.com/office/2006/metadata/contentType" xmlns:ma="http://schemas.microsoft.com/office/2006/metadata/properties/metaAttributes" ct:_="" ma:_="" ma:contentTypeName="Document" ma:contentTypeID="0x01010043F7775CCE86F349BB7C51FB3CE6B150" ma:contentTypeVersion="0" ma:contentTypeDescription="Create a new document." ma:contentTypeScope="" ma:versionID="bb563817a2861b6b5994bd26a2ba9e40">
-  <xsd:schema xmlns:xsd="http://www.w3.org/2001/XMLSchema" xmlns:xs="http://www.w3.org/2001/XMLSchema" xmlns:p="http://schemas.microsoft.com/office/2006/metadata/properties" targetNamespace="http://schemas.microsoft.com/office/2006/metadata/properties" ma:root="true" ma:fieldsID="c64490b4aec6201516c3a874156f37b2">
-    <xsd:element name="properties">
-      <xsd:complexType>
-        <xsd:sequence>
-          <xsd:element name="documentManagement">
-            <xsd:complexType>
-              <xsd:all/>
-            </xsd:complexType>
-          </xsd:element>
-        </xsd:sequence>
-      </xsd:complexType>
-    </xsd:element>
-  </xsd:schema>
-  <xsd:schema xmlns="http://schemas.openxmlformats.org/package/2006/metadata/core-properties" xmlns:xsd="http://www.w3.org/2001/XMLSchema" xmlns:xsi="http://www.w3.org/2001/XMLSchema-instance" xmlns:dc="http://purl.org/dc/elements/1.1/" xmlns:dcterms="http://purl.org/dc/terms/" xmlns:odoc="http://schemas.microsoft.com/internal/obd" targetNamespace="http://schemas.openxmlformats.org/package/2006/metadata/core-properties" elementFormDefault="qualified" attributeFormDefault="unqualified" blockDefault="#all">
-    <xsd:import namespace="http://purl.org/dc/elements/1.1/" schemaLocation="http://dublincore.org/schemas/xmls/qdc/2003/04/02/dc.xsd"/>
-    <xsd:import namespace="http://purl.org/dc/terms/" schemaLocation="http://dublincore.org/schemas/xmls/qdc/2003/04/02/dcterms.xsd"/>
-    <xsd:element name="coreProperties" type="CT_coreProperties"/>
-    <xsd:complexType name="CT_coreProperties">
-      <xsd:all>
-        <xsd:element ref="dc:creator" minOccurs="0" maxOccurs="1"/>
-        <xsd:element ref="dcterms:created" minOccurs="0" maxOccurs="1"/>
-        <xsd:element ref="dc:identifier" minOccurs="0" maxOccurs="1"/>
-        <xsd:element name="contentType" minOccurs="0" maxOccurs="1" type="xsd:string" ma:index="0" ma:displayName="Content Type"/>
-        <xsd:element ref="dc:title" minOccurs="0" maxOccurs="1" ma:index="4" ma:displayName="Title"/>
-        <xsd:element ref="dc:subject" minOccurs="0" maxOccurs="1"/>
-        <xsd:element ref="dc:description" minOccurs="0" maxOccurs="1"/>
-        <xsd:element name="keywords" minOccurs="0" maxOccurs="1" type="xsd:string"/>
-        <xsd:element ref="dc:language" minOccurs="0" maxOccurs="1"/>
-        <xsd:element name="category" minOccurs="0" maxOccurs="1" type="xsd:string"/>
-        <xsd:element name="version" minOccurs="0" maxOccurs="1" type="xsd:string"/>
-        <xsd:element name="revision" minOccurs="0" maxOccurs="1" type="xsd:string">
-          <xsd:annotation>
-            <xsd:documentation>
-                        This value indicates the number of saves or revisions. The application is responsible for updating this value after each revision.
-                    </xsd:documentation>
-          </xsd:annotation>
-        </xsd:element>
-        <xsd:element name="lastModifiedBy" minOccurs="0" maxOccurs="1" type="xsd:string"/>
-        <xsd:element ref="dcterms:modified" minOccurs="0" maxOccurs="1"/>
-        <xsd:element name="contentStatus" minOccurs="0" maxOccurs="1" type="xsd:string"/>
-      </xsd:all>
-    </xsd:complexType>
-  </xsd:schema>
-  <xs:schema xmlns:pc="http://schemas.microsoft.com/office/infopath/2007/PartnerControls" xmlns:xs="http://www.w3.org/2001/XMLSchema" targetNamespace="http://schemas.microsoft.com/office/infopath/2007/PartnerControls" elementFormDefault="qualified" attributeFormDefault="unqualified">
-    <xs:element name="Person">
-      <xs:complexType>
-        <xs:sequence>
-          <xs:element ref="pc:DisplayName" minOccurs="0"/>
-          <xs:element ref="pc:AccountId" minOccurs="0"/>
-          <xs:element ref="pc:AccountType" minOccurs="0"/>
-        </xs:sequence>
-      </xs:complexType>
-    </xs:element>
-    <xs:element name="DisplayName" type="xs:string"/>
-    <xs:element name="AccountId" type="xs:string"/>
-    <xs:element name="AccountType" type="xs:string"/>
-    <xs:element name="BDCAssociatedEntity">
-      <xs:complexType>
-        <xs:sequence>
-          <xs:element ref="pc:BDCEntity" minOccurs="0" maxOccurs="unbounded"/>
-        </xs:sequence>
-        <xs:attribute ref="pc:EntityNamespace"/>
-        <xs:attribute ref="pc:EntityName"/>
-        <xs:attribute ref="pc:SystemInstanceName"/>
-        <xs:attribute ref="pc:AssociationName"/>
-      </xs:complexType>
-    </xs:element>
-    <xs:attribute name="EntityNamespace" type="xs:string"/>
-    <xs:attribute name="EntityName" type="xs:string"/>
-    <xs:attribute name="SystemInstanceName" type="xs:string"/>
-    <xs:attribute name="AssociationName" type="xs:string"/>
-    <xs:element name="BDCEntity">
-      <xs:complexType>
-        <xs:sequence>
-          <xs:element ref="pc:EntityDisplayName" minOccurs="0"/>
-          <xs:element ref="pc:EntityInstanceReference" minOccurs="0"/>
-          <xs:element ref="pc:EntityId1" minOccurs="0"/>
-          <xs:element ref="pc:EntityId2" minOccurs="0"/>
-          <xs:element ref="pc:EntityId3" minOccurs="0"/>
-          <xs:element ref="pc:EntityId4" minOccurs="0"/>
-          <xs:element ref="pc:EntityId5" minOccurs="0"/>
-        </xs:sequence>
-      </xs:complexType>
-    </xs:element>
-    <xs:element name="EntityDisplayName" type="xs:string"/>
-    <xs:element name="EntityInstanceReference" type="xs:string"/>
-    <xs:element name="EntityId1" type="xs:string"/>
-    <xs:element name="EntityId2" type="xs:string"/>
-    <xs:element name="EntityId3" type="xs:string"/>
-    <xs:element name="EntityId4" type="xs:string"/>
-    <xs:element name="EntityId5" type="xs:string"/>
-    <xs:element name="Terms">
-      <xs:complexType>
-        <xs:sequence>
-          <xs:element ref="pc:TermInfo" minOccurs="0" maxOccurs="unbounded"/>
-        </xs:sequence>
-      </xs:complexType>
-    </xs:element>
-    <xs:element name="TermInfo">
-      <xs:complexType>
-        <xs:sequence>
-          <xs:element ref="pc:TermName" minOccurs="0"/>
-          <xs:element ref="pc:TermId" minOccurs="0"/>
-        </xs:sequence>
-      </xs:complexType>
-    </xs:element>
-    <xs:element name="TermName" type="xs:string"/>
-    <xs:element name="TermId" type="xs:string"/>
-  </xs:schema>
-</ct:contentTypeSchema>
+<?mso-contentType ?>
+<FormTemplates xmlns="http://schemas.microsoft.com/sharepoint/v3/contenttype/forms">
+  <Display>DocumentLibraryForm</Display>
+  <Edit>DocumentLibraryForm</Edit>
+  <New>DocumentLibraryForm</New>
+</FormTemplates>
 </file>
 
 <file path=customXml/itemProps1.xml><?xml version="1.0" encoding="utf-8"?>
-<ds:datastoreItem xmlns:ds="http://schemas.openxmlformats.org/officeDocument/2006/customXml" ds:itemID="{6034B84F-8F8E-48B7-9EFF-C7DE1A66BD73}">
-  <ds:schemaRefs>
-    <ds:schemaRef ds:uri="http://schemas.microsoft.com/sharepoint/v3/contenttype/forms"/>
-  </ds:schemaRefs>
-</ds:datastoreItem>
-</file>
-
-<file path=customXml/itemProps2.xml><?xml version="1.0" encoding="utf-8"?>
 <ds:datastoreItem xmlns:ds="http://schemas.openxmlformats.org/officeDocument/2006/customXml" ds:itemID="{A5547237-B119-45CA-BEFC-A2DA2BDB03E7}">
   <ds:schemaRefs>
     <ds:schemaRef ds:uri="http://schemas.microsoft.com/office/infopath/2007/PartnerControls"/>
@@ -19415,15 +18552,7 @@
 </ds:datastoreItem>
 </file>
 
-<file path=customXml/itemProps3.xml><?xml version="1.0" encoding="utf-8"?>
-<ds:datastoreItem xmlns:ds="http://schemas.openxmlformats.org/officeDocument/2006/customXml" ds:itemID="{8865FC99-B6BD-4E98-8312-F4F432C217EA}">
-  <ds:schemaRefs>
-    <ds:schemaRef ds:uri="http://schemas.microsoft.com/office/2009/outspace/metadata"/>
-  </ds:schemaRefs>
-</ds:datastoreItem>
-</file>
-
-<file path=customXml/itemProps4.xml><?xml version="1.0" encoding="utf-8"?>
+<file path=customXml/itemProps2.xml><?xml version="1.0" encoding="utf-8"?>
 <ds:datastoreItem xmlns:ds="http://schemas.openxmlformats.org/officeDocument/2006/customXml" ds:itemID="{63F8C001-70B3-4AE4-BEC2-202AE4E30C7A}">
   <ds:schemaRefs>
     <ds:schemaRef ds:uri="http://schemas.microsoft.com/office/2006/metadata/contentType"/>
@@ -19437,4 +18566,20 @@
     <ds:schemaRef ds:uri="http://schemas.microsoft.com/office/infopath/2007/PartnerControls"/>
   </ds:schemaRefs>
 </ds:datastoreItem>
+</file>
+
+<file path=customXml/itemProps3.xml><?xml version="1.0" encoding="utf-8"?>
+<ds:datastoreItem xmlns:ds="http://schemas.openxmlformats.org/officeDocument/2006/customXml" ds:itemID="{8865FC99-B6BD-4E98-8312-F4F432C217EA}">
+  <ds:schemaRefs>
+    <ds:schemaRef ds:uri="http://schemas.microsoft.com/office/2009/outspace/metadata"/>
+  </ds:schemaRefs>
+</ds:datastoreItem>
+</file>
+
+<file path=customXml/itemProps4.xml><?xml version="1.0" encoding="utf-8"?>
+<ds:datastoreItem xmlns:ds="http://schemas.openxmlformats.org/officeDocument/2006/customXml" ds:itemID="{6034B84F-8F8E-48B7-9EFF-C7DE1A66BD73}">
+  <ds:schemaRefs>
+    <ds:schemaRef ds:uri="http://schemas.microsoft.com/sharepoint/v3/contenttype/forms"/>
+  </ds:schemaRefs>
+</ds:datastoreItem>
 </file>
--- a/RealtimeDashboards.pptx
+++ b/RealtimeDashboards.pptx
@@ -5,44 +5,50 @@
     <p:sldMasterId id="2147483648" r:id="rId5"/>
   </p:sldMasterIdLst>
   <p:notesMasterIdLst>
-    <p:notesMasterId r:id="rId38"/>
+    <p:notesMasterId r:id="rId44"/>
   </p:notesMasterIdLst>
   <p:handoutMasterIdLst>
-    <p:handoutMasterId r:id="rId39"/>
+    <p:handoutMasterId r:id="rId45"/>
   </p:handoutMasterIdLst>
   <p:sldIdLst>
     <p:sldId id="279" r:id="rId6"/>
-    <p:sldId id="278" r:id="rId7"/>
-    <p:sldId id="290" r:id="rId8"/>
-    <p:sldId id="293" r:id="rId9"/>
-    <p:sldId id="312" r:id="rId10"/>
-    <p:sldId id="313" r:id="rId11"/>
-    <p:sldId id="316" r:id="rId12"/>
-    <p:sldId id="317" r:id="rId13"/>
-    <p:sldId id="322" r:id="rId14"/>
-    <p:sldId id="284" r:id="rId15"/>
-    <p:sldId id="285" r:id="rId16"/>
-    <p:sldId id="286" r:id="rId17"/>
-    <p:sldId id="287" r:id="rId18"/>
-    <p:sldId id="288" r:id="rId19"/>
-    <p:sldId id="323" r:id="rId20"/>
-    <p:sldId id="318" r:id="rId21"/>
-    <p:sldId id="309" r:id="rId22"/>
-    <p:sldId id="301" r:id="rId23"/>
-    <p:sldId id="302" r:id="rId24"/>
-    <p:sldId id="304" r:id="rId25"/>
-    <p:sldId id="305" r:id="rId26"/>
-    <p:sldId id="306" r:id="rId27"/>
-    <p:sldId id="307" r:id="rId28"/>
-    <p:sldId id="308" r:id="rId29"/>
-    <p:sldId id="319" r:id="rId30"/>
-    <p:sldId id="280" r:id="rId31"/>
-    <p:sldId id="298" r:id="rId32"/>
-    <p:sldId id="282" r:id="rId33"/>
-    <p:sldId id="291" r:id="rId34"/>
-    <p:sldId id="320" r:id="rId35"/>
-    <p:sldId id="283" r:id="rId36"/>
-    <p:sldId id="321" r:id="rId37"/>
+    <p:sldId id="327" r:id="rId7"/>
+    <p:sldId id="328" r:id="rId8"/>
+    <p:sldId id="278" r:id="rId9"/>
+    <p:sldId id="290" r:id="rId10"/>
+    <p:sldId id="293" r:id="rId11"/>
+    <p:sldId id="312" r:id="rId12"/>
+    <p:sldId id="313" r:id="rId13"/>
+    <p:sldId id="316" r:id="rId14"/>
+    <p:sldId id="317" r:id="rId15"/>
+    <p:sldId id="322" r:id="rId16"/>
+    <p:sldId id="284" r:id="rId17"/>
+    <p:sldId id="285" r:id="rId18"/>
+    <p:sldId id="286" r:id="rId19"/>
+    <p:sldId id="287" r:id="rId20"/>
+    <p:sldId id="288" r:id="rId21"/>
+    <p:sldId id="323" r:id="rId22"/>
+    <p:sldId id="318" r:id="rId23"/>
+    <p:sldId id="309" r:id="rId24"/>
+    <p:sldId id="301" r:id="rId25"/>
+    <p:sldId id="302" r:id="rId26"/>
+    <p:sldId id="304" r:id="rId27"/>
+    <p:sldId id="305" r:id="rId28"/>
+    <p:sldId id="306" r:id="rId29"/>
+    <p:sldId id="307" r:id="rId30"/>
+    <p:sldId id="308" r:id="rId31"/>
+    <p:sldId id="319" r:id="rId32"/>
+    <p:sldId id="280" r:id="rId33"/>
+    <p:sldId id="298" r:id="rId34"/>
+    <p:sldId id="282" r:id="rId35"/>
+    <p:sldId id="324" r:id="rId36"/>
+    <p:sldId id="291" r:id="rId37"/>
+    <p:sldId id="320" r:id="rId38"/>
+    <p:sldId id="283" r:id="rId39"/>
+    <p:sldId id="326" r:id="rId40"/>
+    <p:sldId id="325" r:id="rId41"/>
+    <p:sldId id="321" r:id="rId42"/>
+    <p:sldId id="330" r:id="rId43"/>
   </p:sldIdLst>
   <p:sldSz cx="9144000" cy="6858000" type="screen4x3"/>
   <p:notesSz cx="7315200" cy="9601200"/>
@@ -2919,6 +2925,579 @@
 </file>
 
 <file path=ppt/slides/slide10.xml><?xml version="1.0" encoding="utf-8"?>
+<p:sld xmlns:a="http://schemas.openxmlformats.org/drawingml/2006/main" xmlns:r="http://schemas.openxmlformats.org/officeDocument/2006/relationships" xmlns:p="http://schemas.openxmlformats.org/presentationml/2006/main">
+  <p:cSld>
+    <p:spTree>
+      <p:nvGrpSpPr>
+        <p:cNvPr id="1" name=""/>
+        <p:cNvGrpSpPr/>
+        <p:nvPr/>
+      </p:nvGrpSpPr>
+      <p:grpSpPr>
+        <a:xfrm>
+          <a:off x="0" y="0"/>
+          <a:ext cx="0" cy="0"/>
+          <a:chOff x="0" y="0"/>
+          <a:chExt cx="0" cy="0"/>
+        </a:xfrm>
+      </p:grpSpPr>
+      <p:sp>
+        <p:nvSpPr>
+          <p:cNvPr id="2" name="Title 1"/>
+          <p:cNvSpPr>
+            <a:spLocks noGrp="1"/>
+          </p:cNvSpPr>
+          <p:nvPr>
+            <p:ph type="title"/>
+          </p:nvPr>
+        </p:nvSpPr>
+        <p:spPr/>
+        <p:txBody>
+          <a:bodyPr/>
+          <a:lstStyle/>
+          <a:p>
+            <a:r>
+              <a:rPr lang="en-US" dirty="0"/>
+              <a:t>Agenda</a:t>
+            </a:r>
+          </a:p>
+        </p:txBody>
+      </p:sp>
+      <p:sp>
+        <p:nvSpPr>
+          <p:cNvPr id="3" name="Content Placeholder 2"/>
+          <p:cNvSpPr>
+            <a:spLocks noGrp="1"/>
+          </p:cNvSpPr>
+          <p:nvPr>
+            <p:ph idx="1"/>
+          </p:nvPr>
+        </p:nvSpPr>
+        <p:spPr>
+          <a:xfrm>
+            <a:off x="381000" y="1371600"/>
+            <a:ext cx="8382000" cy="5181600"/>
+          </a:xfrm>
+        </p:spPr>
+        <p:txBody>
+          <a:bodyPr>
+            <a:normAutofit/>
+          </a:bodyPr>
+          <a:lstStyle/>
+          <a:p>
+            <a:pPr>
+              <a:buFont typeface="Wingdings" panose="05000000000000000000" pitchFamily="2" charset="2"/>
+              <a:buChar char="ü"/>
+            </a:pPr>
+            <a:r>
+              <a:rPr lang="en-US" dirty="0"/>
+              <a:t>Introduction to Real-time Datasets</a:t>
+            </a:r>
+          </a:p>
+          <a:p>
+            <a:pPr>
+              <a:buFont typeface="Wingdings" panose="05000000000000000000" pitchFamily="2" charset="2"/>
+              <a:buChar char="Ø"/>
+            </a:pPr>
+            <a:r>
+              <a:rPr lang="en-US" dirty="0"/>
+              <a:t>Creating a Streaming Dataset with the API</a:t>
+            </a:r>
+          </a:p>
+          <a:p>
+            <a:r>
+              <a:rPr lang="en-US" dirty="0"/>
+              <a:t>Designing Dashboards with Streaming Data Tiles</a:t>
+            </a:r>
+          </a:p>
+          <a:p>
+            <a:r>
+              <a:rPr lang="en-US" dirty="0"/>
+              <a:t>Creating a Push Dataset with Real-time Data</a:t>
+            </a:r>
+          </a:p>
+          <a:p>
+            <a:r>
+              <a:rPr lang="en-US" dirty="0"/>
+              <a:t>Integrating Azure Streaming Analytics Jobs</a:t>
+            </a:r>
+          </a:p>
+          <a:p>
+            <a:endParaRPr lang="en-US" dirty="0"/>
+          </a:p>
+        </p:txBody>
+      </p:sp>
+    </p:spTree>
+    <p:extLst>
+      <p:ext uri="{BB962C8B-B14F-4D97-AF65-F5344CB8AC3E}">
+        <p14:creationId xmlns:p14="http://schemas.microsoft.com/office/powerpoint/2010/main" val="909292214"/>
+      </p:ext>
+    </p:extLst>
+  </p:cSld>
+  <p:clrMapOvr>
+    <a:masterClrMapping/>
+  </p:clrMapOvr>
+</p:sld>
+</file>
+
+<file path=ppt/slides/slide11.xml><?xml version="1.0" encoding="utf-8"?>
+<p:sld xmlns:a="http://schemas.openxmlformats.org/drawingml/2006/main" xmlns:r="http://schemas.openxmlformats.org/officeDocument/2006/relationships" xmlns:p="http://schemas.openxmlformats.org/presentationml/2006/main">
+  <p:cSld>
+    <p:spTree>
+      <p:nvGrpSpPr>
+        <p:cNvPr id="1" name=""/>
+        <p:cNvGrpSpPr/>
+        <p:nvPr/>
+      </p:nvGrpSpPr>
+      <p:grpSpPr>
+        <a:xfrm>
+          <a:off x="0" y="0"/>
+          <a:ext cx="0" cy="0"/>
+          <a:chOff x="0" y="0"/>
+          <a:chExt cx="0" cy="0"/>
+        </a:xfrm>
+      </p:grpSpPr>
+      <p:sp>
+        <p:nvSpPr>
+          <p:cNvPr id="2" name="Title 1">
+            <a:extLst>
+              <a:ext uri="{FF2B5EF4-FFF2-40B4-BE49-F238E27FC236}">
+                <a16:creationId xmlns:a16="http://schemas.microsoft.com/office/drawing/2014/main" id="{47FBA79A-A859-4E41-9341-342B49B88219}"/>
+              </a:ext>
+            </a:extLst>
+          </p:cNvPr>
+          <p:cNvSpPr>
+            <a:spLocks noGrp="1"/>
+          </p:cNvSpPr>
+          <p:nvPr>
+            <p:ph type="title"/>
+          </p:nvPr>
+        </p:nvSpPr>
+        <p:spPr/>
+        <p:txBody>
+          <a:bodyPr/>
+          <a:lstStyle/>
+          <a:p>
+            <a:r>
+              <a:rPr lang="en-US" altLang="en-US" dirty="0"/>
+              <a:t>Real-time Scenario Being Simulated</a:t>
+            </a:r>
+            <a:endParaRPr lang="en-US" dirty="0"/>
+          </a:p>
+        </p:txBody>
+      </p:sp>
+      <p:sp>
+        <p:nvSpPr>
+          <p:cNvPr id="6" name="Content Placeholder 5">
+            <a:extLst>
+              <a:ext uri="{FF2B5EF4-FFF2-40B4-BE49-F238E27FC236}">
+                <a16:creationId xmlns:a16="http://schemas.microsoft.com/office/drawing/2014/main" id="{817F4C91-A5D8-4D6F-97DC-EEF32E53E36C}"/>
+              </a:ext>
+            </a:extLst>
+          </p:cNvPr>
+          <p:cNvSpPr>
+            <a:spLocks noGrp="1"/>
+          </p:cNvSpPr>
+          <p:nvPr>
+            <p:ph idx="1"/>
+          </p:nvPr>
+        </p:nvSpPr>
+        <p:spPr/>
+        <p:txBody>
+          <a:bodyPr/>
+          <a:lstStyle/>
+          <a:p>
+            <a:r>
+              <a:rPr lang="en-US" dirty="0"/>
+              <a:t>Heisenberg labs processes chemicals</a:t>
+            </a:r>
+          </a:p>
+          <a:p>
+            <a:pPr lvl="1"/>
+            <a:r>
+              <a:rPr lang="en-US" dirty="0"/>
+              <a:t>Required to monitor temperatures during processing</a:t>
+            </a:r>
+          </a:p>
+          <a:p>
+            <a:pPr lvl="1"/>
+            <a:r>
+              <a:rPr lang="en-US" dirty="0"/>
+              <a:t>Temperature must be monitored on per-second basis</a:t>
+            </a:r>
+          </a:p>
+          <a:p>
+            <a:pPr lvl="1"/>
+            <a:r>
+              <a:rPr lang="en-US" dirty="0"/>
+              <a:t>Send alerts if temperature exceeds preset threshold</a:t>
+            </a:r>
+          </a:p>
+        </p:txBody>
+      </p:sp>
+      <p:pic>
+        <p:nvPicPr>
+          <p:cNvPr id="4" name="Picture 3">
+            <a:extLst>
+              <a:ext uri="{FF2B5EF4-FFF2-40B4-BE49-F238E27FC236}">
+                <a16:creationId xmlns:a16="http://schemas.microsoft.com/office/drawing/2014/main" id="{7BA77FF8-BE7F-461A-80FF-78DAD0E88A04}"/>
+              </a:ext>
+            </a:extLst>
+          </p:cNvPr>
+          <p:cNvPicPr>
+            <a:picLocks noChangeAspect="1"/>
+          </p:cNvPicPr>
+          <p:nvPr/>
+        </p:nvPicPr>
+        <p:blipFill>
+          <a:blip r:embed="rId2"/>
+          <a:stretch>
+            <a:fillRect/>
+          </a:stretch>
+        </p:blipFill>
+        <p:spPr>
+          <a:xfrm>
+            <a:off x="5141005" y="3394992"/>
+            <a:ext cx="3279178" cy="2830945"/>
+          </a:xfrm>
+          <a:prstGeom prst="rect">
+            <a:avLst/>
+          </a:prstGeom>
+          <a:ln>
+            <a:solidFill>
+              <a:schemeClr val="tx1"/>
+            </a:solidFill>
+          </a:ln>
+        </p:spPr>
+      </p:pic>
+      <p:pic>
+        <p:nvPicPr>
+          <p:cNvPr id="3" name="Picture 2">
+            <a:extLst>
+              <a:ext uri="{FF2B5EF4-FFF2-40B4-BE49-F238E27FC236}">
+                <a16:creationId xmlns:a16="http://schemas.microsoft.com/office/drawing/2014/main" id="{72BB47AD-A15F-44F0-8DC1-7ABBAA8E46D5}"/>
+              </a:ext>
+            </a:extLst>
+          </p:cNvPr>
+          <p:cNvPicPr>
+            <a:picLocks noChangeAspect="1"/>
+          </p:cNvPicPr>
+          <p:nvPr/>
+        </p:nvPicPr>
+        <p:blipFill rotWithShape="1">
+          <a:blip r:embed="rId3"/>
+          <a:srcRect r="34509"/>
+          <a:stretch/>
+        </p:blipFill>
+        <p:spPr>
+          <a:xfrm>
+            <a:off x="1219200" y="3392683"/>
+            <a:ext cx="3578989" cy="2817719"/>
+          </a:xfrm>
+          <a:prstGeom prst="rect">
+            <a:avLst/>
+          </a:prstGeom>
+          <a:ln>
+            <a:solidFill>
+              <a:schemeClr val="tx1"/>
+            </a:solidFill>
+          </a:ln>
+        </p:spPr>
+      </p:pic>
+    </p:spTree>
+    <p:extLst>
+      <p:ext uri="{BB962C8B-B14F-4D97-AF65-F5344CB8AC3E}">
+        <p14:creationId xmlns:p14="http://schemas.microsoft.com/office/powerpoint/2010/main" val="3183870776"/>
+      </p:ext>
+    </p:extLst>
+  </p:cSld>
+  <p:clrMapOvr>
+    <a:masterClrMapping/>
+  </p:clrMapOvr>
+  <p:timing>
+    <p:tnLst>
+      <p:par>
+        <p:cTn id="1" dur="indefinite" restart="never" nodeType="tmRoot">
+          <p:childTnLst>
+            <p:seq concurrent="1" nextAc="seek">
+              <p:cTn id="2" dur="indefinite" nodeType="mainSeq">
+                <p:childTnLst>
+                  <p:par>
+                    <p:cTn id="3" fill="hold">
+                      <p:stCondLst>
+                        <p:cond delay="indefinite"/>
+                      </p:stCondLst>
+                      <p:childTnLst>
+                        <p:par>
+                          <p:cTn id="4" fill="hold">
+                            <p:stCondLst>
+                              <p:cond delay="0"/>
+                            </p:stCondLst>
+                            <p:childTnLst>
+                              <p:par>
+                                <p:cTn id="5" presetID="1" presetClass="entr" presetSubtype="0" fill="hold" nodeType="clickEffect">
+                                  <p:stCondLst>
+                                    <p:cond delay="0"/>
+                                  </p:stCondLst>
+                                  <p:childTnLst>
+                                    <p:set>
+                                      <p:cBhvr>
+                                        <p:cTn id="6" dur="1" fill="hold">
+                                          <p:stCondLst>
+                                            <p:cond delay="0"/>
+                                          </p:stCondLst>
+                                        </p:cTn>
+                                        <p:tgtEl>
+                                          <p:spTgt spid="6">
+                                            <p:txEl>
+                                              <p:pRg st="0" end="0"/>
+                                            </p:txEl>
+                                          </p:spTgt>
+                                        </p:tgtEl>
+                                        <p:attrNameLst>
+                                          <p:attrName>style.visibility</p:attrName>
+                                        </p:attrNameLst>
+                                      </p:cBhvr>
+                                      <p:to>
+                                        <p:strVal val="visible"/>
+                                      </p:to>
+                                    </p:set>
+                                  </p:childTnLst>
+                                </p:cTn>
+                              </p:par>
+                              <p:par>
+                                <p:cTn id="7" presetID="1" presetClass="entr" presetSubtype="0" fill="hold" nodeType="withEffect">
+                                  <p:stCondLst>
+                                    <p:cond delay="0"/>
+                                  </p:stCondLst>
+                                  <p:childTnLst>
+                                    <p:set>
+                                      <p:cBhvr>
+                                        <p:cTn id="8" dur="1" fill="hold">
+                                          <p:stCondLst>
+                                            <p:cond delay="0"/>
+                                          </p:stCondLst>
+                                        </p:cTn>
+                                        <p:tgtEl>
+                                          <p:spTgt spid="3"/>
+                                        </p:tgtEl>
+                                        <p:attrNameLst>
+                                          <p:attrName>style.visibility</p:attrName>
+                                        </p:attrNameLst>
+                                      </p:cBhvr>
+                                      <p:to>
+                                        <p:strVal val="visible"/>
+                                      </p:to>
+                                    </p:set>
+                                  </p:childTnLst>
+                                </p:cTn>
+                              </p:par>
+                            </p:childTnLst>
+                          </p:cTn>
+                        </p:par>
+                      </p:childTnLst>
+                    </p:cTn>
+                  </p:par>
+                  <p:par>
+                    <p:cTn id="9" fill="hold">
+                      <p:stCondLst>
+                        <p:cond delay="indefinite"/>
+                      </p:stCondLst>
+                      <p:childTnLst>
+                        <p:par>
+                          <p:cTn id="10" fill="hold">
+                            <p:stCondLst>
+                              <p:cond delay="0"/>
+                            </p:stCondLst>
+                            <p:childTnLst>
+                              <p:par>
+                                <p:cTn id="11" presetID="1" presetClass="entr" presetSubtype="0" fill="hold" nodeType="clickEffect">
+                                  <p:stCondLst>
+                                    <p:cond delay="0"/>
+                                  </p:stCondLst>
+                                  <p:childTnLst>
+                                    <p:set>
+                                      <p:cBhvr>
+                                        <p:cTn id="12" dur="1" fill="hold">
+                                          <p:stCondLst>
+                                            <p:cond delay="0"/>
+                                          </p:stCondLst>
+                                        </p:cTn>
+                                        <p:tgtEl>
+                                          <p:spTgt spid="6">
+                                            <p:txEl>
+                                              <p:pRg st="1" end="1"/>
+                                            </p:txEl>
+                                          </p:spTgt>
+                                        </p:tgtEl>
+                                        <p:attrNameLst>
+                                          <p:attrName>style.visibility</p:attrName>
+                                        </p:attrNameLst>
+                                      </p:cBhvr>
+                                      <p:to>
+                                        <p:strVal val="visible"/>
+                                      </p:to>
+                                    </p:set>
+                                  </p:childTnLst>
+                                </p:cTn>
+                              </p:par>
+                            </p:childTnLst>
+                          </p:cTn>
+                        </p:par>
+                      </p:childTnLst>
+                    </p:cTn>
+                  </p:par>
+                  <p:par>
+                    <p:cTn id="13" fill="hold">
+                      <p:stCondLst>
+                        <p:cond delay="indefinite"/>
+                      </p:stCondLst>
+                      <p:childTnLst>
+                        <p:par>
+                          <p:cTn id="14" fill="hold">
+                            <p:stCondLst>
+                              <p:cond delay="0"/>
+                            </p:stCondLst>
+                            <p:childTnLst>
+                              <p:par>
+                                <p:cTn id="15" presetID="1" presetClass="entr" presetSubtype="0" fill="hold" nodeType="clickEffect">
+                                  <p:stCondLst>
+                                    <p:cond delay="0"/>
+                                  </p:stCondLst>
+                                  <p:childTnLst>
+                                    <p:set>
+                                      <p:cBhvr>
+                                        <p:cTn id="16" dur="1" fill="hold">
+                                          <p:stCondLst>
+                                            <p:cond delay="0"/>
+                                          </p:stCondLst>
+                                        </p:cTn>
+                                        <p:tgtEl>
+                                          <p:spTgt spid="6">
+                                            <p:txEl>
+                                              <p:pRg st="2" end="2"/>
+                                            </p:txEl>
+                                          </p:spTgt>
+                                        </p:tgtEl>
+                                        <p:attrNameLst>
+                                          <p:attrName>style.visibility</p:attrName>
+                                        </p:attrNameLst>
+                                      </p:cBhvr>
+                                      <p:to>
+                                        <p:strVal val="visible"/>
+                                      </p:to>
+                                    </p:set>
+                                  </p:childTnLst>
+                                </p:cTn>
+                              </p:par>
+                            </p:childTnLst>
+                          </p:cTn>
+                        </p:par>
+                      </p:childTnLst>
+                    </p:cTn>
+                  </p:par>
+                  <p:par>
+                    <p:cTn id="17" fill="hold">
+                      <p:stCondLst>
+                        <p:cond delay="indefinite"/>
+                      </p:stCondLst>
+                      <p:childTnLst>
+                        <p:par>
+                          <p:cTn id="18" fill="hold">
+                            <p:stCondLst>
+                              <p:cond delay="0"/>
+                            </p:stCondLst>
+                            <p:childTnLst>
+                              <p:par>
+                                <p:cTn id="19" presetID="1" presetClass="entr" presetSubtype="0" fill="hold" nodeType="clickEffect">
+                                  <p:stCondLst>
+                                    <p:cond delay="0"/>
+                                  </p:stCondLst>
+                                  <p:childTnLst>
+                                    <p:set>
+                                      <p:cBhvr>
+                                        <p:cTn id="20" dur="1" fill="hold">
+                                          <p:stCondLst>
+                                            <p:cond delay="0"/>
+                                          </p:stCondLst>
+                                        </p:cTn>
+                                        <p:tgtEl>
+                                          <p:spTgt spid="6">
+                                            <p:txEl>
+                                              <p:pRg st="3" end="3"/>
+                                            </p:txEl>
+                                          </p:spTgt>
+                                        </p:tgtEl>
+                                        <p:attrNameLst>
+                                          <p:attrName>style.visibility</p:attrName>
+                                        </p:attrNameLst>
+                                      </p:cBhvr>
+                                      <p:to>
+                                        <p:strVal val="visible"/>
+                                      </p:to>
+                                    </p:set>
+                                  </p:childTnLst>
+                                </p:cTn>
+                              </p:par>
+                              <p:par>
+                                <p:cTn id="21" presetID="1" presetClass="entr" presetSubtype="0" fill="hold" nodeType="withEffect">
+                                  <p:stCondLst>
+                                    <p:cond delay="0"/>
+                                  </p:stCondLst>
+                                  <p:childTnLst>
+                                    <p:set>
+                                      <p:cBhvr>
+                                        <p:cTn id="22" dur="1" fill="hold">
+                                          <p:stCondLst>
+                                            <p:cond delay="0"/>
+                                          </p:stCondLst>
+                                        </p:cTn>
+                                        <p:tgtEl>
+                                          <p:spTgt spid="4"/>
+                                        </p:tgtEl>
+                                        <p:attrNameLst>
+                                          <p:attrName>style.visibility</p:attrName>
+                                        </p:attrNameLst>
+                                      </p:cBhvr>
+                                      <p:to>
+                                        <p:strVal val="visible"/>
+                                      </p:to>
+                                    </p:set>
+                                  </p:childTnLst>
+                                </p:cTn>
+                              </p:par>
+                            </p:childTnLst>
+                          </p:cTn>
+                        </p:par>
+                      </p:childTnLst>
+                    </p:cTn>
+                  </p:par>
+                </p:childTnLst>
+              </p:cTn>
+              <p:prevCondLst>
+                <p:cond evt="onPrev" delay="0">
+                  <p:tgtEl>
+                    <p:sldTgt/>
+                  </p:tgtEl>
+                </p:cond>
+              </p:prevCondLst>
+              <p:nextCondLst>
+                <p:cond evt="onNext" delay="0">
+                  <p:tgtEl>
+                    <p:sldTgt/>
+                  </p:tgtEl>
+                </p:cond>
+              </p:nextCondLst>
+            </p:seq>
+          </p:childTnLst>
+        </p:cTn>
+      </p:par>
+    </p:tnLst>
+  </p:timing>
+</p:sld>
+</file>
+
+<file path=ppt/slides/slide12.xml><?xml version="1.0" encoding="utf-8"?>
 <p:sld xmlns:a="http://schemas.openxmlformats.org/drawingml/2006/main" xmlns:r="http://schemas.openxmlformats.org/officeDocument/2006/relationships" xmlns:p="http://schemas.openxmlformats.org/presentationml/2006/main">
   <p:cSld>
     <p:spTree>
@@ -3672,7 +4251,7 @@
 </p:sld>
 </file>
 
-<file path=ppt/slides/slide11.xml><?xml version="1.0" encoding="utf-8"?>
+<file path=ppt/slides/slide13.xml><?xml version="1.0" encoding="utf-8"?>
 <p:sld xmlns:a="http://schemas.openxmlformats.org/drawingml/2006/main" xmlns:r="http://schemas.openxmlformats.org/officeDocument/2006/relationships" xmlns:p="http://schemas.openxmlformats.org/presentationml/2006/main">
   <p:cSld>
     <p:spTree>
@@ -4436,7 +5015,7 @@
 </p:sld>
 </file>
 
-<file path=ppt/slides/slide12.xml><?xml version="1.0" encoding="utf-8"?>
+<file path=ppt/slides/slide14.xml><?xml version="1.0" encoding="utf-8"?>
 <p:sld xmlns:a="http://schemas.openxmlformats.org/drawingml/2006/main" xmlns:r="http://schemas.openxmlformats.org/officeDocument/2006/relationships" xmlns:p="http://schemas.openxmlformats.org/presentationml/2006/main">
   <p:cSld>
     <p:spTree>
@@ -4571,7 +5150,7 @@
 </p:sld>
 </file>
 
-<file path=ppt/slides/slide13.xml><?xml version="1.0" encoding="utf-8"?>
+<file path=ppt/slides/slide15.xml><?xml version="1.0" encoding="utf-8"?>
 <p:sld xmlns:a="http://schemas.openxmlformats.org/drawingml/2006/main" xmlns:r="http://schemas.openxmlformats.org/officeDocument/2006/relationships" xmlns:p="http://schemas.openxmlformats.org/presentationml/2006/main">
   <p:cSld>
     <p:spTree>
@@ -5880,7 +6459,7 @@
 </p:sld>
 </file>
 
-<file path=ppt/slides/slide14.xml><?xml version="1.0" encoding="utf-8"?>
+<file path=ppt/slides/slide16.xml><?xml version="1.0" encoding="utf-8"?>
 <p:sld xmlns:a="http://schemas.openxmlformats.org/drawingml/2006/main" xmlns:r="http://schemas.openxmlformats.org/officeDocument/2006/relationships" xmlns:p="http://schemas.openxmlformats.org/presentationml/2006/main">
   <p:cSld>
     <p:spTree>
@@ -6233,7 +6812,7 @@
 </p:sld>
 </file>
 
-<file path=ppt/slides/slide15.xml><?xml version="1.0" encoding="utf-8"?>
+<file path=ppt/slides/slide17.xml><?xml version="1.0" encoding="utf-8"?>
 <p:sld xmlns:a="http://schemas.openxmlformats.org/drawingml/2006/main" xmlns:r="http://schemas.openxmlformats.org/officeDocument/2006/relationships" xmlns:p="http://schemas.openxmlformats.org/presentationml/2006/main">
   <p:cSld>
     <p:spTree>
@@ -6291,7 +6870,7 @@
 </p:sld>
 </file>
 
-<file path=ppt/slides/slide16.xml><?xml version="1.0" encoding="utf-8"?>
+<file path=ppt/slides/slide18.xml><?xml version="1.0" encoding="utf-8"?>
 <p:sld xmlns:a="http://schemas.openxmlformats.org/drawingml/2006/main" xmlns:r="http://schemas.openxmlformats.org/officeDocument/2006/relationships" xmlns:p="http://schemas.openxmlformats.org/presentationml/2006/main">
   <p:cSld>
     <p:spTree>
@@ -6411,7 +6990,7 @@
 </p:sld>
 </file>
 
-<file path=ppt/slides/slide17.xml><?xml version="1.0" encoding="utf-8"?>
+<file path=ppt/slides/slide19.xml><?xml version="1.0" encoding="utf-8"?>
 <p:sld xmlns:a="http://schemas.openxmlformats.org/drawingml/2006/main" xmlns:r="http://schemas.openxmlformats.org/officeDocument/2006/relationships" xmlns:p="http://schemas.openxmlformats.org/presentationml/2006/main">
   <p:cSld>
     <p:spTree>
@@ -7062,7 +7641,126 @@
 </p:sld>
 </file>
 
-<file path=ppt/slides/slide18.xml><?xml version="1.0" encoding="utf-8"?>
+<file path=ppt/slides/slide2.xml><?xml version="1.0" encoding="utf-8"?>
+<p:sld xmlns:a="http://schemas.openxmlformats.org/drawingml/2006/main" xmlns:r="http://schemas.openxmlformats.org/officeDocument/2006/relationships" xmlns:p="http://schemas.openxmlformats.org/presentationml/2006/main">
+  <p:cSld>
+    <p:spTree>
+      <p:nvGrpSpPr>
+        <p:cNvPr id="1" name=""/>
+        <p:cNvGrpSpPr/>
+        <p:nvPr/>
+      </p:nvGrpSpPr>
+      <p:grpSpPr>
+        <a:xfrm>
+          <a:off x="0" y="0"/>
+          <a:ext cx="0" cy="0"/>
+          <a:chOff x="0" y="0"/>
+          <a:chExt cx="0" cy="0"/>
+        </a:xfrm>
+      </p:grpSpPr>
+      <p:sp>
+        <p:nvSpPr>
+          <p:cNvPr id="2" name="Title 1"/>
+          <p:cNvSpPr>
+            <a:spLocks noGrp="1"/>
+          </p:cNvSpPr>
+          <p:nvPr>
+            <p:ph type="title"/>
+          </p:nvPr>
+        </p:nvSpPr>
+        <p:spPr/>
+        <p:txBody>
+          <a:bodyPr/>
+          <a:lstStyle/>
+          <a:p>
+            <a:r>
+              <a:rPr lang="en-US" dirty="0"/>
+              <a:t>Code and Slides for this Session</a:t>
+            </a:r>
+          </a:p>
+        </p:txBody>
+      </p:sp>
+      <p:sp>
+        <p:nvSpPr>
+          <p:cNvPr id="3" name="Content Placeholder 2"/>
+          <p:cNvSpPr>
+            <a:spLocks noGrp="1"/>
+          </p:cNvSpPr>
+          <p:nvPr>
+            <p:ph idx="1"/>
+          </p:nvPr>
+        </p:nvSpPr>
+        <p:spPr>
+          <a:xfrm>
+            <a:off x="457200" y="1371600"/>
+            <a:ext cx="8382000" cy="5181600"/>
+          </a:xfrm>
+        </p:spPr>
+        <p:txBody>
+          <a:bodyPr>
+            <a:normAutofit/>
+          </a:bodyPr>
+          <a:lstStyle/>
+          <a:p>
+            <a:r>
+              <a:rPr lang="en-US" sz="2100" b="1" dirty="0"/>
+              <a:t>https://github.com/CriticalPathTraining/RealtimeDashboards</a:t>
+            </a:r>
+          </a:p>
+        </p:txBody>
+      </p:sp>
+      <p:pic>
+        <p:nvPicPr>
+          <p:cNvPr id="5" name="Picture 4">
+            <a:extLst>
+              <a:ext uri="{FF2B5EF4-FFF2-40B4-BE49-F238E27FC236}">
+                <a16:creationId xmlns:a16="http://schemas.microsoft.com/office/drawing/2014/main" id="{5C01EE2E-22C3-4D05-9968-A2FF781566D0}"/>
+              </a:ext>
+            </a:extLst>
+          </p:cNvPr>
+          <p:cNvPicPr>
+            <a:picLocks noChangeAspect="1"/>
+          </p:cNvPicPr>
+          <p:nvPr/>
+        </p:nvPicPr>
+        <p:blipFill>
+          <a:blip r:embed="rId2"/>
+          <a:stretch>
+            <a:fillRect/>
+          </a:stretch>
+        </p:blipFill>
+        <p:spPr>
+          <a:xfrm>
+            <a:off x="647700" y="1981200"/>
+            <a:ext cx="7620000" cy="4225024"/>
+          </a:xfrm>
+          <a:prstGeom prst="rect">
+            <a:avLst/>
+          </a:prstGeom>
+          <a:ln>
+            <a:solidFill>
+              <a:schemeClr val="tx1">
+                <a:lumMod val="50000"/>
+                <a:lumOff val="50000"/>
+              </a:schemeClr>
+            </a:solidFill>
+          </a:ln>
+        </p:spPr>
+      </p:pic>
+    </p:spTree>
+    <p:extLst>
+      <p:ext uri="{BB962C8B-B14F-4D97-AF65-F5344CB8AC3E}">
+        <p14:creationId xmlns:p14="http://schemas.microsoft.com/office/powerpoint/2010/main" val="1963081726"/>
+      </p:ext>
+    </p:extLst>
+  </p:cSld>
+  <p:clrMapOvr>
+    <a:masterClrMapping/>
+  </p:clrMapOvr>
+</p:sld>
+</file>
+
+<file path=ppt/slides/slide20.xml><?xml version="1.0" encoding="utf-8"?>
 <p:sld xmlns:a="http://schemas.openxmlformats.org/drawingml/2006/main" xmlns:r="http://schemas.openxmlformats.org/officeDocument/2006/relationships" xmlns:p="http://schemas.openxmlformats.org/presentationml/2006/main">
   <p:cSld>
     <p:spTree>
@@ -7413,7 +8111,7 @@
 </p:sld>
 </file>
 
-<file path=ppt/slides/slide19.xml><?xml version="1.0" encoding="utf-8"?>
+<file path=ppt/slides/slide21.xml><?xml version="1.0" encoding="utf-8"?>
 <p:sld xmlns:a="http://schemas.openxmlformats.org/drawingml/2006/main" xmlns:r="http://schemas.openxmlformats.org/officeDocument/2006/relationships" xmlns:p="http://schemas.openxmlformats.org/presentationml/2006/main">
   <p:cSld>
     <p:spTree>
@@ -7787,119 +8485,7 @@
 </p:sld>
 </file>
 
-<file path=ppt/slides/slide2.xml><?xml version="1.0" encoding="utf-8"?>
-<p:sld xmlns:a="http://schemas.openxmlformats.org/drawingml/2006/main" xmlns:r="http://schemas.openxmlformats.org/officeDocument/2006/relationships" xmlns:p="http://schemas.openxmlformats.org/presentationml/2006/main">
-  <p:cSld>
-    <p:spTree>
-      <p:nvGrpSpPr>
-        <p:cNvPr id="1" name=""/>
-        <p:cNvGrpSpPr/>
-        <p:nvPr/>
-      </p:nvGrpSpPr>
-      <p:grpSpPr>
-        <a:xfrm>
-          <a:off x="0" y="0"/>
-          <a:ext cx="0" cy="0"/>
-          <a:chOff x="0" y="0"/>
-          <a:chExt cx="0" cy="0"/>
-        </a:xfrm>
-      </p:grpSpPr>
-      <p:sp>
-        <p:nvSpPr>
-          <p:cNvPr id="2" name="Title 1"/>
-          <p:cNvSpPr>
-            <a:spLocks noGrp="1"/>
-          </p:cNvSpPr>
-          <p:nvPr>
-            <p:ph type="title"/>
-          </p:nvPr>
-        </p:nvSpPr>
-        <p:spPr/>
-        <p:txBody>
-          <a:bodyPr/>
-          <a:lstStyle/>
-          <a:p>
-            <a:r>
-              <a:rPr lang="en-US" dirty="0"/>
-              <a:t>Agenda</a:t>
-            </a:r>
-          </a:p>
-        </p:txBody>
-      </p:sp>
-      <p:sp>
-        <p:nvSpPr>
-          <p:cNvPr id="3" name="Content Placeholder 2"/>
-          <p:cNvSpPr>
-            <a:spLocks noGrp="1"/>
-          </p:cNvSpPr>
-          <p:nvPr>
-            <p:ph idx="1"/>
-          </p:nvPr>
-        </p:nvSpPr>
-        <p:spPr>
-          <a:xfrm>
-            <a:off x="381000" y="1371600"/>
-            <a:ext cx="8382000" cy="5181600"/>
-          </a:xfrm>
-        </p:spPr>
-        <p:txBody>
-          <a:bodyPr>
-            <a:normAutofit/>
-          </a:bodyPr>
-          <a:lstStyle/>
-          <a:p>
-            <a:pPr>
-              <a:buFont typeface="Wingdings" panose="05000000000000000000" pitchFamily="2" charset="2"/>
-              <a:buChar char="Ø"/>
-            </a:pPr>
-            <a:r>
-              <a:rPr lang="en-US" dirty="0"/>
-              <a:t>Introduction to Real-time Datasets</a:t>
-            </a:r>
-          </a:p>
-          <a:p>
-            <a:r>
-              <a:rPr lang="en-US" dirty="0"/>
-              <a:t>Creating a Streaming Dataset with the API</a:t>
-            </a:r>
-          </a:p>
-          <a:p>
-            <a:r>
-              <a:rPr lang="en-US" dirty="0"/>
-              <a:t>Designing Dashboards with Streaming Data Tiles</a:t>
-            </a:r>
-          </a:p>
-          <a:p>
-            <a:r>
-              <a:rPr lang="en-US" dirty="0"/>
-              <a:t>Creating a Push Dataset with Real-time Data</a:t>
-            </a:r>
-          </a:p>
-          <a:p>
-            <a:r>
-              <a:rPr lang="en-US" dirty="0"/>
-              <a:t>Integrating Azure Streaming Analytics Jobs</a:t>
-            </a:r>
-          </a:p>
-          <a:p>
-            <a:endParaRPr lang="en-US" dirty="0"/>
-          </a:p>
-        </p:txBody>
-      </p:sp>
-    </p:spTree>
-    <p:extLst>
-      <p:ext uri="{BB962C8B-B14F-4D97-AF65-F5344CB8AC3E}">
-        <p14:creationId xmlns:p14="http://schemas.microsoft.com/office/powerpoint/2010/main" val="1577676335"/>
-      </p:ext>
-    </p:extLst>
-  </p:cSld>
-  <p:clrMapOvr>
-    <a:masterClrMapping/>
-  </p:clrMapOvr>
-</p:sld>
-</file>
-
-<file path=ppt/slides/slide20.xml><?xml version="1.0" encoding="utf-8"?>
+<file path=ppt/slides/slide22.xml><?xml version="1.0" encoding="utf-8"?>
 <p:sld xmlns:a="http://schemas.openxmlformats.org/drawingml/2006/main" xmlns:r="http://schemas.openxmlformats.org/officeDocument/2006/relationships" xmlns:p="http://schemas.openxmlformats.org/presentationml/2006/main">
   <p:cSld>
     <p:spTree>
@@ -8116,7 +8702,7 @@
 </p:sld>
 </file>
 
-<file path=ppt/slides/slide21.xml><?xml version="1.0" encoding="utf-8"?>
+<file path=ppt/slides/slide23.xml><?xml version="1.0" encoding="utf-8"?>
 <p:sld xmlns:a="http://schemas.openxmlformats.org/drawingml/2006/main" xmlns:r="http://schemas.openxmlformats.org/officeDocument/2006/relationships" xmlns:p="http://schemas.openxmlformats.org/presentationml/2006/main">
   <p:cSld>
     <p:spTree>
@@ -8333,7 +8919,7 @@
 </p:sld>
 </file>
 
-<file path=ppt/slides/slide22.xml><?xml version="1.0" encoding="utf-8"?>
+<file path=ppt/slides/slide24.xml><?xml version="1.0" encoding="utf-8"?>
 <p:sld xmlns:a="http://schemas.openxmlformats.org/drawingml/2006/main" xmlns:r="http://schemas.openxmlformats.org/officeDocument/2006/relationships" xmlns:p="http://schemas.openxmlformats.org/presentationml/2006/main">
   <p:cSld>
     <p:spTree>
@@ -8429,7 +9015,7 @@
 </p:sld>
 </file>
 
-<file path=ppt/slides/slide23.xml><?xml version="1.0" encoding="utf-8"?>
+<file path=ppt/slides/slide25.xml><?xml version="1.0" encoding="utf-8"?>
 <p:sld xmlns:a="http://schemas.openxmlformats.org/drawingml/2006/main" xmlns:r="http://schemas.openxmlformats.org/officeDocument/2006/relationships" xmlns:p="http://schemas.openxmlformats.org/presentationml/2006/main">
   <p:cSld>
     <p:spTree>
@@ -8525,7 +9111,7 @@
 </p:sld>
 </file>
 
-<file path=ppt/slides/slide24.xml><?xml version="1.0" encoding="utf-8"?>
+<file path=ppt/slides/slide26.xml><?xml version="1.0" encoding="utf-8"?>
 <p:sld xmlns:a="http://schemas.openxmlformats.org/drawingml/2006/main" xmlns:r="http://schemas.openxmlformats.org/officeDocument/2006/relationships" xmlns:p="http://schemas.openxmlformats.org/presentationml/2006/main">
   <p:cSld>
     <p:spTree>
@@ -8621,7 +9207,7 @@
 </p:sld>
 </file>
 
-<file path=ppt/slides/slide25.xml><?xml version="1.0" encoding="utf-8"?>
+<file path=ppt/slides/slide27.xml><?xml version="1.0" encoding="utf-8"?>
 <p:sld xmlns:a="http://schemas.openxmlformats.org/drawingml/2006/main" xmlns:r="http://schemas.openxmlformats.org/officeDocument/2006/relationships" xmlns:p="http://schemas.openxmlformats.org/presentationml/2006/main">
   <p:cSld>
     <p:spTree>
@@ -8745,7 +9331,7 @@
 </p:sld>
 </file>
 
-<file path=ppt/slides/slide26.xml><?xml version="1.0" encoding="utf-8"?>
+<file path=ppt/slides/slide28.xml><?xml version="1.0" encoding="utf-8"?>
 <p:sld xmlns:a="http://schemas.openxmlformats.org/drawingml/2006/main" xmlns:r="http://schemas.openxmlformats.org/officeDocument/2006/relationships" xmlns:p="http://schemas.openxmlformats.org/presentationml/2006/main">
   <p:cSld>
     <p:spTree>
@@ -8778,8 +9364,8 @@
           <a:lstStyle/>
           <a:p>
             <a:r>
-              <a:rPr lang="en-US" altLang="en-US" sz="3600" dirty="0"/>
-              <a:t>The Scenario Being Simulated</a:t>
+              <a:rPr lang="en-US" altLang="en-US" sz="3200" dirty="0"/>
+              <a:t>Real-time Scenario Being Simulated</a:t>
             </a:r>
           </a:p>
         </p:txBody>
@@ -9946,7 +10532,7 @@
 </p:sld>
 </file>
 
-<file path=ppt/slides/slide27.xml><?xml version="1.0" encoding="utf-8"?>
+<file path=ppt/slides/slide29.xml><?xml version="1.0" encoding="utf-8"?>
 <p:sld xmlns:a="http://schemas.openxmlformats.org/drawingml/2006/main" xmlns:r="http://schemas.openxmlformats.org/officeDocument/2006/relationships" xmlns:p="http://schemas.openxmlformats.org/presentationml/2006/main">
   <p:cSld>
     <p:spTree>
@@ -10098,7 +10684,778 @@
 </p:sld>
 </file>
 
-<file path=ppt/slides/slide28.xml><?xml version="1.0" encoding="utf-8"?>
+<file path=ppt/slides/slide3.xml><?xml version="1.0" encoding="utf-8"?>
+<p:sld xmlns:a="http://schemas.openxmlformats.org/drawingml/2006/main" xmlns:r="http://schemas.openxmlformats.org/officeDocument/2006/relationships" xmlns:p="http://schemas.openxmlformats.org/presentationml/2006/main">
+  <p:cSld>
+    <p:spTree>
+      <p:nvGrpSpPr>
+        <p:cNvPr id="1" name=""/>
+        <p:cNvGrpSpPr/>
+        <p:nvPr/>
+      </p:nvGrpSpPr>
+      <p:grpSpPr>
+        <a:xfrm>
+          <a:off x="0" y="0"/>
+          <a:ext cx="0" cy="0"/>
+          <a:chOff x="0" y="0"/>
+          <a:chExt cx="0" cy="0"/>
+        </a:xfrm>
+      </p:grpSpPr>
+      <p:sp>
+        <p:nvSpPr>
+          <p:cNvPr id="2" name="Title 1"/>
+          <p:cNvSpPr>
+            <a:spLocks noGrp="1"/>
+          </p:cNvSpPr>
+          <p:nvPr>
+            <p:ph type="title"/>
+          </p:nvPr>
+        </p:nvSpPr>
+        <p:spPr>
+          <a:xfrm>
+            <a:off x="947651" y="76200"/>
+            <a:ext cx="7815349" cy="838200"/>
+          </a:xfrm>
+        </p:spPr>
+        <p:txBody>
+          <a:bodyPr/>
+          <a:lstStyle/>
+          <a:p>
+            <a:r>
+              <a:rPr lang="en-US" sz="3200" dirty="0"/>
+              <a:t>Critical Path Training</a:t>
+            </a:r>
+            <a:br>
+              <a:rPr lang="en-US" sz="3200" dirty="0"/>
+            </a:br>
+            <a:r>
+              <a:rPr lang="en-US" sz="1600" dirty="0">
+                <a:solidFill>
+                  <a:schemeClr val="accent2">
+                    <a:lumMod val="20000"/>
+                    <a:lumOff val="80000"/>
+                  </a:schemeClr>
+                </a:solidFill>
+              </a:rPr>
+              <a:t>https://www.CriticalPathTrainig.com </a:t>
+            </a:r>
+            <a:endParaRPr lang="en-US" sz="3200" dirty="0">
+              <a:solidFill>
+                <a:schemeClr val="accent2">
+                  <a:lumMod val="20000"/>
+                  <a:lumOff val="80000"/>
+                </a:schemeClr>
+              </a:solidFill>
+            </a:endParaRPr>
+          </a:p>
+        </p:txBody>
+      </p:sp>
+      <p:sp>
+        <p:nvSpPr>
+          <p:cNvPr id="3" name="Content Placeholder 2"/>
+          <p:cNvSpPr>
+            <a:spLocks noGrp="1"/>
+          </p:cNvSpPr>
+          <p:nvPr>
+            <p:ph idx="1"/>
+          </p:nvPr>
+        </p:nvSpPr>
+        <p:spPr/>
+        <p:txBody>
+          <a:bodyPr>
+            <a:normAutofit fontScale="85000" lnSpcReduction="10000"/>
+          </a:bodyPr>
+          <a:lstStyle/>
+          <a:p>
+            <a:pPr>
+              <a:lnSpc>
+                <a:spcPct val="110000"/>
+              </a:lnSpc>
+            </a:pPr>
+            <a:r>
+              <a:rPr lang="en-US" b="1" dirty="0">
+                <a:solidFill>
+                  <a:srgbClr val="002060"/>
+                </a:solidFill>
+              </a:rPr>
+              <a:t>PBI365: Power BI Boot Camp </a:t>
+            </a:r>
+            <a:r>
+              <a:rPr lang="en-US" dirty="0">
+                <a:solidFill>
+                  <a:schemeClr val="tx2"/>
+                </a:solidFill>
+              </a:rPr>
+              <a:t>– 4 Days</a:t>
+            </a:r>
+          </a:p>
+          <a:p>
+            <a:pPr lvl="1">
+              <a:lnSpc>
+                <a:spcPct val="110000"/>
+              </a:lnSpc>
+            </a:pPr>
+            <a:r>
+              <a:rPr lang="en-US" dirty="0"/>
+              <a:t>Audience is Business Users, Analysts and Data Professionals</a:t>
+            </a:r>
+          </a:p>
+          <a:p>
+            <a:pPr lvl="1">
+              <a:lnSpc>
+                <a:spcPct val="110000"/>
+              </a:lnSpc>
+            </a:pPr>
+            <a:r>
+              <a:rPr lang="en-US" dirty="0"/>
+              <a:t>Provides hands-on introduction to the Power BI platform</a:t>
+            </a:r>
+          </a:p>
+          <a:p>
+            <a:pPr lvl="1">
+              <a:lnSpc>
+                <a:spcPct val="110000"/>
+              </a:lnSpc>
+            </a:pPr>
+            <a:r>
+              <a:rPr lang="en-US" dirty="0"/>
+              <a:t>Focuses on build solutions using Power BI Desktop</a:t>
+            </a:r>
+          </a:p>
+          <a:p>
+            <a:pPr lvl="1">
+              <a:lnSpc>
+                <a:spcPct val="110000"/>
+              </a:lnSpc>
+            </a:pPr>
+            <a:r>
+              <a:rPr lang="en-US" dirty="0"/>
+              <a:t>Query design, data modeling and report and dashboard design</a:t>
+            </a:r>
+          </a:p>
+          <a:p>
+            <a:pPr lvl="1">
+              <a:lnSpc>
+                <a:spcPct val="110000"/>
+              </a:lnSpc>
+            </a:pPr>
+            <a:r>
+              <a:rPr lang="en-US" dirty="0"/>
+              <a:t>Apps and App Workspaces</a:t>
+            </a:r>
+          </a:p>
+          <a:p>
+            <a:pPr>
+              <a:lnSpc>
+                <a:spcPct val="110000"/>
+              </a:lnSpc>
+            </a:pPr>
+            <a:r>
+              <a:rPr lang="en-US" b="1" dirty="0">
+                <a:solidFill>
+                  <a:srgbClr val="002060"/>
+                </a:solidFill>
+              </a:rPr>
+              <a:t>PBD365: Power BI Developer Boot Camp </a:t>
+            </a:r>
+            <a:r>
+              <a:rPr lang="en-US" dirty="0">
+                <a:solidFill>
+                  <a:schemeClr val="tx2"/>
+                </a:solidFill>
+              </a:rPr>
+              <a:t>– 4 Days</a:t>
+            </a:r>
+          </a:p>
+          <a:p>
+            <a:pPr lvl="1">
+              <a:lnSpc>
+                <a:spcPct val="110000"/>
+              </a:lnSpc>
+            </a:pPr>
+            <a:r>
+              <a:rPr lang="en-US" dirty="0"/>
+              <a:t>Audience is Professional Developers</a:t>
+            </a:r>
+          </a:p>
+          <a:p>
+            <a:pPr lvl="1">
+              <a:lnSpc>
+                <a:spcPct val="110000"/>
+              </a:lnSpc>
+            </a:pPr>
+            <a:r>
+              <a:rPr lang="en-US" dirty="0"/>
+              <a:t>Teaches developing custom visuals with TypeScript and D3</a:t>
+            </a:r>
+          </a:p>
+          <a:p>
+            <a:pPr lvl="1">
+              <a:lnSpc>
+                <a:spcPct val="110000"/>
+              </a:lnSpc>
+            </a:pPr>
+            <a:r>
+              <a:rPr lang="en-US" dirty="0"/>
+              <a:t>Teaches programming with the Power BI APIs</a:t>
+            </a:r>
+          </a:p>
+          <a:p>
+            <a:pPr lvl="1">
+              <a:lnSpc>
+                <a:spcPct val="110000"/>
+              </a:lnSpc>
+            </a:pPr>
+            <a:r>
+              <a:rPr lang="en-US" dirty="0"/>
+              <a:t>Teaches developing with Power BI Embedded</a:t>
+            </a:r>
+          </a:p>
+          <a:p>
+            <a:pPr lvl="1">
+              <a:lnSpc>
+                <a:spcPct val="110000"/>
+              </a:lnSpc>
+            </a:pPr>
+            <a:r>
+              <a:rPr lang="en-US" dirty="0"/>
+              <a:t>Teaches R programming and integrating R with Power BI</a:t>
+            </a:r>
+          </a:p>
+          <a:p>
+            <a:pPr lvl="1">
+              <a:lnSpc>
+                <a:spcPct val="110000"/>
+              </a:lnSpc>
+            </a:pPr>
+            <a:r>
+              <a:rPr lang="en-US" dirty="0"/>
+              <a:t>Teaches how to develop custom connector using M</a:t>
+            </a:r>
+          </a:p>
+          <a:p>
+            <a:pPr lvl="1">
+              <a:lnSpc>
+                <a:spcPct val="110000"/>
+              </a:lnSpc>
+            </a:pPr>
+            <a:endParaRPr lang="en-US" dirty="0"/>
+          </a:p>
+        </p:txBody>
+      </p:sp>
+      <p:pic>
+        <p:nvPicPr>
+          <p:cNvPr id="6" name="Picture 5"/>
+          <p:cNvPicPr>
+            <a:picLocks noChangeAspect="1"/>
+          </p:cNvPicPr>
+          <p:nvPr/>
+        </p:nvPicPr>
+        <p:blipFill>
+          <a:blip r:embed="rId2">
+            <a:extLst>
+              <a:ext uri="{28A0092B-C50C-407E-A947-70E740481C1C}">
+                <a14:useLocalDpi xmlns:a14="http://schemas.microsoft.com/office/drawing/2010/main" val="0"/>
+              </a:ext>
+            </a:extLst>
+          </a:blip>
+          <a:stretch>
+            <a:fillRect/>
+          </a:stretch>
+        </p:blipFill>
+        <p:spPr>
+          <a:xfrm>
+            <a:off x="237973" y="152237"/>
+            <a:ext cx="626389" cy="626389"/>
+          </a:xfrm>
+          <a:prstGeom prst="rect">
+            <a:avLst/>
+          </a:prstGeom>
+        </p:spPr>
+      </p:pic>
+    </p:spTree>
+    <p:extLst>
+      <p:ext uri="{BB962C8B-B14F-4D97-AF65-F5344CB8AC3E}">
+        <p14:creationId xmlns:p14="http://schemas.microsoft.com/office/powerpoint/2010/main" val="2521154058"/>
+      </p:ext>
+    </p:extLst>
+  </p:cSld>
+  <p:clrMapOvr>
+    <a:masterClrMapping/>
+  </p:clrMapOvr>
+  <p:timing>
+    <p:tnLst>
+      <p:par>
+        <p:cTn id="1" dur="indefinite" restart="never" nodeType="tmRoot">
+          <p:childTnLst>
+            <p:seq concurrent="1" nextAc="seek">
+              <p:cTn id="2" dur="indefinite" nodeType="mainSeq">
+                <p:childTnLst>
+                  <p:par>
+                    <p:cTn id="3" fill="hold">
+                      <p:stCondLst>
+                        <p:cond delay="indefinite"/>
+                      </p:stCondLst>
+                      <p:childTnLst>
+                        <p:par>
+                          <p:cTn id="4" fill="hold">
+                            <p:stCondLst>
+                              <p:cond delay="0"/>
+                            </p:stCondLst>
+                            <p:childTnLst>
+                              <p:par>
+                                <p:cTn id="5" presetID="1" presetClass="entr" presetSubtype="0" fill="hold" nodeType="clickEffect">
+                                  <p:stCondLst>
+                                    <p:cond delay="0"/>
+                                  </p:stCondLst>
+                                  <p:childTnLst>
+                                    <p:set>
+                                      <p:cBhvr>
+                                        <p:cTn id="6" dur="1" fill="hold">
+                                          <p:stCondLst>
+                                            <p:cond delay="0"/>
+                                          </p:stCondLst>
+                                        </p:cTn>
+                                        <p:tgtEl>
+                                          <p:spTgt spid="3">
+                                            <p:txEl>
+                                              <p:pRg st="0" end="0"/>
+                                            </p:txEl>
+                                          </p:spTgt>
+                                        </p:tgtEl>
+                                        <p:attrNameLst>
+                                          <p:attrName>style.visibility</p:attrName>
+                                        </p:attrNameLst>
+                                      </p:cBhvr>
+                                      <p:to>
+                                        <p:strVal val="visible"/>
+                                      </p:to>
+                                    </p:set>
+                                  </p:childTnLst>
+                                </p:cTn>
+                              </p:par>
+                              <p:par>
+                                <p:cTn id="7" presetID="1" presetClass="entr" presetSubtype="0" fill="hold" nodeType="withEffect">
+                                  <p:stCondLst>
+                                    <p:cond delay="0"/>
+                                  </p:stCondLst>
+                                  <p:childTnLst>
+                                    <p:set>
+                                      <p:cBhvr>
+                                        <p:cTn id="8" dur="1" fill="hold">
+                                          <p:stCondLst>
+                                            <p:cond delay="0"/>
+                                          </p:stCondLst>
+                                        </p:cTn>
+                                        <p:tgtEl>
+                                          <p:spTgt spid="3">
+                                            <p:txEl>
+                                              <p:pRg st="1" end="1"/>
+                                            </p:txEl>
+                                          </p:spTgt>
+                                        </p:tgtEl>
+                                        <p:attrNameLst>
+                                          <p:attrName>style.visibility</p:attrName>
+                                        </p:attrNameLst>
+                                      </p:cBhvr>
+                                      <p:to>
+                                        <p:strVal val="visible"/>
+                                      </p:to>
+                                    </p:set>
+                                  </p:childTnLst>
+                                </p:cTn>
+                              </p:par>
+                              <p:par>
+                                <p:cTn id="9" presetID="1" presetClass="entr" presetSubtype="0" fill="hold" nodeType="withEffect">
+                                  <p:stCondLst>
+                                    <p:cond delay="0"/>
+                                  </p:stCondLst>
+                                  <p:childTnLst>
+                                    <p:set>
+                                      <p:cBhvr>
+                                        <p:cTn id="10" dur="1" fill="hold">
+                                          <p:stCondLst>
+                                            <p:cond delay="0"/>
+                                          </p:stCondLst>
+                                        </p:cTn>
+                                        <p:tgtEl>
+                                          <p:spTgt spid="3">
+                                            <p:txEl>
+                                              <p:pRg st="2" end="2"/>
+                                            </p:txEl>
+                                          </p:spTgt>
+                                        </p:tgtEl>
+                                        <p:attrNameLst>
+                                          <p:attrName>style.visibility</p:attrName>
+                                        </p:attrNameLst>
+                                      </p:cBhvr>
+                                      <p:to>
+                                        <p:strVal val="visible"/>
+                                      </p:to>
+                                    </p:set>
+                                  </p:childTnLst>
+                                </p:cTn>
+                              </p:par>
+                              <p:par>
+                                <p:cTn id="11" presetID="1" presetClass="entr" presetSubtype="0" fill="hold" nodeType="withEffect">
+                                  <p:stCondLst>
+                                    <p:cond delay="0"/>
+                                  </p:stCondLst>
+                                  <p:childTnLst>
+                                    <p:set>
+                                      <p:cBhvr>
+                                        <p:cTn id="12" dur="1" fill="hold">
+                                          <p:stCondLst>
+                                            <p:cond delay="0"/>
+                                          </p:stCondLst>
+                                        </p:cTn>
+                                        <p:tgtEl>
+                                          <p:spTgt spid="3">
+                                            <p:txEl>
+                                              <p:pRg st="3" end="3"/>
+                                            </p:txEl>
+                                          </p:spTgt>
+                                        </p:tgtEl>
+                                        <p:attrNameLst>
+                                          <p:attrName>style.visibility</p:attrName>
+                                        </p:attrNameLst>
+                                      </p:cBhvr>
+                                      <p:to>
+                                        <p:strVal val="visible"/>
+                                      </p:to>
+                                    </p:set>
+                                  </p:childTnLst>
+                                </p:cTn>
+                              </p:par>
+                              <p:par>
+                                <p:cTn id="13" presetID="1" presetClass="entr" presetSubtype="0" fill="hold" nodeType="withEffect">
+                                  <p:stCondLst>
+                                    <p:cond delay="0"/>
+                                  </p:stCondLst>
+                                  <p:childTnLst>
+                                    <p:set>
+                                      <p:cBhvr>
+                                        <p:cTn id="14" dur="1" fill="hold">
+                                          <p:stCondLst>
+                                            <p:cond delay="0"/>
+                                          </p:stCondLst>
+                                        </p:cTn>
+                                        <p:tgtEl>
+                                          <p:spTgt spid="3">
+                                            <p:txEl>
+                                              <p:pRg st="4" end="4"/>
+                                            </p:txEl>
+                                          </p:spTgt>
+                                        </p:tgtEl>
+                                        <p:attrNameLst>
+                                          <p:attrName>style.visibility</p:attrName>
+                                        </p:attrNameLst>
+                                      </p:cBhvr>
+                                      <p:to>
+                                        <p:strVal val="visible"/>
+                                      </p:to>
+                                    </p:set>
+                                  </p:childTnLst>
+                                </p:cTn>
+                              </p:par>
+                              <p:par>
+                                <p:cTn id="15" presetID="1" presetClass="entr" presetSubtype="0" fill="hold" nodeType="withEffect">
+                                  <p:stCondLst>
+                                    <p:cond delay="0"/>
+                                  </p:stCondLst>
+                                  <p:childTnLst>
+                                    <p:set>
+                                      <p:cBhvr>
+                                        <p:cTn id="16" dur="1" fill="hold">
+                                          <p:stCondLst>
+                                            <p:cond delay="0"/>
+                                          </p:stCondLst>
+                                        </p:cTn>
+                                        <p:tgtEl>
+                                          <p:spTgt spid="3">
+                                            <p:txEl>
+                                              <p:pRg st="5" end="5"/>
+                                            </p:txEl>
+                                          </p:spTgt>
+                                        </p:tgtEl>
+                                        <p:attrNameLst>
+                                          <p:attrName>style.visibility</p:attrName>
+                                        </p:attrNameLst>
+                                      </p:cBhvr>
+                                      <p:to>
+                                        <p:strVal val="visible"/>
+                                      </p:to>
+                                    </p:set>
+                                  </p:childTnLst>
+                                </p:cTn>
+                              </p:par>
+                            </p:childTnLst>
+                          </p:cTn>
+                        </p:par>
+                      </p:childTnLst>
+                    </p:cTn>
+                  </p:par>
+                  <p:par>
+                    <p:cTn id="17" fill="hold">
+                      <p:stCondLst>
+                        <p:cond delay="indefinite"/>
+                      </p:stCondLst>
+                      <p:childTnLst>
+                        <p:par>
+                          <p:cTn id="18" fill="hold">
+                            <p:stCondLst>
+                              <p:cond delay="0"/>
+                            </p:stCondLst>
+                            <p:childTnLst>
+                              <p:par>
+                                <p:cTn id="19" presetID="1" presetClass="entr" presetSubtype="0" fill="hold" nodeType="clickEffect">
+                                  <p:stCondLst>
+                                    <p:cond delay="0"/>
+                                  </p:stCondLst>
+                                  <p:childTnLst>
+                                    <p:set>
+                                      <p:cBhvr>
+                                        <p:cTn id="20" dur="1" fill="hold">
+                                          <p:stCondLst>
+                                            <p:cond delay="0"/>
+                                          </p:stCondLst>
+                                        </p:cTn>
+                                        <p:tgtEl>
+                                          <p:spTgt spid="3">
+                                            <p:txEl>
+                                              <p:pRg st="6" end="6"/>
+                                            </p:txEl>
+                                          </p:spTgt>
+                                        </p:tgtEl>
+                                        <p:attrNameLst>
+                                          <p:attrName>style.visibility</p:attrName>
+                                        </p:attrNameLst>
+                                      </p:cBhvr>
+                                      <p:to>
+                                        <p:strVal val="visible"/>
+                                      </p:to>
+                                    </p:set>
+                                  </p:childTnLst>
+                                </p:cTn>
+                              </p:par>
+                              <p:par>
+                                <p:cTn id="21" presetID="1" presetClass="entr" presetSubtype="0" fill="hold" nodeType="withEffect">
+                                  <p:stCondLst>
+                                    <p:cond delay="0"/>
+                                  </p:stCondLst>
+                                  <p:childTnLst>
+                                    <p:set>
+                                      <p:cBhvr>
+                                        <p:cTn id="22" dur="1" fill="hold">
+                                          <p:stCondLst>
+                                            <p:cond delay="0"/>
+                                          </p:stCondLst>
+                                        </p:cTn>
+                                        <p:tgtEl>
+                                          <p:spTgt spid="3">
+                                            <p:txEl>
+                                              <p:pRg st="7" end="7"/>
+                                            </p:txEl>
+                                          </p:spTgt>
+                                        </p:tgtEl>
+                                        <p:attrNameLst>
+                                          <p:attrName>style.visibility</p:attrName>
+                                        </p:attrNameLst>
+                                      </p:cBhvr>
+                                      <p:to>
+                                        <p:strVal val="visible"/>
+                                      </p:to>
+                                    </p:set>
+                                  </p:childTnLst>
+                                </p:cTn>
+                              </p:par>
+                              <p:par>
+                                <p:cTn id="23" presetID="1" presetClass="entr" presetSubtype="0" fill="hold" nodeType="withEffect">
+                                  <p:stCondLst>
+                                    <p:cond delay="0"/>
+                                  </p:stCondLst>
+                                  <p:childTnLst>
+                                    <p:set>
+                                      <p:cBhvr>
+                                        <p:cTn id="24" dur="1" fill="hold">
+                                          <p:stCondLst>
+                                            <p:cond delay="0"/>
+                                          </p:stCondLst>
+                                        </p:cTn>
+                                        <p:tgtEl>
+                                          <p:spTgt spid="3">
+                                            <p:txEl>
+                                              <p:pRg st="8" end="8"/>
+                                            </p:txEl>
+                                          </p:spTgt>
+                                        </p:tgtEl>
+                                        <p:attrNameLst>
+                                          <p:attrName>style.visibility</p:attrName>
+                                        </p:attrNameLst>
+                                      </p:cBhvr>
+                                      <p:to>
+                                        <p:strVal val="visible"/>
+                                      </p:to>
+                                    </p:set>
+                                  </p:childTnLst>
+                                </p:cTn>
+                              </p:par>
+                              <p:par>
+                                <p:cTn id="25" presetID="1" presetClass="entr" presetSubtype="0" fill="hold" nodeType="withEffect">
+                                  <p:stCondLst>
+                                    <p:cond delay="0"/>
+                                  </p:stCondLst>
+                                  <p:childTnLst>
+                                    <p:set>
+                                      <p:cBhvr>
+                                        <p:cTn id="26" dur="1" fill="hold">
+                                          <p:stCondLst>
+                                            <p:cond delay="0"/>
+                                          </p:stCondLst>
+                                        </p:cTn>
+                                        <p:tgtEl>
+                                          <p:spTgt spid="3">
+                                            <p:txEl>
+                                              <p:pRg st="9" end="9"/>
+                                            </p:txEl>
+                                          </p:spTgt>
+                                        </p:tgtEl>
+                                        <p:attrNameLst>
+                                          <p:attrName>style.visibility</p:attrName>
+                                        </p:attrNameLst>
+                                      </p:cBhvr>
+                                      <p:to>
+                                        <p:strVal val="visible"/>
+                                      </p:to>
+                                    </p:set>
+                                  </p:childTnLst>
+                                </p:cTn>
+                              </p:par>
+                              <p:par>
+                                <p:cTn id="27" presetID="1" presetClass="entr" presetSubtype="0" fill="hold" nodeType="withEffect">
+                                  <p:stCondLst>
+                                    <p:cond delay="0"/>
+                                  </p:stCondLst>
+                                  <p:childTnLst>
+                                    <p:set>
+                                      <p:cBhvr>
+                                        <p:cTn id="28" dur="1" fill="hold">
+                                          <p:stCondLst>
+                                            <p:cond delay="0"/>
+                                          </p:stCondLst>
+                                        </p:cTn>
+                                        <p:tgtEl>
+                                          <p:spTgt spid="3">
+                                            <p:txEl>
+                                              <p:pRg st="10" end="10"/>
+                                            </p:txEl>
+                                          </p:spTgt>
+                                        </p:tgtEl>
+                                        <p:attrNameLst>
+                                          <p:attrName>style.visibility</p:attrName>
+                                        </p:attrNameLst>
+                                      </p:cBhvr>
+                                      <p:to>
+                                        <p:strVal val="visible"/>
+                                      </p:to>
+                                    </p:set>
+                                  </p:childTnLst>
+                                </p:cTn>
+                              </p:par>
+                              <p:par>
+                                <p:cTn id="29" presetID="1" presetClass="entr" presetSubtype="0" fill="hold" nodeType="withEffect">
+                                  <p:stCondLst>
+                                    <p:cond delay="0"/>
+                                  </p:stCondLst>
+                                  <p:childTnLst>
+                                    <p:set>
+                                      <p:cBhvr>
+                                        <p:cTn id="30" dur="1" fill="hold">
+                                          <p:stCondLst>
+                                            <p:cond delay="0"/>
+                                          </p:stCondLst>
+                                        </p:cTn>
+                                        <p:tgtEl>
+                                          <p:spTgt spid="3">
+                                            <p:txEl>
+                                              <p:pRg st="11" end="11"/>
+                                            </p:txEl>
+                                          </p:spTgt>
+                                        </p:tgtEl>
+                                        <p:attrNameLst>
+                                          <p:attrName>style.visibility</p:attrName>
+                                        </p:attrNameLst>
+                                      </p:cBhvr>
+                                      <p:to>
+                                        <p:strVal val="visible"/>
+                                      </p:to>
+                                    </p:set>
+                                  </p:childTnLst>
+                                </p:cTn>
+                              </p:par>
+                              <p:par>
+                                <p:cTn id="31" presetID="1" presetClass="entr" presetSubtype="0" fill="hold" nodeType="withEffect">
+                                  <p:stCondLst>
+                                    <p:cond delay="0"/>
+                                  </p:stCondLst>
+                                  <p:childTnLst>
+                                    <p:set>
+                                      <p:cBhvr>
+                                        <p:cTn id="32" dur="1" fill="hold">
+                                          <p:stCondLst>
+                                            <p:cond delay="0"/>
+                                          </p:stCondLst>
+                                        </p:cTn>
+                                        <p:tgtEl>
+                                          <p:spTgt spid="3">
+                                            <p:txEl>
+                                              <p:pRg st="12" end="12"/>
+                                            </p:txEl>
+                                          </p:spTgt>
+                                        </p:tgtEl>
+                                        <p:attrNameLst>
+                                          <p:attrName>style.visibility</p:attrName>
+                                        </p:attrNameLst>
+                                      </p:cBhvr>
+                                      <p:to>
+                                        <p:strVal val="visible"/>
+                                      </p:to>
+                                    </p:set>
+                                  </p:childTnLst>
+                                </p:cTn>
+                              </p:par>
+                            </p:childTnLst>
+                          </p:cTn>
+                        </p:par>
+                      </p:childTnLst>
+                    </p:cTn>
+                  </p:par>
+                </p:childTnLst>
+              </p:cTn>
+              <p:prevCondLst>
+                <p:cond evt="onPrev" delay="0">
+                  <p:tgtEl>
+                    <p:sldTgt/>
+                  </p:tgtEl>
+                </p:cond>
+              </p:prevCondLst>
+              <p:nextCondLst>
+                <p:cond evt="onNext" delay="0">
+                  <p:tgtEl>
+                    <p:sldTgt/>
+                  </p:tgtEl>
+                </p:cond>
+              </p:nextCondLst>
+            </p:seq>
+          </p:childTnLst>
+        </p:cTn>
+      </p:par>
+    </p:tnLst>
+  </p:timing>
+</p:sld>
+</file>
+
+<file path=ppt/slides/slide30.xml><?xml version="1.0" encoding="utf-8"?>
 <p:sld xmlns:a="http://schemas.openxmlformats.org/drawingml/2006/main" xmlns:r="http://schemas.openxmlformats.org/officeDocument/2006/relationships" xmlns:p="http://schemas.openxmlformats.org/presentationml/2006/main">
   <p:cSld>
     <p:spTree>
@@ -11185,7 +12542,65 @@
 </p:sld>
 </file>
 
-<file path=ppt/slides/slide29.xml><?xml version="1.0" encoding="utf-8"?>
+<file path=ppt/slides/slide31.xml><?xml version="1.0" encoding="utf-8"?>
+<p:sld xmlns:a="http://schemas.openxmlformats.org/drawingml/2006/main" xmlns:r="http://schemas.openxmlformats.org/officeDocument/2006/relationships" xmlns:p="http://schemas.openxmlformats.org/presentationml/2006/main">
+  <p:cSld>
+    <p:spTree>
+      <p:nvGrpSpPr>
+        <p:cNvPr id="1" name=""/>
+        <p:cNvGrpSpPr/>
+        <p:nvPr/>
+      </p:nvGrpSpPr>
+      <p:grpSpPr>
+        <a:xfrm>
+          <a:off x="0" y="0"/>
+          <a:ext cx="0" cy="0"/>
+          <a:chOff x="0" y="0"/>
+          <a:chExt cx="0" cy="0"/>
+        </a:xfrm>
+      </p:grpSpPr>
+      <p:sp>
+        <p:nvSpPr>
+          <p:cNvPr id="2" name="Title 1">
+            <a:extLst>
+              <a:ext uri="{FF2B5EF4-FFF2-40B4-BE49-F238E27FC236}">
+                <a16:creationId xmlns:a16="http://schemas.microsoft.com/office/drawing/2014/main" id="{4C6F6AC2-BC07-4C16-9EC5-46BA2414BD57}"/>
+              </a:ext>
+            </a:extLst>
+          </p:cNvPr>
+          <p:cNvSpPr>
+            <a:spLocks noGrp="1"/>
+          </p:cNvSpPr>
+          <p:nvPr>
+            <p:ph type="title"/>
+          </p:nvPr>
+        </p:nvSpPr>
+        <p:spPr/>
+        <p:txBody>
+          <a:bodyPr/>
+          <a:lstStyle/>
+          <a:p>
+            <a:r>
+              <a:rPr lang="en-US" dirty="0"/>
+              <a:t>Designing a Real-time Dashboard using a Push Dataset</a:t>
+            </a:r>
+          </a:p>
+        </p:txBody>
+      </p:sp>
+    </p:spTree>
+    <p:extLst>
+      <p:ext uri="{BB962C8B-B14F-4D97-AF65-F5344CB8AC3E}">
+        <p14:creationId xmlns:p14="http://schemas.microsoft.com/office/powerpoint/2010/main" val="614441916"/>
+      </p:ext>
+    </p:extLst>
+  </p:cSld>
+  <p:clrMapOvr>
+    <a:masterClrMapping/>
+  </p:clrMapOvr>
+</p:sld>
+</file>
+
+<file path=ppt/slides/slide32.xml><?xml version="1.0" encoding="utf-8"?>
 <p:sld xmlns:a="http://schemas.openxmlformats.org/drawingml/2006/main" xmlns:r="http://schemas.openxmlformats.org/officeDocument/2006/relationships" xmlns:p="http://schemas.openxmlformats.org/presentationml/2006/main">
   <p:cSld>
     <p:spTree>
@@ -11731,7 +13146,7 @@
 </p:sld>
 </file>
 
-<file path=ppt/slides/slide3.xml><?xml version="1.0" encoding="utf-8"?>
+<file path=ppt/slides/slide33.xml><?xml version="1.0" encoding="utf-8"?>
 <p:sld xmlns:a="http://schemas.openxmlformats.org/drawingml/2006/main" xmlns:r="http://schemas.openxmlformats.org/officeDocument/2006/relationships" xmlns:p="http://schemas.openxmlformats.org/presentationml/2006/main">
   <p:cSld>
     <p:spTree>
@@ -11765,1274 +13180,6 @@
           <a:p>
             <a:r>
               <a:rPr lang="en-US" dirty="0"/>
-              <a:t>Pull Datasets </a:t>
-            </a:r>
-            <a:r>
-              <a:rPr lang="en-US"/>
-              <a:t>versus Real-time </a:t>
-            </a:r>
-            <a:r>
-              <a:rPr lang="en-US" dirty="0"/>
-              <a:t>Datasets</a:t>
-            </a:r>
-          </a:p>
-        </p:txBody>
-      </p:sp>
-      <p:sp>
-        <p:nvSpPr>
-          <p:cNvPr id="3" name="Content Placeholder 2"/>
-          <p:cNvSpPr>
-            <a:spLocks noGrp="1"/>
-          </p:cNvSpPr>
-          <p:nvPr>
-            <p:ph idx="1"/>
-          </p:nvPr>
-        </p:nvSpPr>
-        <p:spPr>
-          <a:xfrm>
-            <a:off x="408039" y="1447800"/>
-            <a:ext cx="8382000" cy="5181600"/>
-          </a:xfrm>
-        </p:spPr>
-        <p:txBody>
-          <a:bodyPr/>
-          <a:lstStyle/>
-          <a:p>
-            <a:r>
-              <a:rPr lang="en-US" dirty="0"/>
-              <a:t>Pull Datasets</a:t>
-            </a:r>
-          </a:p>
-          <a:p>
-            <a:pPr lvl="1"/>
-            <a:r>
-              <a:rPr lang="en-US" dirty="0"/>
-              <a:t>Imported Datasets</a:t>
-            </a:r>
-          </a:p>
-          <a:p>
-            <a:pPr lvl="1"/>
-            <a:r>
-              <a:rPr lang="en-US" dirty="0" err="1"/>
-              <a:t>DirectQuery</a:t>
-            </a:r>
-            <a:r>
-              <a:rPr lang="en-US" dirty="0"/>
-              <a:t> Datasets</a:t>
-            </a:r>
-          </a:p>
-          <a:p>
-            <a:pPr lvl="1"/>
-            <a:r>
-              <a:rPr lang="en-US" dirty="0"/>
-              <a:t>Live Connect Datasets</a:t>
-            </a:r>
-          </a:p>
-          <a:p>
-            <a:pPr lvl="1"/>
-            <a:endParaRPr lang="en-US" dirty="0"/>
-          </a:p>
-          <a:p>
-            <a:r>
-              <a:rPr lang="en-US" dirty="0"/>
-              <a:t>Real-time Datasets</a:t>
-            </a:r>
-          </a:p>
-          <a:p>
-            <a:pPr lvl="1"/>
-            <a:r>
-              <a:rPr lang="en-US" dirty="0"/>
-              <a:t>Streaming Datasets</a:t>
-            </a:r>
-          </a:p>
-          <a:p>
-            <a:pPr lvl="1"/>
-            <a:r>
-              <a:rPr lang="en-US" dirty="0"/>
-              <a:t>Push Datasets</a:t>
-            </a:r>
-          </a:p>
-          <a:p>
-            <a:pPr lvl="1"/>
-            <a:r>
-              <a:rPr lang="en-US" dirty="0"/>
-              <a:t>Hybrid Datasets</a:t>
-            </a:r>
-          </a:p>
-        </p:txBody>
-      </p:sp>
-      <p:grpSp>
-        <p:nvGrpSpPr>
-          <p:cNvPr id="21" name="Group 20">
-            <a:extLst>
-              <a:ext uri="{FF2B5EF4-FFF2-40B4-BE49-F238E27FC236}">
-                <a16:creationId xmlns:a16="http://schemas.microsoft.com/office/drawing/2014/main" id="{485834F9-3DA4-40E1-887B-5A1581608C02}"/>
-              </a:ext>
-            </a:extLst>
-          </p:cNvPr>
-          <p:cNvGrpSpPr/>
-          <p:nvPr/>
-        </p:nvGrpSpPr>
-        <p:grpSpPr>
-          <a:xfrm>
-            <a:off x="4521041" y="1524000"/>
-            <a:ext cx="4394359" cy="1600200"/>
-            <a:chOff x="4521041" y="1524000"/>
-            <a:chExt cx="4394359" cy="1600200"/>
-          </a:xfrm>
-        </p:grpSpPr>
-        <p:sp>
-          <p:nvSpPr>
-            <p:cNvPr id="16" name="Rectangle: Rounded Corners 15">
-              <a:extLst>
-                <a:ext uri="{FF2B5EF4-FFF2-40B4-BE49-F238E27FC236}">
-                  <a16:creationId xmlns:a16="http://schemas.microsoft.com/office/drawing/2014/main" id="{922524E1-7F17-41D8-BD3C-2810E1A88BAF}"/>
-                </a:ext>
-              </a:extLst>
-            </p:cNvPr>
-            <p:cNvSpPr/>
-            <p:nvPr/>
-          </p:nvSpPr>
-          <p:spPr>
-            <a:xfrm>
-              <a:off x="4521041" y="1524000"/>
-              <a:ext cx="4394359" cy="1600200"/>
-            </a:xfrm>
-            <a:prstGeom prst="roundRect">
-              <a:avLst/>
-            </a:prstGeom>
-            <a:solidFill>
-              <a:schemeClr val="accent5">
-                <a:lumMod val="20000"/>
-                <a:lumOff val="80000"/>
-              </a:schemeClr>
-            </a:solidFill>
-            <a:ln w="9525">
-              <a:solidFill>
-                <a:schemeClr val="tx1"/>
-              </a:solidFill>
-            </a:ln>
-          </p:spPr>
-          <p:style>
-            <a:lnRef idx="2">
-              <a:schemeClr val="accent1">
-                <a:shade val="50000"/>
-              </a:schemeClr>
-            </a:lnRef>
-            <a:fillRef idx="1">
-              <a:schemeClr val="accent1"/>
-            </a:fillRef>
-            <a:effectRef idx="0">
-              <a:schemeClr val="accent1"/>
-            </a:effectRef>
-            <a:fontRef idx="minor">
-              <a:schemeClr val="lt1"/>
-            </a:fontRef>
-          </p:style>
-          <p:txBody>
-            <a:bodyPr rtlCol="0" anchor="ctr"/>
-            <a:lstStyle/>
-            <a:p>
-              <a:pPr algn="ctr"/>
-              <a:endParaRPr lang="en-US"/>
-            </a:p>
-          </p:txBody>
-        </p:sp>
-        <p:pic>
-          <p:nvPicPr>
-            <p:cNvPr id="5" name="Picture 4">
-              <a:extLst>
-                <a:ext uri="{FF2B5EF4-FFF2-40B4-BE49-F238E27FC236}">
-                  <a16:creationId xmlns:a16="http://schemas.microsoft.com/office/drawing/2014/main" id="{1E4CDAE7-3457-4374-B776-1BB8FB862A10}"/>
-                </a:ext>
-              </a:extLst>
-            </p:cNvPr>
-            <p:cNvPicPr>
-              <a:picLocks noChangeAspect="1"/>
-            </p:cNvPicPr>
-            <p:nvPr/>
-          </p:nvPicPr>
-          <p:blipFill>
-            <a:blip r:embed="rId2"/>
-            <a:stretch>
-              <a:fillRect/>
-            </a:stretch>
-          </p:blipFill>
-          <p:spPr>
-            <a:xfrm>
-              <a:off x="4774093" y="1711883"/>
-              <a:ext cx="1193250" cy="1183400"/>
-            </a:xfrm>
-            <a:prstGeom prst="rect">
-              <a:avLst/>
-            </a:prstGeom>
-          </p:spPr>
-        </p:pic>
-        <p:sp>
-          <p:nvSpPr>
-            <p:cNvPr id="7" name="Arrow: Right 6">
-              <a:extLst>
-                <a:ext uri="{FF2B5EF4-FFF2-40B4-BE49-F238E27FC236}">
-                  <a16:creationId xmlns:a16="http://schemas.microsoft.com/office/drawing/2014/main" id="{F4130167-D31B-4DDF-935A-A9A5B04CFD4C}"/>
-                </a:ext>
-              </a:extLst>
-            </p:cNvPr>
-            <p:cNvSpPr/>
-            <p:nvPr/>
-          </p:nvSpPr>
-          <p:spPr>
-            <a:xfrm>
-              <a:off x="5872630" y="2047415"/>
-              <a:ext cx="965059" cy="544506"/>
-            </a:xfrm>
-            <a:prstGeom prst="rightArrow">
-              <a:avLst>
-                <a:gd name="adj1" fmla="val 55505"/>
-                <a:gd name="adj2" fmla="val 50000"/>
-              </a:avLst>
-            </a:prstGeom>
-            <a:solidFill>
-              <a:schemeClr val="accent2">
-                <a:lumMod val="20000"/>
-                <a:lumOff val="80000"/>
-              </a:schemeClr>
-            </a:solidFill>
-            <a:ln w="6350"/>
-          </p:spPr>
-          <p:style>
-            <a:lnRef idx="2">
-              <a:schemeClr val="accent1">
-                <a:shade val="50000"/>
-              </a:schemeClr>
-            </a:lnRef>
-            <a:fillRef idx="1">
-              <a:schemeClr val="accent1"/>
-            </a:fillRef>
-            <a:effectRef idx="0">
-              <a:schemeClr val="accent1"/>
-            </a:effectRef>
-            <a:fontRef idx="minor">
-              <a:schemeClr val="lt1"/>
-            </a:fontRef>
-          </p:style>
-          <p:txBody>
-            <a:bodyPr rtlCol="0" anchor="ctr"/>
-            <a:lstStyle/>
-            <a:p>
-              <a:pPr algn="ctr"/>
-              <a:r>
-                <a:rPr lang="en-US" sz="1400" dirty="0">
-                  <a:solidFill>
-                    <a:srgbClr val="C00000"/>
-                  </a:solidFill>
-                  <a:latin typeface="+mj-lt"/>
-                </a:rPr>
-                <a:t>Pull</a:t>
-              </a:r>
-            </a:p>
-          </p:txBody>
-        </p:sp>
-        <p:grpSp>
-          <p:nvGrpSpPr>
-            <p:cNvPr id="11" name="Group 10">
-              <a:extLst>
-                <a:ext uri="{FF2B5EF4-FFF2-40B4-BE49-F238E27FC236}">
-                  <a16:creationId xmlns:a16="http://schemas.microsoft.com/office/drawing/2014/main" id="{B713594C-4DDC-4B1A-9C16-3D0C55A1A2AA}"/>
-                </a:ext>
-              </a:extLst>
-            </p:cNvPr>
-            <p:cNvGrpSpPr/>
-            <p:nvPr/>
-          </p:nvGrpSpPr>
-          <p:grpSpPr>
-            <a:xfrm>
-              <a:off x="6950126" y="1731548"/>
-              <a:ext cx="1811076" cy="1176240"/>
-              <a:chOff x="7038900" y="1795244"/>
-              <a:chExt cx="1689900" cy="1021397"/>
-            </a:xfrm>
-          </p:grpSpPr>
-          <p:pic>
-            <p:nvPicPr>
-              <p:cNvPr id="9" name="Picture 8">
-                <a:extLst>
-                  <a:ext uri="{FF2B5EF4-FFF2-40B4-BE49-F238E27FC236}">
-                    <a16:creationId xmlns:a16="http://schemas.microsoft.com/office/drawing/2014/main" id="{119EC6F2-607B-4594-93D4-FEA63AB75BCD}"/>
-                  </a:ext>
-                </a:extLst>
-              </p:cNvPr>
-              <p:cNvPicPr>
-                <a:picLocks noChangeAspect="1"/>
-              </p:cNvPicPr>
-              <p:nvPr/>
-            </p:nvPicPr>
-            <p:blipFill>
-              <a:blip r:embed="rId3"/>
-              <a:stretch>
-                <a:fillRect/>
-              </a:stretch>
-            </p:blipFill>
-            <p:spPr>
-              <a:xfrm>
-                <a:off x="7038900" y="1795244"/>
-                <a:ext cx="1689900" cy="1021397"/>
-              </a:xfrm>
-              <a:prstGeom prst="rect">
-                <a:avLst/>
-              </a:prstGeom>
-            </p:spPr>
-          </p:pic>
-          <p:sp>
-            <p:nvSpPr>
-              <p:cNvPr id="10" name="TextBox 9">
-                <a:extLst>
-                  <a:ext uri="{FF2B5EF4-FFF2-40B4-BE49-F238E27FC236}">
-                    <a16:creationId xmlns:a16="http://schemas.microsoft.com/office/drawing/2014/main" id="{D8ED1EA2-213B-46F6-A0A1-E899E0F43E07}"/>
-                  </a:ext>
-                </a:extLst>
-              </p:cNvPr>
-              <p:cNvSpPr txBox="1"/>
-              <p:nvPr/>
-            </p:nvSpPr>
-            <p:spPr>
-              <a:xfrm>
-                <a:off x="7444150" y="2067262"/>
-                <a:ext cx="1016625" cy="584775"/>
-              </a:xfrm>
-              <a:prstGeom prst="rect">
-                <a:avLst/>
-              </a:prstGeom>
-              <a:noFill/>
-            </p:spPr>
-            <p:txBody>
-              <a:bodyPr wrap="none" rtlCol="0">
-                <a:spAutoFit/>
-              </a:bodyPr>
-              <a:lstStyle/>
-              <a:p>
-                <a:pPr algn="ctr"/>
-                <a:r>
-                  <a:rPr lang="en-US" sz="1600" dirty="0"/>
-                  <a:t>Power BI</a:t>
-                </a:r>
-              </a:p>
-              <a:p>
-                <a:pPr algn="ctr"/>
-                <a:r>
-                  <a:rPr lang="en-US" sz="1600" dirty="0"/>
-                  <a:t>Service</a:t>
-                </a:r>
-              </a:p>
-            </p:txBody>
-          </p:sp>
-        </p:grpSp>
-      </p:grpSp>
-      <p:grpSp>
-        <p:nvGrpSpPr>
-          <p:cNvPr id="22" name="Group 21">
-            <a:extLst>
-              <a:ext uri="{FF2B5EF4-FFF2-40B4-BE49-F238E27FC236}">
-                <a16:creationId xmlns:a16="http://schemas.microsoft.com/office/drawing/2014/main" id="{75A5B337-7C9D-463E-B44E-431F0445B02A}"/>
-              </a:ext>
-            </a:extLst>
-          </p:cNvPr>
-          <p:cNvGrpSpPr/>
-          <p:nvPr/>
-        </p:nvGrpSpPr>
-        <p:grpSpPr>
-          <a:xfrm>
-            <a:off x="4521041" y="3810000"/>
-            <a:ext cx="4394359" cy="1600200"/>
-            <a:chOff x="4521041" y="3810000"/>
-            <a:chExt cx="4394359" cy="1600200"/>
-          </a:xfrm>
-        </p:grpSpPr>
-        <p:sp>
-          <p:nvSpPr>
-            <p:cNvPr id="17" name="Rectangle: Rounded Corners 16">
-              <a:extLst>
-                <a:ext uri="{FF2B5EF4-FFF2-40B4-BE49-F238E27FC236}">
-                  <a16:creationId xmlns:a16="http://schemas.microsoft.com/office/drawing/2014/main" id="{15462ECA-6440-4C4B-967D-104BE46F852D}"/>
-                </a:ext>
-              </a:extLst>
-            </p:cNvPr>
-            <p:cNvSpPr/>
-            <p:nvPr/>
-          </p:nvSpPr>
-          <p:spPr>
-            <a:xfrm>
-              <a:off x="4521041" y="3810000"/>
-              <a:ext cx="4394359" cy="1600200"/>
-            </a:xfrm>
-            <a:prstGeom prst="roundRect">
-              <a:avLst/>
-            </a:prstGeom>
-            <a:solidFill>
-              <a:schemeClr val="accent5">
-                <a:lumMod val="20000"/>
-                <a:lumOff val="80000"/>
-              </a:schemeClr>
-            </a:solidFill>
-            <a:ln w="9525">
-              <a:solidFill>
-                <a:schemeClr val="tx1"/>
-              </a:solidFill>
-            </a:ln>
-          </p:spPr>
-          <p:style>
-            <a:lnRef idx="2">
-              <a:schemeClr val="accent1">
-                <a:shade val="50000"/>
-              </a:schemeClr>
-            </a:lnRef>
-            <a:fillRef idx="1">
-              <a:schemeClr val="accent1"/>
-            </a:fillRef>
-            <a:effectRef idx="0">
-              <a:schemeClr val="accent1"/>
-            </a:effectRef>
-            <a:fontRef idx="minor">
-              <a:schemeClr val="lt1"/>
-            </a:fontRef>
-          </p:style>
-          <p:txBody>
-            <a:bodyPr rtlCol="0" anchor="ctr"/>
-            <a:lstStyle/>
-            <a:p>
-              <a:pPr algn="ctr"/>
-              <a:endParaRPr lang="en-US"/>
-            </a:p>
-          </p:txBody>
-        </p:sp>
-        <p:grpSp>
-          <p:nvGrpSpPr>
-            <p:cNvPr id="18" name="Group 17">
-              <a:extLst>
-                <a:ext uri="{FF2B5EF4-FFF2-40B4-BE49-F238E27FC236}">
-                  <a16:creationId xmlns:a16="http://schemas.microsoft.com/office/drawing/2014/main" id="{95C5BD15-2321-411B-AD8C-9E405B4FB0CE}"/>
-                </a:ext>
-              </a:extLst>
-            </p:cNvPr>
-            <p:cNvGrpSpPr/>
-            <p:nvPr/>
-          </p:nvGrpSpPr>
-          <p:grpSpPr>
-            <a:xfrm>
-              <a:off x="7028124" y="4017548"/>
-              <a:ext cx="1811076" cy="1176240"/>
-              <a:chOff x="7038900" y="1795244"/>
-              <a:chExt cx="1689900" cy="1021397"/>
-            </a:xfrm>
-          </p:grpSpPr>
-          <p:pic>
-            <p:nvPicPr>
-              <p:cNvPr id="19" name="Picture 18">
-                <a:extLst>
-                  <a:ext uri="{FF2B5EF4-FFF2-40B4-BE49-F238E27FC236}">
-                    <a16:creationId xmlns:a16="http://schemas.microsoft.com/office/drawing/2014/main" id="{C931E300-02E6-45AD-8F92-D46ADB37F52B}"/>
-                  </a:ext>
-                </a:extLst>
-              </p:cNvPr>
-              <p:cNvPicPr>
-                <a:picLocks noChangeAspect="1"/>
-              </p:cNvPicPr>
-              <p:nvPr/>
-            </p:nvPicPr>
-            <p:blipFill>
-              <a:blip r:embed="rId3"/>
-              <a:stretch>
-                <a:fillRect/>
-              </a:stretch>
-            </p:blipFill>
-            <p:spPr>
-              <a:xfrm>
-                <a:off x="7038900" y="1795244"/>
-                <a:ext cx="1689900" cy="1021397"/>
-              </a:xfrm>
-              <a:prstGeom prst="rect">
-                <a:avLst/>
-              </a:prstGeom>
-            </p:spPr>
-          </p:pic>
-          <p:sp>
-            <p:nvSpPr>
-              <p:cNvPr id="20" name="TextBox 19">
-                <a:extLst>
-                  <a:ext uri="{FF2B5EF4-FFF2-40B4-BE49-F238E27FC236}">
-                    <a16:creationId xmlns:a16="http://schemas.microsoft.com/office/drawing/2014/main" id="{CDAF30EC-D6BE-4A5C-B92D-3C48B1BF6734}"/>
-                  </a:ext>
-                </a:extLst>
-              </p:cNvPr>
-              <p:cNvSpPr txBox="1"/>
-              <p:nvPr/>
-            </p:nvSpPr>
-            <p:spPr>
-              <a:xfrm>
-                <a:off x="7444150" y="2067262"/>
-                <a:ext cx="1016625" cy="584775"/>
-              </a:xfrm>
-              <a:prstGeom prst="rect">
-                <a:avLst/>
-              </a:prstGeom>
-              <a:noFill/>
-            </p:spPr>
-            <p:txBody>
-              <a:bodyPr wrap="none" rtlCol="0">
-                <a:spAutoFit/>
-              </a:bodyPr>
-              <a:lstStyle/>
-              <a:p>
-                <a:pPr algn="ctr"/>
-                <a:r>
-                  <a:rPr lang="en-US" sz="1600" dirty="0"/>
-                  <a:t>Power BI</a:t>
-                </a:r>
-              </a:p>
-              <a:p>
-                <a:pPr algn="ctr"/>
-                <a:r>
-                  <a:rPr lang="en-US" sz="1600" dirty="0"/>
-                  <a:t>Service</a:t>
-                </a:r>
-              </a:p>
-            </p:txBody>
-          </p:sp>
-        </p:grpSp>
-        <p:sp>
-          <p:nvSpPr>
-            <p:cNvPr id="8" name="Rectangle: Rounded Corners 7">
-              <a:extLst>
-                <a:ext uri="{FF2B5EF4-FFF2-40B4-BE49-F238E27FC236}">
-                  <a16:creationId xmlns:a16="http://schemas.microsoft.com/office/drawing/2014/main" id="{D1857676-55C9-4D6C-B197-6512E2DA6D24}"/>
-                </a:ext>
-              </a:extLst>
-            </p:cNvPr>
-            <p:cNvSpPr/>
-            <p:nvPr/>
-          </p:nvSpPr>
-          <p:spPr>
-            <a:xfrm>
-              <a:off x="4659527" y="4110368"/>
-              <a:ext cx="1260453" cy="990600"/>
-            </a:xfrm>
-            <a:prstGeom prst="roundRect">
-              <a:avLst/>
-            </a:prstGeom>
-            <a:solidFill>
-              <a:schemeClr val="accent6">
-                <a:lumMod val="20000"/>
-                <a:lumOff val="80000"/>
-              </a:schemeClr>
-            </a:solidFill>
-          </p:spPr>
-          <p:style>
-            <a:lnRef idx="2">
-              <a:schemeClr val="accent1">
-                <a:shade val="50000"/>
-              </a:schemeClr>
-            </a:lnRef>
-            <a:fillRef idx="1">
-              <a:schemeClr val="accent1"/>
-            </a:fillRef>
-            <a:effectRef idx="0">
-              <a:schemeClr val="accent1"/>
-            </a:effectRef>
-            <a:fontRef idx="minor">
-              <a:schemeClr val="lt1"/>
-            </a:fontRef>
-          </p:style>
-          <p:txBody>
-            <a:bodyPr rtlCol="0" anchor="ctr"/>
-            <a:lstStyle/>
-            <a:p>
-              <a:pPr algn="ctr"/>
-              <a:r>
-                <a:rPr lang="en-US" sz="1400" i="1" dirty="0">
-                  <a:solidFill>
-                    <a:schemeClr val="tx1"/>
-                  </a:solidFill>
-                </a:rPr>
-                <a:t>Custom</a:t>
-              </a:r>
-            </a:p>
-            <a:p>
-              <a:pPr algn="ctr"/>
-              <a:r>
-                <a:rPr lang="en-US" sz="1400" i="1" dirty="0">
-                  <a:solidFill>
-                    <a:schemeClr val="tx1"/>
-                  </a:solidFill>
-                </a:rPr>
-                <a:t>Application</a:t>
-              </a:r>
-            </a:p>
-            <a:p>
-              <a:pPr algn="ctr"/>
-              <a:endParaRPr lang="en-US" sz="400" i="1" dirty="0">
-                <a:solidFill>
-                  <a:srgbClr val="C00000"/>
-                </a:solidFill>
-              </a:endParaRPr>
-            </a:p>
-            <a:p>
-              <a:pPr algn="ctr"/>
-              <a:r>
-                <a:rPr lang="en-US" sz="1000" dirty="0">
-                  <a:solidFill>
-                    <a:srgbClr val="C00000"/>
-                  </a:solidFill>
-                  <a:latin typeface="+mj-lt"/>
-                </a:rPr>
-                <a:t>Power</a:t>
-              </a:r>
-              <a:r>
-                <a:rPr lang="en-US" sz="1050" dirty="0">
-                  <a:solidFill>
-                    <a:srgbClr val="C00000"/>
-                  </a:solidFill>
-                  <a:latin typeface="+mj-lt"/>
-                </a:rPr>
-                <a:t> BI</a:t>
-              </a:r>
-            </a:p>
-            <a:p>
-              <a:pPr algn="ctr"/>
-              <a:r>
-                <a:rPr lang="en-US" sz="1050" dirty="0">
-                  <a:solidFill>
-                    <a:srgbClr val="C00000"/>
-                  </a:solidFill>
-                  <a:latin typeface="+mj-lt"/>
-                </a:rPr>
-                <a:t>Service API</a:t>
-              </a:r>
-            </a:p>
-          </p:txBody>
-        </p:sp>
-        <p:sp>
-          <p:nvSpPr>
-            <p:cNvPr id="15" name="Arrow: Right 14">
-              <a:extLst>
-                <a:ext uri="{FF2B5EF4-FFF2-40B4-BE49-F238E27FC236}">
-                  <a16:creationId xmlns:a16="http://schemas.microsoft.com/office/drawing/2014/main" id="{A790EEB6-D9AA-4DDB-9B58-57AF525B93B5}"/>
-                </a:ext>
-              </a:extLst>
-            </p:cNvPr>
-            <p:cNvSpPr/>
-            <p:nvPr/>
-          </p:nvSpPr>
-          <p:spPr>
-            <a:xfrm>
-              <a:off x="6058466" y="4337847"/>
-              <a:ext cx="875734" cy="544506"/>
-            </a:xfrm>
-            <a:prstGeom prst="rightArrow">
-              <a:avLst>
-                <a:gd name="adj1" fmla="val 55505"/>
-                <a:gd name="adj2" fmla="val 50000"/>
-              </a:avLst>
-            </a:prstGeom>
-            <a:solidFill>
-              <a:schemeClr val="accent2">
-                <a:lumMod val="20000"/>
-                <a:lumOff val="80000"/>
-              </a:schemeClr>
-            </a:solidFill>
-            <a:ln w="6350"/>
-          </p:spPr>
-          <p:style>
-            <a:lnRef idx="2">
-              <a:schemeClr val="accent1">
-                <a:shade val="50000"/>
-              </a:schemeClr>
-            </a:lnRef>
-            <a:fillRef idx="1">
-              <a:schemeClr val="accent1"/>
-            </a:fillRef>
-            <a:effectRef idx="0">
-              <a:schemeClr val="accent1"/>
-            </a:effectRef>
-            <a:fontRef idx="minor">
-              <a:schemeClr val="lt1"/>
-            </a:fontRef>
-          </p:style>
-          <p:txBody>
-            <a:bodyPr rtlCol="0" anchor="ctr"/>
-            <a:lstStyle/>
-            <a:p>
-              <a:pPr algn="ctr"/>
-              <a:r>
-                <a:rPr lang="en-US" sz="1400" dirty="0">
-                  <a:solidFill>
-                    <a:srgbClr val="C00000"/>
-                  </a:solidFill>
-                  <a:latin typeface="+mj-lt"/>
-                </a:rPr>
-                <a:t>Push</a:t>
-              </a:r>
-            </a:p>
-          </p:txBody>
-        </p:sp>
-      </p:grpSp>
-    </p:spTree>
-    <p:extLst>
-      <p:ext uri="{BB962C8B-B14F-4D97-AF65-F5344CB8AC3E}">
-        <p14:creationId xmlns:p14="http://schemas.microsoft.com/office/powerpoint/2010/main" val="3591930352"/>
-      </p:ext>
-    </p:extLst>
-  </p:cSld>
-  <p:clrMapOvr>
-    <a:masterClrMapping/>
-  </p:clrMapOvr>
-  <p:timing>
-    <p:tnLst>
-      <p:par>
-        <p:cTn id="1" dur="indefinite" restart="never" nodeType="tmRoot">
-          <p:childTnLst>
-            <p:seq concurrent="1" nextAc="seek">
-              <p:cTn id="2" dur="indefinite" nodeType="mainSeq">
-                <p:childTnLst>
-                  <p:par>
-                    <p:cTn id="3" fill="hold">
-                      <p:stCondLst>
-                        <p:cond delay="indefinite"/>
-                      </p:stCondLst>
-                      <p:childTnLst>
-                        <p:par>
-                          <p:cTn id="4" fill="hold">
-                            <p:stCondLst>
-                              <p:cond delay="0"/>
-                            </p:stCondLst>
-                            <p:childTnLst>
-                              <p:par>
-                                <p:cTn id="5" presetID="1" presetClass="entr" presetSubtype="0" fill="hold" nodeType="clickEffect">
-                                  <p:stCondLst>
-                                    <p:cond delay="0"/>
-                                  </p:stCondLst>
-                                  <p:childTnLst>
-                                    <p:set>
-                                      <p:cBhvr>
-                                        <p:cTn id="6" dur="1" fill="hold">
-                                          <p:stCondLst>
-                                            <p:cond delay="0"/>
-                                          </p:stCondLst>
-                                        </p:cTn>
-                                        <p:tgtEl>
-                                          <p:spTgt spid="3">
-                                            <p:txEl>
-                                              <p:pRg st="0" end="0"/>
-                                            </p:txEl>
-                                          </p:spTgt>
-                                        </p:tgtEl>
-                                        <p:attrNameLst>
-                                          <p:attrName>style.visibility</p:attrName>
-                                        </p:attrNameLst>
-                                      </p:cBhvr>
-                                      <p:to>
-                                        <p:strVal val="visible"/>
-                                      </p:to>
-                                    </p:set>
-                                  </p:childTnLst>
-                                </p:cTn>
-                              </p:par>
-                            </p:childTnLst>
-                          </p:cTn>
-                        </p:par>
-                      </p:childTnLst>
-                    </p:cTn>
-                  </p:par>
-                  <p:par>
-                    <p:cTn id="7" fill="hold">
-                      <p:stCondLst>
-                        <p:cond delay="indefinite"/>
-                      </p:stCondLst>
-                      <p:childTnLst>
-                        <p:par>
-                          <p:cTn id="8" fill="hold">
-                            <p:stCondLst>
-                              <p:cond delay="0"/>
-                            </p:stCondLst>
-                            <p:childTnLst>
-                              <p:par>
-                                <p:cTn id="9" presetID="1" presetClass="entr" presetSubtype="0" fill="hold" nodeType="clickEffect">
-                                  <p:stCondLst>
-                                    <p:cond delay="0"/>
-                                  </p:stCondLst>
-                                  <p:childTnLst>
-                                    <p:set>
-                                      <p:cBhvr>
-                                        <p:cTn id="10" dur="1" fill="hold">
-                                          <p:stCondLst>
-                                            <p:cond delay="0"/>
-                                          </p:stCondLst>
-                                        </p:cTn>
-                                        <p:tgtEl>
-                                          <p:spTgt spid="21"/>
-                                        </p:tgtEl>
-                                        <p:attrNameLst>
-                                          <p:attrName>style.visibility</p:attrName>
-                                        </p:attrNameLst>
-                                      </p:cBhvr>
-                                      <p:to>
-                                        <p:strVal val="visible"/>
-                                      </p:to>
-                                    </p:set>
-                                  </p:childTnLst>
-                                </p:cTn>
-                              </p:par>
-                            </p:childTnLst>
-                          </p:cTn>
-                        </p:par>
-                      </p:childTnLst>
-                    </p:cTn>
-                  </p:par>
-                  <p:par>
-                    <p:cTn id="11" fill="hold">
-                      <p:stCondLst>
-                        <p:cond delay="indefinite"/>
-                      </p:stCondLst>
-                      <p:childTnLst>
-                        <p:par>
-                          <p:cTn id="12" fill="hold">
-                            <p:stCondLst>
-                              <p:cond delay="0"/>
-                            </p:stCondLst>
-                            <p:childTnLst>
-                              <p:par>
-                                <p:cTn id="13" presetID="1" presetClass="entr" presetSubtype="0" fill="hold" nodeType="clickEffect">
-                                  <p:stCondLst>
-                                    <p:cond delay="0"/>
-                                  </p:stCondLst>
-                                  <p:childTnLst>
-                                    <p:set>
-                                      <p:cBhvr>
-                                        <p:cTn id="14" dur="1" fill="hold">
-                                          <p:stCondLst>
-                                            <p:cond delay="0"/>
-                                          </p:stCondLst>
-                                        </p:cTn>
-                                        <p:tgtEl>
-                                          <p:spTgt spid="3">
-                                            <p:txEl>
-                                              <p:pRg st="1" end="1"/>
-                                            </p:txEl>
-                                          </p:spTgt>
-                                        </p:tgtEl>
-                                        <p:attrNameLst>
-                                          <p:attrName>style.visibility</p:attrName>
-                                        </p:attrNameLst>
-                                      </p:cBhvr>
-                                      <p:to>
-                                        <p:strVal val="visible"/>
-                                      </p:to>
-                                    </p:set>
-                                  </p:childTnLst>
-                                </p:cTn>
-                              </p:par>
-                            </p:childTnLst>
-                          </p:cTn>
-                        </p:par>
-                      </p:childTnLst>
-                    </p:cTn>
-                  </p:par>
-                  <p:par>
-                    <p:cTn id="15" fill="hold">
-                      <p:stCondLst>
-                        <p:cond delay="indefinite"/>
-                      </p:stCondLst>
-                      <p:childTnLst>
-                        <p:par>
-                          <p:cTn id="16" fill="hold">
-                            <p:stCondLst>
-                              <p:cond delay="0"/>
-                            </p:stCondLst>
-                            <p:childTnLst>
-                              <p:par>
-                                <p:cTn id="17" presetID="1" presetClass="entr" presetSubtype="0" fill="hold" nodeType="clickEffect">
-                                  <p:stCondLst>
-                                    <p:cond delay="0"/>
-                                  </p:stCondLst>
-                                  <p:childTnLst>
-                                    <p:set>
-                                      <p:cBhvr>
-                                        <p:cTn id="18" dur="1" fill="hold">
-                                          <p:stCondLst>
-                                            <p:cond delay="0"/>
-                                          </p:stCondLst>
-                                        </p:cTn>
-                                        <p:tgtEl>
-                                          <p:spTgt spid="3">
-                                            <p:txEl>
-                                              <p:pRg st="2" end="2"/>
-                                            </p:txEl>
-                                          </p:spTgt>
-                                        </p:tgtEl>
-                                        <p:attrNameLst>
-                                          <p:attrName>style.visibility</p:attrName>
-                                        </p:attrNameLst>
-                                      </p:cBhvr>
-                                      <p:to>
-                                        <p:strVal val="visible"/>
-                                      </p:to>
-                                    </p:set>
-                                  </p:childTnLst>
-                                </p:cTn>
-                              </p:par>
-                            </p:childTnLst>
-                          </p:cTn>
-                        </p:par>
-                      </p:childTnLst>
-                    </p:cTn>
-                  </p:par>
-                  <p:par>
-                    <p:cTn id="19" fill="hold">
-                      <p:stCondLst>
-                        <p:cond delay="indefinite"/>
-                      </p:stCondLst>
-                      <p:childTnLst>
-                        <p:par>
-                          <p:cTn id="20" fill="hold">
-                            <p:stCondLst>
-                              <p:cond delay="0"/>
-                            </p:stCondLst>
-                            <p:childTnLst>
-                              <p:par>
-                                <p:cTn id="21" presetID="1" presetClass="entr" presetSubtype="0" fill="hold" nodeType="clickEffect">
-                                  <p:stCondLst>
-                                    <p:cond delay="0"/>
-                                  </p:stCondLst>
-                                  <p:childTnLst>
-                                    <p:set>
-                                      <p:cBhvr>
-                                        <p:cTn id="22" dur="1" fill="hold">
-                                          <p:stCondLst>
-                                            <p:cond delay="0"/>
-                                          </p:stCondLst>
-                                        </p:cTn>
-                                        <p:tgtEl>
-                                          <p:spTgt spid="3">
-                                            <p:txEl>
-                                              <p:pRg st="3" end="3"/>
-                                            </p:txEl>
-                                          </p:spTgt>
-                                        </p:tgtEl>
-                                        <p:attrNameLst>
-                                          <p:attrName>style.visibility</p:attrName>
-                                        </p:attrNameLst>
-                                      </p:cBhvr>
-                                      <p:to>
-                                        <p:strVal val="visible"/>
-                                      </p:to>
-                                    </p:set>
-                                  </p:childTnLst>
-                                </p:cTn>
-                              </p:par>
-                            </p:childTnLst>
-                          </p:cTn>
-                        </p:par>
-                      </p:childTnLst>
-                    </p:cTn>
-                  </p:par>
-                  <p:par>
-                    <p:cTn id="23" fill="hold">
-                      <p:stCondLst>
-                        <p:cond delay="indefinite"/>
-                      </p:stCondLst>
-                      <p:childTnLst>
-                        <p:par>
-                          <p:cTn id="24" fill="hold">
-                            <p:stCondLst>
-                              <p:cond delay="0"/>
-                            </p:stCondLst>
-                            <p:childTnLst>
-                              <p:par>
-                                <p:cTn id="25" presetID="1" presetClass="entr" presetSubtype="0" fill="hold" nodeType="clickEffect">
-                                  <p:stCondLst>
-                                    <p:cond delay="0"/>
-                                  </p:stCondLst>
-                                  <p:childTnLst>
-                                    <p:set>
-                                      <p:cBhvr>
-                                        <p:cTn id="26" dur="1" fill="hold">
-                                          <p:stCondLst>
-                                            <p:cond delay="0"/>
-                                          </p:stCondLst>
-                                        </p:cTn>
-                                        <p:tgtEl>
-                                          <p:spTgt spid="3">
-                                            <p:txEl>
-                                              <p:pRg st="5" end="5"/>
-                                            </p:txEl>
-                                          </p:spTgt>
-                                        </p:tgtEl>
-                                        <p:attrNameLst>
-                                          <p:attrName>style.visibility</p:attrName>
-                                        </p:attrNameLst>
-                                      </p:cBhvr>
-                                      <p:to>
-                                        <p:strVal val="visible"/>
-                                      </p:to>
-                                    </p:set>
-                                  </p:childTnLst>
-                                </p:cTn>
-                              </p:par>
-                            </p:childTnLst>
-                          </p:cTn>
-                        </p:par>
-                      </p:childTnLst>
-                    </p:cTn>
-                  </p:par>
-                  <p:par>
-                    <p:cTn id="27" fill="hold">
-                      <p:stCondLst>
-                        <p:cond delay="indefinite"/>
-                      </p:stCondLst>
-                      <p:childTnLst>
-                        <p:par>
-                          <p:cTn id="28" fill="hold">
-                            <p:stCondLst>
-                              <p:cond delay="0"/>
-                            </p:stCondLst>
-                            <p:childTnLst>
-                              <p:par>
-                                <p:cTn id="29" presetID="1" presetClass="entr" presetSubtype="0" fill="hold" nodeType="clickEffect">
-                                  <p:stCondLst>
-                                    <p:cond delay="0"/>
-                                  </p:stCondLst>
-                                  <p:childTnLst>
-                                    <p:set>
-                                      <p:cBhvr>
-                                        <p:cTn id="30" dur="1" fill="hold">
-                                          <p:stCondLst>
-                                            <p:cond delay="0"/>
-                                          </p:stCondLst>
-                                        </p:cTn>
-                                        <p:tgtEl>
-                                          <p:spTgt spid="22"/>
-                                        </p:tgtEl>
-                                        <p:attrNameLst>
-                                          <p:attrName>style.visibility</p:attrName>
-                                        </p:attrNameLst>
-                                      </p:cBhvr>
-                                      <p:to>
-                                        <p:strVal val="visible"/>
-                                      </p:to>
-                                    </p:set>
-                                  </p:childTnLst>
-                                </p:cTn>
-                              </p:par>
-                            </p:childTnLst>
-                          </p:cTn>
-                        </p:par>
-                      </p:childTnLst>
-                    </p:cTn>
-                  </p:par>
-                  <p:par>
-                    <p:cTn id="31" fill="hold">
-                      <p:stCondLst>
-                        <p:cond delay="indefinite"/>
-                      </p:stCondLst>
-                      <p:childTnLst>
-                        <p:par>
-                          <p:cTn id="32" fill="hold">
-                            <p:stCondLst>
-                              <p:cond delay="0"/>
-                            </p:stCondLst>
-                            <p:childTnLst>
-                              <p:par>
-                                <p:cTn id="33" presetID="1" presetClass="entr" presetSubtype="0" fill="hold" nodeType="clickEffect">
-                                  <p:stCondLst>
-                                    <p:cond delay="0"/>
-                                  </p:stCondLst>
-                                  <p:childTnLst>
-                                    <p:set>
-                                      <p:cBhvr>
-                                        <p:cTn id="34" dur="1" fill="hold">
-                                          <p:stCondLst>
-                                            <p:cond delay="0"/>
-                                          </p:stCondLst>
-                                        </p:cTn>
-                                        <p:tgtEl>
-                                          <p:spTgt spid="3">
-                                            <p:txEl>
-                                              <p:pRg st="6" end="6"/>
-                                            </p:txEl>
-                                          </p:spTgt>
-                                        </p:tgtEl>
-                                        <p:attrNameLst>
-                                          <p:attrName>style.visibility</p:attrName>
-                                        </p:attrNameLst>
-                                      </p:cBhvr>
-                                      <p:to>
-                                        <p:strVal val="visible"/>
-                                      </p:to>
-                                    </p:set>
-                                  </p:childTnLst>
-                                </p:cTn>
-                              </p:par>
-                            </p:childTnLst>
-                          </p:cTn>
-                        </p:par>
-                      </p:childTnLst>
-                    </p:cTn>
-                  </p:par>
-                  <p:par>
-                    <p:cTn id="35" fill="hold">
-                      <p:stCondLst>
-                        <p:cond delay="indefinite"/>
-                      </p:stCondLst>
-                      <p:childTnLst>
-                        <p:par>
-                          <p:cTn id="36" fill="hold">
-                            <p:stCondLst>
-                              <p:cond delay="0"/>
-                            </p:stCondLst>
-                            <p:childTnLst>
-                              <p:par>
-                                <p:cTn id="37" presetID="1" presetClass="entr" presetSubtype="0" fill="hold" nodeType="clickEffect">
-                                  <p:stCondLst>
-                                    <p:cond delay="0"/>
-                                  </p:stCondLst>
-                                  <p:childTnLst>
-                                    <p:set>
-                                      <p:cBhvr>
-                                        <p:cTn id="38" dur="1" fill="hold">
-                                          <p:stCondLst>
-                                            <p:cond delay="0"/>
-                                          </p:stCondLst>
-                                        </p:cTn>
-                                        <p:tgtEl>
-                                          <p:spTgt spid="3">
-                                            <p:txEl>
-                                              <p:pRg st="7" end="7"/>
-                                            </p:txEl>
-                                          </p:spTgt>
-                                        </p:tgtEl>
-                                        <p:attrNameLst>
-                                          <p:attrName>style.visibility</p:attrName>
-                                        </p:attrNameLst>
-                                      </p:cBhvr>
-                                      <p:to>
-                                        <p:strVal val="visible"/>
-                                      </p:to>
-                                    </p:set>
-                                  </p:childTnLst>
-                                </p:cTn>
-                              </p:par>
-                            </p:childTnLst>
-                          </p:cTn>
-                        </p:par>
-                      </p:childTnLst>
-                    </p:cTn>
-                  </p:par>
-                  <p:par>
-                    <p:cTn id="39" fill="hold">
-                      <p:stCondLst>
-                        <p:cond delay="indefinite"/>
-                      </p:stCondLst>
-                      <p:childTnLst>
-                        <p:par>
-                          <p:cTn id="40" fill="hold">
-                            <p:stCondLst>
-                              <p:cond delay="0"/>
-                            </p:stCondLst>
-                            <p:childTnLst>
-                              <p:par>
-                                <p:cTn id="41" presetID="1" presetClass="entr" presetSubtype="0" fill="hold" nodeType="clickEffect">
-                                  <p:stCondLst>
-                                    <p:cond delay="0"/>
-                                  </p:stCondLst>
-                                  <p:childTnLst>
-                                    <p:set>
-                                      <p:cBhvr>
-                                        <p:cTn id="42" dur="1" fill="hold">
-                                          <p:stCondLst>
-                                            <p:cond delay="0"/>
-                                          </p:stCondLst>
-                                        </p:cTn>
-                                        <p:tgtEl>
-                                          <p:spTgt spid="3">
-                                            <p:txEl>
-                                              <p:pRg st="8" end="8"/>
-                                            </p:txEl>
-                                          </p:spTgt>
-                                        </p:tgtEl>
-                                        <p:attrNameLst>
-                                          <p:attrName>style.visibility</p:attrName>
-                                        </p:attrNameLst>
-                                      </p:cBhvr>
-                                      <p:to>
-                                        <p:strVal val="visible"/>
-                                      </p:to>
-                                    </p:set>
-                                  </p:childTnLst>
-                                </p:cTn>
-                              </p:par>
-                            </p:childTnLst>
-                          </p:cTn>
-                        </p:par>
-                      </p:childTnLst>
-                    </p:cTn>
-                  </p:par>
-                </p:childTnLst>
-              </p:cTn>
-              <p:prevCondLst>
-                <p:cond evt="onPrev" delay="0">
-                  <p:tgtEl>
-                    <p:sldTgt/>
-                  </p:tgtEl>
-                </p:cond>
-              </p:prevCondLst>
-              <p:nextCondLst>
-                <p:cond evt="onNext" delay="0">
-                  <p:tgtEl>
-                    <p:sldTgt/>
-                  </p:tgtEl>
-                </p:cond>
-              </p:nextCondLst>
-            </p:seq>
-          </p:childTnLst>
-        </p:cTn>
-      </p:par>
-    </p:tnLst>
-  </p:timing>
-</p:sld>
-</file>
-
-<file path=ppt/slides/slide30.xml><?xml version="1.0" encoding="utf-8"?>
-<p:sld xmlns:a="http://schemas.openxmlformats.org/drawingml/2006/main" xmlns:r="http://schemas.openxmlformats.org/officeDocument/2006/relationships" xmlns:p="http://schemas.openxmlformats.org/presentationml/2006/main">
-  <p:cSld>
-    <p:spTree>
-      <p:nvGrpSpPr>
-        <p:cNvPr id="1" name=""/>
-        <p:cNvGrpSpPr/>
-        <p:nvPr/>
-      </p:nvGrpSpPr>
-      <p:grpSpPr>
-        <a:xfrm>
-          <a:off x="0" y="0"/>
-          <a:ext cx="0" cy="0"/>
-          <a:chOff x="0" y="0"/>
-          <a:chExt cx="0" cy="0"/>
-        </a:xfrm>
-      </p:grpSpPr>
-      <p:sp>
-        <p:nvSpPr>
-          <p:cNvPr id="2" name="Title 1"/>
-          <p:cNvSpPr>
-            <a:spLocks noGrp="1"/>
-          </p:cNvSpPr>
-          <p:nvPr>
-            <p:ph type="title"/>
-          </p:nvPr>
-        </p:nvSpPr>
-        <p:spPr/>
-        <p:txBody>
-          <a:bodyPr/>
-          <a:lstStyle/>
-          <a:p>
-            <a:r>
-              <a:rPr lang="en-US" dirty="0"/>
               <a:t>Agenda</a:t>
             </a:r>
           </a:p>
@@ -13127,7 +13274,7 @@
 </p:sld>
 </file>
 
-<file path=ppt/slides/slide31.xml><?xml version="1.0" encoding="utf-8"?>
+<file path=ppt/slides/slide34.xml><?xml version="1.0" encoding="utf-8"?>
 <p:sld xmlns:a="http://schemas.openxmlformats.org/drawingml/2006/main" xmlns:r="http://schemas.openxmlformats.org/officeDocument/2006/relationships" xmlns:p="http://schemas.openxmlformats.org/presentationml/2006/main">
   <p:cSld>
     <p:spTree>
@@ -14738,7 +14885,819 @@
 </p:sld>
 </file>
 
-<file path=ppt/slides/slide32.xml><?xml version="1.0" encoding="utf-8"?>
+<file path=ppt/slides/slide35.xml><?xml version="1.0" encoding="utf-8"?>
+<p:sld xmlns:a="http://schemas.openxmlformats.org/drawingml/2006/main" xmlns:r="http://schemas.openxmlformats.org/officeDocument/2006/relationships" xmlns:p="http://schemas.openxmlformats.org/presentationml/2006/main">
+  <p:cSld>
+    <p:spTree>
+      <p:nvGrpSpPr>
+        <p:cNvPr id="1" name=""/>
+        <p:cNvGrpSpPr/>
+        <p:nvPr/>
+      </p:nvGrpSpPr>
+      <p:grpSpPr>
+        <a:xfrm>
+          <a:off x="0" y="0"/>
+          <a:ext cx="0" cy="0"/>
+          <a:chOff x="0" y="0"/>
+          <a:chExt cx="0" cy="0"/>
+        </a:xfrm>
+      </p:grpSpPr>
+      <p:sp>
+        <p:nvSpPr>
+          <p:cNvPr id="18434" name="Title 4"/>
+          <p:cNvSpPr>
+            <a:spLocks noGrp="1"/>
+          </p:cNvSpPr>
+          <p:nvPr>
+            <p:ph type="title"/>
+          </p:nvPr>
+        </p:nvSpPr>
+        <p:spPr/>
+        <p:txBody>
+          <a:bodyPr/>
+          <a:lstStyle/>
+          <a:p>
+            <a:r>
+              <a:rPr lang="en-US" altLang="en-US"/>
+              <a:t>The StreamingDatasetsDemo Project</a:t>
+            </a:r>
+            <a:endParaRPr lang="en-US" altLang="en-US" dirty="0"/>
+          </a:p>
+        </p:txBody>
+      </p:sp>
+      <p:sp>
+        <p:nvSpPr>
+          <p:cNvPr id="6" name="Content Placeholder 5"/>
+          <p:cNvSpPr>
+            <a:spLocks noGrp="1"/>
+          </p:cNvSpPr>
+          <p:nvPr>
+            <p:ph idx="1"/>
+          </p:nvPr>
+        </p:nvSpPr>
+        <p:spPr/>
+        <p:txBody>
+          <a:bodyPr>
+            <a:normAutofit/>
+          </a:bodyPr>
+          <a:lstStyle/>
+          <a:p>
+            <a:r>
+              <a:rPr lang="en-US" sz="2400" dirty="0"/>
+              <a:t>Console application project in Visual Studio 2017</a:t>
+            </a:r>
+          </a:p>
+          <a:p>
+            <a:pPr lvl="1"/>
+            <a:r>
+              <a:rPr lang="en-US" sz="2000" dirty="0"/>
+              <a:t>Installed package for Azure AD Authentication library</a:t>
+            </a:r>
+          </a:p>
+          <a:p>
+            <a:pPr lvl="1"/>
+            <a:r>
+              <a:rPr lang="en-US" sz="2000" dirty="0"/>
+              <a:t>Installed package to serialize .NET objects to JSON</a:t>
+            </a:r>
+          </a:p>
+        </p:txBody>
+      </p:sp>
+      <p:pic>
+        <p:nvPicPr>
+          <p:cNvPr id="3" name="Picture 2">
+            <a:extLst>
+              <a:ext uri="{FF2B5EF4-FFF2-40B4-BE49-F238E27FC236}">
+                <a16:creationId xmlns:a16="http://schemas.microsoft.com/office/drawing/2014/main" id="{8CEAEAEF-D56F-41EA-8D37-BCB7A01E8C8C}"/>
+              </a:ext>
+            </a:extLst>
+          </p:cNvPr>
+          <p:cNvPicPr>
+            <a:picLocks noChangeAspect="1"/>
+          </p:cNvPicPr>
+          <p:nvPr/>
+        </p:nvPicPr>
+        <p:blipFill>
+          <a:blip r:embed="rId2"/>
+          <a:stretch>
+            <a:fillRect/>
+          </a:stretch>
+        </p:blipFill>
+        <p:spPr>
+          <a:xfrm>
+            <a:off x="381000" y="3352800"/>
+            <a:ext cx="3453481" cy="2759595"/>
+          </a:xfrm>
+          <a:prstGeom prst="rect">
+            <a:avLst/>
+          </a:prstGeom>
+          <a:ln>
+            <a:solidFill>
+              <a:schemeClr val="tx1">
+                <a:lumMod val="50000"/>
+                <a:lumOff val="50000"/>
+              </a:schemeClr>
+            </a:solidFill>
+          </a:ln>
+        </p:spPr>
+      </p:pic>
+      <p:pic>
+        <p:nvPicPr>
+          <p:cNvPr id="4" name="Picture 3">
+            <a:extLst>
+              <a:ext uri="{FF2B5EF4-FFF2-40B4-BE49-F238E27FC236}">
+                <a16:creationId xmlns:a16="http://schemas.microsoft.com/office/drawing/2014/main" id="{DC1753A0-2DA7-455F-834E-0FA0DDEC296B}"/>
+              </a:ext>
+            </a:extLst>
+          </p:cNvPr>
+          <p:cNvPicPr>
+            <a:picLocks noChangeAspect="1"/>
+          </p:cNvPicPr>
+          <p:nvPr/>
+        </p:nvPicPr>
+        <p:blipFill>
+          <a:blip r:embed="rId3"/>
+          <a:stretch>
+            <a:fillRect/>
+          </a:stretch>
+        </p:blipFill>
+        <p:spPr>
+          <a:xfrm>
+            <a:off x="2437218" y="4914900"/>
+            <a:ext cx="6013621" cy="1524000"/>
+          </a:xfrm>
+          <a:prstGeom prst="rect">
+            <a:avLst/>
+          </a:prstGeom>
+          <a:ln>
+            <a:solidFill>
+              <a:schemeClr val="tx1">
+                <a:lumMod val="50000"/>
+                <a:lumOff val="50000"/>
+              </a:schemeClr>
+            </a:solidFill>
+          </a:ln>
+        </p:spPr>
+      </p:pic>
+      <p:grpSp>
+        <p:nvGrpSpPr>
+          <p:cNvPr id="7" name="Group 6">
+            <a:extLst>
+              <a:ext uri="{FF2B5EF4-FFF2-40B4-BE49-F238E27FC236}">
+                <a16:creationId xmlns:a16="http://schemas.microsoft.com/office/drawing/2014/main" id="{960DCFC9-1681-4F5D-98DF-718EA07F4F0E}"/>
+              </a:ext>
+            </a:extLst>
+          </p:cNvPr>
+          <p:cNvGrpSpPr/>
+          <p:nvPr/>
+        </p:nvGrpSpPr>
+        <p:grpSpPr>
+          <a:xfrm>
+            <a:off x="4158080" y="2933700"/>
+            <a:ext cx="4394359" cy="1600200"/>
+            <a:chOff x="4521041" y="3810000"/>
+            <a:chExt cx="4394359" cy="1600200"/>
+          </a:xfrm>
+        </p:grpSpPr>
+        <p:sp>
+          <p:nvSpPr>
+            <p:cNvPr id="8" name="Rectangle: Rounded Corners 7">
+              <a:extLst>
+                <a:ext uri="{FF2B5EF4-FFF2-40B4-BE49-F238E27FC236}">
+                  <a16:creationId xmlns:a16="http://schemas.microsoft.com/office/drawing/2014/main" id="{AD77FB33-1A52-4B54-81CE-7A78F9F43ADC}"/>
+                </a:ext>
+              </a:extLst>
+            </p:cNvPr>
+            <p:cNvSpPr/>
+            <p:nvPr/>
+          </p:nvSpPr>
+          <p:spPr>
+            <a:xfrm>
+              <a:off x="4521041" y="3810000"/>
+              <a:ext cx="4394359" cy="1600200"/>
+            </a:xfrm>
+            <a:prstGeom prst="roundRect">
+              <a:avLst/>
+            </a:prstGeom>
+            <a:solidFill>
+              <a:schemeClr val="accent5">
+                <a:lumMod val="20000"/>
+                <a:lumOff val="80000"/>
+              </a:schemeClr>
+            </a:solidFill>
+            <a:ln w="9525">
+              <a:solidFill>
+                <a:schemeClr val="tx1"/>
+              </a:solidFill>
+            </a:ln>
+          </p:spPr>
+          <p:style>
+            <a:lnRef idx="2">
+              <a:schemeClr val="accent1">
+                <a:shade val="50000"/>
+              </a:schemeClr>
+            </a:lnRef>
+            <a:fillRef idx="1">
+              <a:schemeClr val="accent1"/>
+            </a:fillRef>
+            <a:effectRef idx="0">
+              <a:schemeClr val="accent1"/>
+            </a:effectRef>
+            <a:fontRef idx="minor">
+              <a:schemeClr val="lt1"/>
+            </a:fontRef>
+          </p:style>
+          <p:txBody>
+            <a:bodyPr rtlCol="0" anchor="ctr"/>
+            <a:lstStyle/>
+            <a:p>
+              <a:pPr algn="ctr"/>
+              <a:endParaRPr lang="en-US"/>
+            </a:p>
+          </p:txBody>
+        </p:sp>
+        <p:grpSp>
+          <p:nvGrpSpPr>
+            <p:cNvPr id="9" name="Group 8">
+              <a:extLst>
+                <a:ext uri="{FF2B5EF4-FFF2-40B4-BE49-F238E27FC236}">
+                  <a16:creationId xmlns:a16="http://schemas.microsoft.com/office/drawing/2014/main" id="{20564B2E-1AC7-4124-8BFC-FC370259B93E}"/>
+                </a:ext>
+              </a:extLst>
+            </p:cNvPr>
+            <p:cNvGrpSpPr/>
+            <p:nvPr/>
+          </p:nvGrpSpPr>
+          <p:grpSpPr>
+            <a:xfrm>
+              <a:off x="7028124" y="4017548"/>
+              <a:ext cx="1811076" cy="1176240"/>
+              <a:chOff x="7038900" y="1795244"/>
+              <a:chExt cx="1689900" cy="1021397"/>
+            </a:xfrm>
+          </p:grpSpPr>
+          <p:pic>
+            <p:nvPicPr>
+              <p:cNvPr id="12" name="Picture 11">
+                <a:extLst>
+                  <a:ext uri="{FF2B5EF4-FFF2-40B4-BE49-F238E27FC236}">
+                    <a16:creationId xmlns:a16="http://schemas.microsoft.com/office/drawing/2014/main" id="{3DD50C61-D0A2-4E50-8174-51EEA8638503}"/>
+                  </a:ext>
+                </a:extLst>
+              </p:cNvPr>
+              <p:cNvPicPr>
+                <a:picLocks noChangeAspect="1"/>
+              </p:cNvPicPr>
+              <p:nvPr/>
+            </p:nvPicPr>
+            <p:blipFill>
+              <a:blip r:embed="rId4"/>
+              <a:stretch>
+                <a:fillRect/>
+              </a:stretch>
+            </p:blipFill>
+            <p:spPr>
+              <a:xfrm>
+                <a:off x="7038900" y="1795244"/>
+                <a:ext cx="1689900" cy="1021397"/>
+              </a:xfrm>
+              <a:prstGeom prst="rect">
+                <a:avLst/>
+              </a:prstGeom>
+            </p:spPr>
+          </p:pic>
+          <p:sp>
+            <p:nvSpPr>
+              <p:cNvPr id="13" name="TextBox 12">
+                <a:extLst>
+                  <a:ext uri="{FF2B5EF4-FFF2-40B4-BE49-F238E27FC236}">
+                    <a16:creationId xmlns:a16="http://schemas.microsoft.com/office/drawing/2014/main" id="{2518CF85-0BF4-44CC-9577-83AFC04F2302}"/>
+                  </a:ext>
+                </a:extLst>
+              </p:cNvPr>
+              <p:cNvSpPr txBox="1"/>
+              <p:nvPr/>
+            </p:nvSpPr>
+            <p:spPr>
+              <a:xfrm>
+                <a:off x="7444150" y="2067262"/>
+                <a:ext cx="1016625" cy="584775"/>
+              </a:xfrm>
+              <a:prstGeom prst="rect">
+                <a:avLst/>
+              </a:prstGeom>
+              <a:noFill/>
+            </p:spPr>
+            <p:txBody>
+              <a:bodyPr wrap="none" rtlCol="0">
+                <a:spAutoFit/>
+              </a:bodyPr>
+              <a:lstStyle/>
+              <a:p>
+                <a:pPr algn="ctr"/>
+                <a:r>
+                  <a:rPr lang="en-US" sz="1600" dirty="0"/>
+                  <a:t>Power BI</a:t>
+                </a:r>
+              </a:p>
+              <a:p>
+                <a:pPr algn="ctr"/>
+                <a:r>
+                  <a:rPr lang="en-US" sz="1600" dirty="0"/>
+                  <a:t>Service</a:t>
+                </a:r>
+              </a:p>
+            </p:txBody>
+          </p:sp>
+        </p:grpSp>
+        <p:sp>
+          <p:nvSpPr>
+            <p:cNvPr id="10" name="Rectangle: Rounded Corners 9">
+              <a:extLst>
+                <a:ext uri="{FF2B5EF4-FFF2-40B4-BE49-F238E27FC236}">
+                  <a16:creationId xmlns:a16="http://schemas.microsoft.com/office/drawing/2014/main" id="{B7A949B4-488B-4DEB-A4D8-0E2E4B50750E}"/>
+                </a:ext>
+              </a:extLst>
+            </p:cNvPr>
+            <p:cNvSpPr/>
+            <p:nvPr/>
+          </p:nvSpPr>
+          <p:spPr>
+            <a:xfrm>
+              <a:off x="4659527" y="4110368"/>
+              <a:ext cx="1260453" cy="990600"/>
+            </a:xfrm>
+            <a:prstGeom prst="roundRect">
+              <a:avLst/>
+            </a:prstGeom>
+            <a:solidFill>
+              <a:schemeClr val="accent6">
+                <a:lumMod val="20000"/>
+                <a:lumOff val="80000"/>
+              </a:schemeClr>
+            </a:solidFill>
+          </p:spPr>
+          <p:style>
+            <a:lnRef idx="2">
+              <a:schemeClr val="accent1">
+                <a:shade val="50000"/>
+              </a:schemeClr>
+            </a:lnRef>
+            <a:fillRef idx="1">
+              <a:schemeClr val="accent1"/>
+            </a:fillRef>
+            <a:effectRef idx="0">
+              <a:schemeClr val="accent1"/>
+            </a:effectRef>
+            <a:fontRef idx="minor">
+              <a:schemeClr val="lt1"/>
+            </a:fontRef>
+          </p:style>
+          <p:txBody>
+            <a:bodyPr rtlCol="0" anchor="ctr"/>
+            <a:lstStyle/>
+            <a:p>
+              <a:pPr algn="ctr"/>
+              <a:r>
+                <a:rPr lang="en-US" sz="1400" i="1" dirty="0">
+                  <a:solidFill>
+                    <a:schemeClr val="tx1"/>
+                  </a:solidFill>
+                </a:rPr>
+                <a:t>Custom</a:t>
+              </a:r>
+            </a:p>
+            <a:p>
+              <a:pPr algn="ctr"/>
+              <a:r>
+                <a:rPr lang="en-US" sz="1400" i="1" dirty="0">
+                  <a:solidFill>
+                    <a:schemeClr val="tx1"/>
+                  </a:solidFill>
+                </a:rPr>
+                <a:t>Application</a:t>
+              </a:r>
+            </a:p>
+            <a:p>
+              <a:pPr algn="ctr"/>
+              <a:endParaRPr lang="en-US" sz="400" i="1" dirty="0">
+                <a:solidFill>
+                  <a:srgbClr val="C00000"/>
+                </a:solidFill>
+              </a:endParaRPr>
+            </a:p>
+            <a:p>
+              <a:pPr algn="ctr"/>
+              <a:r>
+                <a:rPr lang="en-US" sz="1000" dirty="0">
+                  <a:solidFill>
+                    <a:srgbClr val="C00000"/>
+                  </a:solidFill>
+                  <a:latin typeface="+mj-lt"/>
+                </a:rPr>
+                <a:t>Power</a:t>
+              </a:r>
+              <a:r>
+                <a:rPr lang="en-US" sz="1050" dirty="0">
+                  <a:solidFill>
+                    <a:srgbClr val="C00000"/>
+                  </a:solidFill>
+                  <a:latin typeface="+mj-lt"/>
+                </a:rPr>
+                <a:t> BI</a:t>
+              </a:r>
+            </a:p>
+            <a:p>
+              <a:pPr algn="ctr"/>
+              <a:r>
+                <a:rPr lang="en-US" sz="1050" dirty="0">
+                  <a:solidFill>
+                    <a:srgbClr val="C00000"/>
+                  </a:solidFill>
+                  <a:latin typeface="+mj-lt"/>
+                </a:rPr>
+                <a:t>Service API</a:t>
+              </a:r>
+            </a:p>
+          </p:txBody>
+        </p:sp>
+        <p:sp>
+          <p:nvSpPr>
+            <p:cNvPr id="11" name="Arrow: Right 10">
+              <a:extLst>
+                <a:ext uri="{FF2B5EF4-FFF2-40B4-BE49-F238E27FC236}">
+                  <a16:creationId xmlns:a16="http://schemas.microsoft.com/office/drawing/2014/main" id="{1F7E0025-A156-49FD-AF9C-759FFE764FBF}"/>
+                </a:ext>
+              </a:extLst>
+            </p:cNvPr>
+            <p:cNvSpPr/>
+            <p:nvPr/>
+          </p:nvSpPr>
+          <p:spPr>
+            <a:xfrm>
+              <a:off x="6058466" y="4337847"/>
+              <a:ext cx="875734" cy="544506"/>
+            </a:xfrm>
+            <a:prstGeom prst="rightArrow">
+              <a:avLst>
+                <a:gd name="adj1" fmla="val 55505"/>
+                <a:gd name="adj2" fmla="val 50000"/>
+              </a:avLst>
+            </a:prstGeom>
+            <a:solidFill>
+              <a:schemeClr val="accent2">
+                <a:lumMod val="20000"/>
+                <a:lumOff val="80000"/>
+              </a:schemeClr>
+            </a:solidFill>
+            <a:ln w="6350"/>
+          </p:spPr>
+          <p:style>
+            <a:lnRef idx="2">
+              <a:schemeClr val="accent1">
+                <a:shade val="50000"/>
+              </a:schemeClr>
+            </a:lnRef>
+            <a:fillRef idx="1">
+              <a:schemeClr val="accent1"/>
+            </a:fillRef>
+            <a:effectRef idx="0">
+              <a:schemeClr val="accent1"/>
+            </a:effectRef>
+            <a:fontRef idx="minor">
+              <a:schemeClr val="lt1"/>
+            </a:fontRef>
+          </p:style>
+          <p:txBody>
+            <a:bodyPr rtlCol="0" anchor="ctr"/>
+            <a:lstStyle/>
+            <a:p>
+              <a:pPr algn="ctr"/>
+              <a:r>
+                <a:rPr lang="en-US" sz="1400" dirty="0">
+                  <a:solidFill>
+                    <a:srgbClr val="C00000"/>
+                  </a:solidFill>
+                  <a:latin typeface="+mj-lt"/>
+                </a:rPr>
+                <a:t>Push</a:t>
+              </a:r>
+            </a:p>
+          </p:txBody>
+        </p:sp>
+      </p:grpSp>
+    </p:spTree>
+    <p:extLst>
+      <p:ext uri="{BB962C8B-B14F-4D97-AF65-F5344CB8AC3E}">
+        <p14:creationId xmlns:p14="http://schemas.microsoft.com/office/powerpoint/2010/main" val="1080854005"/>
+      </p:ext>
+    </p:extLst>
+  </p:cSld>
+  <p:clrMapOvr>
+    <a:masterClrMapping/>
+  </p:clrMapOvr>
+  <p:timing>
+    <p:tnLst>
+      <p:par>
+        <p:cTn id="1" dur="indefinite" restart="never" nodeType="tmRoot">
+          <p:childTnLst>
+            <p:seq concurrent="1" nextAc="seek">
+              <p:cTn id="2" dur="indefinite" nodeType="mainSeq">
+                <p:childTnLst>
+                  <p:par>
+                    <p:cTn id="3" fill="hold">
+                      <p:stCondLst>
+                        <p:cond delay="indefinite"/>
+                      </p:stCondLst>
+                      <p:childTnLst>
+                        <p:par>
+                          <p:cTn id="4" fill="hold">
+                            <p:stCondLst>
+                              <p:cond delay="0"/>
+                            </p:stCondLst>
+                            <p:childTnLst>
+                              <p:par>
+                                <p:cTn id="5" presetID="1" presetClass="entr" presetSubtype="0" fill="hold" nodeType="clickEffect">
+                                  <p:stCondLst>
+                                    <p:cond delay="0"/>
+                                  </p:stCondLst>
+                                  <p:childTnLst>
+                                    <p:set>
+                                      <p:cBhvr>
+                                        <p:cTn id="6" dur="1" fill="hold">
+                                          <p:stCondLst>
+                                            <p:cond delay="0"/>
+                                          </p:stCondLst>
+                                        </p:cTn>
+                                        <p:tgtEl>
+                                          <p:spTgt spid="6">
+                                            <p:txEl>
+                                              <p:pRg st="0" end="0"/>
+                                            </p:txEl>
+                                          </p:spTgt>
+                                        </p:tgtEl>
+                                        <p:attrNameLst>
+                                          <p:attrName>style.visibility</p:attrName>
+                                        </p:attrNameLst>
+                                      </p:cBhvr>
+                                      <p:to>
+                                        <p:strVal val="visible"/>
+                                      </p:to>
+                                    </p:set>
+                                  </p:childTnLst>
+                                </p:cTn>
+                              </p:par>
+                              <p:par>
+                                <p:cTn id="7" presetID="1" presetClass="entr" presetSubtype="0" fill="hold" nodeType="withEffect">
+                                  <p:stCondLst>
+                                    <p:cond delay="0"/>
+                                  </p:stCondLst>
+                                  <p:childTnLst>
+                                    <p:set>
+                                      <p:cBhvr>
+                                        <p:cTn id="8" dur="1" fill="hold">
+                                          <p:stCondLst>
+                                            <p:cond delay="0"/>
+                                          </p:stCondLst>
+                                        </p:cTn>
+                                        <p:tgtEl>
+                                          <p:spTgt spid="7"/>
+                                        </p:tgtEl>
+                                        <p:attrNameLst>
+                                          <p:attrName>style.visibility</p:attrName>
+                                        </p:attrNameLst>
+                                      </p:cBhvr>
+                                      <p:to>
+                                        <p:strVal val="visible"/>
+                                      </p:to>
+                                    </p:set>
+                                  </p:childTnLst>
+                                </p:cTn>
+                              </p:par>
+                              <p:par>
+                                <p:cTn id="9" presetID="1" presetClass="entr" presetSubtype="0" fill="hold" nodeType="withEffect">
+                                  <p:stCondLst>
+                                    <p:cond delay="0"/>
+                                  </p:stCondLst>
+                                  <p:childTnLst>
+                                    <p:set>
+                                      <p:cBhvr>
+                                        <p:cTn id="10" dur="1" fill="hold">
+                                          <p:stCondLst>
+                                            <p:cond delay="0"/>
+                                          </p:stCondLst>
+                                        </p:cTn>
+                                        <p:tgtEl>
+                                          <p:spTgt spid="3"/>
+                                        </p:tgtEl>
+                                        <p:attrNameLst>
+                                          <p:attrName>style.visibility</p:attrName>
+                                        </p:attrNameLst>
+                                      </p:cBhvr>
+                                      <p:to>
+                                        <p:strVal val="visible"/>
+                                      </p:to>
+                                    </p:set>
+                                  </p:childTnLst>
+                                </p:cTn>
+                              </p:par>
+                            </p:childTnLst>
+                          </p:cTn>
+                        </p:par>
+                      </p:childTnLst>
+                    </p:cTn>
+                  </p:par>
+                  <p:par>
+                    <p:cTn id="11" fill="hold">
+                      <p:stCondLst>
+                        <p:cond delay="indefinite"/>
+                      </p:stCondLst>
+                      <p:childTnLst>
+                        <p:par>
+                          <p:cTn id="12" fill="hold">
+                            <p:stCondLst>
+                              <p:cond delay="0"/>
+                            </p:stCondLst>
+                            <p:childTnLst>
+                              <p:par>
+                                <p:cTn id="13" presetID="1" presetClass="entr" presetSubtype="0" fill="hold" nodeType="clickEffect">
+                                  <p:stCondLst>
+                                    <p:cond delay="0"/>
+                                  </p:stCondLst>
+                                  <p:childTnLst>
+                                    <p:set>
+                                      <p:cBhvr>
+                                        <p:cTn id="14" dur="1" fill="hold">
+                                          <p:stCondLst>
+                                            <p:cond delay="0"/>
+                                          </p:stCondLst>
+                                        </p:cTn>
+                                        <p:tgtEl>
+                                          <p:spTgt spid="6">
+                                            <p:txEl>
+                                              <p:pRg st="1" end="1"/>
+                                            </p:txEl>
+                                          </p:spTgt>
+                                        </p:tgtEl>
+                                        <p:attrNameLst>
+                                          <p:attrName>style.visibility</p:attrName>
+                                        </p:attrNameLst>
+                                      </p:cBhvr>
+                                      <p:to>
+                                        <p:strVal val="visible"/>
+                                      </p:to>
+                                    </p:set>
+                                  </p:childTnLst>
+                                </p:cTn>
+                              </p:par>
+                              <p:par>
+                                <p:cTn id="15" presetID="1" presetClass="entr" presetSubtype="0" fill="hold" nodeType="withEffect">
+                                  <p:stCondLst>
+                                    <p:cond delay="0"/>
+                                  </p:stCondLst>
+                                  <p:childTnLst>
+                                    <p:set>
+                                      <p:cBhvr>
+                                        <p:cTn id="16" dur="1" fill="hold">
+                                          <p:stCondLst>
+                                            <p:cond delay="0"/>
+                                          </p:stCondLst>
+                                        </p:cTn>
+                                        <p:tgtEl>
+                                          <p:spTgt spid="6">
+                                            <p:txEl>
+                                              <p:pRg st="2" end="2"/>
+                                            </p:txEl>
+                                          </p:spTgt>
+                                        </p:tgtEl>
+                                        <p:attrNameLst>
+                                          <p:attrName>style.visibility</p:attrName>
+                                        </p:attrNameLst>
+                                      </p:cBhvr>
+                                      <p:to>
+                                        <p:strVal val="visible"/>
+                                      </p:to>
+                                    </p:set>
+                                  </p:childTnLst>
+                                </p:cTn>
+                              </p:par>
+                              <p:par>
+                                <p:cTn id="17" presetID="1" presetClass="entr" presetSubtype="0" fill="hold" nodeType="withEffect">
+                                  <p:stCondLst>
+                                    <p:cond delay="0"/>
+                                  </p:stCondLst>
+                                  <p:childTnLst>
+                                    <p:set>
+                                      <p:cBhvr>
+                                        <p:cTn id="18" dur="1" fill="hold">
+                                          <p:stCondLst>
+                                            <p:cond delay="0"/>
+                                          </p:stCondLst>
+                                        </p:cTn>
+                                        <p:tgtEl>
+                                          <p:spTgt spid="4"/>
+                                        </p:tgtEl>
+                                        <p:attrNameLst>
+                                          <p:attrName>style.visibility</p:attrName>
+                                        </p:attrNameLst>
+                                      </p:cBhvr>
+                                      <p:to>
+                                        <p:strVal val="visible"/>
+                                      </p:to>
+                                    </p:set>
+                                  </p:childTnLst>
+                                </p:cTn>
+                              </p:par>
+                            </p:childTnLst>
+                          </p:cTn>
+                        </p:par>
+                      </p:childTnLst>
+                    </p:cTn>
+                  </p:par>
+                </p:childTnLst>
+              </p:cTn>
+              <p:prevCondLst>
+                <p:cond evt="onPrev" delay="0">
+                  <p:tgtEl>
+                    <p:sldTgt/>
+                  </p:tgtEl>
+                </p:cond>
+              </p:prevCondLst>
+              <p:nextCondLst>
+                <p:cond evt="onNext" delay="0">
+                  <p:tgtEl>
+                    <p:sldTgt/>
+                  </p:tgtEl>
+                </p:cond>
+              </p:nextCondLst>
+            </p:seq>
+          </p:childTnLst>
+        </p:cTn>
+      </p:par>
+    </p:tnLst>
+  </p:timing>
+</p:sld>
+</file>
+
+<file path=ppt/slides/slide36.xml><?xml version="1.0" encoding="utf-8"?>
+<p:sld xmlns:a="http://schemas.openxmlformats.org/drawingml/2006/main" xmlns:r="http://schemas.openxmlformats.org/officeDocument/2006/relationships" xmlns:p="http://schemas.openxmlformats.org/presentationml/2006/main">
+  <p:cSld>
+    <p:spTree>
+      <p:nvGrpSpPr>
+        <p:cNvPr id="1" name=""/>
+        <p:cNvGrpSpPr/>
+        <p:nvPr/>
+      </p:nvGrpSpPr>
+      <p:grpSpPr>
+        <a:xfrm>
+          <a:off x="0" y="0"/>
+          <a:ext cx="0" cy="0"/>
+          <a:chOff x="0" y="0"/>
+          <a:chExt cx="0" cy="0"/>
+        </a:xfrm>
+      </p:grpSpPr>
+      <p:sp>
+        <p:nvSpPr>
+          <p:cNvPr id="2" name="Title 1">
+            <a:extLst>
+              <a:ext uri="{FF2B5EF4-FFF2-40B4-BE49-F238E27FC236}">
+                <a16:creationId xmlns:a16="http://schemas.microsoft.com/office/drawing/2014/main" id="{E05BFA3E-6CA5-422D-A925-3A1E7CD5BA93}"/>
+              </a:ext>
+            </a:extLst>
+          </p:cNvPr>
+          <p:cNvSpPr>
+            <a:spLocks noGrp="1"/>
+          </p:cNvSpPr>
+          <p:nvPr>
+            <p:ph type="title"/>
+          </p:nvPr>
+        </p:nvSpPr>
+        <p:spPr/>
+        <p:txBody>
+          <a:bodyPr/>
+          <a:lstStyle/>
+          <a:p>
+            <a:r>
+              <a:rPr lang="en-US" dirty="0"/>
+              <a:t>Creating Streaming Datasets using Azure Streaming Analytics Jobs</a:t>
+            </a:r>
+          </a:p>
+        </p:txBody>
+      </p:sp>
+    </p:spTree>
+    <p:extLst>
+      <p:ext uri="{BB962C8B-B14F-4D97-AF65-F5344CB8AC3E}">
+        <p14:creationId xmlns:p14="http://schemas.microsoft.com/office/powerpoint/2010/main" val="249033329"/>
+      </p:ext>
+    </p:extLst>
+  </p:cSld>
+  <p:clrMapOvr>
+    <a:masterClrMapping/>
+  </p:clrMapOvr>
+</p:sld>
+</file>
+
+<file path=ppt/slides/slide37.xml><?xml version="1.0" encoding="utf-8"?>
 <p:sld xmlns:a="http://schemas.openxmlformats.org/drawingml/2006/main" xmlns:r="http://schemas.openxmlformats.org/officeDocument/2006/relationships" xmlns:p="http://schemas.openxmlformats.org/presentationml/2006/main">
   <p:cSld>
     <p:spTree>
@@ -14863,7 +15822,2158 @@
 </p:sld>
 </file>
 
+<file path=ppt/slides/slide38.xml><?xml version="1.0" encoding="utf-8"?>
+<p:sld xmlns:a="http://schemas.openxmlformats.org/drawingml/2006/main" xmlns:r="http://schemas.openxmlformats.org/officeDocument/2006/relationships" xmlns:p="http://schemas.openxmlformats.org/presentationml/2006/main">
+  <p:cSld>
+    <p:spTree>
+      <p:nvGrpSpPr>
+        <p:cNvPr id="1" name=""/>
+        <p:cNvGrpSpPr/>
+        <p:nvPr/>
+      </p:nvGrpSpPr>
+      <p:grpSpPr>
+        <a:xfrm>
+          <a:off x="0" y="0"/>
+          <a:ext cx="0" cy="0"/>
+          <a:chOff x="0" y="0"/>
+          <a:chExt cx="0" cy="0"/>
+        </a:xfrm>
+      </p:grpSpPr>
+      <p:sp>
+        <p:nvSpPr>
+          <p:cNvPr id="2" name="Title 1"/>
+          <p:cNvSpPr>
+            <a:spLocks noGrp="1"/>
+          </p:cNvSpPr>
+          <p:nvPr>
+            <p:ph type="title"/>
+          </p:nvPr>
+        </p:nvSpPr>
+        <p:spPr>
+          <a:xfrm>
+            <a:off x="947651" y="76200"/>
+            <a:ext cx="7815349" cy="838200"/>
+          </a:xfrm>
+        </p:spPr>
+        <p:txBody>
+          <a:bodyPr/>
+          <a:lstStyle/>
+          <a:p>
+            <a:r>
+              <a:rPr lang="en-US" sz="3200" dirty="0"/>
+              <a:t>Critical Path Training</a:t>
+            </a:r>
+            <a:br>
+              <a:rPr lang="en-US" sz="3200" dirty="0"/>
+            </a:br>
+            <a:r>
+              <a:rPr lang="en-US" sz="1600" dirty="0">
+                <a:solidFill>
+                  <a:schemeClr val="accent2">
+                    <a:lumMod val="20000"/>
+                    <a:lumOff val="80000"/>
+                  </a:schemeClr>
+                </a:solidFill>
+              </a:rPr>
+              <a:t>https://www.CriticalPathTrainig.com </a:t>
+            </a:r>
+            <a:endParaRPr lang="en-US" sz="3200" dirty="0">
+              <a:solidFill>
+                <a:schemeClr val="accent2">
+                  <a:lumMod val="20000"/>
+                  <a:lumOff val="80000"/>
+                </a:schemeClr>
+              </a:solidFill>
+            </a:endParaRPr>
+          </a:p>
+        </p:txBody>
+      </p:sp>
+      <p:sp>
+        <p:nvSpPr>
+          <p:cNvPr id="3" name="Content Placeholder 2"/>
+          <p:cNvSpPr>
+            <a:spLocks noGrp="1"/>
+          </p:cNvSpPr>
+          <p:nvPr>
+            <p:ph idx="1"/>
+          </p:nvPr>
+        </p:nvSpPr>
+        <p:spPr/>
+        <p:txBody>
+          <a:bodyPr>
+            <a:normAutofit fontScale="85000" lnSpcReduction="10000"/>
+          </a:bodyPr>
+          <a:lstStyle/>
+          <a:p>
+            <a:pPr>
+              <a:lnSpc>
+                <a:spcPct val="110000"/>
+              </a:lnSpc>
+            </a:pPr>
+            <a:r>
+              <a:rPr lang="en-US" b="1" dirty="0">
+                <a:solidFill>
+                  <a:srgbClr val="002060"/>
+                </a:solidFill>
+              </a:rPr>
+              <a:t>PBI365: Power BI Boot Camp </a:t>
+            </a:r>
+            <a:r>
+              <a:rPr lang="en-US" dirty="0">
+                <a:solidFill>
+                  <a:schemeClr val="tx2"/>
+                </a:solidFill>
+              </a:rPr>
+              <a:t>– 4 Days</a:t>
+            </a:r>
+          </a:p>
+          <a:p>
+            <a:pPr lvl="1">
+              <a:lnSpc>
+                <a:spcPct val="110000"/>
+              </a:lnSpc>
+            </a:pPr>
+            <a:r>
+              <a:rPr lang="en-US" dirty="0"/>
+              <a:t>Audience is Business Users, Analysts and Data Professionals</a:t>
+            </a:r>
+          </a:p>
+          <a:p>
+            <a:pPr lvl="1">
+              <a:lnSpc>
+                <a:spcPct val="110000"/>
+              </a:lnSpc>
+            </a:pPr>
+            <a:r>
+              <a:rPr lang="en-US" dirty="0"/>
+              <a:t>Provides hands-on introduction to the Power BI platform</a:t>
+            </a:r>
+          </a:p>
+          <a:p>
+            <a:pPr lvl="1">
+              <a:lnSpc>
+                <a:spcPct val="110000"/>
+              </a:lnSpc>
+            </a:pPr>
+            <a:r>
+              <a:rPr lang="en-US" dirty="0"/>
+              <a:t>Focuses on build solutions using Power BI Desktop</a:t>
+            </a:r>
+          </a:p>
+          <a:p>
+            <a:pPr lvl="1">
+              <a:lnSpc>
+                <a:spcPct val="110000"/>
+              </a:lnSpc>
+            </a:pPr>
+            <a:r>
+              <a:rPr lang="en-US" dirty="0"/>
+              <a:t>Query design, data modeling and report and dashboard design</a:t>
+            </a:r>
+          </a:p>
+          <a:p>
+            <a:pPr lvl="1">
+              <a:lnSpc>
+                <a:spcPct val="110000"/>
+              </a:lnSpc>
+            </a:pPr>
+            <a:r>
+              <a:rPr lang="en-US" dirty="0"/>
+              <a:t>Apps and App Workspaces</a:t>
+            </a:r>
+          </a:p>
+          <a:p>
+            <a:pPr>
+              <a:lnSpc>
+                <a:spcPct val="110000"/>
+              </a:lnSpc>
+            </a:pPr>
+            <a:r>
+              <a:rPr lang="en-US" b="1" dirty="0">
+                <a:solidFill>
+                  <a:srgbClr val="002060"/>
+                </a:solidFill>
+              </a:rPr>
+              <a:t>PBD365: Power BI Developer Boot Camp </a:t>
+            </a:r>
+            <a:r>
+              <a:rPr lang="en-US" dirty="0">
+                <a:solidFill>
+                  <a:schemeClr val="tx2"/>
+                </a:solidFill>
+              </a:rPr>
+              <a:t>– 4 Days</a:t>
+            </a:r>
+          </a:p>
+          <a:p>
+            <a:pPr lvl="1">
+              <a:lnSpc>
+                <a:spcPct val="110000"/>
+              </a:lnSpc>
+            </a:pPr>
+            <a:r>
+              <a:rPr lang="en-US" dirty="0"/>
+              <a:t>Audience is Professional Developers</a:t>
+            </a:r>
+          </a:p>
+          <a:p>
+            <a:pPr lvl="1">
+              <a:lnSpc>
+                <a:spcPct val="110000"/>
+              </a:lnSpc>
+            </a:pPr>
+            <a:r>
+              <a:rPr lang="en-US" dirty="0"/>
+              <a:t>Teaches developing custom visuals with TypeScript and D3</a:t>
+            </a:r>
+          </a:p>
+          <a:p>
+            <a:pPr lvl="1">
+              <a:lnSpc>
+                <a:spcPct val="110000"/>
+              </a:lnSpc>
+            </a:pPr>
+            <a:r>
+              <a:rPr lang="en-US" dirty="0"/>
+              <a:t>Teaches programming with the Power BI APIs</a:t>
+            </a:r>
+          </a:p>
+          <a:p>
+            <a:pPr lvl="1">
+              <a:lnSpc>
+                <a:spcPct val="110000"/>
+              </a:lnSpc>
+            </a:pPr>
+            <a:r>
+              <a:rPr lang="en-US" dirty="0"/>
+              <a:t>Teaches developing with Power BI Embedded</a:t>
+            </a:r>
+          </a:p>
+          <a:p>
+            <a:pPr lvl="1">
+              <a:lnSpc>
+                <a:spcPct val="110000"/>
+              </a:lnSpc>
+            </a:pPr>
+            <a:r>
+              <a:rPr lang="en-US" dirty="0"/>
+              <a:t>Teaches R programming and integrating R with Power BI</a:t>
+            </a:r>
+          </a:p>
+          <a:p>
+            <a:pPr lvl="1">
+              <a:lnSpc>
+                <a:spcPct val="110000"/>
+              </a:lnSpc>
+            </a:pPr>
+            <a:r>
+              <a:rPr lang="en-US" dirty="0"/>
+              <a:t>Teaches how to develop custom connector using M</a:t>
+            </a:r>
+          </a:p>
+          <a:p>
+            <a:pPr lvl="1">
+              <a:lnSpc>
+                <a:spcPct val="110000"/>
+              </a:lnSpc>
+            </a:pPr>
+            <a:endParaRPr lang="en-US" dirty="0"/>
+          </a:p>
+        </p:txBody>
+      </p:sp>
+      <p:pic>
+        <p:nvPicPr>
+          <p:cNvPr id="6" name="Picture 5"/>
+          <p:cNvPicPr>
+            <a:picLocks noChangeAspect="1"/>
+          </p:cNvPicPr>
+          <p:nvPr/>
+        </p:nvPicPr>
+        <p:blipFill>
+          <a:blip r:embed="rId2">
+            <a:extLst>
+              <a:ext uri="{28A0092B-C50C-407E-A947-70E740481C1C}">
+                <a14:useLocalDpi xmlns:a14="http://schemas.microsoft.com/office/drawing/2010/main" val="0"/>
+              </a:ext>
+            </a:extLst>
+          </a:blip>
+          <a:stretch>
+            <a:fillRect/>
+          </a:stretch>
+        </p:blipFill>
+        <p:spPr>
+          <a:xfrm>
+            <a:off x="237973" y="152237"/>
+            <a:ext cx="626389" cy="626389"/>
+          </a:xfrm>
+          <a:prstGeom prst="rect">
+            <a:avLst/>
+          </a:prstGeom>
+        </p:spPr>
+      </p:pic>
+    </p:spTree>
+    <p:extLst>
+      <p:ext uri="{BB962C8B-B14F-4D97-AF65-F5344CB8AC3E}">
+        <p14:creationId xmlns:p14="http://schemas.microsoft.com/office/powerpoint/2010/main" val="3962021990"/>
+      </p:ext>
+    </p:extLst>
+  </p:cSld>
+  <p:clrMapOvr>
+    <a:masterClrMapping/>
+  </p:clrMapOvr>
+  <p:timing>
+    <p:tnLst>
+      <p:par>
+        <p:cTn id="1" dur="indefinite" restart="never" nodeType="tmRoot">
+          <p:childTnLst>
+            <p:seq concurrent="1" nextAc="seek">
+              <p:cTn id="2" dur="indefinite" nodeType="mainSeq">
+                <p:childTnLst>
+                  <p:par>
+                    <p:cTn id="3" fill="hold">
+                      <p:stCondLst>
+                        <p:cond delay="indefinite"/>
+                      </p:stCondLst>
+                      <p:childTnLst>
+                        <p:par>
+                          <p:cTn id="4" fill="hold">
+                            <p:stCondLst>
+                              <p:cond delay="0"/>
+                            </p:stCondLst>
+                            <p:childTnLst>
+                              <p:par>
+                                <p:cTn id="5" presetID="1" presetClass="entr" presetSubtype="0" fill="hold" nodeType="clickEffect">
+                                  <p:stCondLst>
+                                    <p:cond delay="0"/>
+                                  </p:stCondLst>
+                                  <p:childTnLst>
+                                    <p:set>
+                                      <p:cBhvr>
+                                        <p:cTn id="6" dur="1" fill="hold">
+                                          <p:stCondLst>
+                                            <p:cond delay="0"/>
+                                          </p:stCondLst>
+                                        </p:cTn>
+                                        <p:tgtEl>
+                                          <p:spTgt spid="3">
+                                            <p:txEl>
+                                              <p:pRg st="0" end="0"/>
+                                            </p:txEl>
+                                          </p:spTgt>
+                                        </p:tgtEl>
+                                        <p:attrNameLst>
+                                          <p:attrName>style.visibility</p:attrName>
+                                        </p:attrNameLst>
+                                      </p:cBhvr>
+                                      <p:to>
+                                        <p:strVal val="visible"/>
+                                      </p:to>
+                                    </p:set>
+                                  </p:childTnLst>
+                                </p:cTn>
+                              </p:par>
+                              <p:par>
+                                <p:cTn id="7" presetID="1" presetClass="entr" presetSubtype="0" fill="hold" nodeType="withEffect">
+                                  <p:stCondLst>
+                                    <p:cond delay="0"/>
+                                  </p:stCondLst>
+                                  <p:childTnLst>
+                                    <p:set>
+                                      <p:cBhvr>
+                                        <p:cTn id="8" dur="1" fill="hold">
+                                          <p:stCondLst>
+                                            <p:cond delay="0"/>
+                                          </p:stCondLst>
+                                        </p:cTn>
+                                        <p:tgtEl>
+                                          <p:spTgt spid="3">
+                                            <p:txEl>
+                                              <p:pRg st="1" end="1"/>
+                                            </p:txEl>
+                                          </p:spTgt>
+                                        </p:tgtEl>
+                                        <p:attrNameLst>
+                                          <p:attrName>style.visibility</p:attrName>
+                                        </p:attrNameLst>
+                                      </p:cBhvr>
+                                      <p:to>
+                                        <p:strVal val="visible"/>
+                                      </p:to>
+                                    </p:set>
+                                  </p:childTnLst>
+                                </p:cTn>
+                              </p:par>
+                              <p:par>
+                                <p:cTn id="9" presetID="1" presetClass="entr" presetSubtype="0" fill="hold" nodeType="withEffect">
+                                  <p:stCondLst>
+                                    <p:cond delay="0"/>
+                                  </p:stCondLst>
+                                  <p:childTnLst>
+                                    <p:set>
+                                      <p:cBhvr>
+                                        <p:cTn id="10" dur="1" fill="hold">
+                                          <p:stCondLst>
+                                            <p:cond delay="0"/>
+                                          </p:stCondLst>
+                                        </p:cTn>
+                                        <p:tgtEl>
+                                          <p:spTgt spid="3">
+                                            <p:txEl>
+                                              <p:pRg st="2" end="2"/>
+                                            </p:txEl>
+                                          </p:spTgt>
+                                        </p:tgtEl>
+                                        <p:attrNameLst>
+                                          <p:attrName>style.visibility</p:attrName>
+                                        </p:attrNameLst>
+                                      </p:cBhvr>
+                                      <p:to>
+                                        <p:strVal val="visible"/>
+                                      </p:to>
+                                    </p:set>
+                                  </p:childTnLst>
+                                </p:cTn>
+                              </p:par>
+                              <p:par>
+                                <p:cTn id="11" presetID="1" presetClass="entr" presetSubtype="0" fill="hold" nodeType="withEffect">
+                                  <p:stCondLst>
+                                    <p:cond delay="0"/>
+                                  </p:stCondLst>
+                                  <p:childTnLst>
+                                    <p:set>
+                                      <p:cBhvr>
+                                        <p:cTn id="12" dur="1" fill="hold">
+                                          <p:stCondLst>
+                                            <p:cond delay="0"/>
+                                          </p:stCondLst>
+                                        </p:cTn>
+                                        <p:tgtEl>
+                                          <p:spTgt spid="3">
+                                            <p:txEl>
+                                              <p:pRg st="3" end="3"/>
+                                            </p:txEl>
+                                          </p:spTgt>
+                                        </p:tgtEl>
+                                        <p:attrNameLst>
+                                          <p:attrName>style.visibility</p:attrName>
+                                        </p:attrNameLst>
+                                      </p:cBhvr>
+                                      <p:to>
+                                        <p:strVal val="visible"/>
+                                      </p:to>
+                                    </p:set>
+                                  </p:childTnLst>
+                                </p:cTn>
+                              </p:par>
+                              <p:par>
+                                <p:cTn id="13" presetID="1" presetClass="entr" presetSubtype="0" fill="hold" nodeType="withEffect">
+                                  <p:stCondLst>
+                                    <p:cond delay="0"/>
+                                  </p:stCondLst>
+                                  <p:childTnLst>
+                                    <p:set>
+                                      <p:cBhvr>
+                                        <p:cTn id="14" dur="1" fill="hold">
+                                          <p:stCondLst>
+                                            <p:cond delay="0"/>
+                                          </p:stCondLst>
+                                        </p:cTn>
+                                        <p:tgtEl>
+                                          <p:spTgt spid="3">
+                                            <p:txEl>
+                                              <p:pRg st="4" end="4"/>
+                                            </p:txEl>
+                                          </p:spTgt>
+                                        </p:tgtEl>
+                                        <p:attrNameLst>
+                                          <p:attrName>style.visibility</p:attrName>
+                                        </p:attrNameLst>
+                                      </p:cBhvr>
+                                      <p:to>
+                                        <p:strVal val="visible"/>
+                                      </p:to>
+                                    </p:set>
+                                  </p:childTnLst>
+                                </p:cTn>
+                              </p:par>
+                              <p:par>
+                                <p:cTn id="15" presetID="1" presetClass="entr" presetSubtype="0" fill="hold" nodeType="withEffect">
+                                  <p:stCondLst>
+                                    <p:cond delay="0"/>
+                                  </p:stCondLst>
+                                  <p:childTnLst>
+                                    <p:set>
+                                      <p:cBhvr>
+                                        <p:cTn id="16" dur="1" fill="hold">
+                                          <p:stCondLst>
+                                            <p:cond delay="0"/>
+                                          </p:stCondLst>
+                                        </p:cTn>
+                                        <p:tgtEl>
+                                          <p:spTgt spid="3">
+                                            <p:txEl>
+                                              <p:pRg st="5" end="5"/>
+                                            </p:txEl>
+                                          </p:spTgt>
+                                        </p:tgtEl>
+                                        <p:attrNameLst>
+                                          <p:attrName>style.visibility</p:attrName>
+                                        </p:attrNameLst>
+                                      </p:cBhvr>
+                                      <p:to>
+                                        <p:strVal val="visible"/>
+                                      </p:to>
+                                    </p:set>
+                                  </p:childTnLst>
+                                </p:cTn>
+                              </p:par>
+                            </p:childTnLst>
+                          </p:cTn>
+                        </p:par>
+                      </p:childTnLst>
+                    </p:cTn>
+                  </p:par>
+                  <p:par>
+                    <p:cTn id="17" fill="hold">
+                      <p:stCondLst>
+                        <p:cond delay="indefinite"/>
+                      </p:stCondLst>
+                      <p:childTnLst>
+                        <p:par>
+                          <p:cTn id="18" fill="hold">
+                            <p:stCondLst>
+                              <p:cond delay="0"/>
+                            </p:stCondLst>
+                            <p:childTnLst>
+                              <p:par>
+                                <p:cTn id="19" presetID="1" presetClass="entr" presetSubtype="0" fill="hold" nodeType="clickEffect">
+                                  <p:stCondLst>
+                                    <p:cond delay="0"/>
+                                  </p:stCondLst>
+                                  <p:childTnLst>
+                                    <p:set>
+                                      <p:cBhvr>
+                                        <p:cTn id="20" dur="1" fill="hold">
+                                          <p:stCondLst>
+                                            <p:cond delay="0"/>
+                                          </p:stCondLst>
+                                        </p:cTn>
+                                        <p:tgtEl>
+                                          <p:spTgt spid="3">
+                                            <p:txEl>
+                                              <p:pRg st="6" end="6"/>
+                                            </p:txEl>
+                                          </p:spTgt>
+                                        </p:tgtEl>
+                                        <p:attrNameLst>
+                                          <p:attrName>style.visibility</p:attrName>
+                                        </p:attrNameLst>
+                                      </p:cBhvr>
+                                      <p:to>
+                                        <p:strVal val="visible"/>
+                                      </p:to>
+                                    </p:set>
+                                  </p:childTnLst>
+                                </p:cTn>
+                              </p:par>
+                              <p:par>
+                                <p:cTn id="21" presetID="1" presetClass="entr" presetSubtype="0" fill="hold" nodeType="withEffect">
+                                  <p:stCondLst>
+                                    <p:cond delay="0"/>
+                                  </p:stCondLst>
+                                  <p:childTnLst>
+                                    <p:set>
+                                      <p:cBhvr>
+                                        <p:cTn id="22" dur="1" fill="hold">
+                                          <p:stCondLst>
+                                            <p:cond delay="0"/>
+                                          </p:stCondLst>
+                                        </p:cTn>
+                                        <p:tgtEl>
+                                          <p:spTgt spid="3">
+                                            <p:txEl>
+                                              <p:pRg st="7" end="7"/>
+                                            </p:txEl>
+                                          </p:spTgt>
+                                        </p:tgtEl>
+                                        <p:attrNameLst>
+                                          <p:attrName>style.visibility</p:attrName>
+                                        </p:attrNameLst>
+                                      </p:cBhvr>
+                                      <p:to>
+                                        <p:strVal val="visible"/>
+                                      </p:to>
+                                    </p:set>
+                                  </p:childTnLst>
+                                </p:cTn>
+                              </p:par>
+                              <p:par>
+                                <p:cTn id="23" presetID="1" presetClass="entr" presetSubtype="0" fill="hold" nodeType="withEffect">
+                                  <p:stCondLst>
+                                    <p:cond delay="0"/>
+                                  </p:stCondLst>
+                                  <p:childTnLst>
+                                    <p:set>
+                                      <p:cBhvr>
+                                        <p:cTn id="24" dur="1" fill="hold">
+                                          <p:stCondLst>
+                                            <p:cond delay="0"/>
+                                          </p:stCondLst>
+                                        </p:cTn>
+                                        <p:tgtEl>
+                                          <p:spTgt spid="3">
+                                            <p:txEl>
+                                              <p:pRg st="8" end="8"/>
+                                            </p:txEl>
+                                          </p:spTgt>
+                                        </p:tgtEl>
+                                        <p:attrNameLst>
+                                          <p:attrName>style.visibility</p:attrName>
+                                        </p:attrNameLst>
+                                      </p:cBhvr>
+                                      <p:to>
+                                        <p:strVal val="visible"/>
+                                      </p:to>
+                                    </p:set>
+                                  </p:childTnLst>
+                                </p:cTn>
+                              </p:par>
+                              <p:par>
+                                <p:cTn id="25" presetID="1" presetClass="entr" presetSubtype="0" fill="hold" nodeType="withEffect">
+                                  <p:stCondLst>
+                                    <p:cond delay="0"/>
+                                  </p:stCondLst>
+                                  <p:childTnLst>
+                                    <p:set>
+                                      <p:cBhvr>
+                                        <p:cTn id="26" dur="1" fill="hold">
+                                          <p:stCondLst>
+                                            <p:cond delay="0"/>
+                                          </p:stCondLst>
+                                        </p:cTn>
+                                        <p:tgtEl>
+                                          <p:spTgt spid="3">
+                                            <p:txEl>
+                                              <p:pRg st="9" end="9"/>
+                                            </p:txEl>
+                                          </p:spTgt>
+                                        </p:tgtEl>
+                                        <p:attrNameLst>
+                                          <p:attrName>style.visibility</p:attrName>
+                                        </p:attrNameLst>
+                                      </p:cBhvr>
+                                      <p:to>
+                                        <p:strVal val="visible"/>
+                                      </p:to>
+                                    </p:set>
+                                  </p:childTnLst>
+                                </p:cTn>
+                              </p:par>
+                              <p:par>
+                                <p:cTn id="27" presetID="1" presetClass="entr" presetSubtype="0" fill="hold" nodeType="withEffect">
+                                  <p:stCondLst>
+                                    <p:cond delay="0"/>
+                                  </p:stCondLst>
+                                  <p:childTnLst>
+                                    <p:set>
+                                      <p:cBhvr>
+                                        <p:cTn id="28" dur="1" fill="hold">
+                                          <p:stCondLst>
+                                            <p:cond delay="0"/>
+                                          </p:stCondLst>
+                                        </p:cTn>
+                                        <p:tgtEl>
+                                          <p:spTgt spid="3">
+                                            <p:txEl>
+                                              <p:pRg st="10" end="10"/>
+                                            </p:txEl>
+                                          </p:spTgt>
+                                        </p:tgtEl>
+                                        <p:attrNameLst>
+                                          <p:attrName>style.visibility</p:attrName>
+                                        </p:attrNameLst>
+                                      </p:cBhvr>
+                                      <p:to>
+                                        <p:strVal val="visible"/>
+                                      </p:to>
+                                    </p:set>
+                                  </p:childTnLst>
+                                </p:cTn>
+                              </p:par>
+                              <p:par>
+                                <p:cTn id="29" presetID="1" presetClass="entr" presetSubtype="0" fill="hold" nodeType="withEffect">
+                                  <p:stCondLst>
+                                    <p:cond delay="0"/>
+                                  </p:stCondLst>
+                                  <p:childTnLst>
+                                    <p:set>
+                                      <p:cBhvr>
+                                        <p:cTn id="30" dur="1" fill="hold">
+                                          <p:stCondLst>
+                                            <p:cond delay="0"/>
+                                          </p:stCondLst>
+                                        </p:cTn>
+                                        <p:tgtEl>
+                                          <p:spTgt spid="3">
+                                            <p:txEl>
+                                              <p:pRg st="11" end="11"/>
+                                            </p:txEl>
+                                          </p:spTgt>
+                                        </p:tgtEl>
+                                        <p:attrNameLst>
+                                          <p:attrName>style.visibility</p:attrName>
+                                        </p:attrNameLst>
+                                      </p:cBhvr>
+                                      <p:to>
+                                        <p:strVal val="visible"/>
+                                      </p:to>
+                                    </p:set>
+                                  </p:childTnLst>
+                                </p:cTn>
+                              </p:par>
+                              <p:par>
+                                <p:cTn id="31" presetID="1" presetClass="entr" presetSubtype="0" fill="hold" nodeType="withEffect">
+                                  <p:stCondLst>
+                                    <p:cond delay="0"/>
+                                  </p:stCondLst>
+                                  <p:childTnLst>
+                                    <p:set>
+                                      <p:cBhvr>
+                                        <p:cTn id="32" dur="1" fill="hold">
+                                          <p:stCondLst>
+                                            <p:cond delay="0"/>
+                                          </p:stCondLst>
+                                        </p:cTn>
+                                        <p:tgtEl>
+                                          <p:spTgt spid="3">
+                                            <p:txEl>
+                                              <p:pRg st="12" end="12"/>
+                                            </p:txEl>
+                                          </p:spTgt>
+                                        </p:tgtEl>
+                                        <p:attrNameLst>
+                                          <p:attrName>style.visibility</p:attrName>
+                                        </p:attrNameLst>
+                                      </p:cBhvr>
+                                      <p:to>
+                                        <p:strVal val="visible"/>
+                                      </p:to>
+                                    </p:set>
+                                  </p:childTnLst>
+                                </p:cTn>
+                              </p:par>
+                            </p:childTnLst>
+                          </p:cTn>
+                        </p:par>
+                      </p:childTnLst>
+                    </p:cTn>
+                  </p:par>
+                </p:childTnLst>
+              </p:cTn>
+              <p:prevCondLst>
+                <p:cond evt="onPrev" delay="0">
+                  <p:tgtEl>
+                    <p:sldTgt/>
+                  </p:tgtEl>
+                </p:cond>
+              </p:prevCondLst>
+              <p:nextCondLst>
+                <p:cond evt="onNext" delay="0">
+                  <p:tgtEl>
+                    <p:sldTgt/>
+                  </p:tgtEl>
+                </p:cond>
+              </p:nextCondLst>
+            </p:seq>
+          </p:childTnLst>
+        </p:cTn>
+      </p:par>
+    </p:tnLst>
+  </p:timing>
+</p:sld>
+</file>
+
 <file path=ppt/slides/slide4.xml><?xml version="1.0" encoding="utf-8"?>
+<p:sld xmlns:a="http://schemas.openxmlformats.org/drawingml/2006/main" xmlns:r="http://schemas.openxmlformats.org/officeDocument/2006/relationships" xmlns:p="http://schemas.openxmlformats.org/presentationml/2006/main">
+  <p:cSld>
+    <p:spTree>
+      <p:nvGrpSpPr>
+        <p:cNvPr id="1" name=""/>
+        <p:cNvGrpSpPr/>
+        <p:nvPr/>
+      </p:nvGrpSpPr>
+      <p:grpSpPr>
+        <a:xfrm>
+          <a:off x="0" y="0"/>
+          <a:ext cx="0" cy="0"/>
+          <a:chOff x="0" y="0"/>
+          <a:chExt cx="0" cy="0"/>
+        </a:xfrm>
+      </p:grpSpPr>
+      <p:sp>
+        <p:nvSpPr>
+          <p:cNvPr id="2" name="Title 1"/>
+          <p:cNvSpPr>
+            <a:spLocks noGrp="1"/>
+          </p:cNvSpPr>
+          <p:nvPr>
+            <p:ph type="title"/>
+          </p:nvPr>
+        </p:nvSpPr>
+        <p:spPr/>
+        <p:txBody>
+          <a:bodyPr/>
+          <a:lstStyle/>
+          <a:p>
+            <a:r>
+              <a:rPr lang="en-US" dirty="0"/>
+              <a:t>Agenda</a:t>
+            </a:r>
+          </a:p>
+        </p:txBody>
+      </p:sp>
+      <p:sp>
+        <p:nvSpPr>
+          <p:cNvPr id="3" name="Content Placeholder 2"/>
+          <p:cNvSpPr>
+            <a:spLocks noGrp="1"/>
+          </p:cNvSpPr>
+          <p:nvPr>
+            <p:ph idx="1"/>
+          </p:nvPr>
+        </p:nvSpPr>
+        <p:spPr>
+          <a:xfrm>
+            <a:off x="381000" y="1371600"/>
+            <a:ext cx="8382000" cy="5181600"/>
+          </a:xfrm>
+        </p:spPr>
+        <p:txBody>
+          <a:bodyPr>
+            <a:normAutofit/>
+          </a:bodyPr>
+          <a:lstStyle/>
+          <a:p>
+            <a:pPr>
+              <a:buFont typeface="Wingdings" panose="05000000000000000000" pitchFamily="2" charset="2"/>
+              <a:buChar char="Ø"/>
+            </a:pPr>
+            <a:r>
+              <a:rPr lang="en-US" dirty="0"/>
+              <a:t>Introduction to Real-time Datasets</a:t>
+            </a:r>
+          </a:p>
+          <a:p>
+            <a:r>
+              <a:rPr lang="en-US" dirty="0"/>
+              <a:t>Creating a Streaming Dataset with the API</a:t>
+            </a:r>
+          </a:p>
+          <a:p>
+            <a:r>
+              <a:rPr lang="en-US" dirty="0"/>
+              <a:t>Designing Dashboards with Streaming Data Tiles</a:t>
+            </a:r>
+          </a:p>
+          <a:p>
+            <a:r>
+              <a:rPr lang="en-US" dirty="0"/>
+              <a:t>Creating a Push Dataset with Real-time Data</a:t>
+            </a:r>
+          </a:p>
+          <a:p>
+            <a:r>
+              <a:rPr lang="en-US" dirty="0"/>
+              <a:t>Integrating Azure Streaming Analytics Jobs</a:t>
+            </a:r>
+          </a:p>
+          <a:p>
+            <a:endParaRPr lang="en-US" dirty="0"/>
+          </a:p>
+        </p:txBody>
+      </p:sp>
+    </p:spTree>
+    <p:extLst>
+      <p:ext uri="{BB962C8B-B14F-4D97-AF65-F5344CB8AC3E}">
+        <p14:creationId xmlns:p14="http://schemas.microsoft.com/office/powerpoint/2010/main" val="1577676335"/>
+      </p:ext>
+    </p:extLst>
+  </p:cSld>
+  <p:clrMapOvr>
+    <a:masterClrMapping/>
+  </p:clrMapOvr>
+</p:sld>
+</file>
+
+<file path=ppt/slides/slide5.xml><?xml version="1.0" encoding="utf-8"?>
+<p:sld xmlns:a="http://schemas.openxmlformats.org/drawingml/2006/main" xmlns:r="http://schemas.openxmlformats.org/officeDocument/2006/relationships" xmlns:p="http://schemas.openxmlformats.org/presentationml/2006/main">
+  <p:cSld>
+    <p:spTree>
+      <p:nvGrpSpPr>
+        <p:cNvPr id="1" name=""/>
+        <p:cNvGrpSpPr/>
+        <p:nvPr/>
+      </p:nvGrpSpPr>
+      <p:grpSpPr>
+        <a:xfrm>
+          <a:off x="0" y="0"/>
+          <a:ext cx="0" cy="0"/>
+          <a:chOff x="0" y="0"/>
+          <a:chExt cx="0" cy="0"/>
+        </a:xfrm>
+      </p:grpSpPr>
+      <p:sp>
+        <p:nvSpPr>
+          <p:cNvPr id="2" name="Title 1"/>
+          <p:cNvSpPr>
+            <a:spLocks noGrp="1"/>
+          </p:cNvSpPr>
+          <p:nvPr>
+            <p:ph type="title"/>
+          </p:nvPr>
+        </p:nvSpPr>
+        <p:spPr/>
+        <p:txBody>
+          <a:bodyPr/>
+          <a:lstStyle/>
+          <a:p>
+            <a:r>
+              <a:rPr lang="en-US" dirty="0"/>
+              <a:t>Pull Datasets </a:t>
+            </a:r>
+            <a:r>
+              <a:rPr lang="en-US"/>
+              <a:t>versus Real-time </a:t>
+            </a:r>
+            <a:r>
+              <a:rPr lang="en-US" dirty="0"/>
+              <a:t>Datasets</a:t>
+            </a:r>
+          </a:p>
+        </p:txBody>
+      </p:sp>
+      <p:sp>
+        <p:nvSpPr>
+          <p:cNvPr id="3" name="Content Placeholder 2"/>
+          <p:cNvSpPr>
+            <a:spLocks noGrp="1"/>
+          </p:cNvSpPr>
+          <p:nvPr>
+            <p:ph idx="1"/>
+          </p:nvPr>
+        </p:nvSpPr>
+        <p:spPr>
+          <a:xfrm>
+            <a:off x="408039" y="1447800"/>
+            <a:ext cx="8382000" cy="5181600"/>
+          </a:xfrm>
+        </p:spPr>
+        <p:txBody>
+          <a:bodyPr/>
+          <a:lstStyle/>
+          <a:p>
+            <a:r>
+              <a:rPr lang="en-US" dirty="0"/>
+              <a:t>Pull Datasets</a:t>
+            </a:r>
+          </a:p>
+          <a:p>
+            <a:pPr lvl="1"/>
+            <a:r>
+              <a:rPr lang="en-US" dirty="0"/>
+              <a:t>Imported Datasets</a:t>
+            </a:r>
+          </a:p>
+          <a:p>
+            <a:pPr lvl="1"/>
+            <a:r>
+              <a:rPr lang="en-US" dirty="0" err="1"/>
+              <a:t>DirectQuery</a:t>
+            </a:r>
+            <a:r>
+              <a:rPr lang="en-US" dirty="0"/>
+              <a:t> Datasets</a:t>
+            </a:r>
+          </a:p>
+          <a:p>
+            <a:pPr lvl="1"/>
+            <a:r>
+              <a:rPr lang="en-US" dirty="0"/>
+              <a:t>Live Connect Datasets</a:t>
+            </a:r>
+          </a:p>
+          <a:p>
+            <a:pPr lvl="1"/>
+            <a:endParaRPr lang="en-US" dirty="0"/>
+          </a:p>
+          <a:p>
+            <a:r>
+              <a:rPr lang="en-US" dirty="0"/>
+              <a:t>Real-time Datasets</a:t>
+            </a:r>
+          </a:p>
+          <a:p>
+            <a:pPr lvl="1"/>
+            <a:r>
+              <a:rPr lang="en-US" dirty="0"/>
+              <a:t>Streaming Datasets</a:t>
+            </a:r>
+          </a:p>
+          <a:p>
+            <a:pPr lvl="1"/>
+            <a:r>
+              <a:rPr lang="en-US" dirty="0"/>
+              <a:t>Push Datasets</a:t>
+            </a:r>
+          </a:p>
+          <a:p>
+            <a:pPr lvl="1"/>
+            <a:r>
+              <a:rPr lang="en-US" dirty="0"/>
+              <a:t>Hybrid Datasets</a:t>
+            </a:r>
+          </a:p>
+        </p:txBody>
+      </p:sp>
+      <p:grpSp>
+        <p:nvGrpSpPr>
+          <p:cNvPr id="21" name="Group 20">
+            <a:extLst>
+              <a:ext uri="{FF2B5EF4-FFF2-40B4-BE49-F238E27FC236}">
+                <a16:creationId xmlns:a16="http://schemas.microsoft.com/office/drawing/2014/main" id="{485834F9-3DA4-40E1-887B-5A1581608C02}"/>
+              </a:ext>
+            </a:extLst>
+          </p:cNvPr>
+          <p:cNvGrpSpPr/>
+          <p:nvPr/>
+        </p:nvGrpSpPr>
+        <p:grpSpPr>
+          <a:xfrm>
+            <a:off x="4521041" y="1524000"/>
+            <a:ext cx="4394359" cy="1600200"/>
+            <a:chOff x="4521041" y="1524000"/>
+            <a:chExt cx="4394359" cy="1600200"/>
+          </a:xfrm>
+        </p:grpSpPr>
+        <p:sp>
+          <p:nvSpPr>
+            <p:cNvPr id="16" name="Rectangle: Rounded Corners 15">
+              <a:extLst>
+                <a:ext uri="{FF2B5EF4-FFF2-40B4-BE49-F238E27FC236}">
+                  <a16:creationId xmlns:a16="http://schemas.microsoft.com/office/drawing/2014/main" id="{922524E1-7F17-41D8-BD3C-2810E1A88BAF}"/>
+                </a:ext>
+              </a:extLst>
+            </p:cNvPr>
+            <p:cNvSpPr/>
+            <p:nvPr/>
+          </p:nvSpPr>
+          <p:spPr>
+            <a:xfrm>
+              <a:off x="4521041" y="1524000"/>
+              <a:ext cx="4394359" cy="1600200"/>
+            </a:xfrm>
+            <a:prstGeom prst="roundRect">
+              <a:avLst/>
+            </a:prstGeom>
+            <a:solidFill>
+              <a:schemeClr val="accent5">
+                <a:lumMod val="20000"/>
+                <a:lumOff val="80000"/>
+              </a:schemeClr>
+            </a:solidFill>
+            <a:ln w="9525">
+              <a:solidFill>
+                <a:schemeClr val="tx1"/>
+              </a:solidFill>
+            </a:ln>
+          </p:spPr>
+          <p:style>
+            <a:lnRef idx="2">
+              <a:schemeClr val="accent1">
+                <a:shade val="50000"/>
+              </a:schemeClr>
+            </a:lnRef>
+            <a:fillRef idx="1">
+              <a:schemeClr val="accent1"/>
+            </a:fillRef>
+            <a:effectRef idx="0">
+              <a:schemeClr val="accent1"/>
+            </a:effectRef>
+            <a:fontRef idx="minor">
+              <a:schemeClr val="lt1"/>
+            </a:fontRef>
+          </p:style>
+          <p:txBody>
+            <a:bodyPr rtlCol="0" anchor="ctr"/>
+            <a:lstStyle/>
+            <a:p>
+              <a:pPr algn="ctr"/>
+              <a:endParaRPr lang="en-US"/>
+            </a:p>
+          </p:txBody>
+        </p:sp>
+        <p:pic>
+          <p:nvPicPr>
+            <p:cNvPr id="5" name="Picture 4">
+              <a:extLst>
+                <a:ext uri="{FF2B5EF4-FFF2-40B4-BE49-F238E27FC236}">
+                  <a16:creationId xmlns:a16="http://schemas.microsoft.com/office/drawing/2014/main" id="{1E4CDAE7-3457-4374-B776-1BB8FB862A10}"/>
+                </a:ext>
+              </a:extLst>
+            </p:cNvPr>
+            <p:cNvPicPr>
+              <a:picLocks noChangeAspect="1"/>
+            </p:cNvPicPr>
+            <p:nvPr/>
+          </p:nvPicPr>
+          <p:blipFill>
+            <a:blip r:embed="rId2"/>
+            <a:stretch>
+              <a:fillRect/>
+            </a:stretch>
+          </p:blipFill>
+          <p:spPr>
+            <a:xfrm>
+              <a:off x="4774093" y="1711883"/>
+              <a:ext cx="1193250" cy="1183400"/>
+            </a:xfrm>
+            <a:prstGeom prst="rect">
+              <a:avLst/>
+            </a:prstGeom>
+          </p:spPr>
+        </p:pic>
+        <p:sp>
+          <p:nvSpPr>
+            <p:cNvPr id="7" name="Arrow: Right 6">
+              <a:extLst>
+                <a:ext uri="{FF2B5EF4-FFF2-40B4-BE49-F238E27FC236}">
+                  <a16:creationId xmlns:a16="http://schemas.microsoft.com/office/drawing/2014/main" id="{F4130167-D31B-4DDF-935A-A9A5B04CFD4C}"/>
+                </a:ext>
+              </a:extLst>
+            </p:cNvPr>
+            <p:cNvSpPr/>
+            <p:nvPr/>
+          </p:nvSpPr>
+          <p:spPr>
+            <a:xfrm>
+              <a:off x="5872630" y="2047415"/>
+              <a:ext cx="965059" cy="544506"/>
+            </a:xfrm>
+            <a:prstGeom prst="rightArrow">
+              <a:avLst>
+                <a:gd name="adj1" fmla="val 55505"/>
+                <a:gd name="adj2" fmla="val 50000"/>
+              </a:avLst>
+            </a:prstGeom>
+            <a:solidFill>
+              <a:schemeClr val="accent2">
+                <a:lumMod val="20000"/>
+                <a:lumOff val="80000"/>
+              </a:schemeClr>
+            </a:solidFill>
+            <a:ln w="6350"/>
+          </p:spPr>
+          <p:style>
+            <a:lnRef idx="2">
+              <a:schemeClr val="accent1">
+                <a:shade val="50000"/>
+              </a:schemeClr>
+            </a:lnRef>
+            <a:fillRef idx="1">
+              <a:schemeClr val="accent1"/>
+            </a:fillRef>
+            <a:effectRef idx="0">
+              <a:schemeClr val="accent1"/>
+            </a:effectRef>
+            <a:fontRef idx="minor">
+              <a:schemeClr val="lt1"/>
+            </a:fontRef>
+          </p:style>
+          <p:txBody>
+            <a:bodyPr rtlCol="0" anchor="ctr"/>
+            <a:lstStyle/>
+            <a:p>
+              <a:pPr algn="ctr"/>
+              <a:r>
+                <a:rPr lang="en-US" sz="1400" dirty="0">
+                  <a:solidFill>
+                    <a:srgbClr val="C00000"/>
+                  </a:solidFill>
+                  <a:latin typeface="+mj-lt"/>
+                </a:rPr>
+                <a:t>Pull</a:t>
+              </a:r>
+            </a:p>
+          </p:txBody>
+        </p:sp>
+        <p:grpSp>
+          <p:nvGrpSpPr>
+            <p:cNvPr id="11" name="Group 10">
+              <a:extLst>
+                <a:ext uri="{FF2B5EF4-FFF2-40B4-BE49-F238E27FC236}">
+                  <a16:creationId xmlns:a16="http://schemas.microsoft.com/office/drawing/2014/main" id="{B713594C-4DDC-4B1A-9C16-3D0C55A1A2AA}"/>
+                </a:ext>
+              </a:extLst>
+            </p:cNvPr>
+            <p:cNvGrpSpPr/>
+            <p:nvPr/>
+          </p:nvGrpSpPr>
+          <p:grpSpPr>
+            <a:xfrm>
+              <a:off x="6950126" y="1731548"/>
+              <a:ext cx="1811076" cy="1176240"/>
+              <a:chOff x="7038900" y="1795244"/>
+              <a:chExt cx="1689900" cy="1021397"/>
+            </a:xfrm>
+          </p:grpSpPr>
+          <p:pic>
+            <p:nvPicPr>
+              <p:cNvPr id="9" name="Picture 8">
+                <a:extLst>
+                  <a:ext uri="{FF2B5EF4-FFF2-40B4-BE49-F238E27FC236}">
+                    <a16:creationId xmlns:a16="http://schemas.microsoft.com/office/drawing/2014/main" id="{119EC6F2-607B-4594-93D4-FEA63AB75BCD}"/>
+                  </a:ext>
+                </a:extLst>
+              </p:cNvPr>
+              <p:cNvPicPr>
+                <a:picLocks noChangeAspect="1"/>
+              </p:cNvPicPr>
+              <p:nvPr/>
+            </p:nvPicPr>
+            <p:blipFill>
+              <a:blip r:embed="rId3"/>
+              <a:stretch>
+                <a:fillRect/>
+              </a:stretch>
+            </p:blipFill>
+            <p:spPr>
+              <a:xfrm>
+                <a:off x="7038900" y="1795244"/>
+                <a:ext cx="1689900" cy="1021397"/>
+              </a:xfrm>
+              <a:prstGeom prst="rect">
+                <a:avLst/>
+              </a:prstGeom>
+            </p:spPr>
+          </p:pic>
+          <p:sp>
+            <p:nvSpPr>
+              <p:cNvPr id="10" name="TextBox 9">
+                <a:extLst>
+                  <a:ext uri="{FF2B5EF4-FFF2-40B4-BE49-F238E27FC236}">
+                    <a16:creationId xmlns:a16="http://schemas.microsoft.com/office/drawing/2014/main" id="{D8ED1EA2-213B-46F6-A0A1-E899E0F43E07}"/>
+                  </a:ext>
+                </a:extLst>
+              </p:cNvPr>
+              <p:cNvSpPr txBox="1"/>
+              <p:nvPr/>
+            </p:nvSpPr>
+            <p:spPr>
+              <a:xfrm>
+                <a:off x="7444150" y="2067262"/>
+                <a:ext cx="1016625" cy="584775"/>
+              </a:xfrm>
+              <a:prstGeom prst="rect">
+                <a:avLst/>
+              </a:prstGeom>
+              <a:noFill/>
+            </p:spPr>
+            <p:txBody>
+              <a:bodyPr wrap="none" rtlCol="0">
+                <a:spAutoFit/>
+              </a:bodyPr>
+              <a:lstStyle/>
+              <a:p>
+                <a:pPr algn="ctr"/>
+                <a:r>
+                  <a:rPr lang="en-US" sz="1600" dirty="0"/>
+                  <a:t>Power BI</a:t>
+                </a:r>
+              </a:p>
+              <a:p>
+                <a:pPr algn="ctr"/>
+                <a:r>
+                  <a:rPr lang="en-US" sz="1600" dirty="0"/>
+                  <a:t>Service</a:t>
+                </a:r>
+              </a:p>
+            </p:txBody>
+          </p:sp>
+        </p:grpSp>
+      </p:grpSp>
+      <p:grpSp>
+        <p:nvGrpSpPr>
+          <p:cNvPr id="22" name="Group 21">
+            <a:extLst>
+              <a:ext uri="{FF2B5EF4-FFF2-40B4-BE49-F238E27FC236}">
+                <a16:creationId xmlns:a16="http://schemas.microsoft.com/office/drawing/2014/main" id="{75A5B337-7C9D-463E-B44E-431F0445B02A}"/>
+              </a:ext>
+            </a:extLst>
+          </p:cNvPr>
+          <p:cNvGrpSpPr/>
+          <p:nvPr/>
+        </p:nvGrpSpPr>
+        <p:grpSpPr>
+          <a:xfrm>
+            <a:off x="4521041" y="3810000"/>
+            <a:ext cx="4394359" cy="1600200"/>
+            <a:chOff x="4521041" y="3810000"/>
+            <a:chExt cx="4394359" cy="1600200"/>
+          </a:xfrm>
+        </p:grpSpPr>
+        <p:sp>
+          <p:nvSpPr>
+            <p:cNvPr id="17" name="Rectangle: Rounded Corners 16">
+              <a:extLst>
+                <a:ext uri="{FF2B5EF4-FFF2-40B4-BE49-F238E27FC236}">
+                  <a16:creationId xmlns:a16="http://schemas.microsoft.com/office/drawing/2014/main" id="{15462ECA-6440-4C4B-967D-104BE46F852D}"/>
+                </a:ext>
+              </a:extLst>
+            </p:cNvPr>
+            <p:cNvSpPr/>
+            <p:nvPr/>
+          </p:nvSpPr>
+          <p:spPr>
+            <a:xfrm>
+              <a:off x="4521041" y="3810000"/>
+              <a:ext cx="4394359" cy="1600200"/>
+            </a:xfrm>
+            <a:prstGeom prst="roundRect">
+              <a:avLst/>
+            </a:prstGeom>
+            <a:solidFill>
+              <a:schemeClr val="accent5">
+                <a:lumMod val="20000"/>
+                <a:lumOff val="80000"/>
+              </a:schemeClr>
+            </a:solidFill>
+            <a:ln w="9525">
+              <a:solidFill>
+                <a:schemeClr val="tx1"/>
+              </a:solidFill>
+            </a:ln>
+          </p:spPr>
+          <p:style>
+            <a:lnRef idx="2">
+              <a:schemeClr val="accent1">
+                <a:shade val="50000"/>
+              </a:schemeClr>
+            </a:lnRef>
+            <a:fillRef idx="1">
+              <a:schemeClr val="accent1"/>
+            </a:fillRef>
+            <a:effectRef idx="0">
+              <a:schemeClr val="accent1"/>
+            </a:effectRef>
+            <a:fontRef idx="minor">
+              <a:schemeClr val="lt1"/>
+            </a:fontRef>
+          </p:style>
+          <p:txBody>
+            <a:bodyPr rtlCol="0" anchor="ctr"/>
+            <a:lstStyle/>
+            <a:p>
+              <a:pPr algn="ctr"/>
+              <a:endParaRPr lang="en-US"/>
+            </a:p>
+          </p:txBody>
+        </p:sp>
+        <p:grpSp>
+          <p:nvGrpSpPr>
+            <p:cNvPr id="18" name="Group 17">
+              <a:extLst>
+                <a:ext uri="{FF2B5EF4-FFF2-40B4-BE49-F238E27FC236}">
+                  <a16:creationId xmlns:a16="http://schemas.microsoft.com/office/drawing/2014/main" id="{95C5BD15-2321-411B-AD8C-9E405B4FB0CE}"/>
+                </a:ext>
+              </a:extLst>
+            </p:cNvPr>
+            <p:cNvGrpSpPr/>
+            <p:nvPr/>
+          </p:nvGrpSpPr>
+          <p:grpSpPr>
+            <a:xfrm>
+              <a:off x="7028124" y="4017548"/>
+              <a:ext cx="1811076" cy="1176240"/>
+              <a:chOff x="7038900" y="1795244"/>
+              <a:chExt cx="1689900" cy="1021397"/>
+            </a:xfrm>
+          </p:grpSpPr>
+          <p:pic>
+            <p:nvPicPr>
+              <p:cNvPr id="19" name="Picture 18">
+                <a:extLst>
+                  <a:ext uri="{FF2B5EF4-FFF2-40B4-BE49-F238E27FC236}">
+                    <a16:creationId xmlns:a16="http://schemas.microsoft.com/office/drawing/2014/main" id="{C931E300-02E6-45AD-8F92-D46ADB37F52B}"/>
+                  </a:ext>
+                </a:extLst>
+              </p:cNvPr>
+              <p:cNvPicPr>
+                <a:picLocks noChangeAspect="1"/>
+              </p:cNvPicPr>
+              <p:nvPr/>
+            </p:nvPicPr>
+            <p:blipFill>
+              <a:blip r:embed="rId3"/>
+              <a:stretch>
+                <a:fillRect/>
+              </a:stretch>
+            </p:blipFill>
+            <p:spPr>
+              <a:xfrm>
+                <a:off x="7038900" y="1795244"/>
+                <a:ext cx="1689900" cy="1021397"/>
+              </a:xfrm>
+              <a:prstGeom prst="rect">
+                <a:avLst/>
+              </a:prstGeom>
+            </p:spPr>
+          </p:pic>
+          <p:sp>
+            <p:nvSpPr>
+              <p:cNvPr id="20" name="TextBox 19">
+                <a:extLst>
+                  <a:ext uri="{FF2B5EF4-FFF2-40B4-BE49-F238E27FC236}">
+                    <a16:creationId xmlns:a16="http://schemas.microsoft.com/office/drawing/2014/main" id="{CDAF30EC-D6BE-4A5C-B92D-3C48B1BF6734}"/>
+                  </a:ext>
+                </a:extLst>
+              </p:cNvPr>
+              <p:cNvSpPr txBox="1"/>
+              <p:nvPr/>
+            </p:nvSpPr>
+            <p:spPr>
+              <a:xfrm>
+                <a:off x="7444150" y="2067262"/>
+                <a:ext cx="1016625" cy="584775"/>
+              </a:xfrm>
+              <a:prstGeom prst="rect">
+                <a:avLst/>
+              </a:prstGeom>
+              <a:noFill/>
+            </p:spPr>
+            <p:txBody>
+              <a:bodyPr wrap="none" rtlCol="0">
+                <a:spAutoFit/>
+              </a:bodyPr>
+              <a:lstStyle/>
+              <a:p>
+                <a:pPr algn="ctr"/>
+                <a:r>
+                  <a:rPr lang="en-US" sz="1600" dirty="0"/>
+                  <a:t>Power BI</a:t>
+                </a:r>
+              </a:p>
+              <a:p>
+                <a:pPr algn="ctr"/>
+                <a:r>
+                  <a:rPr lang="en-US" sz="1600" dirty="0"/>
+                  <a:t>Service</a:t>
+                </a:r>
+              </a:p>
+            </p:txBody>
+          </p:sp>
+        </p:grpSp>
+        <p:sp>
+          <p:nvSpPr>
+            <p:cNvPr id="8" name="Rectangle: Rounded Corners 7">
+              <a:extLst>
+                <a:ext uri="{FF2B5EF4-FFF2-40B4-BE49-F238E27FC236}">
+                  <a16:creationId xmlns:a16="http://schemas.microsoft.com/office/drawing/2014/main" id="{D1857676-55C9-4D6C-B197-6512E2DA6D24}"/>
+                </a:ext>
+              </a:extLst>
+            </p:cNvPr>
+            <p:cNvSpPr/>
+            <p:nvPr/>
+          </p:nvSpPr>
+          <p:spPr>
+            <a:xfrm>
+              <a:off x="4659527" y="4110368"/>
+              <a:ext cx="1260453" cy="990600"/>
+            </a:xfrm>
+            <a:prstGeom prst="roundRect">
+              <a:avLst/>
+            </a:prstGeom>
+            <a:solidFill>
+              <a:schemeClr val="accent6">
+                <a:lumMod val="20000"/>
+                <a:lumOff val="80000"/>
+              </a:schemeClr>
+            </a:solidFill>
+          </p:spPr>
+          <p:style>
+            <a:lnRef idx="2">
+              <a:schemeClr val="accent1">
+                <a:shade val="50000"/>
+              </a:schemeClr>
+            </a:lnRef>
+            <a:fillRef idx="1">
+              <a:schemeClr val="accent1"/>
+            </a:fillRef>
+            <a:effectRef idx="0">
+              <a:schemeClr val="accent1"/>
+            </a:effectRef>
+            <a:fontRef idx="minor">
+              <a:schemeClr val="lt1"/>
+            </a:fontRef>
+          </p:style>
+          <p:txBody>
+            <a:bodyPr rtlCol="0" anchor="ctr"/>
+            <a:lstStyle/>
+            <a:p>
+              <a:pPr algn="ctr"/>
+              <a:r>
+                <a:rPr lang="en-US" sz="1400" i="1" dirty="0">
+                  <a:solidFill>
+                    <a:schemeClr val="tx1"/>
+                  </a:solidFill>
+                </a:rPr>
+                <a:t>Custom</a:t>
+              </a:r>
+            </a:p>
+            <a:p>
+              <a:pPr algn="ctr"/>
+              <a:r>
+                <a:rPr lang="en-US" sz="1400" i="1" dirty="0">
+                  <a:solidFill>
+                    <a:schemeClr val="tx1"/>
+                  </a:solidFill>
+                </a:rPr>
+                <a:t>Application</a:t>
+              </a:r>
+            </a:p>
+            <a:p>
+              <a:pPr algn="ctr"/>
+              <a:endParaRPr lang="en-US" sz="400" i="1" dirty="0">
+                <a:solidFill>
+                  <a:srgbClr val="C00000"/>
+                </a:solidFill>
+              </a:endParaRPr>
+            </a:p>
+            <a:p>
+              <a:pPr algn="ctr"/>
+              <a:r>
+                <a:rPr lang="en-US" sz="1000" dirty="0">
+                  <a:solidFill>
+                    <a:srgbClr val="C00000"/>
+                  </a:solidFill>
+                  <a:latin typeface="+mj-lt"/>
+                </a:rPr>
+                <a:t>Power</a:t>
+              </a:r>
+              <a:r>
+                <a:rPr lang="en-US" sz="1050" dirty="0">
+                  <a:solidFill>
+                    <a:srgbClr val="C00000"/>
+                  </a:solidFill>
+                  <a:latin typeface="+mj-lt"/>
+                </a:rPr>
+                <a:t> BI</a:t>
+              </a:r>
+            </a:p>
+            <a:p>
+              <a:pPr algn="ctr"/>
+              <a:r>
+                <a:rPr lang="en-US" sz="1050" dirty="0">
+                  <a:solidFill>
+                    <a:srgbClr val="C00000"/>
+                  </a:solidFill>
+                  <a:latin typeface="+mj-lt"/>
+                </a:rPr>
+                <a:t>Service API</a:t>
+              </a:r>
+            </a:p>
+          </p:txBody>
+        </p:sp>
+        <p:sp>
+          <p:nvSpPr>
+            <p:cNvPr id="15" name="Arrow: Right 14">
+              <a:extLst>
+                <a:ext uri="{FF2B5EF4-FFF2-40B4-BE49-F238E27FC236}">
+                  <a16:creationId xmlns:a16="http://schemas.microsoft.com/office/drawing/2014/main" id="{A790EEB6-D9AA-4DDB-9B58-57AF525B93B5}"/>
+                </a:ext>
+              </a:extLst>
+            </p:cNvPr>
+            <p:cNvSpPr/>
+            <p:nvPr/>
+          </p:nvSpPr>
+          <p:spPr>
+            <a:xfrm>
+              <a:off x="6058466" y="4337847"/>
+              <a:ext cx="875734" cy="544506"/>
+            </a:xfrm>
+            <a:prstGeom prst="rightArrow">
+              <a:avLst>
+                <a:gd name="adj1" fmla="val 55505"/>
+                <a:gd name="adj2" fmla="val 50000"/>
+              </a:avLst>
+            </a:prstGeom>
+            <a:solidFill>
+              <a:schemeClr val="accent2">
+                <a:lumMod val="20000"/>
+                <a:lumOff val="80000"/>
+              </a:schemeClr>
+            </a:solidFill>
+            <a:ln w="6350"/>
+          </p:spPr>
+          <p:style>
+            <a:lnRef idx="2">
+              <a:schemeClr val="accent1">
+                <a:shade val="50000"/>
+              </a:schemeClr>
+            </a:lnRef>
+            <a:fillRef idx="1">
+              <a:schemeClr val="accent1"/>
+            </a:fillRef>
+            <a:effectRef idx="0">
+              <a:schemeClr val="accent1"/>
+            </a:effectRef>
+            <a:fontRef idx="minor">
+              <a:schemeClr val="lt1"/>
+            </a:fontRef>
+          </p:style>
+          <p:txBody>
+            <a:bodyPr rtlCol="0" anchor="ctr"/>
+            <a:lstStyle/>
+            <a:p>
+              <a:pPr algn="ctr"/>
+              <a:r>
+                <a:rPr lang="en-US" sz="1400" dirty="0">
+                  <a:solidFill>
+                    <a:srgbClr val="C00000"/>
+                  </a:solidFill>
+                  <a:latin typeface="+mj-lt"/>
+                </a:rPr>
+                <a:t>Push</a:t>
+              </a:r>
+            </a:p>
+          </p:txBody>
+        </p:sp>
+      </p:grpSp>
+    </p:spTree>
+    <p:extLst>
+      <p:ext uri="{BB962C8B-B14F-4D97-AF65-F5344CB8AC3E}">
+        <p14:creationId xmlns:p14="http://schemas.microsoft.com/office/powerpoint/2010/main" val="3591930352"/>
+      </p:ext>
+    </p:extLst>
+  </p:cSld>
+  <p:clrMapOvr>
+    <a:masterClrMapping/>
+  </p:clrMapOvr>
+  <p:timing>
+    <p:tnLst>
+      <p:par>
+        <p:cTn id="1" dur="indefinite" restart="never" nodeType="tmRoot">
+          <p:childTnLst>
+            <p:seq concurrent="1" nextAc="seek">
+              <p:cTn id="2" dur="indefinite" nodeType="mainSeq">
+                <p:childTnLst>
+                  <p:par>
+                    <p:cTn id="3" fill="hold">
+                      <p:stCondLst>
+                        <p:cond delay="indefinite"/>
+                      </p:stCondLst>
+                      <p:childTnLst>
+                        <p:par>
+                          <p:cTn id="4" fill="hold">
+                            <p:stCondLst>
+                              <p:cond delay="0"/>
+                            </p:stCondLst>
+                            <p:childTnLst>
+                              <p:par>
+                                <p:cTn id="5" presetID="1" presetClass="entr" presetSubtype="0" fill="hold" nodeType="clickEffect">
+                                  <p:stCondLst>
+                                    <p:cond delay="0"/>
+                                  </p:stCondLst>
+                                  <p:childTnLst>
+                                    <p:set>
+                                      <p:cBhvr>
+                                        <p:cTn id="6" dur="1" fill="hold">
+                                          <p:stCondLst>
+                                            <p:cond delay="0"/>
+                                          </p:stCondLst>
+                                        </p:cTn>
+                                        <p:tgtEl>
+                                          <p:spTgt spid="3">
+                                            <p:txEl>
+                                              <p:pRg st="0" end="0"/>
+                                            </p:txEl>
+                                          </p:spTgt>
+                                        </p:tgtEl>
+                                        <p:attrNameLst>
+                                          <p:attrName>style.visibility</p:attrName>
+                                        </p:attrNameLst>
+                                      </p:cBhvr>
+                                      <p:to>
+                                        <p:strVal val="visible"/>
+                                      </p:to>
+                                    </p:set>
+                                  </p:childTnLst>
+                                </p:cTn>
+                              </p:par>
+                            </p:childTnLst>
+                          </p:cTn>
+                        </p:par>
+                      </p:childTnLst>
+                    </p:cTn>
+                  </p:par>
+                  <p:par>
+                    <p:cTn id="7" fill="hold">
+                      <p:stCondLst>
+                        <p:cond delay="indefinite"/>
+                      </p:stCondLst>
+                      <p:childTnLst>
+                        <p:par>
+                          <p:cTn id="8" fill="hold">
+                            <p:stCondLst>
+                              <p:cond delay="0"/>
+                            </p:stCondLst>
+                            <p:childTnLst>
+                              <p:par>
+                                <p:cTn id="9" presetID="1" presetClass="entr" presetSubtype="0" fill="hold" nodeType="clickEffect">
+                                  <p:stCondLst>
+                                    <p:cond delay="0"/>
+                                  </p:stCondLst>
+                                  <p:childTnLst>
+                                    <p:set>
+                                      <p:cBhvr>
+                                        <p:cTn id="10" dur="1" fill="hold">
+                                          <p:stCondLst>
+                                            <p:cond delay="0"/>
+                                          </p:stCondLst>
+                                        </p:cTn>
+                                        <p:tgtEl>
+                                          <p:spTgt spid="21"/>
+                                        </p:tgtEl>
+                                        <p:attrNameLst>
+                                          <p:attrName>style.visibility</p:attrName>
+                                        </p:attrNameLst>
+                                      </p:cBhvr>
+                                      <p:to>
+                                        <p:strVal val="visible"/>
+                                      </p:to>
+                                    </p:set>
+                                  </p:childTnLst>
+                                </p:cTn>
+                              </p:par>
+                            </p:childTnLst>
+                          </p:cTn>
+                        </p:par>
+                      </p:childTnLst>
+                    </p:cTn>
+                  </p:par>
+                  <p:par>
+                    <p:cTn id="11" fill="hold">
+                      <p:stCondLst>
+                        <p:cond delay="indefinite"/>
+                      </p:stCondLst>
+                      <p:childTnLst>
+                        <p:par>
+                          <p:cTn id="12" fill="hold">
+                            <p:stCondLst>
+                              <p:cond delay="0"/>
+                            </p:stCondLst>
+                            <p:childTnLst>
+                              <p:par>
+                                <p:cTn id="13" presetID="1" presetClass="entr" presetSubtype="0" fill="hold" nodeType="clickEffect">
+                                  <p:stCondLst>
+                                    <p:cond delay="0"/>
+                                  </p:stCondLst>
+                                  <p:childTnLst>
+                                    <p:set>
+                                      <p:cBhvr>
+                                        <p:cTn id="14" dur="1" fill="hold">
+                                          <p:stCondLst>
+                                            <p:cond delay="0"/>
+                                          </p:stCondLst>
+                                        </p:cTn>
+                                        <p:tgtEl>
+                                          <p:spTgt spid="3">
+                                            <p:txEl>
+                                              <p:pRg st="1" end="1"/>
+                                            </p:txEl>
+                                          </p:spTgt>
+                                        </p:tgtEl>
+                                        <p:attrNameLst>
+                                          <p:attrName>style.visibility</p:attrName>
+                                        </p:attrNameLst>
+                                      </p:cBhvr>
+                                      <p:to>
+                                        <p:strVal val="visible"/>
+                                      </p:to>
+                                    </p:set>
+                                  </p:childTnLst>
+                                </p:cTn>
+                              </p:par>
+                            </p:childTnLst>
+                          </p:cTn>
+                        </p:par>
+                      </p:childTnLst>
+                    </p:cTn>
+                  </p:par>
+                  <p:par>
+                    <p:cTn id="15" fill="hold">
+                      <p:stCondLst>
+                        <p:cond delay="indefinite"/>
+                      </p:stCondLst>
+                      <p:childTnLst>
+                        <p:par>
+                          <p:cTn id="16" fill="hold">
+                            <p:stCondLst>
+                              <p:cond delay="0"/>
+                            </p:stCondLst>
+                            <p:childTnLst>
+                              <p:par>
+                                <p:cTn id="17" presetID="1" presetClass="entr" presetSubtype="0" fill="hold" nodeType="clickEffect">
+                                  <p:stCondLst>
+                                    <p:cond delay="0"/>
+                                  </p:stCondLst>
+                                  <p:childTnLst>
+                                    <p:set>
+                                      <p:cBhvr>
+                                        <p:cTn id="18" dur="1" fill="hold">
+                                          <p:stCondLst>
+                                            <p:cond delay="0"/>
+                                          </p:stCondLst>
+                                        </p:cTn>
+                                        <p:tgtEl>
+                                          <p:spTgt spid="3">
+                                            <p:txEl>
+                                              <p:pRg st="2" end="2"/>
+                                            </p:txEl>
+                                          </p:spTgt>
+                                        </p:tgtEl>
+                                        <p:attrNameLst>
+                                          <p:attrName>style.visibility</p:attrName>
+                                        </p:attrNameLst>
+                                      </p:cBhvr>
+                                      <p:to>
+                                        <p:strVal val="visible"/>
+                                      </p:to>
+                                    </p:set>
+                                  </p:childTnLst>
+                                </p:cTn>
+                              </p:par>
+                            </p:childTnLst>
+                          </p:cTn>
+                        </p:par>
+                      </p:childTnLst>
+                    </p:cTn>
+                  </p:par>
+                  <p:par>
+                    <p:cTn id="19" fill="hold">
+                      <p:stCondLst>
+                        <p:cond delay="indefinite"/>
+                      </p:stCondLst>
+                      <p:childTnLst>
+                        <p:par>
+                          <p:cTn id="20" fill="hold">
+                            <p:stCondLst>
+                              <p:cond delay="0"/>
+                            </p:stCondLst>
+                            <p:childTnLst>
+                              <p:par>
+                                <p:cTn id="21" presetID="1" presetClass="entr" presetSubtype="0" fill="hold" nodeType="clickEffect">
+                                  <p:stCondLst>
+                                    <p:cond delay="0"/>
+                                  </p:stCondLst>
+                                  <p:childTnLst>
+                                    <p:set>
+                                      <p:cBhvr>
+                                        <p:cTn id="22" dur="1" fill="hold">
+                                          <p:stCondLst>
+                                            <p:cond delay="0"/>
+                                          </p:stCondLst>
+                                        </p:cTn>
+                                        <p:tgtEl>
+                                          <p:spTgt spid="3">
+                                            <p:txEl>
+                                              <p:pRg st="3" end="3"/>
+                                            </p:txEl>
+                                          </p:spTgt>
+                                        </p:tgtEl>
+                                        <p:attrNameLst>
+                                          <p:attrName>style.visibility</p:attrName>
+                                        </p:attrNameLst>
+                                      </p:cBhvr>
+                                      <p:to>
+                                        <p:strVal val="visible"/>
+                                      </p:to>
+                                    </p:set>
+                                  </p:childTnLst>
+                                </p:cTn>
+                              </p:par>
+                            </p:childTnLst>
+                          </p:cTn>
+                        </p:par>
+                      </p:childTnLst>
+                    </p:cTn>
+                  </p:par>
+                  <p:par>
+                    <p:cTn id="23" fill="hold">
+                      <p:stCondLst>
+                        <p:cond delay="indefinite"/>
+                      </p:stCondLst>
+                      <p:childTnLst>
+                        <p:par>
+                          <p:cTn id="24" fill="hold">
+                            <p:stCondLst>
+                              <p:cond delay="0"/>
+                            </p:stCondLst>
+                            <p:childTnLst>
+                              <p:par>
+                                <p:cTn id="25" presetID="1" presetClass="entr" presetSubtype="0" fill="hold" nodeType="clickEffect">
+                                  <p:stCondLst>
+                                    <p:cond delay="0"/>
+                                  </p:stCondLst>
+                                  <p:childTnLst>
+                                    <p:set>
+                                      <p:cBhvr>
+                                        <p:cTn id="26" dur="1" fill="hold">
+                                          <p:stCondLst>
+                                            <p:cond delay="0"/>
+                                          </p:stCondLst>
+                                        </p:cTn>
+                                        <p:tgtEl>
+                                          <p:spTgt spid="3">
+                                            <p:txEl>
+                                              <p:pRg st="5" end="5"/>
+                                            </p:txEl>
+                                          </p:spTgt>
+                                        </p:tgtEl>
+                                        <p:attrNameLst>
+                                          <p:attrName>style.visibility</p:attrName>
+                                        </p:attrNameLst>
+                                      </p:cBhvr>
+                                      <p:to>
+                                        <p:strVal val="visible"/>
+                                      </p:to>
+                                    </p:set>
+                                  </p:childTnLst>
+                                </p:cTn>
+                              </p:par>
+                            </p:childTnLst>
+                          </p:cTn>
+                        </p:par>
+                      </p:childTnLst>
+                    </p:cTn>
+                  </p:par>
+                  <p:par>
+                    <p:cTn id="27" fill="hold">
+                      <p:stCondLst>
+                        <p:cond delay="indefinite"/>
+                      </p:stCondLst>
+                      <p:childTnLst>
+                        <p:par>
+                          <p:cTn id="28" fill="hold">
+                            <p:stCondLst>
+                              <p:cond delay="0"/>
+                            </p:stCondLst>
+                            <p:childTnLst>
+                              <p:par>
+                                <p:cTn id="29" presetID="1" presetClass="entr" presetSubtype="0" fill="hold" nodeType="clickEffect">
+                                  <p:stCondLst>
+                                    <p:cond delay="0"/>
+                                  </p:stCondLst>
+                                  <p:childTnLst>
+                                    <p:set>
+                                      <p:cBhvr>
+                                        <p:cTn id="30" dur="1" fill="hold">
+                                          <p:stCondLst>
+                                            <p:cond delay="0"/>
+                                          </p:stCondLst>
+                                        </p:cTn>
+                                        <p:tgtEl>
+                                          <p:spTgt spid="22"/>
+                                        </p:tgtEl>
+                                        <p:attrNameLst>
+                                          <p:attrName>style.visibility</p:attrName>
+                                        </p:attrNameLst>
+                                      </p:cBhvr>
+                                      <p:to>
+                                        <p:strVal val="visible"/>
+                                      </p:to>
+                                    </p:set>
+                                  </p:childTnLst>
+                                </p:cTn>
+                              </p:par>
+                            </p:childTnLst>
+                          </p:cTn>
+                        </p:par>
+                      </p:childTnLst>
+                    </p:cTn>
+                  </p:par>
+                  <p:par>
+                    <p:cTn id="31" fill="hold">
+                      <p:stCondLst>
+                        <p:cond delay="indefinite"/>
+                      </p:stCondLst>
+                      <p:childTnLst>
+                        <p:par>
+                          <p:cTn id="32" fill="hold">
+                            <p:stCondLst>
+                              <p:cond delay="0"/>
+                            </p:stCondLst>
+                            <p:childTnLst>
+                              <p:par>
+                                <p:cTn id="33" presetID="1" presetClass="entr" presetSubtype="0" fill="hold" nodeType="clickEffect">
+                                  <p:stCondLst>
+                                    <p:cond delay="0"/>
+                                  </p:stCondLst>
+                                  <p:childTnLst>
+                                    <p:set>
+                                      <p:cBhvr>
+                                        <p:cTn id="34" dur="1" fill="hold">
+                                          <p:stCondLst>
+                                            <p:cond delay="0"/>
+                                          </p:stCondLst>
+                                        </p:cTn>
+                                        <p:tgtEl>
+                                          <p:spTgt spid="3">
+                                            <p:txEl>
+                                              <p:pRg st="6" end="6"/>
+                                            </p:txEl>
+                                          </p:spTgt>
+                                        </p:tgtEl>
+                                        <p:attrNameLst>
+                                          <p:attrName>style.visibility</p:attrName>
+                                        </p:attrNameLst>
+                                      </p:cBhvr>
+                                      <p:to>
+                                        <p:strVal val="visible"/>
+                                      </p:to>
+                                    </p:set>
+                                  </p:childTnLst>
+                                </p:cTn>
+                              </p:par>
+                            </p:childTnLst>
+                          </p:cTn>
+                        </p:par>
+                      </p:childTnLst>
+                    </p:cTn>
+                  </p:par>
+                  <p:par>
+                    <p:cTn id="35" fill="hold">
+                      <p:stCondLst>
+                        <p:cond delay="indefinite"/>
+                      </p:stCondLst>
+                      <p:childTnLst>
+                        <p:par>
+                          <p:cTn id="36" fill="hold">
+                            <p:stCondLst>
+                              <p:cond delay="0"/>
+                            </p:stCondLst>
+                            <p:childTnLst>
+                              <p:par>
+                                <p:cTn id="37" presetID="1" presetClass="entr" presetSubtype="0" fill="hold" nodeType="clickEffect">
+                                  <p:stCondLst>
+                                    <p:cond delay="0"/>
+                                  </p:stCondLst>
+                                  <p:childTnLst>
+                                    <p:set>
+                                      <p:cBhvr>
+                                        <p:cTn id="38" dur="1" fill="hold">
+                                          <p:stCondLst>
+                                            <p:cond delay="0"/>
+                                          </p:stCondLst>
+                                        </p:cTn>
+                                        <p:tgtEl>
+                                          <p:spTgt spid="3">
+                                            <p:txEl>
+                                              <p:pRg st="7" end="7"/>
+                                            </p:txEl>
+                                          </p:spTgt>
+                                        </p:tgtEl>
+                                        <p:attrNameLst>
+                                          <p:attrName>style.visibility</p:attrName>
+                                        </p:attrNameLst>
+                                      </p:cBhvr>
+                                      <p:to>
+                                        <p:strVal val="visible"/>
+                                      </p:to>
+                                    </p:set>
+                                  </p:childTnLst>
+                                </p:cTn>
+                              </p:par>
+                            </p:childTnLst>
+                          </p:cTn>
+                        </p:par>
+                      </p:childTnLst>
+                    </p:cTn>
+                  </p:par>
+                  <p:par>
+                    <p:cTn id="39" fill="hold">
+                      <p:stCondLst>
+                        <p:cond delay="indefinite"/>
+                      </p:stCondLst>
+                      <p:childTnLst>
+                        <p:par>
+                          <p:cTn id="40" fill="hold">
+                            <p:stCondLst>
+                              <p:cond delay="0"/>
+                            </p:stCondLst>
+                            <p:childTnLst>
+                              <p:par>
+                                <p:cTn id="41" presetID="1" presetClass="entr" presetSubtype="0" fill="hold" nodeType="clickEffect">
+                                  <p:stCondLst>
+                                    <p:cond delay="0"/>
+                                  </p:stCondLst>
+                                  <p:childTnLst>
+                                    <p:set>
+                                      <p:cBhvr>
+                                        <p:cTn id="42" dur="1" fill="hold">
+                                          <p:stCondLst>
+                                            <p:cond delay="0"/>
+                                          </p:stCondLst>
+                                        </p:cTn>
+                                        <p:tgtEl>
+                                          <p:spTgt spid="3">
+                                            <p:txEl>
+                                              <p:pRg st="8" end="8"/>
+                                            </p:txEl>
+                                          </p:spTgt>
+                                        </p:tgtEl>
+                                        <p:attrNameLst>
+                                          <p:attrName>style.visibility</p:attrName>
+                                        </p:attrNameLst>
+                                      </p:cBhvr>
+                                      <p:to>
+                                        <p:strVal val="visible"/>
+                                      </p:to>
+                                    </p:set>
+                                  </p:childTnLst>
+                                </p:cTn>
+                              </p:par>
+                            </p:childTnLst>
+                          </p:cTn>
+                        </p:par>
+                      </p:childTnLst>
+                    </p:cTn>
+                  </p:par>
+                </p:childTnLst>
+              </p:cTn>
+              <p:prevCondLst>
+                <p:cond evt="onPrev" delay="0">
+                  <p:tgtEl>
+                    <p:sldTgt/>
+                  </p:tgtEl>
+                </p:cond>
+              </p:prevCondLst>
+              <p:nextCondLst>
+                <p:cond evt="onNext" delay="0">
+                  <p:tgtEl>
+                    <p:sldTgt/>
+                  </p:tgtEl>
+                </p:cond>
+              </p:nextCondLst>
+            </p:seq>
+          </p:childTnLst>
+        </p:cTn>
+      </p:par>
+    </p:tnLst>
+  </p:timing>
+</p:sld>
+</file>
+
+<file path=ppt/slides/slide6.xml><?xml version="1.0" encoding="utf-8"?>
 <p:sld xmlns:a="http://schemas.openxmlformats.org/drawingml/2006/main" xmlns:r="http://schemas.openxmlformats.org/officeDocument/2006/relationships" xmlns:p="http://schemas.openxmlformats.org/presentationml/2006/main">
   <p:cSld>
     <p:spTree>
@@ -15533,7 +18643,7 @@
 </p:sld>
 </file>
 
-<file path=ppt/slides/slide5.xml><?xml version="1.0" encoding="utf-8"?>
+<file path=ppt/slides/slide7.xml><?xml version="1.0" encoding="utf-8"?>
 <p:sld xmlns:a="http://schemas.openxmlformats.org/drawingml/2006/main" xmlns:r="http://schemas.openxmlformats.org/officeDocument/2006/relationships" xmlns:p="http://schemas.openxmlformats.org/presentationml/2006/main">
   <p:cSld>
     <p:spTree>
@@ -16059,7 +19169,7 @@
 </p:sld>
 </file>
 
-<file path=ppt/slides/slide6.xml><?xml version="1.0" encoding="utf-8"?>
+<file path=ppt/slides/slide8.xml><?xml version="1.0" encoding="utf-8"?>
 <p:sld xmlns:a="http://schemas.openxmlformats.org/drawingml/2006/main" xmlns:r="http://schemas.openxmlformats.org/officeDocument/2006/relationships" xmlns:p="http://schemas.openxmlformats.org/presentationml/2006/main">
   <p:cSld>
     <p:spTree>
@@ -16798,7 +19908,7 @@
 </p:sld>
 </file>
 
-<file path=ppt/slides/slide7.xml><?xml version="1.0" encoding="utf-8"?>
+<file path=ppt/slides/slide9.xml><?xml version="1.0" encoding="utf-8"?>
 <p:sld xmlns:a="http://schemas.openxmlformats.org/drawingml/2006/main" xmlns:r="http://schemas.openxmlformats.org/officeDocument/2006/relationships" xmlns:p="http://schemas.openxmlformats.org/presentationml/2006/main">
   <p:cSld>
     <p:spTree>
@@ -16853,579 +19963,6 @@
   <p:clrMapOvr>
     <a:masterClrMapping/>
   </p:clrMapOvr>
-</p:sld>
-</file>
-
-<file path=ppt/slides/slide8.xml><?xml version="1.0" encoding="utf-8"?>
-<p:sld xmlns:a="http://schemas.openxmlformats.org/drawingml/2006/main" xmlns:r="http://schemas.openxmlformats.org/officeDocument/2006/relationships" xmlns:p="http://schemas.openxmlformats.org/presentationml/2006/main">
-  <p:cSld>
-    <p:spTree>
-      <p:nvGrpSpPr>
-        <p:cNvPr id="1" name=""/>
-        <p:cNvGrpSpPr/>
-        <p:nvPr/>
-      </p:nvGrpSpPr>
-      <p:grpSpPr>
-        <a:xfrm>
-          <a:off x="0" y="0"/>
-          <a:ext cx="0" cy="0"/>
-          <a:chOff x="0" y="0"/>
-          <a:chExt cx="0" cy="0"/>
-        </a:xfrm>
-      </p:grpSpPr>
-      <p:sp>
-        <p:nvSpPr>
-          <p:cNvPr id="2" name="Title 1"/>
-          <p:cNvSpPr>
-            <a:spLocks noGrp="1"/>
-          </p:cNvSpPr>
-          <p:nvPr>
-            <p:ph type="title"/>
-          </p:nvPr>
-        </p:nvSpPr>
-        <p:spPr/>
-        <p:txBody>
-          <a:bodyPr/>
-          <a:lstStyle/>
-          <a:p>
-            <a:r>
-              <a:rPr lang="en-US" dirty="0"/>
-              <a:t>Agenda</a:t>
-            </a:r>
-          </a:p>
-        </p:txBody>
-      </p:sp>
-      <p:sp>
-        <p:nvSpPr>
-          <p:cNvPr id="3" name="Content Placeholder 2"/>
-          <p:cNvSpPr>
-            <a:spLocks noGrp="1"/>
-          </p:cNvSpPr>
-          <p:nvPr>
-            <p:ph idx="1"/>
-          </p:nvPr>
-        </p:nvSpPr>
-        <p:spPr>
-          <a:xfrm>
-            <a:off x="381000" y="1371600"/>
-            <a:ext cx="8382000" cy="5181600"/>
-          </a:xfrm>
-        </p:spPr>
-        <p:txBody>
-          <a:bodyPr>
-            <a:normAutofit/>
-          </a:bodyPr>
-          <a:lstStyle/>
-          <a:p>
-            <a:pPr>
-              <a:buFont typeface="Wingdings" panose="05000000000000000000" pitchFamily="2" charset="2"/>
-              <a:buChar char="ü"/>
-            </a:pPr>
-            <a:r>
-              <a:rPr lang="en-US" dirty="0"/>
-              <a:t>Introduction to Real-time Datasets</a:t>
-            </a:r>
-          </a:p>
-          <a:p>
-            <a:pPr>
-              <a:buFont typeface="Wingdings" panose="05000000000000000000" pitchFamily="2" charset="2"/>
-              <a:buChar char="Ø"/>
-            </a:pPr>
-            <a:r>
-              <a:rPr lang="en-US" dirty="0"/>
-              <a:t>Creating a Streaming Dataset with the API</a:t>
-            </a:r>
-          </a:p>
-          <a:p>
-            <a:r>
-              <a:rPr lang="en-US" dirty="0"/>
-              <a:t>Designing Dashboards with Streaming Data Tiles</a:t>
-            </a:r>
-          </a:p>
-          <a:p>
-            <a:r>
-              <a:rPr lang="en-US" dirty="0"/>
-              <a:t>Creating a Push Dataset with Real-time Data</a:t>
-            </a:r>
-          </a:p>
-          <a:p>
-            <a:r>
-              <a:rPr lang="en-US" dirty="0"/>
-              <a:t>Integrating Azure Streaming Analytics Jobs</a:t>
-            </a:r>
-          </a:p>
-          <a:p>
-            <a:endParaRPr lang="en-US" dirty="0"/>
-          </a:p>
-        </p:txBody>
-      </p:sp>
-    </p:spTree>
-    <p:extLst>
-      <p:ext uri="{BB962C8B-B14F-4D97-AF65-F5344CB8AC3E}">
-        <p14:creationId xmlns:p14="http://schemas.microsoft.com/office/powerpoint/2010/main" val="909292214"/>
-      </p:ext>
-    </p:extLst>
-  </p:cSld>
-  <p:clrMapOvr>
-    <a:masterClrMapping/>
-  </p:clrMapOvr>
-</p:sld>
-</file>
-
-<file path=ppt/slides/slide9.xml><?xml version="1.0" encoding="utf-8"?>
-<p:sld xmlns:a="http://schemas.openxmlformats.org/drawingml/2006/main" xmlns:r="http://schemas.openxmlformats.org/officeDocument/2006/relationships" xmlns:p="http://schemas.openxmlformats.org/presentationml/2006/main">
-  <p:cSld>
-    <p:spTree>
-      <p:nvGrpSpPr>
-        <p:cNvPr id="1" name=""/>
-        <p:cNvGrpSpPr/>
-        <p:nvPr/>
-      </p:nvGrpSpPr>
-      <p:grpSpPr>
-        <a:xfrm>
-          <a:off x="0" y="0"/>
-          <a:ext cx="0" cy="0"/>
-          <a:chOff x="0" y="0"/>
-          <a:chExt cx="0" cy="0"/>
-        </a:xfrm>
-      </p:grpSpPr>
-      <p:sp>
-        <p:nvSpPr>
-          <p:cNvPr id="2" name="Title 1">
-            <a:extLst>
-              <a:ext uri="{FF2B5EF4-FFF2-40B4-BE49-F238E27FC236}">
-                <a16:creationId xmlns:a16="http://schemas.microsoft.com/office/drawing/2014/main" id="{47FBA79A-A859-4E41-9341-342B49B88219}"/>
-              </a:ext>
-            </a:extLst>
-          </p:cNvPr>
-          <p:cNvSpPr>
-            <a:spLocks noGrp="1"/>
-          </p:cNvSpPr>
-          <p:nvPr>
-            <p:ph type="title"/>
-          </p:nvPr>
-        </p:nvSpPr>
-        <p:spPr/>
-        <p:txBody>
-          <a:bodyPr/>
-          <a:lstStyle/>
-          <a:p>
-            <a:r>
-              <a:rPr lang="en-US" altLang="en-US" dirty="0"/>
-              <a:t>Real-time Scenario Being Simulated</a:t>
-            </a:r>
-            <a:endParaRPr lang="en-US" dirty="0"/>
-          </a:p>
-        </p:txBody>
-      </p:sp>
-      <p:sp>
-        <p:nvSpPr>
-          <p:cNvPr id="6" name="Content Placeholder 5">
-            <a:extLst>
-              <a:ext uri="{FF2B5EF4-FFF2-40B4-BE49-F238E27FC236}">
-                <a16:creationId xmlns:a16="http://schemas.microsoft.com/office/drawing/2014/main" id="{817F4C91-A5D8-4D6F-97DC-EEF32E53E36C}"/>
-              </a:ext>
-            </a:extLst>
-          </p:cNvPr>
-          <p:cNvSpPr>
-            <a:spLocks noGrp="1"/>
-          </p:cNvSpPr>
-          <p:nvPr>
-            <p:ph idx="1"/>
-          </p:nvPr>
-        </p:nvSpPr>
-        <p:spPr/>
-        <p:txBody>
-          <a:bodyPr/>
-          <a:lstStyle/>
-          <a:p>
-            <a:r>
-              <a:rPr lang="en-US" dirty="0"/>
-              <a:t>Heisenberg labs processes chemicals</a:t>
-            </a:r>
-          </a:p>
-          <a:p>
-            <a:pPr lvl="1"/>
-            <a:r>
-              <a:rPr lang="en-US" dirty="0"/>
-              <a:t>Required to monitor temperatures during processing</a:t>
-            </a:r>
-          </a:p>
-          <a:p>
-            <a:pPr lvl="1"/>
-            <a:r>
-              <a:rPr lang="en-US" dirty="0"/>
-              <a:t>Temperature must be monitored on per-second basis</a:t>
-            </a:r>
-          </a:p>
-          <a:p>
-            <a:pPr lvl="1"/>
-            <a:r>
-              <a:rPr lang="en-US" dirty="0"/>
-              <a:t>Send alerts if temperature exceeds preset threshold</a:t>
-            </a:r>
-          </a:p>
-        </p:txBody>
-      </p:sp>
-      <p:pic>
-        <p:nvPicPr>
-          <p:cNvPr id="4" name="Picture 3">
-            <a:extLst>
-              <a:ext uri="{FF2B5EF4-FFF2-40B4-BE49-F238E27FC236}">
-                <a16:creationId xmlns:a16="http://schemas.microsoft.com/office/drawing/2014/main" id="{7BA77FF8-BE7F-461A-80FF-78DAD0E88A04}"/>
-              </a:ext>
-            </a:extLst>
-          </p:cNvPr>
-          <p:cNvPicPr>
-            <a:picLocks noChangeAspect="1"/>
-          </p:cNvPicPr>
-          <p:nvPr/>
-        </p:nvPicPr>
-        <p:blipFill>
-          <a:blip r:embed="rId2"/>
-          <a:stretch>
-            <a:fillRect/>
-          </a:stretch>
-        </p:blipFill>
-        <p:spPr>
-          <a:xfrm>
-            <a:off x="5141005" y="3394992"/>
-            <a:ext cx="3279178" cy="2830945"/>
-          </a:xfrm>
-          <a:prstGeom prst="rect">
-            <a:avLst/>
-          </a:prstGeom>
-          <a:ln>
-            <a:solidFill>
-              <a:schemeClr val="tx1"/>
-            </a:solidFill>
-          </a:ln>
-        </p:spPr>
-      </p:pic>
-      <p:pic>
-        <p:nvPicPr>
-          <p:cNvPr id="3" name="Picture 2">
-            <a:extLst>
-              <a:ext uri="{FF2B5EF4-FFF2-40B4-BE49-F238E27FC236}">
-                <a16:creationId xmlns:a16="http://schemas.microsoft.com/office/drawing/2014/main" id="{72BB47AD-A15F-44F0-8DC1-7ABBAA8E46D5}"/>
-              </a:ext>
-            </a:extLst>
-          </p:cNvPr>
-          <p:cNvPicPr>
-            <a:picLocks noChangeAspect="1"/>
-          </p:cNvPicPr>
-          <p:nvPr/>
-        </p:nvPicPr>
-        <p:blipFill rotWithShape="1">
-          <a:blip r:embed="rId3"/>
-          <a:srcRect r="34509"/>
-          <a:stretch/>
-        </p:blipFill>
-        <p:spPr>
-          <a:xfrm>
-            <a:off x="1219200" y="3392683"/>
-            <a:ext cx="3578989" cy="2817719"/>
-          </a:xfrm>
-          <a:prstGeom prst="rect">
-            <a:avLst/>
-          </a:prstGeom>
-          <a:ln>
-            <a:solidFill>
-              <a:schemeClr val="tx1"/>
-            </a:solidFill>
-          </a:ln>
-        </p:spPr>
-      </p:pic>
-    </p:spTree>
-    <p:extLst>
-      <p:ext uri="{BB962C8B-B14F-4D97-AF65-F5344CB8AC3E}">
-        <p14:creationId xmlns:p14="http://schemas.microsoft.com/office/powerpoint/2010/main" val="3183870776"/>
-      </p:ext>
-    </p:extLst>
-  </p:cSld>
-  <p:clrMapOvr>
-    <a:masterClrMapping/>
-  </p:clrMapOvr>
-  <p:timing>
-    <p:tnLst>
-      <p:par>
-        <p:cTn id="1" dur="indefinite" restart="never" nodeType="tmRoot">
-          <p:childTnLst>
-            <p:seq concurrent="1" nextAc="seek">
-              <p:cTn id="2" dur="indefinite" nodeType="mainSeq">
-                <p:childTnLst>
-                  <p:par>
-                    <p:cTn id="3" fill="hold">
-                      <p:stCondLst>
-                        <p:cond delay="indefinite"/>
-                      </p:stCondLst>
-                      <p:childTnLst>
-                        <p:par>
-                          <p:cTn id="4" fill="hold">
-                            <p:stCondLst>
-                              <p:cond delay="0"/>
-                            </p:stCondLst>
-                            <p:childTnLst>
-                              <p:par>
-                                <p:cTn id="5" presetID="1" presetClass="entr" presetSubtype="0" fill="hold" nodeType="clickEffect">
-                                  <p:stCondLst>
-                                    <p:cond delay="0"/>
-                                  </p:stCondLst>
-                                  <p:childTnLst>
-                                    <p:set>
-                                      <p:cBhvr>
-                                        <p:cTn id="6" dur="1" fill="hold">
-                                          <p:stCondLst>
-                                            <p:cond delay="0"/>
-                                          </p:stCondLst>
-                                        </p:cTn>
-                                        <p:tgtEl>
-                                          <p:spTgt spid="6">
-                                            <p:txEl>
-                                              <p:pRg st="0" end="0"/>
-                                            </p:txEl>
-                                          </p:spTgt>
-                                        </p:tgtEl>
-                                        <p:attrNameLst>
-                                          <p:attrName>style.visibility</p:attrName>
-                                        </p:attrNameLst>
-                                      </p:cBhvr>
-                                      <p:to>
-                                        <p:strVal val="visible"/>
-                                      </p:to>
-                                    </p:set>
-                                  </p:childTnLst>
-                                </p:cTn>
-                              </p:par>
-                              <p:par>
-                                <p:cTn id="7" presetID="1" presetClass="entr" presetSubtype="0" fill="hold" nodeType="withEffect">
-                                  <p:stCondLst>
-                                    <p:cond delay="0"/>
-                                  </p:stCondLst>
-                                  <p:childTnLst>
-                                    <p:set>
-                                      <p:cBhvr>
-                                        <p:cTn id="8" dur="1" fill="hold">
-                                          <p:stCondLst>
-                                            <p:cond delay="0"/>
-                                          </p:stCondLst>
-                                        </p:cTn>
-                                        <p:tgtEl>
-                                          <p:spTgt spid="3"/>
-                                        </p:tgtEl>
-                                        <p:attrNameLst>
-                                          <p:attrName>style.visibility</p:attrName>
-                                        </p:attrNameLst>
-                                      </p:cBhvr>
-                                      <p:to>
-                                        <p:strVal val="visible"/>
-                                      </p:to>
-                                    </p:set>
-                                  </p:childTnLst>
-                                </p:cTn>
-                              </p:par>
-                            </p:childTnLst>
-                          </p:cTn>
-                        </p:par>
-                      </p:childTnLst>
-                    </p:cTn>
-                  </p:par>
-                  <p:par>
-                    <p:cTn id="9" fill="hold">
-                      <p:stCondLst>
-                        <p:cond delay="indefinite"/>
-                      </p:stCondLst>
-                      <p:childTnLst>
-                        <p:par>
-                          <p:cTn id="10" fill="hold">
-                            <p:stCondLst>
-                              <p:cond delay="0"/>
-                            </p:stCondLst>
-                            <p:childTnLst>
-                              <p:par>
-                                <p:cTn id="11" presetID="1" presetClass="entr" presetSubtype="0" fill="hold" nodeType="clickEffect">
-                                  <p:stCondLst>
-                                    <p:cond delay="0"/>
-                                  </p:stCondLst>
-                                  <p:childTnLst>
-                                    <p:set>
-                                      <p:cBhvr>
-                                        <p:cTn id="12" dur="1" fill="hold">
-                                          <p:stCondLst>
-                                            <p:cond delay="0"/>
-                                          </p:stCondLst>
-                                        </p:cTn>
-                                        <p:tgtEl>
-                                          <p:spTgt spid="6">
-                                            <p:txEl>
-                                              <p:pRg st="1" end="1"/>
-                                            </p:txEl>
-                                          </p:spTgt>
-                                        </p:tgtEl>
-                                        <p:attrNameLst>
-                                          <p:attrName>style.visibility</p:attrName>
-                                        </p:attrNameLst>
-                                      </p:cBhvr>
-                                      <p:to>
-                                        <p:strVal val="visible"/>
-                                      </p:to>
-                                    </p:set>
-                                  </p:childTnLst>
-                                </p:cTn>
-                              </p:par>
-                            </p:childTnLst>
-                          </p:cTn>
-                        </p:par>
-                      </p:childTnLst>
-                    </p:cTn>
-                  </p:par>
-                  <p:par>
-                    <p:cTn id="13" fill="hold">
-                      <p:stCondLst>
-                        <p:cond delay="indefinite"/>
-                      </p:stCondLst>
-                      <p:childTnLst>
-                        <p:par>
-                          <p:cTn id="14" fill="hold">
-                            <p:stCondLst>
-                              <p:cond delay="0"/>
-                            </p:stCondLst>
-                            <p:childTnLst>
-                              <p:par>
-                                <p:cTn id="15" presetID="1" presetClass="entr" presetSubtype="0" fill="hold" nodeType="clickEffect">
-                                  <p:stCondLst>
-                                    <p:cond delay="0"/>
-                                  </p:stCondLst>
-                                  <p:childTnLst>
-                                    <p:set>
-                                      <p:cBhvr>
-                                        <p:cTn id="16" dur="1" fill="hold">
-                                          <p:stCondLst>
-                                            <p:cond delay="0"/>
-                                          </p:stCondLst>
-                                        </p:cTn>
-                                        <p:tgtEl>
-                                          <p:spTgt spid="6">
-                                            <p:txEl>
-                                              <p:pRg st="2" end="2"/>
-                                            </p:txEl>
-                                          </p:spTgt>
-                                        </p:tgtEl>
-                                        <p:attrNameLst>
-                                          <p:attrName>style.visibility</p:attrName>
-                                        </p:attrNameLst>
-                                      </p:cBhvr>
-                                      <p:to>
-                                        <p:strVal val="visible"/>
-                                      </p:to>
-                                    </p:set>
-                                  </p:childTnLst>
-                                </p:cTn>
-                              </p:par>
-                            </p:childTnLst>
-                          </p:cTn>
-                        </p:par>
-                      </p:childTnLst>
-                    </p:cTn>
-                  </p:par>
-                  <p:par>
-                    <p:cTn id="17" fill="hold">
-                      <p:stCondLst>
-                        <p:cond delay="indefinite"/>
-                      </p:stCondLst>
-                      <p:childTnLst>
-                        <p:par>
-                          <p:cTn id="18" fill="hold">
-                            <p:stCondLst>
-                              <p:cond delay="0"/>
-                            </p:stCondLst>
-                            <p:childTnLst>
-                              <p:par>
-                                <p:cTn id="19" presetID="1" presetClass="entr" presetSubtype="0" fill="hold" nodeType="clickEffect">
-                                  <p:stCondLst>
-                                    <p:cond delay="0"/>
-                                  </p:stCondLst>
-                                  <p:childTnLst>
-                                    <p:set>
-                                      <p:cBhvr>
-                                        <p:cTn id="20" dur="1" fill="hold">
-                                          <p:stCondLst>
-                                            <p:cond delay="0"/>
-                                          </p:stCondLst>
-                                        </p:cTn>
-                                        <p:tgtEl>
-                                          <p:spTgt spid="6">
-                                            <p:txEl>
-                                              <p:pRg st="3" end="3"/>
-                                            </p:txEl>
-                                          </p:spTgt>
-                                        </p:tgtEl>
-                                        <p:attrNameLst>
-                                          <p:attrName>style.visibility</p:attrName>
-                                        </p:attrNameLst>
-                                      </p:cBhvr>
-                                      <p:to>
-                                        <p:strVal val="visible"/>
-                                      </p:to>
-                                    </p:set>
-                                  </p:childTnLst>
-                                </p:cTn>
-                              </p:par>
-                              <p:par>
-                                <p:cTn id="21" presetID="1" presetClass="entr" presetSubtype="0" fill="hold" nodeType="withEffect">
-                                  <p:stCondLst>
-                                    <p:cond delay="0"/>
-                                  </p:stCondLst>
-                                  <p:childTnLst>
-                                    <p:set>
-                                      <p:cBhvr>
-                                        <p:cTn id="22" dur="1" fill="hold">
-                                          <p:stCondLst>
-                                            <p:cond delay="0"/>
-                                          </p:stCondLst>
-                                        </p:cTn>
-                                        <p:tgtEl>
-                                          <p:spTgt spid="4"/>
-                                        </p:tgtEl>
-                                        <p:attrNameLst>
-                                          <p:attrName>style.visibility</p:attrName>
-                                        </p:attrNameLst>
-                                      </p:cBhvr>
-                                      <p:to>
-                                        <p:strVal val="visible"/>
-                                      </p:to>
-                                    </p:set>
-                                  </p:childTnLst>
-                                </p:cTn>
-                              </p:par>
-                            </p:childTnLst>
-                          </p:cTn>
-                        </p:par>
-                      </p:childTnLst>
-                    </p:cTn>
-                  </p:par>
-                </p:childTnLst>
-              </p:cTn>
-              <p:prevCondLst>
-                <p:cond evt="onPrev" delay="0">
-                  <p:tgtEl>
-                    <p:sldTgt/>
-                  </p:tgtEl>
-                </p:cond>
-              </p:prevCondLst>
-              <p:nextCondLst>
-                <p:cond evt="onNext" delay="0">
-                  <p:tgtEl>
-                    <p:sldTgt/>
-                  </p:tgtEl>
-                </p:cond>
-              </p:nextCondLst>
-            </p:seq>
-          </p:childTnLst>
-        </p:cTn>
-      </p:par>
-    </p:tnLst>
-  </p:timing>
 </p:sld>
 </file>
 
